--- a/docs/diagrams/ModelComponentClassDiagram.pptx
+++ b/docs/diagrams/ModelComponentClassDiagram.pptx
@@ -109,7 +109,7 @@
   </p:defaultTextStyle>
   <p:extLst>
     <p:ext uri="{EFAFB233-063F-42B5-8137-9DF3F51BA10A}">
-      <p15:sldGuideLst xmlns:p15="http://schemas.microsoft.com/office/powerpoint/2012/main">
+      <p15:sldGuideLst xmlns:p15="http://schemas.microsoft.com/office/powerpoint/2012/main" xmlns="">
         <p15:guide id="1" orient="horz" pos="1488">
           <p15:clr>
             <a:srgbClr val="A4A3A4"/>
@@ -208,7 +208,8 @@
           <a:p>
             <a:fld id="{F5CC4B3F-88C1-4FFA-B1B6-F41C21DC6924}" type="datetimeFigureOut">
               <a:rPr lang="en-US" smtClean="0"/>
-              <a:t>1/1/18</a:t>
+              <a:pPr/>
+              <a:t>3/20/2018</a:t>
             </a:fld>
             <a:endParaRPr lang="en-US"/>
           </a:p>
@@ -367,6 +368,7 @@
           <a:p>
             <a:fld id="{5A7AB025-77E3-4BD1-A2FD-B3183DBA47A3}" type="slidenum">
               <a:rPr lang="en-US" smtClean="0"/>
+              <a:pPr/>
               <a:t>‹#›</a:t>
             </a:fld>
             <a:endParaRPr lang="en-US"/>
@@ -376,7 +378,7 @@
     </p:spTree>
     <p:extLst>
       <p:ext uri="{BB962C8B-B14F-4D97-AF65-F5344CB8AC3E}">
-        <p14:creationId xmlns:p14="http://schemas.microsoft.com/office/powerpoint/2010/main" val="2023976206"/>
+        <p14:creationId xmlns:p14="http://schemas.microsoft.com/office/powerpoint/2010/main" xmlns="" val="2023976206"/>
       </p:ext>
     </p:extLst>
   </p:cSld>
@@ -476,6 +478,88 @@
 </p:notesMaster>
 </file>
 
+<file path=ppt/notesSlides/notesSlide1.xml><?xml version="1.0" encoding="utf-8"?>
+<p:notes xmlns:a="http://schemas.openxmlformats.org/drawingml/2006/main" xmlns:r="http://schemas.openxmlformats.org/officeDocument/2006/relationships" xmlns:p="http://schemas.openxmlformats.org/presentationml/2006/main">
+  <p:cSld>
+    <p:spTree>
+      <p:nvGrpSpPr>
+        <p:cNvPr id="1" name=""/>
+        <p:cNvGrpSpPr/>
+        <p:nvPr/>
+      </p:nvGrpSpPr>
+      <p:grpSpPr>
+        <a:xfrm>
+          <a:off x="0" y="0"/>
+          <a:ext cx="0" cy="0"/>
+          <a:chOff x="0" y="0"/>
+          <a:chExt cx="0" cy="0"/>
+        </a:xfrm>
+      </p:grpSpPr>
+      <p:sp>
+        <p:nvSpPr>
+          <p:cNvPr id="2" name="Slide Image Placeholder 1"/>
+          <p:cNvSpPr>
+            <a:spLocks noGrp="1" noRot="1" noChangeAspect="1"/>
+          </p:cNvSpPr>
+          <p:nvPr>
+            <p:ph type="sldImg"/>
+          </p:nvPr>
+        </p:nvSpPr>
+        <p:spPr/>
+      </p:sp>
+      <p:sp>
+        <p:nvSpPr>
+          <p:cNvPr id="3" name="Notes Placeholder 2"/>
+          <p:cNvSpPr>
+            <a:spLocks noGrp="1"/>
+          </p:cNvSpPr>
+          <p:nvPr>
+            <p:ph type="body" idx="1"/>
+          </p:nvPr>
+        </p:nvSpPr>
+        <p:spPr/>
+        <p:txBody>
+          <a:bodyPr>
+            <a:normAutofit/>
+          </a:bodyPr>
+          <a:lstStyle/>
+          <a:p>
+            <a:endParaRPr lang="en-SG" dirty="0"/>
+          </a:p>
+        </p:txBody>
+      </p:sp>
+      <p:sp>
+        <p:nvSpPr>
+          <p:cNvPr id="4" name="Slide Number Placeholder 3"/>
+          <p:cNvSpPr>
+            <a:spLocks noGrp="1"/>
+          </p:cNvSpPr>
+          <p:nvPr>
+            <p:ph type="sldNum" sz="quarter" idx="10"/>
+          </p:nvPr>
+        </p:nvSpPr>
+        <p:spPr/>
+        <p:txBody>
+          <a:bodyPr/>
+          <a:lstStyle/>
+          <a:p>
+            <a:fld id="{5A7AB025-77E3-4BD1-A2FD-B3183DBA47A3}" type="slidenum">
+              <a:rPr lang="en-US" smtClean="0"/>
+              <a:pPr/>
+              <a:t>1</a:t>
+            </a:fld>
+            <a:endParaRPr lang="en-US"/>
+          </a:p>
+        </p:txBody>
+      </p:sp>
+    </p:spTree>
+  </p:cSld>
+  <p:clrMapOvr>
+    <a:masterClrMapping/>
+  </p:clrMapOvr>
+</p:notes>
+</file>
+
 <file path=ppt/slideLayouts/slideLayout1.xml><?xml version="1.0" encoding="utf-8"?>
 <p:sldLayout xmlns:a="http://schemas.openxmlformats.org/drawingml/2006/main" xmlns:r="http://schemas.openxmlformats.org/officeDocument/2006/relationships" xmlns:p="http://schemas.openxmlformats.org/presentationml/2006/main" type="title" preserve="1">
   <p:cSld name="Title Slide">
@@ -657,7 +741,8 @@
           <a:p>
             <a:fld id="{78C97017-6FC3-485B-9764-EAC9E56C1D49}" type="datetimeFigureOut">
               <a:rPr lang="en-US" smtClean="0"/>
-              <a:t>1/1/18</a:t>
+              <a:pPr/>
+              <a:t>3/20/2018</a:t>
             </a:fld>
             <a:endParaRPr lang="en-US"/>
           </a:p>
@@ -699,6 +784,7 @@
           <a:p>
             <a:fld id="{FB34683C-161B-4520-BF45-B179E228CF2A}" type="slidenum">
               <a:rPr lang="en-US" smtClean="0"/>
+              <a:pPr/>
               <a:t>‹#›</a:t>
             </a:fld>
             <a:endParaRPr lang="en-US"/>
@@ -708,7 +794,7 @@
     </p:spTree>
     <p:extLst>
       <p:ext uri="{BB962C8B-B14F-4D97-AF65-F5344CB8AC3E}">
-        <p14:creationId xmlns:p14="http://schemas.microsoft.com/office/powerpoint/2010/main" val="3246593157"/>
+        <p14:creationId xmlns:p14="http://schemas.microsoft.com/office/powerpoint/2010/main" xmlns="" val="3246593157"/>
       </p:ext>
     </p:extLst>
   </p:cSld>
@@ -827,7 +913,8 @@
           <a:p>
             <a:fld id="{78C97017-6FC3-485B-9764-EAC9E56C1D49}" type="datetimeFigureOut">
               <a:rPr lang="en-US" smtClean="0"/>
-              <a:t>1/1/18</a:t>
+              <a:pPr/>
+              <a:t>3/20/2018</a:t>
             </a:fld>
             <a:endParaRPr lang="en-US"/>
           </a:p>
@@ -869,6 +956,7 @@
           <a:p>
             <a:fld id="{FB34683C-161B-4520-BF45-B179E228CF2A}" type="slidenum">
               <a:rPr lang="en-US" smtClean="0"/>
+              <a:pPr/>
               <a:t>‹#›</a:t>
             </a:fld>
             <a:endParaRPr lang="en-US"/>
@@ -878,7 +966,7 @@
     </p:spTree>
     <p:extLst>
       <p:ext uri="{BB962C8B-B14F-4D97-AF65-F5344CB8AC3E}">
-        <p14:creationId xmlns:p14="http://schemas.microsoft.com/office/powerpoint/2010/main" val="2707025021"/>
+        <p14:creationId xmlns:p14="http://schemas.microsoft.com/office/powerpoint/2010/main" xmlns="" val="2707025021"/>
       </p:ext>
     </p:extLst>
   </p:cSld>
@@ -1007,7 +1095,8 @@
           <a:p>
             <a:fld id="{78C97017-6FC3-485B-9764-EAC9E56C1D49}" type="datetimeFigureOut">
               <a:rPr lang="en-US" smtClean="0"/>
-              <a:t>1/1/18</a:t>
+              <a:pPr/>
+              <a:t>3/20/2018</a:t>
             </a:fld>
             <a:endParaRPr lang="en-US"/>
           </a:p>
@@ -1049,6 +1138,7 @@
           <a:p>
             <a:fld id="{FB34683C-161B-4520-BF45-B179E228CF2A}" type="slidenum">
               <a:rPr lang="en-US" smtClean="0"/>
+              <a:pPr/>
               <a:t>‹#›</a:t>
             </a:fld>
             <a:endParaRPr lang="en-US"/>
@@ -1058,7 +1148,7 @@
     </p:spTree>
     <p:extLst>
       <p:ext uri="{BB962C8B-B14F-4D97-AF65-F5344CB8AC3E}">
-        <p14:creationId xmlns:p14="http://schemas.microsoft.com/office/powerpoint/2010/main" val="568378986"/>
+        <p14:creationId xmlns:p14="http://schemas.microsoft.com/office/powerpoint/2010/main" xmlns="" val="568378986"/>
       </p:ext>
     </p:extLst>
   </p:cSld>
@@ -1177,7 +1267,8 @@
           <a:p>
             <a:fld id="{78C97017-6FC3-485B-9764-EAC9E56C1D49}" type="datetimeFigureOut">
               <a:rPr lang="en-US" smtClean="0"/>
-              <a:t>1/1/18</a:t>
+              <a:pPr/>
+              <a:t>3/20/2018</a:t>
             </a:fld>
             <a:endParaRPr lang="en-US"/>
           </a:p>
@@ -1219,6 +1310,7 @@
           <a:p>
             <a:fld id="{FB34683C-161B-4520-BF45-B179E228CF2A}" type="slidenum">
               <a:rPr lang="en-US" smtClean="0"/>
+              <a:pPr/>
               <a:t>‹#›</a:t>
             </a:fld>
             <a:endParaRPr lang="en-US"/>
@@ -1228,7 +1320,7 @@
     </p:spTree>
     <p:extLst>
       <p:ext uri="{BB962C8B-B14F-4D97-AF65-F5344CB8AC3E}">
-        <p14:creationId xmlns:p14="http://schemas.microsoft.com/office/powerpoint/2010/main" val="266658052"/>
+        <p14:creationId xmlns:p14="http://schemas.microsoft.com/office/powerpoint/2010/main" xmlns="" val="266658052"/>
       </p:ext>
     </p:extLst>
   </p:cSld>
@@ -1423,7 +1515,8 @@
           <a:p>
             <a:fld id="{78C97017-6FC3-485B-9764-EAC9E56C1D49}" type="datetimeFigureOut">
               <a:rPr lang="en-US" smtClean="0"/>
-              <a:t>1/1/18</a:t>
+              <a:pPr/>
+              <a:t>3/20/2018</a:t>
             </a:fld>
             <a:endParaRPr lang="en-US"/>
           </a:p>
@@ -1465,6 +1558,7 @@
           <a:p>
             <a:fld id="{FB34683C-161B-4520-BF45-B179E228CF2A}" type="slidenum">
               <a:rPr lang="en-US" smtClean="0"/>
+              <a:pPr/>
               <a:t>‹#›</a:t>
             </a:fld>
             <a:endParaRPr lang="en-US"/>
@@ -1474,7 +1568,7 @@
     </p:spTree>
     <p:extLst>
       <p:ext uri="{BB962C8B-B14F-4D97-AF65-F5344CB8AC3E}">
-        <p14:creationId xmlns:p14="http://schemas.microsoft.com/office/powerpoint/2010/main" val="474686344"/>
+        <p14:creationId xmlns:p14="http://schemas.microsoft.com/office/powerpoint/2010/main" xmlns="" val="474686344"/>
       </p:ext>
     </p:extLst>
   </p:cSld>
@@ -1711,7 +1805,8 @@
           <a:p>
             <a:fld id="{78C97017-6FC3-485B-9764-EAC9E56C1D49}" type="datetimeFigureOut">
               <a:rPr lang="en-US" smtClean="0"/>
-              <a:t>1/1/18</a:t>
+              <a:pPr/>
+              <a:t>3/20/2018</a:t>
             </a:fld>
             <a:endParaRPr lang="en-US"/>
           </a:p>
@@ -1753,6 +1848,7 @@
           <a:p>
             <a:fld id="{FB34683C-161B-4520-BF45-B179E228CF2A}" type="slidenum">
               <a:rPr lang="en-US" smtClean="0"/>
+              <a:pPr/>
               <a:t>‹#›</a:t>
             </a:fld>
             <a:endParaRPr lang="en-US"/>
@@ -1762,7 +1858,7 @@
     </p:spTree>
     <p:extLst>
       <p:ext uri="{BB962C8B-B14F-4D97-AF65-F5344CB8AC3E}">
-        <p14:creationId xmlns:p14="http://schemas.microsoft.com/office/powerpoint/2010/main" val="562293251"/>
+        <p14:creationId xmlns:p14="http://schemas.microsoft.com/office/powerpoint/2010/main" xmlns="" val="562293251"/>
       </p:ext>
     </p:extLst>
   </p:cSld>
@@ -2133,7 +2229,8 @@
           <a:p>
             <a:fld id="{78C97017-6FC3-485B-9764-EAC9E56C1D49}" type="datetimeFigureOut">
               <a:rPr lang="en-US" smtClean="0"/>
-              <a:t>1/1/18</a:t>
+              <a:pPr/>
+              <a:t>3/20/2018</a:t>
             </a:fld>
             <a:endParaRPr lang="en-US"/>
           </a:p>
@@ -2175,6 +2272,7 @@
           <a:p>
             <a:fld id="{FB34683C-161B-4520-BF45-B179E228CF2A}" type="slidenum">
               <a:rPr lang="en-US" smtClean="0"/>
+              <a:pPr/>
               <a:t>‹#›</a:t>
             </a:fld>
             <a:endParaRPr lang="en-US"/>
@@ -2184,7 +2282,7 @@
     </p:spTree>
     <p:extLst>
       <p:ext uri="{BB962C8B-B14F-4D97-AF65-F5344CB8AC3E}">
-        <p14:creationId xmlns:p14="http://schemas.microsoft.com/office/powerpoint/2010/main" val="1126424250"/>
+        <p14:creationId xmlns:p14="http://schemas.microsoft.com/office/powerpoint/2010/main" xmlns="" val="1126424250"/>
       </p:ext>
     </p:extLst>
   </p:cSld>
@@ -2251,7 +2349,8 @@
           <a:p>
             <a:fld id="{78C97017-6FC3-485B-9764-EAC9E56C1D49}" type="datetimeFigureOut">
               <a:rPr lang="en-US" smtClean="0"/>
-              <a:t>1/1/18</a:t>
+              <a:pPr/>
+              <a:t>3/20/2018</a:t>
             </a:fld>
             <a:endParaRPr lang="en-US"/>
           </a:p>
@@ -2293,6 +2392,7 @@
           <a:p>
             <a:fld id="{FB34683C-161B-4520-BF45-B179E228CF2A}" type="slidenum">
               <a:rPr lang="en-US" smtClean="0"/>
+              <a:pPr/>
               <a:t>‹#›</a:t>
             </a:fld>
             <a:endParaRPr lang="en-US"/>
@@ -2302,7 +2402,7 @@
     </p:spTree>
     <p:extLst>
       <p:ext uri="{BB962C8B-B14F-4D97-AF65-F5344CB8AC3E}">
-        <p14:creationId xmlns:p14="http://schemas.microsoft.com/office/powerpoint/2010/main" val="4159724230"/>
+        <p14:creationId xmlns:p14="http://schemas.microsoft.com/office/powerpoint/2010/main" xmlns="" val="4159724230"/>
       </p:ext>
     </p:extLst>
   </p:cSld>
@@ -2346,7 +2446,8 @@
           <a:p>
             <a:fld id="{78C97017-6FC3-485B-9764-EAC9E56C1D49}" type="datetimeFigureOut">
               <a:rPr lang="en-US" smtClean="0"/>
-              <a:t>1/1/18</a:t>
+              <a:pPr/>
+              <a:t>3/20/2018</a:t>
             </a:fld>
             <a:endParaRPr lang="en-US"/>
           </a:p>
@@ -2388,6 +2489,7 @@
           <a:p>
             <a:fld id="{FB34683C-161B-4520-BF45-B179E228CF2A}" type="slidenum">
               <a:rPr lang="en-US" smtClean="0"/>
+              <a:pPr/>
               <a:t>‹#›</a:t>
             </a:fld>
             <a:endParaRPr lang="en-US"/>
@@ -2397,7 +2499,7 @@
     </p:spTree>
     <p:extLst>
       <p:ext uri="{BB962C8B-B14F-4D97-AF65-F5344CB8AC3E}">
-        <p14:creationId xmlns:p14="http://schemas.microsoft.com/office/powerpoint/2010/main" val="1793928710"/>
+        <p14:creationId xmlns:p14="http://schemas.microsoft.com/office/powerpoint/2010/main" xmlns="" val="1793928710"/>
       </p:ext>
     </p:extLst>
   </p:cSld>
@@ -2623,7 +2725,8 @@
           <a:p>
             <a:fld id="{78C97017-6FC3-485B-9764-EAC9E56C1D49}" type="datetimeFigureOut">
               <a:rPr lang="en-US" smtClean="0"/>
-              <a:t>1/1/18</a:t>
+              <a:pPr/>
+              <a:t>3/20/2018</a:t>
             </a:fld>
             <a:endParaRPr lang="en-US"/>
           </a:p>
@@ -2665,6 +2768,7 @@
           <a:p>
             <a:fld id="{FB34683C-161B-4520-BF45-B179E228CF2A}" type="slidenum">
               <a:rPr lang="en-US" smtClean="0"/>
+              <a:pPr/>
               <a:t>‹#›</a:t>
             </a:fld>
             <a:endParaRPr lang="en-US"/>
@@ -2674,7 +2778,7 @@
     </p:spTree>
     <p:extLst>
       <p:ext uri="{BB962C8B-B14F-4D97-AF65-F5344CB8AC3E}">
-        <p14:creationId xmlns:p14="http://schemas.microsoft.com/office/powerpoint/2010/main" val="2076802089"/>
+        <p14:creationId xmlns:p14="http://schemas.microsoft.com/office/powerpoint/2010/main" xmlns="" val="2076802089"/>
       </p:ext>
     </p:extLst>
   </p:cSld>
@@ -2876,7 +2980,8 @@
           <a:p>
             <a:fld id="{78C97017-6FC3-485B-9764-EAC9E56C1D49}" type="datetimeFigureOut">
               <a:rPr lang="en-US" smtClean="0"/>
-              <a:t>1/1/18</a:t>
+              <a:pPr/>
+              <a:t>3/20/2018</a:t>
             </a:fld>
             <a:endParaRPr lang="en-US"/>
           </a:p>
@@ -2918,6 +3023,7 @@
           <a:p>
             <a:fld id="{FB34683C-161B-4520-BF45-B179E228CF2A}" type="slidenum">
               <a:rPr lang="en-US" smtClean="0"/>
+              <a:pPr/>
               <a:t>‹#›</a:t>
             </a:fld>
             <a:endParaRPr lang="en-US"/>
@@ -2927,7 +3033,7 @@
     </p:spTree>
     <p:extLst>
       <p:ext uri="{BB962C8B-B14F-4D97-AF65-F5344CB8AC3E}">
-        <p14:creationId xmlns:p14="http://schemas.microsoft.com/office/powerpoint/2010/main" val="201835938"/>
+        <p14:creationId xmlns:p14="http://schemas.microsoft.com/office/powerpoint/2010/main" xmlns="" val="201835938"/>
       </p:ext>
     </p:extLst>
   </p:cSld>
@@ -3089,7 +3195,8 @@
           <a:p>
             <a:fld id="{78C97017-6FC3-485B-9764-EAC9E56C1D49}" type="datetimeFigureOut">
               <a:rPr lang="en-US" smtClean="0"/>
-              <a:t>1/1/18</a:t>
+              <a:pPr/>
+              <a:t>3/20/2018</a:t>
             </a:fld>
             <a:endParaRPr lang="en-US"/>
           </a:p>
@@ -3167,6 +3274,7 @@
           <a:p>
             <a:fld id="{FB34683C-161B-4520-BF45-B179E228CF2A}" type="slidenum">
               <a:rPr lang="en-US" smtClean="0"/>
+              <a:pPr/>
               <a:t>‹#›</a:t>
             </a:fld>
             <a:endParaRPr lang="en-US"/>
@@ -3176,7 +3284,7 @@
     </p:spTree>
     <p:extLst>
       <p:ext uri="{BB962C8B-B14F-4D97-AF65-F5344CB8AC3E}">
-        <p14:creationId xmlns:p14="http://schemas.microsoft.com/office/powerpoint/2010/main" val="2341400630"/>
+        <p14:creationId xmlns:p14="http://schemas.microsoft.com/office/powerpoint/2010/main" xmlns="" val="2341400630"/>
       </p:ext>
     </p:extLst>
   </p:cSld>
@@ -3472,8 +3580,8 @@
         </p:nvSpPr>
         <p:spPr>
           <a:xfrm>
-            <a:off x="1119865" y="1727200"/>
-            <a:ext cx="7490735" cy="2997200"/>
+            <a:off x="533400" y="1676400"/>
+            <a:ext cx="8153400" cy="4191000"/>
           </a:xfrm>
           <a:prstGeom prst="roundRect">
             <a:avLst>
@@ -3533,7 +3641,7 @@
         </p:nvSpPr>
         <p:spPr>
           <a:xfrm>
-            <a:off x="2877180" y="3158440"/>
+            <a:off x="2419980" y="3158440"/>
             <a:ext cx="1093635" cy="346760"/>
           </a:xfrm>
           <a:prstGeom prst="rect">
@@ -3592,7 +3700,7 @@
         </p:nvSpPr>
         <p:spPr>
           <a:xfrm rot="16200000">
-            <a:off x="1683963" y="2868687"/>
+            <a:off x="1226763" y="2868687"/>
             <a:ext cx="1093635" cy="346760"/>
           </a:xfrm>
           <a:prstGeom prst="rect">
@@ -3643,50 +3751,6 @@
           </a:p>
         </p:txBody>
       </p:sp>
-      <p:cxnSp>
-        <p:nvCxnSpPr>
-          <p:cNvPr id="107" name="Elbow Connector 106"/>
-          <p:cNvCxnSpPr>
-            <a:stCxn id="9" idx="1"/>
-          </p:cNvCxnSpPr>
-          <p:nvPr/>
-        </p:nvCxnSpPr>
-        <p:spPr>
-          <a:xfrm rot="5400000" flipH="1" flipV="1">
-            <a:off x="4360065" y="1080909"/>
-            <a:ext cx="378691" cy="4637261"/>
-          </a:xfrm>
-          <a:prstGeom prst="bentConnector4">
-            <a:avLst>
-              <a:gd name="adj1" fmla="val -101829"/>
-              <a:gd name="adj2" fmla="val 99976"/>
-            </a:avLst>
-          </a:prstGeom>
-          <a:ln w="19050">
-            <a:solidFill>
-              <a:srgbClr val="7030A0"/>
-            </a:solidFill>
-            <a:prstDash val="solid"/>
-            <a:headEnd type="none" w="med" len="med"/>
-            <a:tailEnd type="arrow" w="med" len="med"/>
-          </a:ln>
-          <a:effectLst/>
-        </p:spPr>
-        <p:style>
-          <a:lnRef idx="1">
-            <a:schemeClr val="accent2"/>
-          </a:lnRef>
-          <a:fillRef idx="2">
-            <a:schemeClr val="accent2"/>
-          </a:fillRef>
-          <a:effectRef idx="1">
-            <a:schemeClr val="accent2"/>
-          </a:effectRef>
-          <a:fontRef idx="minor">
-            <a:schemeClr val="dk1"/>
-          </a:fontRef>
-        </p:style>
-      </p:cxnSp>
       <p:sp>
         <p:nvSpPr>
           <p:cNvPr id="119" name="Rectangle 62"/>
@@ -3695,7 +3759,7 @@
         </p:nvSpPr>
         <p:spPr>
           <a:xfrm rot="16200000">
-            <a:off x="956202" y="2861202"/>
+            <a:off x="499002" y="2861202"/>
             <a:ext cx="1093635" cy="346760"/>
           </a:xfrm>
           <a:prstGeom prst="rect">
@@ -3765,7 +3829,7 @@
         </p:nvSpPr>
         <p:spPr>
           <a:xfrm rot="16200000">
-            <a:off x="1626910" y="2952291"/>
+            <a:off x="1169710" y="2952291"/>
             <a:ext cx="270504" cy="175523"/>
           </a:xfrm>
           <a:prstGeom prst="triangle">
@@ -3815,7 +3879,7 @@
         </p:nvCxnSpPr>
         <p:spPr>
           <a:xfrm>
-            <a:off x="2656370" y="3326536"/>
+            <a:off x="2199170" y="3326536"/>
             <a:ext cx="220810" cy="5284"/>
           </a:xfrm>
           <a:prstGeom prst="straightConnector1">
@@ -3853,7 +3917,7 @@
         </p:nvCxnSpPr>
         <p:spPr>
           <a:xfrm>
-            <a:off x="910091" y="3040053"/>
+            <a:off x="452891" y="3040053"/>
             <a:ext cx="419548" cy="2860"/>
           </a:xfrm>
           <a:prstGeom prst="bentConnector3">
@@ -3898,7 +3962,7 @@
         </p:nvCxnSpPr>
         <p:spPr>
           <a:xfrm flipV="1">
-            <a:off x="1849924" y="3040052"/>
+            <a:off x="1392724" y="3040052"/>
             <a:ext cx="216105" cy="1"/>
           </a:xfrm>
           <a:prstGeom prst="line">
@@ -3937,7 +4001,7 @@
         </p:nvSpPr>
         <p:spPr>
           <a:xfrm>
-            <a:off x="2420322" y="3239846"/>
+            <a:off x="1963122" y="3239846"/>
             <a:ext cx="236048" cy="173380"/>
           </a:xfrm>
           <a:prstGeom prst="flowChartDecision">
@@ -3982,7 +4046,7 @@
         </p:nvSpPr>
         <p:spPr>
           <a:xfrm>
-            <a:off x="2879490" y="2627420"/>
+            <a:off x="2422290" y="2627420"/>
             <a:ext cx="1093635" cy="346760"/>
           </a:xfrm>
           <a:prstGeom prst="rect">
@@ -4041,7 +4105,7 @@
         </p:nvCxnSpPr>
         <p:spPr>
           <a:xfrm>
-            <a:off x="2658680" y="2795516"/>
+            <a:off x="2201480" y="2795516"/>
             <a:ext cx="220810" cy="5284"/>
           </a:xfrm>
           <a:prstGeom prst="straightConnector1">
@@ -4079,7 +4143,7 @@
         </p:nvSpPr>
         <p:spPr>
           <a:xfrm>
-            <a:off x="2422632" y="2708826"/>
+            <a:off x="1965432" y="2708826"/>
             <a:ext cx="236048" cy="173380"/>
           </a:xfrm>
           <a:prstGeom prst="flowChartDecision">
@@ -4124,7 +4188,7 @@
         </p:nvSpPr>
         <p:spPr>
           <a:xfrm>
-            <a:off x="4487017" y="2847371"/>
+            <a:off x="4029817" y="2847371"/>
             <a:ext cx="1156969" cy="346760"/>
           </a:xfrm>
           <a:prstGeom prst="rect">
@@ -4180,7 +4244,7 @@
         </p:nvSpPr>
         <p:spPr>
           <a:xfrm>
-            <a:off x="3984303" y="2673991"/>
+            <a:off x="3527103" y="2673991"/>
             <a:ext cx="236048" cy="173380"/>
           </a:xfrm>
           <a:prstGeom prst="flowChartDecision">
@@ -4230,7 +4294,7 @@
         </p:nvCxnSpPr>
         <p:spPr>
           <a:xfrm>
-            <a:off x="4220351" y="2760681"/>
+            <a:off x="3763151" y="2760681"/>
             <a:ext cx="266666" cy="260070"/>
           </a:xfrm>
           <a:prstGeom prst="bentConnector3">
@@ -4268,7 +4332,7 @@
         </p:nvSpPr>
         <p:spPr>
           <a:xfrm>
-            <a:off x="4477328" y="2280569"/>
+            <a:off x="4020128" y="2280569"/>
             <a:ext cx="1156969" cy="346760"/>
           </a:xfrm>
           <a:prstGeom prst="rect">
@@ -4327,7 +4391,7 @@
         </p:nvCxnSpPr>
         <p:spPr>
           <a:xfrm flipV="1">
-            <a:off x="4220351" y="2453949"/>
+            <a:off x="3763151" y="2453949"/>
             <a:ext cx="256977" cy="306732"/>
           </a:xfrm>
           <a:prstGeom prst="bentConnector3">
@@ -4367,7 +4431,7 @@
         </p:nvSpPr>
         <p:spPr>
           <a:xfrm>
-            <a:off x="6313677" y="2858066"/>
+            <a:off x="5856477" y="2858066"/>
             <a:ext cx="708186" cy="346760"/>
           </a:xfrm>
           <a:prstGeom prst="rect">
@@ -4423,7 +4487,7 @@
         </p:nvSpPr>
         <p:spPr>
           <a:xfrm>
-            <a:off x="5643227" y="2943979"/>
+            <a:off x="5186027" y="2895600"/>
             <a:ext cx="236048" cy="173380"/>
           </a:xfrm>
           <a:prstGeom prst="flowChartDecision">
@@ -4465,13 +4529,12 @@
           <p:cNvPr id="64" name="Elbow Connector 63"/>
           <p:cNvCxnSpPr>
             <a:stCxn id="63" idx="3"/>
-            <a:endCxn id="62" idx="1"/>
           </p:cNvCxnSpPr>
           <p:nvPr/>
         </p:nvCxnSpPr>
         <p:spPr>
           <a:xfrm>
-            <a:off x="5879275" y="3030669"/>
+            <a:off x="5422075" y="2982290"/>
             <a:ext cx="434402" cy="777"/>
           </a:xfrm>
           <a:prstGeom prst="bentConnector3">
@@ -4509,7 +4572,7 @@
         </p:nvSpPr>
         <p:spPr>
           <a:xfrm>
-            <a:off x="5336105" y="1809332"/>
+            <a:off x="4878905" y="1809332"/>
             <a:ext cx="483700" cy="346760"/>
           </a:xfrm>
           <a:prstGeom prst="rect">
@@ -4565,7 +4628,7 @@
         </p:nvSpPr>
         <p:spPr>
           <a:xfrm rot="16200000">
-            <a:off x="4921666" y="2066540"/>
+            <a:off x="4464466" y="2066540"/>
             <a:ext cx="236048" cy="173380"/>
           </a:xfrm>
           <a:prstGeom prst="flowChartDecision">
@@ -4613,7 +4676,7 @@
         </p:nvCxnSpPr>
         <p:spPr>
           <a:xfrm rot="5400000" flipH="1" flipV="1">
-            <a:off x="5161650" y="1860752"/>
+            <a:off x="4704450" y="1860752"/>
             <a:ext cx="52494" cy="296415"/>
           </a:xfrm>
           <a:prstGeom prst="bentConnector2">
@@ -4651,7 +4714,7 @@
         </p:nvSpPr>
         <p:spPr>
           <a:xfrm>
-            <a:off x="7712397" y="2564238"/>
+            <a:off x="7255197" y="1981200"/>
             <a:ext cx="708186" cy="285783"/>
           </a:xfrm>
           <a:prstGeom prst="rect">
@@ -4707,7 +4770,7 @@
         </p:nvSpPr>
         <p:spPr>
           <a:xfrm>
-            <a:off x="7041947" y="2948201"/>
+            <a:off x="6584747" y="2912685"/>
             <a:ext cx="236048" cy="173380"/>
           </a:xfrm>
           <a:prstGeom prst="flowChartDecision">
@@ -4757,11 +4820,13 @@
         </p:nvCxnSpPr>
         <p:spPr>
           <a:xfrm flipV="1">
-            <a:off x="7277995" y="2707130"/>
-            <a:ext cx="434402" cy="327761"/>
+            <a:off x="6820795" y="2124092"/>
+            <a:ext cx="434402" cy="875283"/>
           </a:xfrm>
           <a:prstGeom prst="bentConnector3">
-            <a:avLst/>
+            <a:avLst>
+              <a:gd name="adj1" fmla="val 50000"/>
+            </a:avLst>
           </a:prstGeom>
           <a:ln w="19050">
             <a:solidFill>
@@ -4795,7 +4860,7 @@
         </p:nvSpPr>
         <p:spPr>
           <a:xfrm>
-            <a:off x="7712397" y="2887216"/>
+            <a:off x="7255197" y="2304178"/>
             <a:ext cx="708186" cy="285783"/>
           </a:xfrm>
           <a:prstGeom prst="rect">
@@ -4854,11 +4919,13 @@
         </p:nvCxnSpPr>
         <p:spPr>
           <a:xfrm flipV="1">
-            <a:off x="7277995" y="3030108"/>
-            <a:ext cx="434402" cy="4783"/>
+            <a:off x="6820795" y="2447070"/>
+            <a:ext cx="434402" cy="552305"/>
           </a:xfrm>
           <a:prstGeom prst="bentConnector3">
-            <a:avLst/>
+            <a:avLst>
+              <a:gd name="adj1" fmla="val 50000"/>
+            </a:avLst>
           </a:prstGeom>
           <a:ln w="19050">
             <a:solidFill>
@@ -4892,7 +4959,7 @@
         </p:nvSpPr>
         <p:spPr>
           <a:xfrm>
-            <a:off x="7712397" y="3210194"/>
+            <a:off x="7255197" y="2627156"/>
             <a:ext cx="708186" cy="285783"/>
           </a:xfrm>
           <a:prstGeom prst="rect">
@@ -4950,12 +5017,14 @@
           <p:nvPr/>
         </p:nvCxnSpPr>
         <p:spPr>
-          <a:xfrm>
-            <a:off x="7277995" y="3034891"/>
-            <a:ext cx="434402" cy="318195"/>
+          <a:xfrm flipV="1">
+            <a:off x="6820795" y="2770048"/>
+            <a:ext cx="434402" cy="229327"/>
           </a:xfrm>
           <a:prstGeom prst="bentConnector3">
-            <a:avLst/>
+            <a:avLst>
+              <a:gd name="adj1" fmla="val 50000"/>
+            </a:avLst>
           </a:prstGeom>
           <a:ln w="19050">
             <a:solidFill>
@@ -4989,7 +5058,7 @@
         </p:nvSpPr>
         <p:spPr>
           <a:xfrm>
-            <a:off x="7712397" y="3533171"/>
+            <a:off x="7255197" y="2950133"/>
             <a:ext cx="708186" cy="285783"/>
           </a:xfrm>
           <a:prstGeom prst="rect">
@@ -5048,11 +5117,13 @@
         </p:nvCxnSpPr>
         <p:spPr>
           <a:xfrm>
-            <a:off x="7277995" y="3034891"/>
-            <a:ext cx="434402" cy="641172"/>
+            <a:off x="6820795" y="2999375"/>
+            <a:ext cx="434402" cy="93650"/>
           </a:xfrm>
           <a:prstGeom prst="bentConnector3">
-            <a:avLst/>
+            <a:avLst>
+              <a:gd name="adj1" fmla="val 50000"/>
+            </a:avLst>
           </a:prstGeom>
           <a:ln w="19050">
             <a:solidFill>
@@ -5088,7 +5159,7 @@
         </p:nvCxnSpPr>
         <p:spPr>
           <a:xfrm rot="16200000" flipH="1">
-            <a:off x="3279321" y="2485431"/>
+            <a:off x="2822121" y="2485431"/>
             <a:ext cx="293825" cy="1"/>
           </a:xfrm>
           <a:prstGeom prst="bentConnector3">
@@ -5129,7 +5200,7 @@
         </p:nvSpPr>
         <p:spPr>
           <a:xfrm rot="10800000" flipV="1">
-            <a:off x="3290981" y="2162997"/>
+            <a:off x="2833781" y="2162997"/>
             <a:ext cx="270504" cy="175523"/>
           </a:xfrm>
           <a:prstGeom prst="triangle">
@@ -5177,7 +5248,7 @@
         </p:nvSpPr>
         <p:spPr>
           <a:xfrm>
-            <a:off x="2660303" y="1806470"/>
+            <a:off x="2203103" y="1806470"/>
             <a:ext cx="1539926" cy="346760"/>
           </a:xfrm>
           <a:prstGeom prst="rect">
@@ -5248,8 +5319,8 @@
         </p:nvSpPr>
         <p:spPr>
           <a:xfrm rot="16200000">
-            <a:off x="6527512" y="3586305"/>
-            <a:ext cx="881018" cy="261610"/>
+            <a:off x="5943786" y="4310205"/>
+            <a:ext cx="804818" cy="261610"/>
           </a:xfrm>
           <a:prstGeom prst="rect">
             <a:avLst/>
@@ -5287,7 +5358,7 @@
         </p:nvSpPr>
         <p:spPr>
           <a:xfrm>
-            <a:off x="2057401" y="4239491"/>
+            <a:off x="1600200" y="5410200"/>
             <a:ext cx="1066800" cy="346760"/>
           </a:xfrm>
           <a:prstGeom prst="rect">
@@ -5328,7 +5399,7 @@
               <a:t>&lt;&lt;interface&gt;&gt;</a:t>
             </a:r>
             <a:r>
-              <a:rPr lang="en-US" sz="1050">
+              <a:rPr lang="en-US" sz="1050" dirty="0">
                 <a:solidFill>
                   <a:srgbClr val="7030A0"/>
                 </a:solidFill>
@@ -5336,7 +5407,7 @@
               <a:t/>
             </a:r>
             <a:br>
-              <a:rPr lang="en-US" sz="1050">
+              <a:rPr lang="en-US" sz="1050" dirty="0">
                 <a:solidFill>
                   <a:srgbClr val="7030A0"/>
                 </a:solidFill>
@@ -5361,16 +5432,13 @@
       <p:cxnSp>
         <p:nvCxnSpPr>
           <p:cNvPr id="124" name="Elbow Connector 122"/>
-          <p:cNvCxnSpPr>
-            <a:stCxn id="119" idx="1"/>
-            <a:endCxn id="122" idx="1"/>
-          </p:cNvCxnSpPr>
+          <p:cNvCxnSpPr/>
           <p:nvPr/>
         </p:nvCxnSpPr>
         <p:spPr>
           <a:xfrm rot="16200000" flipH="1">
-            <a:off x="1364475" y="3719944"/>
-            <a:ext cx="831471" cy="554381"/>
+            <a:off x="333010" y="4295409"/>
+            <a:ext cx="1980000" cy="554381"/>
           </a:xfrm>
           <a:prstGeom prst="bentConnector2">
             <a:avLst/>
@@ -5411,8 +5479,8 @@
         </p:nvCxnSpPr>
         <p:spPr>
           <a:xfrm rot="16200000" flipV="1">
-            <a:off x="5948976" y="2139271"/>
-            <a:ext cx="404117" cy="1033473"/>
+            <a:off x="5425040" y="2206007"/>
+            <a:ext cx="404117" cy="900000"/>
           </a:xfrm>
           <a:prstGeom prst="bentConnector2">
             <a:avLst/>
@@ -5449,7 +5517,7 @@
         </p:nvSpPr>
         <p:spPr>
           <a:xfrm>
-            <a:off x="4324972" y="2191228"/>
+            <a:off x="3867772" y="2209800"/>
             <a:ext cx="189257" cy="178683"/>
           </a:xfrm>
           <a:prstGeom prst="rect">
@@ -5488,7 +5556,7 @@
         </p:nvSpPr>
         <p:spPr>
           <a:xfrm>
-            <a:off x="4324972" y="3058864"/>
+            <a:off x="3867772" y="3058864"/>
             <a:ext cx="189257" cy="178683"/>
           </a:xfrm>
           <a:prstGeom prst="rect">
@@ -5527,7 +5595,7 @@
         </p:nvSpPr>
         <p:spPr>
           <a:xfrm>
-            <a:off x="5689761" y="2495413"/>
+            <a:off x="5232561" y="2495413"/>
             <a:ext cx="189257" cy="178683"/>
           </a:xfrm>
           <a:prstGeom prst="rect">
@@ -5566,7 +5634,7 @@
         </p:nvSpPr>
         <p:spPr>
           <a:xfrm>
-            <a:off x="5163172" y="1778919"/>
+            <a:off x="4705972" y="1802517"/>
             <a:ext cx="189257" cy="178683"/>
           </a:xfrm>
           <a:prstGeom prst="rect">
@@ -5605,7 +5673,7 @@
         </p:nvSpPr>
         <p:spPr>
           <a:xfrm>
-            <a:off x="6135256" y="3097917"/>
+            <a:off x="5678056" y="3048000"/>
             <a:ext cx="189257" cy="178683"/>
           </a:xfrm>
           <a:prstGeom prst="rect">
@@ -5644,7 +5712,7 @@
         </p:nvSpPr>
         <p:spPr>
           <a:xfrm>
-            <a:off x="2687923" y="2564238"/>
+            <a:off x="2230723" y="2564238"/>
             <a:ext cx="189257" cy="178683"/>
           </a:xfrm>
           <a:prstGeom prst="rect">
@@ -5683,7 +5751,7 @@
         </p:nvSpPr>
         <p:spPr>
           <a:xfrm>
-            <a:off x="2656370" y="3386050"/>
+            <a:off x="2199170" y="3386050"/>
             <a:ext cx="189257" cy="178683"/>
           </a:xfrm>
           <a:prstGeom prst="rect">
@@ -5722,7 +5790,7 @@
         </p:nvSpPr>
         <p:spPr>
           <a:xfrm>
-            <a:off x="6667770" y="3210194"/>
+            <a:off x="6211543" y="2667000"/>
             <a:ext cx="189257" cy="178683"/>
           </a:xfrm>
           <a:prstGeom prst="rect">
@@ -5753,10 +5821,1469 @@
           </a:p>
         </p:txBody>
       </p:sp>
+      <p:sp>
+        <p:nvSpPr>
+          <p:cNvPr id="52" name="Rectangle 8"/>
+          <p:cNvSpPr/>
+          <p:nvPr/>
+        </p:nvSpPr>
+        <p:spPr>
+          <a:xfrm>
+            <a:off x="4038600" y="3463240"/>
+            <a:ext cx="1156969" cy="346760"/>
+          </a:xfrm>
+          <a:prstGeom prst="rect">
+            <a:avLst/>
+          </a:prstGeom>
+          <a:ln w="19050">
+            <a:solidFill>
+              <a:srgbClr val="7030A0"/>
+            </a:solidFill>
+          </a:ln>
+          <a:effectLst/>
+        </p:spPr>
+        <p:style>
+          <a:lnRef idx="1">
+            <a:schemeClr val="accent4"/>
+          </a:lnRef>
+          <a:fillRef idx="2">
+            <a:schemeClr val="accent4"/>
+          </a:fillRef>
+          <a:effectRef idx="1">
+            <a:schemeClr val="accent4"/>
+          </a:effectRef>
+          <a:fontRef idx="minor">
+            <a:schemeClr val="dk1"/>
+          </a:fontRef>
+        </p:style>
+        <p:txBody>
+          <a:bodyPr rtlCol="0" anchor="ctr"/>
+          <a:lstStyle/>
+          <a:p>
+            <a:pPr algn="ctr"/>
+            <a:r>
+              <a:rPr lang="en-US" sz="1050" dirty="0" err="1" smtClean="0">
+                <a:solidFill>
+                  <a:srgbClr val="7030A0"/>
+                </a:solidFill>
+              </a:rPr>
+              <a:t>UniqueTaskList</a:t>
+            </a:r>
+            <a:endParaRPr lang="en-SG" sz="1050" dirty="0">
+              <a:solidFill>
+                <a:srgbClr val="7030A0"/>
+              </a:solidFill>
+            </a:endParaRPr>
+          </a:p>
+        </p:txBody>
+      </p:sp>
+      <p:sp>
+        <p:nvSpPr>
+          <p:cNvPr id="53" name="Rectangle 8"/>
+          <p:cNvSpPr/>
+          <p:nvPr/>
+        </p:nvSpPr>
+        <p:spPr>
+          <a:xfrm>
+            <a:off x="4038600" y="3996640"/>
+            <a:ext cx="1524000" cy="346760"/>
+          </a:xfrm>
+          <a:prstGeom prst="rect">
+            <a:avLst/>
+          </a:prstGeom>
+          <a:ln w="19050">
+            <a:solidFill>
+              <a:srgbClr val="7030A0"/>
+            </a:solidFill>
+          </a:ln>
+          <a:effectLst/>
+        </p:spPr>
+        <p:style>
+          <a:lnRef idx="1">
+            <a:schemeClr val="accent4"/>
+          </a:lnRef>
+          <a:fillRef idx="2">
+            <a:schemeClr val="accent4"/>
+          </a:fillRef>
+          <a:effectRef idx="1">
+            <a:schemeClr val="accent4"/>
+          </a:effectRef>
+          <a:fontRef idx="minor">
+            <a:schemeClr val="dk1"/>
+          </a:fontRef>
+        </p:style>
+        <p:txBody>
+          <a:bodyPr rtlCol="0" anchor="ctr"/>
+          <a:lstStyle/>
+          <a:p>
+            <a:pPr algn="ctr"/>
+            <a:r>
+              <a:rPr lang="en-US" sz="1050" dirty="0" err="1" smtClean="0">
+                <a:solidFill>
+                  <a:srgbClr val="7030A0"/>
+                </a:solidFill>
+              </a:rPr>
+              <a:t>UniqueTaskCategoryList</a:t>
+            </a:r>
+            <a:endParaRPr lang="en-SG" sz="1050" dirty="0">
+              <a:solidFill>
+                <a:srgbClr val="7030A0"/>
+              </a:solidFill>
+            </a:endParaRPr>
+          </a:p>
+        </p:txBody>
+      </p:sp>
+      <p:sp>
+        <p:nvSpPr>
+          <p:cNvPr id="127" name="Rectangle 8"/>
+          <p:cNvSpPr/>
+          <p:nvPr/>
+        </p:nvSpPr>
+        <p:spPr>
+          <a:xfrm>
+            <a:off x="5867400" y="3463240"/>
+            <a:ext cx="685800" cy="346760"/>
+          </a:xfrm>
+          <a:prstGeom prst="rect">
+            <a:avLst/>
+          </a:prstGeom>
+          <a:ln w="19050">
+            <a:solidFill>
+              <a:srgbClr val="7030A0"/>
+            </a:solidFill>
+          </a:ln>
+          <a:effectLst/>
+        </p:spPr>
+        <p:style>
+          <a:lnRef idx="1">
+            <a:schemeClr val="accent4"/>
+          </a:lnRef>
+          <a:fillRef idx="2">
+            <a:schemeClr val="accent4"/>
+          </a:fillRef>
+          <a:effectRef idx="1">
+            <a:schemeClr val="accent4"/>
+          </a:effectRef>
+          <a:fontRef idx="minor">
+            <a:schemeClr val="dk1"/>
+          </a:fontRef>
+        </p:style>
+        <p:txBody>
+          <a:bodyPr rtlCol="0" anchor="ctr"/>
+          <a:lstStyle/>
+          <a:p>
+            <a:pPr algn="ctr"/>
+            <a:r>
+              <a:rPr lang="en-US" sz="1050" dirty="0" smtClean="0">
+                <a:solidFill>
+                  <a:srgbClr val="7030A0"/>
+                </a:solidFill>
+              </a:rPr>
+              <a:t>Task</a:t>
+            </a:r>
+            <a:endParaRPr lang="en-SG" sz="1050" dirty="0">
+              <a:solidFill>
+                <a:srgbClr val="7030A0"/>
+              </a:solidFill>
+            </a:endParaRPr>
+          </a:p>
+        </p:txBody>
+      </p:sp>
+      <p:cxnSp>
+        <p:nvCxnSpPr>
+          <p:cNvPr id="128" name="Elbow Connector 127"/>
+          <p:cNvCxnSpPr/>
+          <p:nvPr/>
+        </p:nvCxnSpPr>
+        <p:spPr>
+          <a:xfrm>
+            <a:off x="3771934" y="2753400"/>
+            <a:ext cx="266666" cy="864000"/>
+          </a:xfrm>
+          <a:prstGeom prst="bentConnector3">
+            <a:avLst>
+              <a:gd name="adj1" fmla="val 48509"/>
+            </a:avLst>
+          </a:prstGeom>
+          <a:ln w="19050">
+            <a:solidFill>
+              <a:srgbClr val="7030A0"/>
+            </a:solidFill>
+            <a:headEnd type="none" w="med" len="med"/>
+            <a:tailEnd type="arrow" w="med" len="med"/>
+          </a:ln>
+          <a:effectLst/>
+        </p:spPr>
+        <p:style>
+          <a:lnRef idx="1">
+            <a:schemeClr val="accent2"/>
+          </a:lnRef>
+          <a:fillRef idx="2">
+            <a:schemeClr val="accent2"/>
+          </a:fillRef>
+          <a:effectRef idx="1">
+            <a:schemeClr val="accent2"/>
+          </a:effectRef>
+          <a:fontRef idx="minor">
+            <a:schemeClr val="dk1"/>
+          </a:fontRef>
+        </p:style>
+      </p:cxnSp>
+      <p:cxnSp>
+        <p:nvCxnSpPr>
+          <p:cNvPr id="130" name="Elbow Connector 129"/>
+          <p:cNvCxnSpPr/>
+          <p:nvPr/>
+        </p:nvCxnSpPr>
+        <p:spPr>
+          <a:xfrm>
+            <a:off x="3771934" y="2743200"/>
+            <a:ext cx="266400" cy="1404000"/>
+          </a:xfrm>
+          <a:prstGeom prst="bentConnector3">
+            <a:avLst>
+              <a:gd name="adj1" fmla="val 48509"/>
+            </a:avLst>
+          </a:prstGeom>
+          <a:ln w="19050">
+            <a:solidFill>
+              <a:srgbClr val="7030A0"/>
+            </a:solidFill>
+            <a:headEnd type="none" w="med" len="med"/>
+            <a:tailEnd type="arrow" w="med" len="med"/>
+          </a:ln>
+          <a:effectLst/>
+        </p:spPr>
+        <p:style>
+          <a:lnRef idx="1">
+            <a:schemeClr val="accent2"/>
+          </a:lnRef>
+          <a:fillRef idx="2">
+            <a:schemeClr val="accent2"/>
+          </a:fillRef>
+          <a:effectRef idx="1">
+            <a:schemeClr val="accent2"/>
+          </a:effectRef>
+          <a:fontRef idx="minor">
+            <a:schemeClr val="dk1"/>
+          </a:fontRef>
+        </p:style>
+      </p:cxnSp>
+      <p:sp>
+        <p:nvSpPr>
+          <p:cNvPr id="131" name="TextBox 130"/>
+          <p:cNvSpPr txBox="1"/>
+          <p:nvPr/>
+        </p:nvSpPr>
+        <p:spPr>
+          <a:xfrm>
+            <a:off x="3886200" y="3402717"/>
+            <a:ext cx="189257" cy="178683"/>
+          </a:xfrm>
+          <a:prstGeom prst="rect">
+            <a:avLst/>
+          </a:prstGeom>
+          <a:noFill/>
+        </p:spPr>
+        <p:txBody>
+          <a:bodyPr wrap="square" lIns="0" tIns="0" rIns="0" bIns="0" rtlCol="0">
+            <a:noAutofit/>
+          </a:bodyPr>
+          <a:lstStyle/>
+          <a:p>
+            <a:pPr algn="ctr"/>
+            <a:r>
+              <a:rPr lang="en-US" sz="1100" dirty="0" smtClean="0">
+                <a:solidFill>
+                  <a:srgbClr val="7030A0"/>
+                </a:solidFill>
+              </a:rPr>
+              <a:t>1</a:t>
+            </a:r>
+            <a:endParaRPr lang="en-SG" sz="1100" dirty="0">
+              <a:solidFill>
+                <a:srgbClr val="7030A0"/>
+              </a:solidFill>
+            </a:endParaRPr>
+          </a:p>
+        </p:txBody>
+      </p:sp>
+      <p:sp>
+        <p:nvSpPr>
+          <p:cNvPr id="132" name="TextBox 131"/>
+          <p:cNvSpPr txBox="1"/>
+          <p:nvPr/>
+        </p:nvSpPr>
+        <p:spPr>
+          <a:xfrm>
+            <a:off x="3886200" y="4164717"/>
+            <a:ext cx="189257" cy="178683"/>
+          </a:xfrm>
+          <a:prstGeom prst="rect">
+            <a:avLst/>
+          </a:prstGeom>
+          <a:noFill/>
+        </p:spPr>
+        <p:txBody>
+          <a:bodyPr wrap="square" lIns="0" tIns="0" rIns="0" bIns="0" rtlCol="0">
+            <a:noAutofit/>
+          </a:bodyPr>
+          <a:lstStyle/>
+          <a:p>
+            <a:pPr algn="ctr"/>
+            <a:r>
+              <a:rPr lang="en-US" sz="1100" dirty="0" smtClean="0">
+                <a:solidFill>
+                  <a:srgbClr val="7030A0"/>
+                </a:solidFill>
+              </a:rPr>
+              <a:t>1</a:t>
+            </a:r>
+            <a:endParaRPr lang="en-SG" sz="1100" dirty="0">
+              <a:solidFill>
+                <a:srgbClr val="7030A0"/>
+              </a:solidFill>
+            </a:endParaRPr>
+          </a:p>
+        </p:txBody>
+      </p:sp>
+      <p:sp>
+        <p:nvSpPr>
+          <p:cNvPr id="142" name="Rectangle 8"/>
+          <p:cNvSpPr/>
+          <p:nvPr/>
+        </p:nvSpPr>
+        <p:spPr>
+          <a:xfrm>
+            <a:off x="7223650" y="3429000"/>
+            <a:ext cx="1082150" cy="285783"/>
+          </a:xfrm>
+          <a:prstGeom prst="rect">
+            <a:avLst/>
+          </a:prstGeom>
+          <a:ln w="19050">
+            <a:solidFill>
+              <a:srgbClr val="7030A0"/>
+            </a:solidFill>
+          </a:ln>
+          <a:effectLst/>
+        </p:spPr>
+        <p:style>
+          <a:lnRef idx="1">
+            <a:schemeClr val="accent4"/>
+          </a:lnRef>
+          <a:fillRef idx="2">
+            <a:schemeClr val="accent4"/>
+          </a:fillRef>
+          <a:effectRef idx="1">
+            <a:schemeClr val="accent4"/>
+          </a:effectRef>
+          <a:fontRef idx="minor">
+            <a:schemeClr val="dk1"/>
+          </a:fontRef>
+        </p:style>
+        <p:txBody>
+          <a:bodyPr rtlCol="0" anchor="ctr"/>
+          <a:lstStyle/>
+          <a:p>
+            <a:pPr algn="ctr"/>
+            <a:r>
+              <a:rPr lang="en-US" sz="1050" dirty="0" err="1" smtClean="0">
+                <a:solidFill>
+                  <a:srgbClr val="7030A0"/>
+                </a:solidFill>
+              </a:rPr>
+              <a:t>TaskName</a:t>
+            </a:r>
+            <a:endParaRPr lang="en-SG" sz="1050" dirty="0">
+              <a:solidFill>
+                <a:srgbClr val="7030A0"/>
+              </a:solidFill>
+            </a:endParaRPr>
+          </a:p>
+        </p:txBody>
+      </p:sp>
+      <p:sp>
+        <p:nvSpPr>
+          <p:cNvPr id="143" name="Flowchart: Decision 96"/>
+          <p:cNvSpPr/>
+          <p:nvPr/>
+        </p:nvSpPr>
+        <p:spPr>
+          <a:xfrm>
+            <a:off x="6553200" y="3581400"/>
+            <a:ext cx="236048" cy="173380"/>
+          </a:xfrm>
+          <a:prstGeom prst="flowChartDecision">
+            <a:avLst/>
+          </a:prstGeom>
+          <a:solidFill>
+            <a:srgbClr val="7030A0"/>
+          </a:solidFill>
+          <a:ln w="19050">
+            <a:solidFill>
+              <a:srgbClr val="7030A0"/>
+            </a:solidFill>
+          </a:ln>
+          <a:effectLst/>
+        </p:spPr>
+        <p:style>
+          <a:lnRef idx="1">
+            <a:schemeClr val="accent6"/>
+          </a:lnRef>
+          <a:fillRef idx="2">
+            <a:schemeClr val="accent6"/>
+          </a:fillRef>
+          <a:effectRef idx="1">
+            <a:schemeClr val="accent6"/>
+          </a:effectRef>
+          <a:fontRef idx="minor">
+            <a:schemeClr val="dk1"/>
+          </a:fontRef>
+        </p:style>
+        <p:txBody>
+          <a:bodyPr rtlCol="0" anchor="ctr"/>
+          <a:lstStyle/>
+          <a:p>
+            <a:pPr algn="ctr"/>
+            <a:endParaRPr lang="en-US" sz="1050"/>
+          </a:p>
+        </p:txBody>
+      </p:sp>
+      <p:cxnSp>
+        <p:nvCxnSpPr>
+          <p:cNvPr id="144" name="Elbow Connector 143"/>
+          <p:cNvCxnSpPr>
+            <a:stCxn id="143" idx="3"/>
+            <a:endCxn id="142" idx="1"/>
+          </p:cNvCxnSpPr>
+          <p:nvPr/>
+        </p:nvCxnSpPr>
+        <p:spPr>
+          <a:xfrm flipV="1">
+            <a:off x="6789248" y="3571892"/>
+            <a:ext cx="434402" cy="96198"/>
+          </a:xfrm>
+          <a:prstGeom prst="bentConnector3">
+            <a:avLst>
+              <a:gd name="adj1" fmla="val 50000"/>
+            </a:avLst>
+          </a:prstGeom>
+          <a:ln w="19050">
+            <a:solidFill>
+              <a:srgbClr val="7030A0"/>
+            </a:solidFill>
+            <a:headEnd type="none" w="med" len="med"/>
+            <a:tailEnd type="arrow" w="med" len="med"/>
+          </a:ln>
+          <a:effectLst/>
+        </p:spPr>
+        <p:style>
+          <a:lnRef idx="1">
+            <a:schemeClr val="accent2"/>
+          </a:lnRef>
+          <a:fillRef idx="2">
+            <a:schemeClr val="accent2"/>
+          </a:fillRef>
+          <a:effectRef idx="1">
+            <a:schemeClr val="accent2"/>
+          </a:effectRef>
+          <a:fontRef idx="minor">
+            <a:schemeClr val="dk1"/>
+          </a:fontRef>
+        </p:style>
+      </p:cxnSp>
+      <p:sp>
+        <p:nvSpPr>
+          <p:cNvPr id="145" name="Rectangle 8"/>
+          <p:cNvSpPr/>
+          <p:nvPr/>
+        </p:nvSpPr>
+        <p:spPr>
+          <a:xfrm>
+            <a:off x="7223650" y="3751978"/>
+            <a:ext cx="1082150" cy="285783"/>
+          </a:xfrm>
+          <a:prstGeom prst="rect">
+            <a:avLst/>
+          </a:prstGeom>
+          <a:ln w="19050">
+            <a:solidFill>
+              <a:srgbClr val="7030A0"/>
+            </a:solidFill>
+          </a:ln>
+          <a:effectLst/>
+        </p:spPr>
+        <p:style>
+          <a:lnRef idx="1">
+            <a:schemeClr val="accent4"/>
+          </a:lnRef>
+          <a:fillRef idx="2">
+            <a:schemeClr val="accent4"/>
+          </a:fillRef>
+          <a:effectRef idx="1">
+            <a:schemeClr val="accent4"/>
+          </a:effectRef>
+          <a:fontRef idx="minor">
+            <a:schemeClr val="dk1"/>
+          </a:fontRef>
+        </p:style>
+        <p:txBody>
+          <a:bodyPr rtlCol="0" anchor="ctr"/>
+          <a:lstStyle/>
+          <a:p>
+            <a:pPr algn="ctr"/>
+            <a:r>
+              <a:rPr lang="en-US" sz="1050" dirty="0" err="1" smtClean="0">
+                <a:solidFill>
+                  <a:srgbClr val="7030A0"/>
+                </a:solidFill>
+              </a:rPr>
+              <a:t>TaskPriority</a:t>
+            </a:r>
+            <a:endParaRPr lang="en-SG" sz="1050" dirty="0">
+              <a:solidFill>
+                <a:srgbClr val="7030A0"/>
+              </a:solidFill>
+            </a:endParaRPr>
+          </a:p>
+        </p:txBody>
+      </p:sp>
+      <p:cxnSp>
+        <p:nvCxnSpPr>
+          <p:cNvPr id="146" name="Elbow Connector 145"/>
+          <p:cNvCxnSpPr>
+            <a:stCxn id="143" idx="3"/>
+            <a:endCxn id="145" idx="1"/>
+          </p:cNvCxnSpPr>
+          <p:nvPr/>
+        </p:nvCxnSpPr>
+        <p:spPr>
+          <a:xfrm>
+            <a:off x="6789248" y="3668090"/>
+            <a:ext cx="434402" cy="226780"/>
+          </a:xfrm>
+          <a:prstGeom prst="bentConnector3">
+            <a:avLst>
+              <a:gd name="adj1" fmla="val 50000"/>
+            </a:avLst>
+          </a:prstGeom>
+          <a:ln w="19050">
+            <a:solidFill>
+              <a:srgbClr val="7030A0"/>
+            </a:solidFill>
+            <a:headEnd type="none" w="med" len="med"/>
+            <a:tailEnd type="arrow" w="med" len="med"/>
+          </a:ln>
+          <a:effectLst/>
+        </p:spPr>
+        <p:style>
+          <a:lnRef idx="1">
+            <a:schemeClr val="accent2"/>
+          </a:lnRef>
+          <a:fillRef idx="2">
+            <a:schemeClr val="accent2"/>
+          </a:fillRef>
+          <a:effectRef idx="1">
+            <a:schemeClr val="accent2"/>
+          </a:effectRef>
+          <a:fontRef idx="minor">
+            <a:schemeClr val="dk1"/>
+          </a:fontRef>
+        </p:style>
+      </p:cxnSp>
+      <p:sp>
+        <p:nvSpPr>
+          <p:cNvPr id="147" name="Rectangle 8"/>
+          <p:cNvSpPr/>
+          <p:nvPr/>
+        </p:nvSpPr>
+        <p:spPr>
+          <a:xfrm>
+            <a:off x="7223650" y="4074956"/>
+            <a:ext cx="1082150" cy="285783"/>
+          </a:xfrm>
+          <a:prstGeom prst="rect">
+            <a:avLst/>
+          </a:prstGeom>
+          <a:ln w="19050">
+            <a:solidFill>
+              <a:srgbClr val="7030A0"/>
+            </a:solidFill>
+          </a:ln>
+          <a:effectLst/>
+        </p:spPr>
+        <p:style>
+          <a:lnRef idx="1">
+            <a:schemeClr val="accent4"/>
+          </a:lnRef>
+          <a:fillRef idx="2">
+            <a:schemeClr val="accent4"/>
+          </a:fillRef>
+          <a:effectRef idx="1">
+            <a:schemeClr val="accent4"/>
+          </a:effectRef>
+          <a:fontRef idx="minor">
+            <a:schemeClr val="dk1"/>
+          </a:fontRef>
+        </p:style>
+        <p:txBody>
+          <a:bodyPr rtlCol="0" anchor="ctr"/>
+          <a:lstStyle/>
+          <a:p>
+            <a:pPr algn="ctr"/>
+            <a:r>
+              <a:rPr lang="en-US" sz="1050" dirty="0" err="1" smtClean="0">
+                <a:solidFill>
+                  <a:srgbClr val="7030A0"/>
+                </a:solidFill>
+              </a:rPr>
+              <a:t>TaskDescription</a:t>
+            </a:r>
+            <a:endParaRPr lang="en-SG" sz="1050" dirty="0">
+              <a:solidFill>
+                <a:srgbClr val="7030A0"/>
+              </a:solidFill>
+            </a:endParaRPr>
+          </a:p>
+        </p:txBody>
+      </p:sp>
+      <p:cxnSp>
+        <p:nvCxnSpPr>
+          <p:cNvPr id="148" name="Elbow Connector 147"/>
+          <p:cNvCxnSpPr>
+            <a:stCxn id="143" idx="3"/>
+            <a:endCxn id="147" idx="1"/>
+          </p:cNvCxnSpPr>
+          <p:nvPr/>
+        </p:nvCxnSpPr>
+        <p:spPr>
+          <a:xfrm>
+            <a:off x="6789248" y="3668090"/>
+            <a:ext cx="434402" cy="549758"/>
+          </a:xfrm>
+          <a:prstGeom prst="bentConnector3">
+            <a:avLst>
+              <a:gd name="adj1" fmla="val 50000"/>
+            </a:avLst>
+          </a:prstGeom>
+          <a:ln w="19050">
+            <a:solidFill>
+              <a:srgbClr val="7030A0"/>
+            </a:solidFill>
+            <a:headEnd type="none" w="med" len="med"/>
+            <a:tailEnd type="arrow" w="med" len="med"/>
+          </a:ln>
+          <a:effectLst/>
+        </p:spPr>
+        <p:style>
+          <a:lnRef idx="1">
+            <a:schemeClr val="accent2"/>
+          </a:lnRef>
+          <a:fillRef idx="2">
+            <a:schemeClr val="accent2"/>
+          </a:fillRef>
+          <a:effectRef idx="1">
+            <a:schemeClr val="accent2"/>
+          </a:effectRef>
+          <a:fontRef idx="minor">
+            <a:schemeClr val="dk1"/>
+          </a:fontRef>
+        </p:style>
+      </p:cxnSp>
+      <p:sp>
+        <p:nvSpPr>
+          <p:cNvPr id="149" name="Rectangle 8"/>
+          <p:cNvSpPr/>
+          <p:nvPr/>
+        </p:nvSpPr>
+        <p:spPr>
+          <a:xfrm>
+            <a:off x="7223650" y="4397933"/>
+            <a:ext cx="1082150" cy="285783"/>
+          </a:xfrm>
+          <a:prstGeom prst="rect">
+            <a:avLst/>
+          </a:prstGeom>
+          <a:ln w="19050">
+            <a:solidFill>
+              <a:srgbClr val="7030A0"/>
+            </a:solidFill>
+          </a:ln>
+          <a:effectLst/>
+        </p:spPr>
+        <p:style>
+          <a:lnRef idx="1">
+            <a:schemeClr val="accent4"/>
+          </a:lnRef>
+          <a:fillRef idx="2">
+            <a:schemeClr val="accent4"/>
+          </a:fillRef>
+          <a:effectRef idx="1">
+            <a:schemeClr val="accent4"/>
+          </a:effectRef>
+          <a:fontRef idx="minor">
+            <a:schemeClr val="dk1"/>
+          </a:fontRef>
+        </p:style>
+        <p:txBody>
+          <a:bodyPr rtlCol="0" anchor="ctr"/>
+          <a:lstStyle/>
+          <a:p>
+            <a:pPr algn="ctr"/>
+            <a:r>
+              <a:rPr lang="en-US" sz="1050" dirty="0" err="1" smtClean="0">
+                <a:solidFill>
+                  <a:srgbClr val="7030A0"/>
+                </a:solidFill>
+              </a:rPr>
+              <a:t>TaskDueDate</a:t>
+            </a:r>
+            <a:endParaRPr lang="en-SG" sz="1050" dirty="0">
+              <a:solidFill>
+                <a:srgbClr val="7030A0"/>
+              </a:solidFill>
+            </a:endParaRPr>
+          </a:p>
+        </p:txBody>
+      </p:sp>
+      <p:cxnSp>
+        <p:nvCxnSpPr>
+          <p:cNvPr id="150" name="Elbow Connector 149"/>
+          <p:cNvCxnSpPr>
+            <a:stCxn id="143" idx="3"/>
+            <a:endCxn id="149" idx="1"/>
+          </p:cNvCxnSpPr>
+          <p:nvPr/>
+        </p:nvCxnSpPr>
+        <p:spPr>
+          <a:xfrm>
+            <a:off x="6789248" y="3668090"/>
+            <a:ext cx="434402" cy="872735"/>
+          </a:xfrm>
+          <a:prstGeom prst="bentConnector3">
+            <a:avLst>
+              <a:gd name="adj1" fmla="val 50000"/>
+            </a:avLst>
+          </a:prstGeom>
+          <a:ln w="19050">
+            <a:solidFill>
+              <a:srgbClr val="7030A0"/>
+            </a:solidFill>
+            <a:headEnd type="none" w="med" len="med"/>
+            <a:tailEnd type="arrow" w="med" len="med"/>
+          </a:ln>
+          <a:effectLst/>
+        </p:spPr>
+        <p:style>
+          <a:lnRef idx="1">
+            <a:schemeClr val="accent2"/>
+          </a:lnRef>
+          <a:fillRef idx="2">
+            <a:schemeClr val="accent2"/>
+          </a:fillRef>
+          <a:effectRef idx="1">
+            <a:schemeClr val="accent2"/>
+          </a:effectRef>
+          <a:fontRef idx="minor">
+            <a:schemeClr val="dk1"/>
+          </a:fontRef>
+        </p:style>
+      </p:cxnSp>
+      <p:sp>
+        <p:nvSpPr>
+          <p:cNvPr id="151" name="Flowchart: Decision 96"/>
+          <p:cNvSpPr/>
+          <p:nvPr/>
+        </p:nvSpPr>
+        <p:spPr>
+          <a:xfrm>
+            <a:off x="5196950" y="3560420"/>
+            <a:ext cx="236048" cy="173380"/>
+          </a:xfrm>
+          <a:prstGeom prst="flowChartDecision">
+            <a:avLst/>
+          </a:prstGeom>
+          <a:noFill/>
+          <a:ln w="19050">
+            <a:solidFill>
+              <a:srgbClr val="7030A0"/>
+            </a:solidFill>
+          </a:ln>
+          <a:effectLst/>
+        </p:spPr>
+        <p:style>
+          <a:lnRef idx="1">
+            <a:schemeClr val="accent6"/>
+          </a:lnRef>
+          <a:fillRef idx="2">
+            <a:schemeClr val="accent6"/>
+          </a:fillRef>
+          <a:effectRef idx="1">
+            <a:schemeClr val="accent6"/>
+          </a:effectRef>
+          <a:fontRef idx="minor">
+            <a:schemeClr val="dk1"/>
+          </a:fontRef>
+        </p:style>
+        <p:txBody>
+          <a:bodyPr rtlCol="0" anchor="ctr"/>
+          <a:lstStyle/>
+          <a:p>
+            <a:pPr algn="ctr"/>
+            <a:endParaRPr lang="en-US" sz="1050"/>
+          </a:p>
+        </p:txBody>
+      </p:sp>
+      <p:cxnSp>
+        <p:nvCxnSpPr>
+          <p:cNvPr id="152" name="Elbow Connector 151"/>
+          <p:cNvCxnSpPr>
+            <a:stCxn id="151" idx="3"/>
+          </p:cNvCxnSpPr>
+          <p:nvPr/>
+        </p:nvCxnSpPr>
+        <p:spPr>
+          <a:xfrm>
+            <a:off x="5432998" y="3647110"/>
+            <a:ext cx="434402" cy="777"/>
+          </a:xfrm>
+          <a:prstGeom prst="bentConnector3">
+            <a:avLst/>
+          </a:prstGeom>
+          <a:ln w="19050">
+            <a:solidFill>
+              <a:srgbClr val="7030A0"/>
+            </a:solidFill>
+            <a:headEnd type="none" w="med" len="med"/>
+            <a:tailEnd type="arrow" w="med" len="med"/>
+          </a:ln>
+          <a:effectLst/>
+        </p:spPr>
+        <p:style>
+          <a:lnRef idx="1">
+            <a:schemeClr val="accent2"/>
+          </a:lnRef>
+          <a:fillRef idx="2">
+            <a:schemeClr val="accent2"/>
+          </a:fillRef>
+          <a:effectRef idx="1">
+            <a:schemeClr val="accent2"/>
+          </a:effectRef>
+          <a:fontRef idx="minor">
+            <a:schemeClr val="dk1"/>
+          </a:fontRef>
+        </p:style>
+      </p:cxnSp>
+      <p:sp>
+        <p:nvSpPr>
+          <p:cNvPr id="153" name="TextBox 152"/>
+          <p:cNvSpPr txBox="1"/>
+          <p:nvPr/>
+        </p:nvSpPr>
+        <p:spPr>
+          <a:xfrm>
+            <a:off x="5678143" y="3707517"/>
+            <a:ext cx="189257" cy="178683"/>
+          </a:xfrm>
+          <a:prstGeom prst="rect">
+            <a:avLst/>
+          </a:prstGeom>
+          <a:noFill/>
+        </p:spPr>
+        <p:txBody>
+          <a:bodyPr wrap="square" lIns="0" tIns="0" rIns="0" bIns="0" rtlCol="0">
+            <a:noAutofit/>
+          </a:bodyPr>
+          <a:lstStyle/>
+          <a:p>
+            <a:pPr algn="ctr"/>
+            <a:r>
+              <a:rPr lang="en-US" sz="1100" dirty="0" smtClean="0">
+                <a:solidFill>
+                  <a:srgbClr val="7030A0"/>
+                </a:solidFill>
+              </a:rPr>
+              <a:t>*</a:t>
+            </a:r>
+            <a:endParaRPr lang="en-SG" sz="1100" dirty="0">
+              <a:solidFill>
+                <a:srgbClr val="7030A0"/>
+              </a:solidFill>
+            </a:endParaRPr>
+          </a:p>
+        </p:txBody>
+      </p:sp>
+      <p:cxnSp>
+        <p:nvCxnSpPr>
+          <p:cNvPr id="163" name="Straight Connector 162"/>
+          <p:cNvCxnSpPr/>
+          <p:nvPr/>
+        </p:nvCxnSpPr>
+        <p:spPr>
+          <a:xfrm>
+            <a:off x="1752600" y="5181600"/>
+            <a:ext cx="6786000" cy="0"/>
+          </a:xfrm>
+          <a:prstGeom prst="line">
+            <a:avLst/>
+          </a:prstGeom>
+          <a:ln w="19050">
+            <a:solidFill>
+              <a:srgbClr val="7030A0"/>
+            </a:solidFill>
+          </a:ln>
+        </p:spPr>
+        <p:style>
+          <a:lnRef idx="1">
+            <a:schemeClr val="accent1"/>
+          </a:lnRef>
+          <a:fillRef idx="0">
+            <a:schemeClr val="accent1"/>
+          </a:fillRef>
+          <a:effectRef idx="0">
+            <a:schemeClr val="accent1"/>
+          </a:effectRef>
+          <a:fontRef idx="minor">
+            <a:schemeClr val="tx1"/>
+          </a:fontRef>
+        </p:style>
+      </p:cxnSp>
+      <p:cxnSp>
+        <p:nvCxnSpPr>
+          <p:cNvPr id="172" name="Straight Connector 171"/>
+          <p:cNvCxnSpPr/>
+          <p:nvPr/>
+        </p:nvCxnSpPr>
+        <p:spPr>
+          <a:xfrm>
+            <a:off x="1752600" y="3581400"/>
+            <a:ext cx="0" cy="1602000"/>
+          </a:xfrm>
+          <a:prstGeom prst="line">
+            <a:avLst/>
+          </a:prstGeom>
+          <a:ln w="19050">
+            <a:solidFill>
+              <a:srgbClr val="7030A0"/>
+            </a:solidFill>
+          </a:ln>
+        </p:spPr>
+        <p:style>
+          <a:lnRef idx="1">
+            <a:schemeClr val="accent1"/>
+          </a:lnRef>
+          <a:fillRef idx="0">
+            <a:schemeClr val="accent1"/>
+          </a:fillRef>
+          <a:effectRef idx="0">
+            <a:schemeClr val="accent1"/>
+          </a:effectRef>
+          <a:fontRef idx="minor">
+            <a:schemeClr val="tx1"/>
+          </a:fontRef>
+        </p:style>
+      </p:cxnSp>
+      <p:cxnSp>
+        <p:nvCxnSpPr>
+          <p:cNvPr id="176" name="Straight Arrow Connector 175"/>
+          <p:cNvCxnSpPr/>
+          <p:nvPr/>
+        </p:nvCxnSpPr>
+        <p:spPr>
+          <a:xfrm flipV="1">
+            <a:off x="6248400" y="3810000"/>
+            <a:ext cx="0" cy="1368000"/>
+          </a:xfrm>
+          <a:prstGeom prst="straightConnector1">
+            <a:avLst/>
+          </a:prstGeom>
+          <a:ln w="19050">
+            <a:solidFill>
+              <a:srgbClr val="7030A0"/>
+            </a:solidFill>
+            <a:tailEnd type="arrow"/>
+          </a:ln>
+        </p:spPr>
+        <p:style>
+          <a:lnRef idx="1">
+            <a:schemeClr val="accent1"/>
+          </a:lnRef>
+          <a:fillRef idx="0">
+            <a:schemeClr val="accent1"/>
+          </a:fillRef>
+          <a:effectRef idx="0">
+            <a:schemeClr val="accent1"/>
+          </a:effectRef>
+          <a:fontRef idx="minor">
+            <a:schemeClr val="tx1"/>
+          </a:fontRef>
+        </p:style>
+      </p:cxnSp>
+      <p:sp>
+        <p:nvSpPr>
+          <p:cNvPr id="189" name="Rectangle 8"/>
+          <p:cNvSpPr/>
+          <p:nvPr/>
+        </p:nvSpPr>
+        <p:spPr>
+          <a:xfrm>
+            <a:off x="7239000" y="4724400"/>
+            <a:ext cx="1082150" cy="285783"/>
+          </a:xfrm>
+          <a:prstGeom prst="rect">
+            <a:avLst/>
+          </a:prstGeom>
+          <a:ln w="19050">
+            <a:solidFill>
+              <a:srgbClr val="7030A0"/>
+            </a:solidFill>
+          </a:ln>
+          <a:effectLst/>
+        </p:spPr>
+        <p:style>
+          <a:lnRef idx="1">
+            <a:schemeClr val="accent4"/>
+          </a:lnRef>
+          <a:fillRef idx="2">
+            <a:schemeClr val="accent4"/>
+          </a:fillRef>
+          <a:effectRef idx="1">
+            <a:schemeClr val="accent4"/>
+          </a:effectRef>
+          <a:fontRef idx="minor">
+            <a:schemeClr val="dk1"/>
+          </a:fontRef>
+        </p:style>
+        <p:txBody>
+          <a:bodyPr rtlCol="0" anchor="ctr"/>
+          <a:lstStyle/>
+          <a:p>
+            <a:pPr algn="ctr"/>
+            <a:r>
+              <a:rPr lang="en-US" sz="1050" dirty="0" err="1" smtClean="0">
+                <a:solidFill>
+                  <a:srgbClr val="7030A0"/>
+                </a:solidFill>
+              </a:rPr>
+              <a:t>TaskStatus</a:t>
+            </a:r>
+            <a:endParaRPr lang="en-SG" sz="1050" dirty="0">
+              <a:solidFill>
+                <a:srgbClr val="7030A0"/>
+              </a:solidFill>
+            </a:endParaRPr>
+          </a:p>
+        </p:txBody>
+      </p:sp>
+      <p:cxnSp>
+        <p:nvCxnSpPr>
+          <p:cNvPr id="191" name="Elbow Connector 190"/>
+          <p:cNvCxnSpPr/>
+          <p:nvPr/>
+        </p:nvCxnSpPr>
+        <p:spPr>
+          <a:xfrm>
+            <a:off x="6781800" y="3657600"/>
+            <a:ext cx="434402" cy="1188000"/>
+          </a:xfrm>
+          <a:prstGeom prst="bentConnector3">
+            <a:avLst>
+              <a:gd name="adj1" fmla="val 50000"/>
+            </a:avLst>
+          </a:prstGeom>
+          <a:ln w="19050">
+            <a:solidFill>
+              <a:srgbClr val="7030A0"/>
+            </a:solidFill>
+            <a:headEnd type="none" w="med" len="med"/>
+            <a:tailEnd type="arrow" w="med" len="med"/>
+          </a:ln>
+          <a:effectLst/>
+        </p:spPr>
+        <p:style>
+          <a:lnRef idx="1">
+            <a:schemeClr val="accent2"/>
+          </a:lnRef>
+          <a:fillRef idx="2">
+            <a:schemeClr val="accent2"/>
+          </a:fillRef>
+          <a:effectRef idx="1">
+            <a:schemeClr val="accent2"/>
+          </a:effectRef>
+          <a:fontRef idx="minor">
+            <a:schemeClr val="dk1"/>
+          </a:fontRef>
+        </p:style>
+      </p:cxnSp>
+      <p:sp>
+        <p:nvSpPr>
+          <p:cNvPr id="192" name="Flowchart: Decision 96"/>
+          <p:cNvSpPr/>
+          <p:nvPr/>
+        </p:nvSpPr>
+        <p:spPr>
+          <a:xfrm rot="16200000">
+            <a:off x="4464466" y="4374735"/>
+            <a:ext cx="236048" cy="173380"/>
+          </a:xfrm>
+          <a:prstGeom prst="flowChartDecision">
+            <a:avLst/>
+          </a:prstGeom>
+          <a:noFill/>
+          <a:ln w="19050">
+            <a:solidFill>
+              <a:srgbClr val="7030A0"/>
+            </a:solidFill>
+          </a:ln>
+          <a:effectLst/>
+        </p:spPr>
+        <p:style>
+          <a:lnRef idx="1">
+            <a:schemeClr val="accent6"/>
+          </a:lnRef>
+          <a:fillRef idx="2">
+            <a:schemeClr val="accent6"/>
+          </a:fillRef>
+          <a:effectRef idx="1">
+            <a:schemeClr val="accent6"/>
+          </a:effectRef>
+          <a:fontRef idx="minor">
+            <a:schemeClr val="dk1"/>
+          </a:fontRef>
+        </p:style>
+        <p:txBody>
+          <a:bodyPr rtlCol="0" anchor="ctr"/>
+          <a:lstStyle/>
+          <a:p>
+            <a:pPr algn="ctr"/>
+            <a:endParaRPr lang="en-US" sz="1050"/>
+          </a:p>
+        </p:txBody>
+      </p:sp>
+      <p:cxnSp>
+        <p:nvCxnSpPr>
+          <p:cNvPr id="193" name="Elbow Connector 68"/>
+          <p:cNvCxnSpPr/>
+          <p:nvPr/>
+        </p:nvCxnSpPr>
+        <p:spPr>
+          <a:xfrm>
+            <a:off x="4580387" y="4572000"/>
+            <a:ext cx="372613" cy="54000"/>
+          </a:xfrm>
+          <a:prstGeom prst="bentConnector3">
+            <a:avLst>
+              <a:gd name="adj1" fmla="val -1066"/>
+            </a:avLst>
+          </a:prstGeom>
+          <a:ln w="19050">
+            <a:solidFill>
+              <a:srgbClr val="7030A0"/>
+            </a:solidFill>
+            <a:headEnd type="none" w="med" len="med"/>
+            <a:tailEnd type="arrow" w="med" len="med"/>
+          </a:ln>
+          <a:effectLst/>
+        </p:spPr>
+        <p:style>
+          <a:lnRef idx="1">
+            <a:schemeClr val="accent2"/>
+          </a:lnRef>
+          <a:fillRef idx="2">
+            <a:schemeClr val="accent2"/>
+          </a:fillRef>
+          <a:effectRef idx="1">
+            <a:schemeClr val="accent2"/>
+          </a:effectRef>
+          <a:fontRef idx="minor">
+            <a:schemeClr val="dk1"/>
+          </a:fontRef>
+        </p:style>
+      </p:cxnSp>
+      <p:sp>
+        <p:nvSpPr>
+          <p:cNvPr id="196" name="Rectangle 8"/>
+          <p:cNvSpPr/>
+          <p:nvPr/>
+        </p:nvSpPr>
+        <p:spPr>
+          <a:xfrm>
+            <a:off x="4953000" y="4453840"/>
+            <a:ext cx="940900" cy="346760"/>
+          </a:xfrm>
+          <a:prstGeom prst="rect">
+            <a:avLst/>
+          </a:prstGeom>
+          <a:ln w="19050">
+            <a:solidFill>
+              <a:srgbClr val="7030A0"/>
+            </a:solidFill>
+          </a:ln>
+          <a:effectLst/>
+        </p:spPr>
+        <p:style>
+          <a:lnRef idx="1">
+            <a:schemeClr val="accent4"/>
+          </a:lnRef>
+          <a:fillRef idx="2">
+            <a:schemeClr val="accent4"/>
+          </a:fillRef>
+          <a:effectRef idx="1">
+            <a:schemeClr val="accent4"/>
+          </a:effectRef>
+          <a:fontRef idx="minor">
+            <a:schemeClr val="dk1"/>
+          </a:fontRef>
+        </p:style>
+        <p:txBody>
+          <a:bodyPr rtlCol="0" anchor="ctr"/>
+          <a:lstStyle/>
+          <a:p>
+            <a:pPr algn="ctr"/>
+            <a:r>
+              <a:rPr lang="en-US" sz="1050" dirty="0" err="1" smtClean="0">
+                <a:solidFill>
+                  <a:srgbClr val="7030A0"/>
+                </a:solidFill>
+              </a:rPr>
+              <a:t>TaskCategory</a:t>
+            </a:r>
+            <a:endParaRPr lang="en-SG" sz="1050" dirty="0">
+              <a:solidFill>
+                <a:srgbClr val="7030A0"/>
+              </a:solidFill>
+            </a:endParaRPr>
+          </a:p>
+        </p:txBody>
+      </p:sp>
+      <p:sp>
+        <p:nvSpPr>
+          <p:cNvPr id="197" name="TextBox 196"/>
+          <p:cNvSpPr txBox="1"/>
+          <p:nvPr/>
+        </p:nvSpPr>
+        <p:spPr>
+          <a:xfrm>
+            <a:off x="4763743" y="4698117"/>
+            <a:ext cx="189257" cy="178683"/>
+          </a:xfrm>
+          <a:prstGeom prst="rect">
+            <a:avLst/>
+          </a:prstGeom>
+          <a:noFill/>
+        </p:spPr>
+        <p:txBody>
+          <a:bodyPr wrap="square" lIns="0" tIns="0" rIns="0" bIns="0" rtlCol="0">
+            <a:noAutofit/>
+          </a:bodyPr>
+          <a:lstStyle/>
+          <a:p>
+            <a:pPr algn="ctr"/>
+            <a:r>
+              <a:rPr lang="en-US" sz="1100" dirty="0" smtClean="0">
+                <a:solidFill>
+                  <a:srgbClr val="7030A0"/>
+                </a:solidFill>
+              </a:rPr>
+              <a:t>*</a:t>
+            </a:r>
+            <a:endParaRPr lang="en-SG" sz="1100" dirty="0">
+              <a:solidFill>
+                <a:srgbClr val="7030A0"/>
+              </a:solidFill>
+            </a:endParaRPr>
+          </a:p>
+        </p:txBody>
+      </p:sp>
+      <p:sp>
+        <p:nvSpPr>
+          <p:cNvPr id="198" name="TextBox 197"/>
+          <p:cNvSpPr txBox="1"/>
+          <p:nvPr/>
+        </p:nvSpPr>
+        <p:spPr>
+          <a:xfrm>
+            <a:off x="6059143" y="3810000"/>
+            <a:ext cx="189257" cy="178683"/>
+          </a:xfrm>
+          <a:prstGeom prst="rect">
+            <a:avLst/>
+          </a:prstGeom>
+          <a:noFill/>
+        </p:spPr>
+        <p:txBody>
+          <a:bodyPr wrap="square" lIns="0" tIns="0" rIns="0" bIns="0" rtlCol="0">
+            <a:noAutofit/>
+          </a:bodyPr>
+          <a:lstStyle/>
+          <a:p>
+            <a:pPr algn="ctr"/>
+            <a:r>
+              <a:rPr lang="en-US" sz="1100" dirty="0" smtClean="0">
+                <a:solidFill>
+                  <a:srgbClr val="7030A0"/>
+                </a:solidFill>
+              </a:rPr>
+              <a:t>1</a:t>
+            </a:r>
+            <a:endParaRPr lang="en-SG" sz="1100" dirty="0">
+              <a:solidFill>
+                <a:srgbClr val="7030A0"/>
+              </a:solidFill>
+            </a:endParaRPr>
+          </a:p>
+        </p:txBody>
+      </p:sp>
+      <p:cxnSp>
+        <p:nvCxnSpPr>
+          <p:cNvPr id="200" name="Straight Connector 199"/>
+          <p:cNvCxnSpPr/>
+          <p:nvPr/>
+        </p:nvCxnSpPr>
+        <p:spPr>
+          <a:xfrm>
+            <a:off x="8534400" y="1752600"/>
+            <a:ext cx="0" cy="3420000"/>
+          </a:xfrm>
+          <a:prstGeom prst="line">
+            <a:avLst/>
+          </a:prstGeom>
+          <a:ln w="19050">
+            <a:solidFill>
+              <a:srgbClr val="7030A0"/>
+            </a:solidFill>
+          </a:ln>
+        </p:spPr>
+        <p:style>
+          <a:lnRef idx="1">
+            <a:schemeClr val="accent1"/>
+          </a:lnRef>
+          <a:fillRef idx="0">
+            <a:schemeClr val="accent1"/>
+          </a:fillRef>
+          <a:effectRef idx="0">
+            <a:schemeClr val="accent1"/>
+          </a:effectRef>
+          <a:fontRef idx="minor">
+            <a:schemeClr val="tx1"/>
+          </a:fontRef>
+        </p:style>
+      </p:cxnSp>
+      <p:cxnSp>
+        <p:nvCxnSpPr>
+          <p:cNvPr id="201" name="Straight Connector 200"/>
+          <p:cNvCxnSpPr/>
+          <p:nvPr/>
+        </p:nvCxnSpPr>
+        <p:spPr>
+          <a:xfrm>
+            <a:off x="6400800" y="1752600"/>
+            <a:ext cx="2124000" cy="0"/>
+          </a:xfrm>
+          <a:prstGeom prst="line">
+            <a:avLst/>
+          </a:prstGeom>
+          <a:ln w="19050">
+            <a:solidFill>
+              <a:srgbClr val="7030A0"/>
+            </a:solidFill>
+          </a:ln>
+        </p:spPr>
+        <p:style>
+          <a:lnRef idx="1">
+            <a:schemeClr val="accent1"/>
+          </a:lnRef>
+          <a:fillRef idx="0">
+            <a:schemeClr val="accent1"/>
+          </a:fillRef>
+          <a:effectRef idx="0">
+            <a:schemeClr val="accent1"/>
+          </a:effectRef>
+          <a:fontRef idx="minor">
+            <a:schemeClr val="tx1"/>
+          </a:fontRef>
+        </p:style>
+      </p:cxnSp>
+      <p:cxnSp>
+        <p:nvCxnSpPr>
+          <p:cNvPr id="204" name="Straight Arrow Connector 203"/>
+          <p:cNvCxnSpPr/>
+          <p:nvPr/>
+        </p:nvCxnSpPr>
+        <p:spPr>
+          <a:xfrm>
+            <a:off x="6400800" y="1752600"/>
+            <a:ext cx="0" cy="1098000"/>
+          </a:xfrm>
+          <a:prstGeom prst="straightConnector1">
+            <a:avLst/>
+          </a:prstGeom>
+          <a:ln w="19050">
+            <a:solidFill>
+              <a:srgbClr val="7030A0"/>
+            </a:solidFill>
+            <a:tailEnd type="arrow"/>
+          </a:ln>
+        </p:spPr>
+        <p:style>
+          <a:lnRef idx="1">
+            <a:schemeClr val="accent1"/>
+          </a:lnRef>
+          <a:fillRef idx="0">
+            <a:schemeClr val="accent1"/>
+          </a:fillRef>
+          <a:effectRef idx="0">
+            <a:schemeClr val="accent1"/>
+          </a:effectRef>
+          <a:fontRef idx="minor">
+            <a:schemeClr val="tx1"/>
+          </a:fontRef>
+        </p:style>
+      </p:cxnSp>
+      <p:sp>
+        <p:nvSpPr>
+          <p:cNvPr id="205" name="TextBox 204"/>
+          <p:cNvSpPr txBox="1"/>
+          <p:nvPr/>
+        </p:nvSpPr>
+        <p:spPr>
+          <a:xfrm rot="16200000">
+            <a:off x="5900596" y="2100404"/>
+            <a:ext cx="804818" cy="261610"/>
+          </a:xfrm>
+          <a:prstGeom prst="rect">
+            <a:avLst/>
+          </a:prstGeom>
+          <a:noFill/>
+        </p:spPr>
+        <p:txBody>
+          <a:bodyPr wrap="square" rtlCol="0">
+            <a:spAutoFit/>
+          </a:bodyPr>
+          <a:lstStyle/>
+          <a:p>
+            <a:pPr algn="r"/>
+            <a:r>
+              <a:rPr lang="en-US" sz="1100" dirty="0" smtClean="0">
+                <a:solidFill>
+                  <a:srgbClr val="7030A0"/>
+                </a:solidFill>
+              </a:rPr>
+              <a:t>filtered list</a:t>
+            </a:r>
+            <a:endParaRPr lang="en-SG" sz="1100" dirty="0">
+              <a:solidFill>
+                <a:srgbClr val="7030A0"/>
+              </a:solidFill>
+            </a:endParaRPr>
+          </a:p>
+        </p:txBody>
+      </p:sp>
     </p:spTree>
     <p:extLst>
       <p:ext uri="{BB962C8B-B14F-4D97-AF65-F5344CB8AC3E}">
-        <p14:creationId xmlns:p14="http://schemas.microsoft.com/office/powerpoint/2010/main" val="2396968029"/>
+        <p14:creationId xmlns:p14="http://schemas.microsoft.com/office/powerpoint/2010/main" xmlns="" val="2396968029"/>
       </p:ext>
     </p:extLst>
   </p:cSld>

--- a/docs/diagrams/ModelComponentClassDiagram.pptx
+++ b/docs/diagrams/ModelComponentClassDiagram.pptx
@@ -109,7 +109,7 @@
   </p:defaultTextStyle>
   <p:extLst>
     <p:ext uri="{EFAFB233-063F-42B5-8137-9DF3F51BA10A}">
-      <p15:sldGuideLst xmlns:p15="http://schemas.microsoft.com/office/powerpoint/2012/main" xmlns="">
+      <p15:sldGuideLst xmlns="" xmlns:p15="http://schemas.microsoft.com/office/powerpoint/2012/main">
         <p15:guide id="1" orient="horz" pos="1488">
           <p15:clr>
             <a:srgbClr val="A4A3A4"/>
@@ -209,7 +209,7 @@
             <a:fld id="{F5CC4B3F-88C1-4FFA-B1B6-F41C21DC6924}" type="datetimeFigureOut">
               <a:rPr lang="en-US" smtClean="0"/>
               <a:pPr/>
-              <a:t>3/20/2018</a:t>
+              <a:t>4/14/2018</a:t>
             </a:fld>
             <a:endParaRPr lang="en-US"/>
           </a:p>
@@ -378,7 +378,7 @@
     </p:spTree>
     <p:extLst>
       <p:ext uri="{BB962C8B-B14F-4D97-AF65-F5344CB8AC3E}">
-        <p14:creationId xmlns:p14="http://schemas.microsoft.com/office/powerpoint/2010/main" xmlns="" val="2023976206"/>
+        <p14:creationId xmlns="" xmlns:p14="http://schemas.microsoft.com/office/powerpoint/2010/main" val="2023976206"/>
       </p:ext>
     </p:extLst>
   </p:cSld>
@@ -742,7 +742,7 @@
             <a:fld id="{78C97017-6FC3-485B-9764-EAC9E56C1D49}" type="datetimeFigureOut">
               <a:rPr lang="en-US" smtClean="0"/>
               <a:pPr/>
-              <a:t>3/20/2018</a:t>
+              <a:t>4/14/2018</a:t>
             </a:fld>
             <a:endParaRPr lang="en-US"/>
           </a:p>
@@ -794,7 +794,7 @@
     </p:spTree>
     <p:extLst>
       <p:ext uri="{BB962C8B-B14F-4D97-AF65-F5344CB8AC3E}">
-        <p14:creationId xmlns:p14="http://schemas.microsoft.com/office/powerpoint/2010/main" xmlns="" val="3246593157"/>
+        <p14:creationId xmlns="" xmlns:p14="http://schemas.microsoft.com/office/powerpoint/2010/main" val="3246593157"/>
       </p:ext>
     </p:extLst>
   </p:cSld>
@@ -914,7 +914,7 @@
             <a:fld id="{78C97017-6FC3-485B-9764-EAC9E56C1D49}" type="datetimeFigureOut">
               <a:rPr lang="en-US" smtClean="0"/>
               <a:pPr/>
-              <a:t>3/20/2018</a:t>
+              <a:t>4/14/2018</a:t>
             </a:fld>
             <a:endParaRPr lang="en-US"/>
           </a:p>
@@ -966,7 +966,7 @@
     </p:spTree>
     <p:extLst>
       <p:ext uri="{BB962C8B-B14F-4D97-AF65-F5344CB8AC3E}">
-        <p14:creationId xmlns:p14="http://schemas.microsoft.com/office/powerpoint/2010/main" xmlns="" val="2707025021"/>
+        <p14:creationId xmlns="" xmlns:p14="http://schemas.microsoft.com/office/powerpoint/2010/main" val="2707025021"/>
       </p:ext>
     </p:extLst>
   </p:cSld>
@@ -1096,7 +1096,7 @@
             <a:fld id="{78C97017-6FC3-485B-9764-EAC9E56C1D49}" type="datetimeFigureOut">
               <a:rPr lang="en-US" smtClean="0"/>
               <a:pPr/>
-              <a:t>3/20/2018</a:t>
+              <a:t>4/14/2018</a:t>
             </a:fld>
             <a:endParaRPr lang="en-US"/>
           </a:p>
@@ -1148,7 +1148,7 @@
     </p:spTree>
     <p:extLst>
       <p:ext uri="{BB962C8B-B14F-4D97-AF65-F5344CB8AC3E}">
-        <p14:creationId xmlns:p14="http://schemas.microsoft.com/office/powerpoint/2010/main" xmlns="" val="568378986"/>
+        <p14:creationId xmlns="" xmlns:p14="http://schemas.microsoft.com/office/powerpoint/2010/main" val="568378986"/>
       </p:ext>
     </p:extLst>
   </p:cSld>
@@ -1268,7 +1268,7 @@
             <a:fld id="{78C97017-6FC3-485B-9764-EAC9E56C1D49}" type="datetimeFigureOut">
               <a:rPr lang="en-US" smtClean="0"/>
               <a:pPr/>
-              <a:t>3/20/2018</a:t>
+              <a:t>4/14/2018</a:t>
             </a:fld>
             <a:endParaRPr lang="en-US"/>
           </a:p>
@@ -1320,7 +1320,7 @@
     </p:spTree>
     <p:extLst>
       <p:ext uri="{BB962C8B-B14F-4D97-AF65-F5344CB8AC3E}">
-        <p14:creationId xmlns:p14="http://schemas.microsoft.com/office/powerpoint/2010/main" xmlns="" val="266658052"/>
+        <p14:creationId xmlns="" xmlns:p14="http://schemas.microsoft.com/office/powerpoint/2010/main" val="266658052"/>
       </p:ext>
     </p:extLst>
   </p:cSld>
@@ -1516,7 +1516,7 @@
             <a:fld id="{78C97017-6FC3-485B-9764-EAC9E56C1D49}" type="datetimeFigureOut">
               <a:rPr lang="en-US" smtClean="0"/>
               <a:pPr/>
-              <a:t>3/20/2018</a:t>
+              <a:t>4/14/2018</a:t>
             </a:fld>
             <a:endParaRPr lang="en-US"/>
           </a:p>
@@ -1568,7 +1568,7 @@
     </p:spTree>
     <p:extLst>
       <p:ext uri="{BB962C8B-B14F-4D97-AF65-F5344CB8AC3E}">
-        <p14:creationId xmlns:p14="http://schemas.microsoft.com/office/powerpoint/2010/main" xmlns="" val="474686344"/>
+        <p14:creationId xmlns="" xmlns:p14="http://schemas.microsoft.com/office/powerpoint/2010/main" val="474686344"/>
       </p:ext>
     </p:extLst>
   </p:cSld>
@@ -1806,7 +1806,7 @@
             <a:fld id="{78C97017-6FC3-485B-9764-EAC9E56C1D49}" type="datetimeFigureOut">
               <a:rPr lang="en-US" smtClean="0"/>
               <a:pPr/>
-              <a:t>3/20/2018</a:t>
+              <a:t>4/14/2018</a:t>
             </a:fld>
             <a:endParaRPr lang="en-US"/>
           </a:p>
@@ -1858,7 +1858,7 @@
     </p:spTree>
     <p:extLst>
       <p:ext uri="{BB962C8B-B14F-4D97-AF65-F5344CB8AC3E}">
-        <p14:creationId xmlns:p14="http://schemas.microsoft.com/office/powerpoint/2010/main" xmlns="" val="562293251"/>
+        <p14:creationId xmlns="" xmlns:p14="http://schemas.microsoft.com/office/powerpoint/2010/main" val="562293251"/>
       </p:ext>
     </p:extLst>
   </p:cSld>
@@ -2230,7 +2230,7 @@
             <a:fld id="{78C97017-6FC3-485B-9764-EAC9E56C1D49}" type="datetimeFigureOut">
               <a:rPr lang="en-US" smtClean="0"/>
               <a:pPr/>
-              <a:t>3/20/2018</a:t>
+              <a:t>4/14/2018</a:t>
             </a:fld>
             <a:endParaRPr lang="en-US"/>
           </a:p>
@@ -2282,7 +2282,7 @@
     </p:spTree>
     <p:extLst>
       <p:ext uri="{BB962C8B-B14F-4D97-AF65-F5344CB8AC3E}">
-        <p14:creationId xmlns:p14="http://schemas.microsoft.com/office/powerpoint/2010/main" xmlns="" val="1126424250"/>
+        <p14:creationId xmlns="" xmlns:p14="http://schemas.microsoft.com/office/powerpoint/2010/main" val="1126424250"/>
       </p:ext>
     </p:extLst>
   </p:cSld>
@@ -2350,7 +2350,7 @@
             <a:fld id="{78C97017-6FC3-485B-9764-EAC9E56C1D49}" type="datetimeFigureOut">
               <a:rPr lang="en-US" smtClean="0"/>
               <a:pPr/>
-              <a:t>3/20/2018</a:t>
+              <a:t>4/14/2018</a:t>
             </a:fld>
             <a:endParaRPr lang="en-US"/>
           </a:p>
@@ -2402,7 +2402,7 @@
     </p:spTree>
     <p:extLst>
       <p:ext uri="{BB962C8B-B14F-4D97-AF65-F5344CB8AC3E}">
-        <p14:creationId xmlns:p14="http://schemas.microsoft.com/office/powerpoint/2010/main" xmlns="" val="4159724230"/>
+        <p14:creationId xmlns="" xmlns:p14="http://schemas.microsoft.com/office/powerpoint/2010/main" val="4159724230"/>
       </p:ext>
     </p:extLst>
   </p:cSld>
@@ -2447,7 +2447,7 @@
             <a:fld id="{78C97017-6FC3-485B-9764-EAC9E56C1D49}" type="datetimeFigureOut">
               <a:rPr lang="en-US" smtClean="0"/>
               <a:pPr/>
-              <a:t>3/20/2018</a:t>
+              <a:t>4/14/2018</a:t>
             </a:fld>
             <a:endParaRPr lang="en-US"/>
           </a:p>
@@ -2499,7 +2499,7 @@
     </p:spTree>
     <p:extLst>
       <p:ext uri="{BB962C8B-B14F-4D97-AF65-F5344CB8AC3E}">
-        <p14:creationId xmlns:p14="http://schemas.microsoft.com/office/powerpoint/2010/main" xmlns="" val="1793928710"/>
+        <p14:creationId xmlns="" xmlns:p14="http://schemas.microsoft.com/office/powerpoint/2010/main" val="1793928710"/>
       </p:ext>
     </p:extLst>
   </p:cSld>
@@ -2726,7 +2726,7 @@
             <a:fld id="{78C97017-6FC3-485B-9764-EAC9E56C1D49}" type="datetimeFigureOut">
               <a:rPr lang="en-US" smtClean="0"/>
               <a:pPr/>
-              <a:t>3/20/2018</a:t>
+              <a:t>4/14/2018</a:t>
             </a:fld>
             <a:endParaRPr lang="en-US"/>
           </a:p>
@@ -2778,7 +2778,7 @@
     </p:spTree>
     <p:extLst>
       <p:ext uri="{BB962C8B-B14F-4D97-AF65-F5344CB8AC3E}">
-        <p14:creationId xmlns:p14="http://schemas.microsoft.com/office/powerpoint/2010/main" xmlns="" val="2076802089"/>
+        <p14:creationId xmlns="" xmlns:p14="http://schemas.microsoft.com/office/powerpoint/2010/main" val="2076802089"/>
       </p:ext>
     </p:extLst>
   </p:cSld>
@@ -2981,7 +2981,7 @@
             <a:fld id="{78C97017-6FC3-485B-9764-EAC9E56C1D49}" type="datetimeFigureOut">
               <a:rPr lang="en-US" smtClean="0"/>
               <a:pPr/>
-              <a:t>3/20/2018</a:t>
+              <a:t>4/14/2018</a:t>
             </a:fld>
             <a:endParaRPr lang="en-US"/>
           </a:p>
@@ -3033,7 +3033,7 @@
     </p:spTree>
     <p:extLst>
       <p:ext uri="{BB962C8B-B14F-4D97-AF65-F5344CB8AC3E}">
-        <p14:creationId xmlns:p14="http://schemas.microsoft.com/office/powerpoint/2010/main" xmlns="" val="201835938"/>
+        <p14:creationId xmlns="" xmlns:p14="http://schemas.microsoft.com/office/powerpoint/2010/main" val="201835938"/>
       </p:ext>
     </p:extLst>
   </p:cSld>
@@ -3196,7 +3196,7 @@
             <a:fld id="{78C97017-6FC3-485B-9764-EAC9E56C1D49}" type="datetimeFigureOut">
               <a:rPr lang="en-US" smtClean="0"/>
               <a:pPr/>
-              <a:t>3/20/2018</a:t>
+              <a:t>4/14/2018</a:t>
             </a:fld>
             <a:endParaRPr lang="en-US"/>
           </a:p>
@@ -3284,7 +3284,7 @@
     </p:spTree>
     <p:extLst>
       <p:ext uri="{BB962C8B-B14F-4D97-AF65-F5344CB8AC3E}">
-        <p14:creationId xmlns:p14="http://schemas.microsoft.com/office/powerpoint/2010/main" xmlns="" val="2341400630"/>
+        <p14:creationId xmlns="" xmlns:p14="http://schemas.microsoft.com/office/powerpoint/2010/main" val="2341400630"/>
       </p:ext>
     </p:extLst>
   </p:cSld>
@@ -3580,8 +3580,8 @@
         </p:nvSpPr>
         <p:spPr>
           <a:xfrm>
-            <a:off x="533400" y="1676400"/>
-            <a:ext cx="8153400" cy="4191000"/>
+            <a:off x="609600" y="1447800"/>
+            <a:ext cx="8001000" cy="4419600"/>
           </a:xfrm>
           <a:prstGeom prst="roundRect">
             <a:avLst>
@@ -3677,7 +3677,7 @@
           <a:p>
             <a:pPr algn="ctr"/>
             <a:r>
-              <a:rPr lang="en-US" sz="1050" dirty="0" err="1" smtClean="0">
+              <a:rPr lang="en-US" sz="1050" dirty="0" smtClean="0">
                 <a:solidFill>
                   <a:schemeClr val="bg1"/>
                 </a:solidFill>
@@ -3700,8 +3700,8 @@
         </p:nvSpPr>
         <p:spPr>
           <a:xfrm rot="16200000">
-            <a:off x="1226763" y="2868687"/>
-            <a:ext cx="1093635" cy="346760"/>
+            <a:off x="1001906" y="3093544"/>
+            <a:ext cx="1543350" cy="346760"/>
           </a:xfrm>
           <a:prstGeom prst="rect">
             <a:avLst/>
@@ -3736,7 +3736,7 @@
           <a:p>
             <a:pPr algn="ctr"/>
             <a:r>
-              <a:rPr lang="en-US" sz="1050" dirty="0" err="1" smtClean="0">
+              <a:rPr lang="en-US" sz="1050" dirty="0" smtClean="0">
                 <a:solidFill>
                   <a:schemeClr val="bg1"/>
                 </a:solidFill>
@@ -4079,7 +4079,7 @@
           <a:p>
             <a:pPr algn="ctr"/>
             <a:r>
-              <a:rPr lang="en-US" sz="1050" dirty="0" err="1" smtClean="0">
+              <a:rPr lang="en-US" sz="1050" dirty="0" smtClean="0">
                 <a:solidFill>
                   <a:srgbClr val="7030A0"/>
                 </a:solidFill>
@@ -4221,7 +4221,7 @@
           <a:p>
             <a:pPr algn="ctr"/>
             <a:r>
-              <a:rPr lang="en-US" sz="1050" dirty="0" err="1" smtClean="0">
+              <a:rPr lang="en-US" sz="1050" dirty="0" smtClean="0">
                 <a:solidFill>
                   <a:srgbClr val="7030A0"/>
                 </a:solidFill>
@@ -4365,7 +4365,7 @@
           <a:p>
             <a:pPr algn="ctr"/>
             <a:r>
-              <a:rPr lang="en-US" sz="1050" dirty="0" err="1" smtClean="0">
+              <a:rPr lang="en-US" sz="1050" dirty="0" smtClean="0">
                 <a:solidFill>
                   <a:srgbClr val="7030A0"/>
                 </a:solidFill>
@@ -5296,7 +5296,7 @@
               </a:rPr>
             </a:br>
             <a:r>
-              <a:rPr lang="en-US" sz="1050" dirty="0" err="1" smtClean="0">
+              <a:rPr lang="en-US" sz="1050" dirty="0" smtClean="0">
                 <a:solidFill>
                   <a:srgbClr val="7030A0"/>
                 </a:solidFill>
@@ -5319,7 +5319,7 @@
         </p:nvSpPr>
         <p:spPr>
           <a:xfrm rot="16200000">
-            <a:off x="5943786" y="4310205"/>
+            <a:off x="5943786" y="4343586"/>
             <a:ext cx="804818" cy="261610"/>
           </a:xfrm>
           <a:prstGeom prst="rect">
@@ -5414,7 +5414,7 @@
               </a:rPr>
             </a:br>
             <a:r>
-              <a:rPr lang="en-US" sz="1050" dirty="0" err="1" smtClean="0">
+              <a:rPr lang="en-US" sz="1050" dirty="0" smtClean="0">
                 <a:solidFill>
                   <a:srgbClr val="7030A0"/>
                 </a:solidFill>
@@ -5751,7 +5751,7 @@
         </p:nvSpPr>
         <p:spPr>
           <a:xfrm>
-            <a:off x="2199170" y="3386050"/>
+            <a:off x="2209800" y="3097917"/>
             <a:ext cx="189257" cy="178683"/>
           </a:xfrm>
           <a:prstGeom prst="rect">
@@ -5790,7 +5790,7 @@
         </p:nvSpPr>
         <p:spPr>
           <a:xfrm>
-            <a:off x="6211543" y="2667000"/>
+            <a:off x="6363943" y="2667000"/>
             <a:ext cx="189257" cy="178683"/>
           </a:xfrm>
           <a:prstGeom prst="rect">
@@ -5823,14 +5823,14 @@
       </p:sp>
       <p:sp>
         <p:nvSpPr>
-          <p:cNvPr id="52" name="Rectangle 8"/>
+          <p:cNvPr id="127" name="Rectangle 8"/>
           <p:cNvSpPr/>
           <p:nvPr/>
         </p:nvSpPr>
         <p:spPr>
           <a:xfrm>
-            <a:off x="4038600" y="3463240"/>
-            <a:ext cx="1156969" cy="346760"/>
+            <a:off x="5867400" y="3463240"/>
+            <a:ext cx="685800" cy="346760"/>
           </a:xfrm>
           <a:prstGeom prst="rect">
             <a:avLst/>
@@ -5862,12 +5862,12 @@
           <a:p>
             <a:pPr algn="ctr"/>
             <a:r>
-              <a:rPr lang="en-US" sz="1050" dirty="0" err="1" smtClean="0">
+              <a:rPr lang="en-US" sz="1050" dirty="0" smtClean="0">
                 <a:solidFill>
                   <a:srgbClr val="7030A0"/>
                 </a:solidFill>
               </a:rPr>
-              <a:t>UniqueTaskList</a:t>
+              <a:t>Task</a:t>
             </a:r>
             <a:endParaRPr lang="en-SG" sz="1050" dirty="0">
               <a:solidFill>
@@ -5879,14 +5879,14 @@
       </p:sp>
       <p:sp>
         <p:nvSpPr>
-          <p:cNvPr id="53" name="Rectangle 8"/>
+          <p:cNvPr id="142" name="Rectangle 8"/>
           <p:cNvSpPr/>
           <p:nvPr/>
         </p:nvSpPr>
         <p:spPr>
           <a:xfrm>
-            <a:off x="4038600" y="3996640"/>
-            <a:ext cx="1524000" cy="346760"/>
+            <a:off x="7223650" y="3429000"/>
+            <a:ext cx="1082150" cy="285783"/>
           </a:xfrm>
           <a:prstGeom prst="rect">
             <a:avLst/>
@@ -5918,12 +5918,12 @@
           <a:p>
             <a:pPr algn="ctr"/>
             <a:r>
-              <a:rPr lang="en-US" sz="1050" dirty="0" err="1" smtClean="0">
+              <a:rPr lang="en-US" sz="1050" dirty="0" smtClean="0">
                 <a:solidFill>
                   <a:srgbClr val="7030A0"/>
                 </a:solidFill>
               </a:rPr>
-              <a:t>UniqueTaskCategoryList</a:t>
+              <a:t>TaskName</a:t>
             </a:r>
             <a:endParaRPr lang="en-SG" sz="1050" dirty="0">
               <a:solidFill>
@@ -5935,14 +5935,104 @@
       </p:sp>
       <p:sp>
         <p:nvSpPr>
-          <p:cNvPr id="127" name="Rectangle 8"/>
+          <p:cNvPr id="143" name="Flowchart: Decision 96"/>
           <p:cNvSpPr/>
           <p:nvPr/>
         </p:nvSpPr>
         <p:spPr>
           <a:xfrm>
-            <a:off x="5867400" y="3463240"/>
-            <a:ext cx="685800" cy="346760"/>
+            <a:off x="6553200" y="3581400"/>
+            <a:ext cx="236048" cy="173380"/>
+          </a:xfrm>
+          <a:prstGeom prst="flowChartDecision">
+            <a:avLst/>
+          </a:prstGeom>
+          <a:solidFill>
+            <a:srgbClr val="7030A0"/>
+          </a:solidFill>
+          <a:ln w="19050">
+            <a:solidFill>
+              <a:srgbClr val="7030A0"/>
+            </a:solidFill>
+          </a:ln>
+          <a:effectLst/>
+        </p:spPr>
+        <p:style>
+          <a:lnRef idx="1">
+            <a:schemeClr val="accent6"/>
+          </a:lnRef>
+          <a:fillRef idx="2">
+            <a:schemeClr val="accent6"/>
+          </a:fillRef>
+          <a:effectRef idx="1">
+            <a:schemeClr val="accent6"/>
+          </a:effectRef>
+          <a:fontRef idx="minor">
+            <a:schemeClr val="dk1"/>
+          </a:fontRef>
+        </p:style>
+        <p:txBody>
+          <a:bodyPr rtlCol="0" anchor="ctr"/>
+          <a:lstStyle/>
+          <a:p>
+            <a:pPr algn="ctr"/>
+            <a:endParaRPr lang="en-US" sz="1050"/>
+          </a:p>
+        </p:txBody>
+      </p:sp>
+      <p:cxnSp>
+        <p:nvCxnSpPr>
+          <p:cNvPr id="144" name="Elbow Connector 143"/>
+          <p:cNvCxnSpPr>
+            <a:stCxn id="143" idx="3"/>
+            <a:endCxn id="142" idx="1"/>
+          </p:cNvCxnSpPr>
+          <p:nvPr/>
+        </p:nvCxnSpPr>
+        <p:spPr>
+          <a:xfrm flipV="1">
+            <a:off x="6789248" y="3571892"/>
+            <a:ext cx="434402" cy="96198"/>
+          </a:xfrm>
+          <a:prstGeom prst="bentConnector3">
+            <a:avLst>
+              <a:gd name="adj1" fmla="val 50000"/>
+            </a:avLst>
+          </a:prstGeom>
+          <a:ln w="19050">
+            <a:solidFill>
+              <a:srgbClr val="7030A0"/>
+            </a:solidFill>
+            <a:headEnd type="none" w="med" len="med"/>
+            <a:tailEnd type="arrow" w="med" len="med"/>
+          </a:ln>
+          <a:effectLst/>
+        </p:spPr>
+        <p:style>
+          <a:lnRef idx="1">
+            <a:schemeClr val="accent2"/>
+          </a:lnRef>
+          <a:fillRef idx="2">
+            <a:schemeClr val="accent2"/>
+          </a:fillRef>
+          <a:effectRef idx="1">
+            <a:schemeClr val="accent2"/>
+          </a:effectRef>
+          <a:fontRef idx="minor">
+            <a:schemeClr val="dk1"/>
+          </a:fontRef>
+        </p:style>
+      </p:cxnSp>
+      <p:sp>
+        <p:nvSpPr>
+          <p:cNvPr id="145" name="Rectangle 8"/>
+          <p:cNvSpPr/>
+          <p:nvPr/>
+        </p:nvSpPr>
+        <p:spPr>
+          <a:xfrm>
+            <a:off x="7223650" y="3751978"/>
+            <a:ext cx="1082150" cy="285783"/>
           </a:xfrm>
           <a:prstGeom prst="rect">
             <a:avLst/>
@@ -5979,7 +6069,7 @@
                   <a:srgbClr val="7030A0"/>
                 </a:solidFill>
               </a:rPr>
-              <a:t>Task</a:t>
+              <a:t>TaskPriority</a:t>
             </a:r>
             <a:endParaRPr lang="en-SG" sz="1050" dirty="0">
               <a:solidFill>
@@ -5991,18 +6081,21 @@
       </p:sp>
       <p:cxnSp>
         <p:nvCxnSpPr>
-          <p:cNvPr id="128" name="Elbow Connector 127"/>
-          <p:cNvCxnSpPr/>
+          <p:cNvPr id="146" name="Elbow Connector 145"/>
+          <p:cNvCxnSpPr>
+            <a:stCxn id="143" idx="3"/>
+            <a:endCxn id="145" idx="1"/>
+          </p:cNvCxnSpPr>
           <p:nvPr/>
         </p:nvCxnSpPr>
         <p:spPr>
           <a:xfrm>
-            <a:off x="3771934" y="2753400"/>
-            <a:ext cx="266666" cy="864000"/>
+            <a:off x="6789248" y="3668090"/>
+            <a:ext cx="434402" cy="226780"/>
           </a:xfrm>
           <a:prstGeom prst="bentConnector3">
             <a:avLst>
-              <a:gd name="adj1" fmla="val 48509"/>
+              <a:gd name="adj1" fmla="val 50000"/>
             </a:avLst>
           </a:prstGeom>
           <a:ln w="19050">
@@ -6029,133 +6122,15 @@
           </a:fontRef>
         </p:style>
       </p:cxnSp>
-      <p:cxnSp>
-        <p:nvCxnSpPr>
-          <p:cNvPr id="130" name="Elbow Connector 129"/>
-          <p:cNvCxnSpPr/>
-          <p:nvPr/>
-        </p:nvCxnSpPr>
-        <p:spPr>
-          <a:xfrm>
-            <a:off x="3771934" y="2743200"/>
-            <a:ext cx="266400" cy="1404000"/>
-          </a:xfrm>
-          <a:prstGeom prst="bentConnector3">
-            <a:avLst>
-              <a:gd name="adj1" fmla="val 48509"/>
-            </a:avLst>
-          </a:prstGeom>
-          <a:ln w="19050">
-            <a:solidFill>
-              <a:srgbClr val="7030A0"/>
-            </a:solidFill>
-            <a:headEnd type="none" w="med" len="med"/>
-            <a:tailEnd type="arrow" w="med" len="med"/>
-          </a:ln>
-          <a:effectLst/>
-        </p:spPr>
-        <p:style>
-          <a:lnRef idx="1">
-            <a:schemeClr val="accent2"/>
-          </a:lnRef>
-          <a:fillRef idx="2">
-            <a:schemeClr val="accent2"/>
-          </a:fillRef>
-          <a:effectRef idx="1">
-            <a:schemeClr val="accent2"/>
-          </a:effectRef>
-          <a:fontRef idx="minor">
-            <a:schemeClr val="dk1"/>
-          </a:fontRef>
-        </p:style>
-      </p:cxnSp>
-      <p:sp>
-        <p:nvSpPr>
-          <p:cNvPr id="131" name="TextBox 130"/>
-          <p:cNvSpPr txBox="1"/>
-          <p:nvPr/>
-        </p:nvSpPr>
-        <p:spPr>
-          <a:xfrm>
-            <a:off x="3886200" y="3402717"/>
-            <a:ext cx="189257" cy="178683"/>
-          </a:xfrm>
-          <a:prstGeom prst="rect">
-            <a:avLst/>
-          </a:prstGeom>
-          <a:noFill/>
-        </p:spPr>
-        <p:txBody>
-          <a:bodyPr wrap="square" lIns="0" tIns="0" rIns="0" bIns="0" rtlCol="0">
-            <a:noAutofit/>
-          </a:bodyPr>
-          <a:lstStyle/>
-          <a:p>
-            <a:pPr algn="ctr"/>
-            <a:r>
-              <a:rPr lang="en-US" sz="1100" dirty="0" smtClean="0">
-                <a:solidFill>
-                  <a:srgbClr val="7030A0"/>
-                </a:solidFill>
-              </a:rPr>
-              <a:t>1</a:t>
-            </a:r>
-            <a:endParaRPr lang="en-SG" sz="1100" dirty="0">
-              <a:solidFill>
-                <a:srgbClr val="7030A0"/>
-              </a:solidFill>
-            </a:endParaRPr>
-          </a:p>
-        </p:txBody>
-      </p:sp>
-      <p:sp>
-        <p:nvSpPr>
-          <p:cNvPr id="132" name="TextBox 131"/>
-          <p:cNvSpPr txBox="1"/>
-          <p:nvPr/>
-        </p:nvSpPr>
-        <p:spPr>
-          <a:xfrm>
-            <a:off x="3886200" y="4164717"/>
-            <a:ext cx="189257" cy="178683"/>
-          </a:xfrm>
-          <a:prstGeom prst="rect">
-            <a:avLst/>
-          </a:prstGeom>
-          <a:noFill/>
-        </p:spPr>
-        <p:txBody>
-          <a:bodyPr wrap="square" lIns="0" tIns="0" rIns="0" bIns="0" rtlCol="0">
-            <a:noAutofit/>
-          </a:bodyPr>
-          <a:lstStyle/>
-          <a:p>
-            <a:pPr algn="ctr"/>
-            <a:r>
-              <a:rPr lang="en-US" sz="1100" dirty="0" smtClean="0">
-                <a:solidFill>
-                  <a:srgbClr val="7030A0"/>
-                </a:solidFill>
-              </a:rPr>
-              <a:t>1</a:t>
-            </a:r>
-            <a:endParaRPr lang="en-SG" sz="1100" dirty="0">
-              <a:solidFill>
-                <a:srgbClr val="7030A0"/>
-              </a:solidFill>
-            </a:endParaRPr>
-          </a:p>
-        </p:txBody>
-      </p:sp>
-      <p:sp>
-        <p:nvSpPr>
-          <p:cNvPr id="142" name="Rectangle 8"/>
+      <p:sp>
+        <p:nvSpPr>
+          <p:cNvPr id="147" name="Rectangle 8"/>
           <p:cNvSpPr/>
           <p:nvPr/>
         </p:nvSpPr>
         <p:spPr>
           <a:xfrm>
-            <a:off x="7223650" y="3429000"/>
+            <a:off x="7223650" y="4074956"/>
             <a:ext cx="1082150" cy="285783"/>
           </a:xfrm>
           <a:prstGeom prst="rect">
@@ -6188,12 +6163,12 @@
           <a:p>
             <a:pPr algn="ctr"/>
             <a:r>
-              <a:rPr lang="en-US" sz="1050" dirty="0" err="1" smtClean="0">
+              <a:rPr lang="en-US" sz="1050" dirty="0" smtClean="0">
                 <a:solidFill>
                   <a:srgbClr val="7030A0"/>
                 </a:solidFill>
               </a:rPr>
-              <a:t>TaskName</a:t>
+              <a:t>TaskDescription</a:t>
             </a:r>
             <a:endParaRPr lang="en-SG" sz="1050" dirty="0">
               <a:solidFill>
@@ -6203,23 +6178,163 @@
           </a:p>
         </p:txBody>
       </p:sp>
-      <p:sp>
-        <p:nvSpPr>
-          <p:cNvPr id="143" name="Flowchart: Decision 96"/>
+      <p:cxnSp>
+        <p:nvCxnSpPr>
+          <p:cNvPr id="148" name="Elbow Connector 147"/>
+          <p:cNvCxnSpPr>
+            <a:stCxn id="143" idx="3"/>
+            <a:endCxn id="147" idx="1"/>
+          </p:cNvCxnSpPr>
+          <p:nvPr/>
+        </p:nvCxnSpPr>
+        <p:spPr>
+          <a:xfrm>
+            <a:off x="6789248" y="3668090"/>
+            <a:ext cx="434402" cy="549758"/>
+          </a:xfrm>
+          <a:prstGeom prst="bentConnector3">
+            <a:avLst>
+              <a:gd name="adj1" fmla="val 50000"/>
+            </a:avLst>
+          </a:prstGeom>
+          <a:ln w="19050">
+            <a:solidFill>
+              <a:srgbClr val="7030A0"/>
+            </a:solidFill>
+            <a:headEnd type="none" w="med" len="med"/>
+            <a:tailEnd type="arrow" w="med" len="med"/>
+          </a:ln>
+          <a:effectLst/>
+        </p:spPr>
+        <p:style>
+          <a:lnRef idx="1">
+            <a:schemeClr val="accent2"/>
+          </a:lnRef>
+          <a:fillRef idx="2">
+            <a:schemeClr val="accent2"/>
+          </a:fillRef>
+          <a:effectRef idx="1">
+            <a:schemeClr val="accent2"/>
+          </a:effectRef>
+          <a:fontRef idx="minor">
+            <a:schemeClr val="dk1"/>
+          </a:fontRef>
+        </p:style>
+      </p:cxnSp>
+      <p:sp>
+        <p:nvSpPr>
+          <p:cNvPr id="149" name="Rectangle 8"/>
           <p:cNvSpPr/>
           <p:nvPr/>
         </p:nvSpPr>
         <p:spPr>
           <a:xfrm>
-            <a:off x="6553200" y="3581400"/>
+            <a:off x="7223650" y="4397933"/>
+            <a:ext cx="1082150" cy="285783"/>
+          </a:xfrm>
+          <a:prstGeom prst="rect">
+            <a:avLst/>
+          </a:prstGeom>
+          <a:ln w="19050">
+            <a:solidFill>
+              <a:srgbClr val="7030A0"/>
+            </a:solidFill>
+          </a:ln>
+          <a:effectLst/>
+        </p:spPr>
+        <p:style>
+          <a:lnRef idx="1">
+            <a:schemeClr val="accent4"/>
+          </a:lnRef>
+          <a:fillRef idx="2">
+            <a:schemeClr val="accent4"/>
+          </a:fillRef>
+          <a:effectRef idx="1">
+            <a:schemeClr val="accent4"/>
+          </a:effectRef>
+          <a:fontRef idx="minor">
+            <a:schemeClr val="dk1"/>
+          </a:fontRef>
+        </p:style>
+        <p:txBody>
+          <a:bodyPr rtlCol="0" anchor="ctr"/>
+          <a:lstStyle/>
+          <a:p>
+            <a:pPr algn="ctr"/>
+            <a:r>
+              <a:rPr lang="en-US" sz="1050" dirty="0" smtClean="0">
+                <a:solidFill>
+                  <a:srgbClr val="7030A0"/>
+                </a:solidFill>
+              </a:rPr>
+              <a:t>TaskDueDate</a:t>
+            </a:r>
+            <a:endParaRPr lang="en-SG" sz="1050" dirty="0">
+              <a:solidFill>
+                <a:srgbClr val="7030A0"/>
+              </a:solidFill>
+            </a:endParaRPr>
+          </a:p>
+        </p:txBody>
+      </p:sp>
+      <p:cxnSp>
+        <p:nvCxnSpPr>
+          <p:cNvPr id="150" name="Elbow Connector 149"/>
+          <p:cNvCxnSpPr>
+            <a:stCxn id="143" idx="3"/>
+            <a:endCxn id="149" idx="1"/>
+          </p:cNvCxnSpPr>
+          <p:nvPr/>
+        </p:nvCxnSpPr>
+        <p:spPr>
+          <a:xfrm>
+            <a:off x="6789248" y="3668090"/>
+            <a:ext cx="434402" cy="872735"/>
+          </a:xfrm>
+          <a:prstGeom prst="bentConnector3">
+            <a:avLst>
+              <a:gd name="adj1" fmla="val 50000"/>
+            </a:avLst>
+          </a:prstGeom>
+          <a:ln w="19050">
+            <a:solidFill>
+              <a:srgbClr val="7030A0"/>
+            </a:solidFill>
+            <a:headEnd type="none" w="med" len="med"/>
+            <a:tailEnd type="arrow" w="med" len="med"/>
+          </a:ln>
+          <a:effectLst/>
+        </p:spPr>
+        <p:style>
+          <a:lnRef idx="1">
+            <a:schemeClr val="accent2"/>
+          </a:lnRef>
+          <a:fillRef idx="2">
+            <a:schemeClr val="accent2"/>
+          </a:fillRef>
+          <a:effectRef idx="1">
+            <a:schemeClr val="accent2"/>
+          </a:effectRef>
+          <a:fontRef idx="minor">
+            <a:schemeClr val="dk1"/>
+          </a:fontRef>
+        </p:style>
+      </p:cxnSp>
+      <p:sp>
+        <p:nvSpPr>
+          <p:cNvPr id="151" name="Flowchart: Decision 96"/>
+          <p:cNvSpPr/>
+          <p:nvPr/>
+        </p:nvSpPr>
+        <p:spPr>
+          <a:xfrm>
+            <a:off x="5181600" y="3560420"/>
             <a:ext cx="236048" cy="173380"/>
           </a:xfrm>
           <a:prstGeom prst="flowChartDecision">
             <a:avLst/>
           </a:prstGeom>
-          <a:solidFill>
-            <a:srgbClr val="7030A0"/>
-          </a:solidFill>
+          <a:noFill/>
           <a:ln w="19050">
             <a:solidFill>
               <a:srgbClr val="7030A0"/>
@@ -6252,22 +6367,17 @@
       </p:sp>
       <p:cxnSp>
         <p:nvCxnSpPr>
-          <p:cNvPr id="144" name="Elbow Connector 143"/>
-          <p:cNvCxnSpPr>
-            <a:stCxn id="143" idx="3"/>
-            <a:endCxn id="142" idx="1"/>
-          </p:cNvCxnSpPr>
+          <p:cNvPr id="152" name="Elbow Connector 151"/>
+          <p:cNvCxnSpPr/>
           <p:nvPr/>
         </p:nvCxnSpPr>
         <p:spPr>
-          <a:xfrm flipV="1">
-            <a:off x="6789248" y="3571892"/>
-            <a:ext cx="434402" cy="96198"/>
+          <a:xfrm>
+            <a:off x="5410200" y="3657600"/>
+            <a:ext cx="453600" cy="777"/>
           </a:xfrm>
           <a:prstGeom prst="bentConnector3">
-            <a:avLst>
-              <a:gd name="adj1" fmla="val 50000"/>
-            </a:avLst>
+            <a:avLst/>
           </a:prstGeom>
           <a:ln w="19050">
             <a:solidFill>
@@ -6295,388 +6405,6 @@
       </p:cxnSp>
       <p:sp>
         <p:nvSpPr>
-          <p:cNvPr id="145" name="Rectangle 8"/>
-          <p:cNvSpPr/>
-          <p:nvPr/>
-        </p:nvSpPr>
-        <p:spPr>
-          <a:xfrm>
-            <a:off x="7223650" y="3751978"/>
-            <a:ext cx="1082150" cy="285783"/>
-          </a:xfrm>
-          <a:prstGeom prst="rect">
-            <a:avLst/>
-          </a:prstGeom>
-          <a:ln w="19050">
-            <a:solidFill>
-              <a:srgbClr val="7030A0"/>
-            </a:solidFill>
-          </a:ln>
-          <a:effectLst/>
-        </p:spPr>
-        <p:style>
-          <a:lnRef idx="1">
-            <a:schemeClr val="accent4"/>
-          </a:lnRef>
-          <a:fillRef idx="2">
-            <a:schemeClr val="accent4"/>
-          </a:fillRef>
-          <a:effectRef idx="1">
-            <a:schemeClr val="accent4"/>
-          </a:effectRef>
-          <a:fontRef idx="minor">
-            <a:schemeClr val="dk1"/>
-          </a:fontRef>
-        </p:style>
-        <p:txBody>
-          <a:bodyPr rtlCol="0" anchor="ctr"/>
-          <a:lstStyle/>
-          <a:p>
-            <a:pPr algn="ctr"/>
-            <a:r>
-              <a:rPr lang="en-US" sz="1050" dirty="0" err="1" smtClean="0">
-                <a:solidFill>
-                  <a:srgbClr val="7030A0"/>
-                </a:solidFill>
-              </a:rPr>
-              <a:t>TaskPriority</a:t>
-            </a:r>
-            <a:endParaRPr lang="en-SG" sz="1050" dirty="0">
-              <a:solidFill>
-                <a:srgbClr val="7030A0"/>
-              </a:solidFill>
-            </a:endParaRPr>
-          </a:p>
-        </p:txBody>
-      </p:sp>
-      <p:cxnSp>
-        <p:nvCxnSpPr>
-          <p:cNvPr id="146" name="Elbow Connector 145"/>
-          <p:cNvCxnSpPr>
-            <a:stCxn id="143" idx="3"/>
-            <a:endCxn id="145" idx="1"/>
-          </p:cNvCxnSpPr>
-          <p:nvPr/>
-        </p:nvCxnSpPr>
-        <p:spPr>
-          <a:xfrm>
-            <a:off x="6789248" y="3668090"/>
-            <a:ext cx="434402" cy="226780"/>
-          </a:xfrm>
-          <a:prstGeom prst="bentConnector3">
-            <a:avLst>
-              <a:gd name="adj1" fmla="val 50000"/>
-            </a:avLst>
-          </a:prstGeom>
-          <a:ln w="19050">
-            <a:solidFill>
-              <a:srgbClr val="7030A0"/>
-            </a:solidFill>
-            <a:headEnd type="none" w="med" len="med"/>
-            <a:tailEnd type="arrow" w="med" len="med"/>
-          </a:ln>
-          <a:effectLst/>
-        </p:spPr>
-        <p:style>
-          <a:lnRef idx="1">
-            <a:schemeClr val="accent2"/>
-          </a:lnRef>
-          <a:fillRef idx="2">
-            <a:schemeClr val="accent2"/>
-          </a:fillRef>
-          <a:effectRef idx="1">
-            <a:schemeClr val="accent2"/>
-          </a:effectRef>
-          <a:fontRef idx="minor">
-            <a:schemeClr val="dk1"/>
-          </a:fontRef>
-        </p:style>
-      </p:cxnSp>
-      <p:sp>
-        <p:nvSpPr>
-          <p:cNvPr id="147" name="Rectangle 8"/>
-          <p:cNvSpPr/>
-          <p:nvPr/>
-        </p:nvSpPr>
-        <p:spPr>
-          <a:xfrm>
-            <a:off x="7223650" y="4074956"/>
-            <a:ext cx="1082150" cy="285783"/>
-          </a:xfrm>
-          <a:prstGeom prst="rect">
-            <a:avLst/>
-          </a:prstGeom>
-          <a:ln w="19050">
-            <a:solidFill>
-              <a:srgbClr val="7030A0"/>
-            </a:solidFill>
-          </a:ln>
-          <a:effectLst/>
-        </p:spPr>
-        <p:style>
-          <a:lnRef idx="1">
-            <a:schemeClr val="accent4"/>
-          </a:lnRef>
-          <a:fillRef idx="2">
-            <a:schemeClr val="accent4"/>
-          </a:fillRef>
-          <a:effectRef idx="1">
-            <a:schemeClr val="accent4"/>
-          </a:effectRef>
-          <a:fontRef idx="minor">
-            <a:schemeClr val="dk1"/>
-          </a:fontRef>
-        </p:style>
-        <p:txBody>
-          <a:bodyPr rtlCol="0" anchor="ctr"/>
-          <a:lstStyle/>
-          <a:p>
-            <a:pPr algn="ctr"/>
-            <a:r>
-              <a:rPr lang="en-US" sz="1050" dirty="0" err="1" smtClean="0">
-                <a:solidFill>
-                  <a:srgbClr val="7030A0"/>
-                </a:solidFill>
-              </a:rPr>
-              <a:t>TaskDescription</a:t>
-            </a:r>
-            <a:endParaRPr lang="en-SG" sz="1050" dirty="0">
-              <a:solidFill>
-                <a:srgbClr val="7030A0"/>
-              </a:solidFill>
-            </a:endParaRPr>
-          </a:p>
-        </p:txBody>
-      </p:sp>
-      <p:cxnSp>
-        <p:nvCxnSpPr>
-          <p:cNvPr id="148" name="Elbow Connector 147"/>
-          <p:cNvCxnSpPr>
-            <a:stCxn id="143" idx="3"/>
-            <a:endCxn id="147" idx="1"/>
-          </p:cNvCxnSpPr>
-          <p:nvPr/>
-        </p:nvCxnSpPr>
-        <p:spPr>
-          <a:xfrm>
-            <a:off x="6789248" y="3668090"/>
-            <a:ext cx="434402" cy="549758"/>
-          </a:xfrm>
-          <a:prstGeom prst="bentConnector3">
-            <a:avLst>
-              <a:gd name="adj1" fmla="val 50000"/>
-            </a:avLst>
-          </a:prstGeom>
-          <a:ln w="19050">
-            <a:solidFill>
-              <a:srgbClr val="7030A0"/>
-            </a:solidFill>
-            <a:headEnd type="none" w="med" len="med"/>
-            <a:tailEnd type="arrow" w="med" len="med"/>
-          </a:ln>
-          <a:effectLst/>
-        </p:spPr>
-        <p:style>
-          <a:lnRef idx="1">
-            <a:schemeClr val="accent2"/>
-          </a:lnRef>
-          <a:fillRef idx="2">
-            <a:schemeClr val="accent2"/>
-          </a:fillRef>
-          <a:effectRef idx="1">
-            <a:schemeClr val="accent2"/>
-          </a:effectRef>
-          <a:fontRef idx="minor">
-            <a:schemeClr val="dk1"/>
-          </a:fontRef>
-        </p:style>
-      </p:cxnSp>
-      <p:sp>
-        <p:nvSpPr>
-          <p:cNvPr id="149" name="Rectangle 8"/>
-          <p:cNvSpPr/>
-          <p:nvPr/>
-        </p:nvSpPr>
-        <p:spPr>
-          <a:xfrm>
-            <a:off x="7223650" y="4397933"/>
-            <a:ext cx="1082150" cy="285783"/>
-          </a:xfrm>
-          <a:prstGeom prst="rect">
-            <a:avLst/>
-          </a:prstGeom>
-          <a:ln w="19050">
-            <a:solidFill>
-              <a:srgbClr val="7030A0"/>
-            </a:solidFill>
-          </a:ln>
-          <a:effectLst/>
-        </p:spPr>
-        <p:style>
-          <a:lnRef idx="1">
-            <a:schemeClr val="accent4"/>
-          </a:lnRef>
-          <a:fillRef idx="2">
-            <a:schemeClr val="accent4"/>
-          </a:fillRef>
-          <a:effectRef idx="1">
-            <a:schemeClr val="accent4"/>
-          </a:effectRef>
-          <a:fontRef idx="minor">
-            <a:schemeClr val="dk1"/>
-          </a:fontRef>
-        </p:style>
-        <p:txBody>
-          <a:bodyPr rtlCol="0" anchor="ctr"/>
-          <a:lstStyle/>
-          <a:p>
-            <a:pPr algn="ctr"/>
-            <a:r>
-              <a:rPr lang="en-US" sz="1050" dirty="0" err="1" smtClean="0">
-                <a:solidFill>
-                  <a:srgbClr val="7030A0"/>
-                </a:solidFill>
-              </a:rPr>
-              <a:t>TaskDueDate</a:t>
-            </a:r>
-            <a:endParaRPr lang="en-SG" sz="1050" dirty="0">
-              <a:solidFill>
-                <a:srgbClr val="7030A0"/>
-              </a:solidFill>
-            </a:endParaRPr>
-          </a:p>
-        </p:txBody>
-      </p:sp>
-      <p:cxnSp>
-        <p:nvCxnSpPr>
-          <p:cNvPr id="150" name="Elbow Connector 149"/>
-          <p:cNvCxnSpPr>
-            <a:stCxn id="143" idx="3"/>
-            <a:endCxn id="149" idx="1"/>
-          </p:cNvCxnSpPr>
-          <p:nvPr/>
-        </p:nvCxnSpPr>
-        <p:spPr>
-          <a:xfrm>
-            <a:off x="6789248" y="3668090"/>
-            <a:ext cx="434402" cy="872735"/>
-          </a:xfrm>
-          <a:prstGeom prst="bentConnector3">
-            <a:avLst>
-              <a:gd name="adj1" fmla="val 50000"/>
-            </a:avLst>
-          </a:prstGeom>
-          <a:ln w="19050">
-            <a:solidFill>
-              <a:srgbClr val="7030A0"/>
-            </a:solidFill>
-            <a:headEnd type="none" w="med" len="med"/>
-            <a:tailEnd type="arrow" w="med" len="med"/>
-          </a:ln>
-          <a:effectLst/>
-        </p:spPr>
-        <p:style>
-          <a:lnRef idx="1">
-            <a:schemeClr val="accent2"/>
-          </a:lnRef>
-          <a:fillRef idx="2">
-            <a:schemeClr val="accent2"/>
-          </a:fillRef>
-          <a:effectRef idx="1">
-            <a:schemeClr val="accent2"/>
-          </a:effectRef>
-          <a:fontRef idx="minor">
-            <a:schemeClr val="dk1"/>
-          </a:fontRef>
-        </p:style>
-      </p:cxnSp>
-      <p:sp>
-        <p:nvSpPr>
-          <p:cNvPr id="151" name="Flowchart: Decision 96"/>
-          <p:cNvSpPr/>
-          <p:nvPr/>
-        </p:nvSpPr>
-        <p:spPr>
-          <a:xfrm>
-            <a:off x="5196950" y="3560420"/>
-            <a:ext cx="236048" cy="173380"/>
-          </a:xfrm>
-          <a:prstGeom prst="flowChartDecision">
-            <a:avLst/>
-          </a:prstGeom>
-          <a:noFill/>
-          <a:ln w="19050">
-            <a:solidFill>
-              <a:srgbClr val="7030A0"/>
-            </a:solidFill>
-          </a:ln>
-          <a:effectLst/>
-        </p:spPr>
-        <p:style>
-          <a:lnRef idx="1">
-            <a:schemeClr val="accent6"/>
-          </a:lnRef>
-          <a:fillRef idx="2">
-            <a:schemeClr val="accent6"/>
-          </a:fillRef>
-          <a:effectRef idx="1">
-            <a:schemeClr val="accent6"/>
-          </a:effectRef>
-          <a:fontRef idx="minor">
-            <a:schemeClr val="dk1"/>
-          </a:fontRef>
-        </p:style>
-        <p:txBody>
-          <a:bodyPr rtlCol="0" anchor="ctr"/>
-          <a:lstStyle/>
-          <a:p>
-            <a:pPr algn="ctr"/>
-            <a:endParaRPr lang="en-US" sz="1050"/>
-          </a:p>
-        </p:txBody>
-      </p:sp>
-      <p:cxnSp>
-        <p:nvCxnSpPr>
-          <p:cNvPr id="152" name="Elbow Connector 151"/>
-          <p:cNvCxnSpPr>
-            <a:stCxn id="151" idx="3"/>
-          </p:cNvCxnSpPr>
-          <p:nvPr/>
-        </p:nvCxnSpPr>
-        <p:spPr>
-          <a:xfrm>
-            <a:off x="5432998" y="3647110"/>
-            <a:ext cx="434402" cy="777"/>
-          </a:xfrm>
-          <a:prstGeom prst="bentConnector3">
-            <a:avLst/>
-          </a:prstGeom>
-          <a:ln w="19050">
-            <a:solidFill>
-              <a:srgbClr val="7030A0"/>
-            </a:solidFill>
-            <a:headEnd type="none" w="med" len="med"/>
-            <a:tailEnd type="arrow" w="med" len="med"/>
-          </a:ln>
-          <a:effectLst/>
-        </p:spPr>
-        <p:style>
-          <a:lnRef idx="1">
-            <a:schemeClr val="accent2"/>
-          </a:lnRef>
-          <a:fillRef idx="2">
-            <a:schemeClr val="accent2"/>
-          </a:fillRef>
-          <a:effectRef idx="1">
-            <a:schemeClr val="accent2"/>
-          </a:effectRef>
-          <a:fontRef idx="minor">
-            <a:schemeClr val="dk1"/>
-          </a:fontRef>
-        </p:style>
-      </p:cxnSp>
-      <p:sp>
-        <p:nvSpPr>
           <p:cNvPr id="153" name="TextBox 152"/>
           <p:cNvSpPr txBox="1"/>
           <p:nvPr/>
@@ -6722,8 +6450,8 @@
         </p:nvCxnSpPr>
         <p:spPr>
           <a:xfrm>
-            <a:off x="1752600" y="5181600"/>
-            <a:ext cx="6786000" cy="0"/>
+            <a:off x="1752600" y="1600200"/>
+            <a:ext cx="4579200" cy="0"/>
           </a:xfrm>
           <a:prstGeom prst="line">
             <a:avLst/>
@@ -6757,8 +6485,8 @@
         </p:nvCxnSpPr>
         <p:spPr>
           <a:xfrm>
-            <a:off x="1752600" y="3581400"/>
-            <a:ext cx="0" cy="1602000"/>
+            <a:off x="1752600" y="4038600"/>
+            <a:ext cx="0" cy="1152000"/>
           </a:xfrm>
           <a:prstGeom prst="line">
             <a:avLst/>
@@ -6861,7 +6589,7 @@
           <a:p>
             <a:pPr algn="ctr"/>
             <a:r>
-              <a:rPr lang="en-US" sz="1050" dirty="0" err="1" smtClean="0">
+              <a:rPr lang="en-US" sz="1050" dirty="0" smtClean="0">
                 <a:solidFill>
                   <a:srgbClr val="7030A0"/>
                 </a:solidFill>
@@ -7042,7 +6770,7 @@
           <a:p>
             <a:pPr algn="ctr"/>
             <a:r>
-              <a:rPr lang="en-US" sz="1050" dirty="0" err="1" smtClean="0">
+              <a:rPr lang="en-US" sz="1050" dirty="0" smtClean="0">
                 <a:solidFill>
                   <a:srgbClr val="7030A0"/>
                 </a:solidFill>
@@ -7104,7 +6832,7 @@
         </p:nvSpPr>
         <p:spPr>
           <a:xfrm>
-            <a:off x="6059143" y="3810000"/>
+            <a:off x="6287743" y="3810000"/>
             <a:ext cx="189257" cy="178683"/>
           </a:xfrm>
           <a:prstGeom prst="rect">
@@ -7137,14 +6865,752 @@
       </p:sp>
       <p:cxnSp>
         <p:nvCxnSpPr>
-          <p:cNvPr id="200" name="Straight Connector 199"/>
+          <p:cNvPr id="204" name="Straight Arrow Connector 203"/>
           <p:cNvCxnSpPr/>
           <p:nvPr/>
         </p:nvCxnSpPr>
         <p:spPr>
           <a:xfrm>
-            <a:off x="8534400" y="1752600"/>
-            <a:ext cx="0" cy="3420000"/>
+            <a:off x="6324600" y="1600200"/>
+            <a:ext cx="0" cy="1260000"/>
+          </a:xfrm>
+          <a:prstGeom prst="straightConnector1">
+            <a:avLst/>
+          </a:prstGeom>
+          <a:ln w="19050">
+            <a:solidFill>
+              <a:srgbClr val="7030A0"/>
+            </a:solidFill>
+            <a:tailEnd type="arrow"/>
+          </a:ln>
+        </p:spPr>
+        <p:style>
+          <a:lnRef idx="1">
+            <a:schemeClr val="accent1"/>
+          </a:lnRef>
+          <a:fillRef idx="0">
+            <a:schemeClr val="accent1"/>
+          </a:fillRef>
+          <a:effectRef idx="0">
+            <a:schemeClr val="accent1"/>
+          </a:effectRef>
+          <a:fontRef idx="minor">
+            <a:schemeClr val="tx1"/>
+          </a:fontRef>
+        </p:style>
+      </p:cxnSp>
+      <p:sp>
+        <p:nvSpPr>
+          <p:cNvPr id="205" name="TextBox 204"/>
+          <p:cNvSpPr txBox="1"/>
+          <p:nvPr/>
+        </p:nvSpPr>
+        <p:spPr>
+          <a:xfrm rot="16200000">
+            <a:off x="6052996" y="2100404"/>
+            <a:ext cx="804818" cy="261610"/>
+          </a:xfrm>
+          <a:prstGeom prst="rect">
+            <a:avLst/>
+          </a:prstGeom>
+          <a:noFill/>
+        </p:spPr>
+        <p:txBody>
+          <a:bodyPr wrap="square" rtlCol="0">
+            <a:spAutoFit/>
+          </a:bodyPr>
+          <a:lstStyle/>
+          <a:p>
+            <a:pPr algn="r"/>
+            <a:r>
+              <a:rPr lang="en-US" sz="1100" dirty="0" smtClean="0">
+                <a:solidFill>
+                  <a:srgbClr val="7030A0"/>
+                </a:solidFill>
+              </a:rPr>
+              <a:t>filtered list</a:t>
+            </a:r>
+            <a:endParaRPr lang="en-SG" sz="1100" dirty="0">
+              <a:solidFill>
+                <a:srgbClr val="7030A0"/>
+              </a:solidFill>
+            </a:endParaRPr>
+          </a:p>
+        </p:txBody>
+      </p:sp>
+      <p:cxnSp>
+        <p:nvCxnSpPr>
+          <p:cNvPr id="96" name="Straight Arrow Connector 95"/>
+          <p:cNvCxnSpPr>
+            <a:stCxn id="98" idx="3"/>
+          </p:cNvCxnSpPr>
+          <p:nvPr/>
+        </p:nvCxnSpPr>
+        <p:spPr>
+          <a:xfrm>
+            <a:off x="2190755" y="3859936"/>
+            <a:ext cx="220810" cy="5284"/>
+          </a:xfrm>
+          <a:prstGeom prst="straightConnector1">
+            <a:avLst/>
+          </a:prstGeom>
+          <a:ln w="19050">
+            <a:solidFill>
+              <a:srgbClr val="7030A0"/>
+            </a:solidFill>
+            <a:headEnd type="none" w="med" len="med"/>
+            <a:tailEnd type="arrow" w="med" len="med"/>
+          </a:ln>
+          <a:effectLst/>
+        </p:spPr>
+        <p:style>
+          <a:lnRef idx="1">
+            <a:schemeClr val="accent2"/>
+          </a:lnRef>
+          <a:fillRef idx="2">
+            <a:schemeClr val="accent2"/>
+          </a:fillRef>
+          <a:effectRef idx="1">
+            <a:schemeClr val="accent2"/>
+          </a:effectRef>
+          <a:fontRef idx="minor">
+            <a:schemeClr val="dk1"/>
+          </a:fontRef>
+        </p:style>
+      </p:cxnSp>
+      <p:sp>
+        <p:nvSpPr>
+          <p:cNvPr id="98" name="Flowchart: Decision 96"/>
+          <p:cNvSpPr/>
+          <p:nvPr/>
+        </p:nvSpPr>
+        <p:spPr>
+          <a:xfrm>
+            <a:off x="1954707" y="3773246"/>
+            <a:ext cx="236048" cy="173380"/>
+          </a:xfrm>
+          <a:prstGeom prst="flowChartDecision">
+            <a:avLst/>
+          </a:prstGeom>
+          <a:noFill/>
+          <a:ln w="19050">
+            <a:solidFill>
+              <a:srgbClr val="7030A0"/>
+            </a:solidFill>
+          </a:ln>
+          <a:effectLst/>
+        </p:spPr>
+        <p:style>
+          <a:lnRef idx="1">
+            <a:schemeClr val="accent6"/>
+          </a:lnRef>
+          <a:fillRef idx="2">
+            <a:schemeClr val="accent6"/>
+          </a:fillRef>
+          <a:effectRef idx="1">
+            <a:schemeClr val="accent6"/>
+          </a:effectRef>
+          <a:fontRef idx="minor">
+            <a:schemeClr val="dk1"/>
+          </a:fontRef>
+        </p:style>
+        <p:txBody>
+          <a:bodyPr rtlCol="0" anchor="ctr"/>
+          <a:lstStyle/>
+          <a:p>
+            <a:pPr algn="ctr"/>
+            <a:endParaRPr lang="en-US" sz="1050"/>
+          </a:p>
+        </p:txBody>
+      </p:sp>
+      <p:sp>
+        <p:nvSpPr>
+          <p:cNvPr id="101" name="TextBox 100"/>
+          <p:cNvSpPr txBox="1"/>
+          <p:nvPr/>
+        </p:nvSpPr>
+        <p:spPr>
+          <a:xfrm>
+            <a:off x="2201385" y="3631317"/>
+            <a:ext cx="189257" cy="178683"/>
+          </a:xfrm>
+          <a:prstGeom prst="rect">
+            <a:avLst/>
+          </a:prstGeom>
+          <a:noFill/>
+        </p:spPr>
+        <p:txBody>
+          <a:bodyPr wrap="square" lIns="0" tIns="0" rIns="0" bIns="0" rtlCol="0">
+            <a:noAutofit/>
+          </a:bodyPr>
+          <a:lstStyle/>
+          <a:p>
+            <a:pPr algn="ctr"/>
+            <a:r>
+              <a:rPr lang="en-US" sz="1100" dirty="0" smtClean="0">
+                <a:solidFill>
+                  <a:srgbClr val="7030A0"/>
+                </a:solidFill>
+              </a:rPr>
+              <a:t>1</a:t>
+            </a:r>
+            <a:endParaRPr lang="en-SG" sz="1100" dirty="0">
+              <a:solidFill>
+                <a:srgbClr val="7030A0"/>
+              </a:solidFill>
+            </a:endParaRPr>
+          </a:p>
+        </p:txBody>
+      </p:sp>
+      <p:sp>
+        <p:nvSpPr>
+          <p:cNvPr id="102" name="Rectangle 8"/>
+          <p:cNvSpPr/>
+          <p:nvPr/>
+        </p:nvSpPr>
+        <p:spPr>
+          <a:xfrm>
+            <a:off x="2411565" y="3691840"/>
+            <a:ext cx="1093635" cy="346760"/>
+          </a:xfrm>
+          <a:prstGeom prst="rect">
+            <a:avLst/>
+          </a:prstGeom>
+          <a:ln w="19050">
+            <a:solidFill>
+              <a:srgbClr val="7030A0"/>
+            </a:solidFill>
+          </a:ln>
+          <a:effectLst/>
+        </p:spPr>
+        <p:style>
+          <a:lnRef idx="1">
+            <a:schemeClr val="accent4"/>
+          </a:lnRef>
+          <a:fillRef idx="2">
+            <a:schemeClr val="accent4"/>
+          </a:fillRef>
+          <a:effectRef idx="1">
+            <a:schemeClr val="accent4"/>
+          </a:effectRef>
+          <a:fontRef idx="minor">
+            <a:schemeClr val="dk1"/>
+          </a:fontRef>
+        </p:style>
+        <p:txBody>
+          <a:bodyPr rtlCol="0" anchor="ctr"/>
+          <a:lstStyle/>
+          <a:p>
+            <a:pPr algn="ctr"/>
+            <a:r>
+              <a:rPr lang="en-US" sz="1050" dirty="0" smtClean="0">
+                <a:solidFill>
+                  <a:srgbClr val="7030A0"/>
+                </a:solidFill>
+              </a:rPr>
+              <a:t>TaskBook</a:t>
+            </a:r>
+            <a:endParaRPr lang="en-SG" sz="1050" dirty="0">
+              <a:solidFill>
+                <a:srgbClr val="7030A0"/>
+              </a:solidFill>
+            </a:endParaRPr>
+          </a:p>
+        </p:txBody>
+      </p:sp>
+      <p:sp>
+        <p:nvSpPr>
+          <p:cNvPr id="115" name="Rectangle 8"/>
+          <p:cNvSpPr/>
+          <p:nvPr/>
+        </p:nvSpPr>
+        <p:spPr>
+          <a:xfrm>
+            <a:off x="4024631" y="3987464"/>
+            <a:ext cx="1537969" cy="346760"/>
+          </a:xfrm>
+          <a:prstGeom prst="rect">
+            <a:avLst/>
+          </a:prstGeom>
+          <a:ln w="19050">
+            <a:solidFill>
+              <a:srgbClr val="7030A0"/>
+            </a:solidFill>
+          </a:ln>
+          <a:effectLst/>
+        </p:spPr>
+        <p:style>
+          <a:lnRef idx="1">
+            <a:schemeClr val="accent4"/>
+          </a:lnRef>
+          <a:fillRef idx="2">
+            <a:schemeClr val="accent4"/>
+          </a:fillRef>
+          <a:effectRef idx="1">
+            <a:schemeClr val="accent4"/>
+          </a:effectRef>
+          <a:fontRef idx="minor">
+            <a:schemeClr val="dk1"/>
+          </a:fontRef>
+        </p:style>
+        <p:txBody>
+          <a:bodyPr rtlCol="0" anchor="ctr"/>
+          <a:lstStyle/>
+          <a:p>
+            <a:pPr algn="ctr"/>
+            <a:r>
+              <a:rPr lang="en-US" sz="1050" dirty="0" smtClean="0">
+                <a:solidFill>
+                  <a:srgbClr val="7030A0"/>
+                </a:solidFill>
+              </a:rPr>
+              <a:t>UniqueTaskCategoryList</a:t>
+            </a:r>
+            <a:endParaRPr lang="en-SG" sz="1050" dirty="0">
+              <a:solidFill>
+                <a:srgbClr val="7030A0"/>
+              </a:solidFill>
+            </a:endParaRPr>
+          </a:p>
+        </p:txBody>
+      </p:sp>
+      <p:sp>
+        <p:nvSpPr>
+          <p:cNvPr id="116" name="Flowchart: Decision 96"/>
+          <p:cNvSpPr/>
+          <p:nvPr/>
+        </p:nvSpPr>
+        <p:spPr>
+          <a:xfrm>
+            <a:off x="3521917" y="3814084"/>
+            <a:ext cx="236048" cy="173380"/>
+          </a:xfrm>
+          <a:prstGeom prst="flowChartDecision">
+            <a:avLst/>
+          </a:prstGeom>
+          <a:solidFill>
+            <a:srgbClr val="7030A0"/>
+          </a:solidFill>
+          <a:ln w="19050">
+            <a:solidFill>
+              <a:srgbClr val="7030A0"/>
+            </a:solidFill>
+          </a:ln>
+          <a:effectLst/>
+        </p:spPr>
+        <p:style>
+          <a:lnRef idx="1">
+            <a:schemeClr val="accent6"/>
+          </a:lnRef>
+          <a:fillRef idx="2">
+            <a:schemeClr val="accent6"/>
+          </a:fillRef>
+          <a:effectRef idx="1">
+            <a:schemeClr val="accent6"/>
+          </a:effectRef>
+          <a:fontRef idx="minor">
+            <a:schemeClr val="dk1"/>
+          </a:fontRef>
+        </p:style>
+        <p:txBody>
+          <a:bodyPr rtlCol="0" anchor="ctr"/>
+          <a:lstStyle/>
+          <a:p>
+            <a:pPr algn="ctr"/>
+            <a:endParaRPr lang="en-US" sz="1050"/>
+          </a:p>
+        </p:txBody>
+      </p:sp>
+      <p:cxnSp>
+        <p:nvCxnSpPr>
+          <p:cNvPr id="117" name="Elbow Connector 116"/>
+          <p:cNvCxnSpPr>
+            <a:stCxn id="116" idx="3"/>
+            <a:endCxn id="115" idx="1"/>
+          </p:cNvCxnSpPr>
+          <p:nvPr/>
+        </p:nvCxnSpPr>
+        <p:spPr>
+          <a:xfrm>
+            <a:off x="3757965" y="3900774"/>
+            <a:ext cx="266666" cy="260070"/>
+          </a:xfrm>
+          <a:prstGeom prst="bentConnector3">
+            <a:avLst>
+              <a:gd name="adj1" fmla="val 50000"/>
+            </a:avLst>
+          </a:prstGeom>
+          <a:ln w="19050">
+            <a:solidFill>
+              <a:srgbClr val="7030A0"/>
+            </a:solidFill>
+            <a:headEnd type="none" w="med" len="med"/>
+            <a:tailEnd type="arrow" w="med" len="med"/>
+          </a:ln>
+          <a:effectLst/>
+        </p:spPr>
+        <p:style>
+          <a:lnRef idx="1">
+            <a:schemeClr val="accent2"/>
+          </a:lnRef>
+          <a:fillRef idx="2">
+            <a:schemeClr val="accent2"/>
+          </a:fillRef>
+          <a:effectRef idx="1">
+            <a:schemeClr val="accent2"/>
+          </a:effectRef>
+          <a:fontRef idx="minor">
+            <a:schemeClr val="dk1"/>
+          </a:fontRef>
+        </p:style>
+      </p:cxnSp>
+      <p:sp>
+        <p:nvSpPr>
+          <p:cNvPr id="121" name="Rectangle 8"/>
+          <p:cNvSpPr/>
+          <p:nvPr/>
+        </p:nvSpPr>
+        <p:spPr>
+          <a:xfrm>
+            <a:off x="4014942" y="3463240"/>
+            <a:ext cx="1156969" cy="346760"/>
+          </a:xfrm>
+          <a:prstGeom prst="rect">
+            <a:avLst/>
+          </a:prstGeom>
+          <a:ln w="19050">
+            <a:solidFill>
+              <a:srgbClr val="7030A0"/>
+            </a:solidFill>
+          </a:ln>
+          <a:effectLst/>
+        </p:spPr>
+        <p:style>
+          <a:lnRef idx="1">
+            <a:schemeClr val="accent4"/>
+          </a:lnRef>
+          <a:fillRef idx="2">
+            <a:schemeClr val="accent4"/>
+          </a:fillRef>
+          <a:effectRef idx="1">
+            <a:schemeClr val="accent4"/>
+          </a:effectRef>
+          <a:fontRef idx="minor">
+            <a:schemeClr val="dk1"/>
+          </a:fontRef>
+        </p:style>
+        <p:txBody>
+          <a:bodyPr rtlCol="0" anchor="ctr"/>
+          <a:lstStyle/>
+          <a:p>
+            <a:pPr algn="ctr"/>
+            <a:r>
+              <a:rPr lang="en-US" sz="1050" dirty="0" smtClean="0">
+                <a:solidFill>
+                  <a:srgbClr val="7030A0"/>
+                </a:solidFill>
+              </a:rPr>
+              <a:t>UniqueTaskList</a:t>
+            </a:r>
+            <a:endParaRPr lang="en-SG" sz="1050" dirty="0">
+              <a:solidFill>
+                <a:srgbClr val="7030A0"/>
+              </a:solidFill>
+            </a:endParaRPr>
+          </a:p>
+        </p:txBody>
+      </p:sp>
+      <p:cxnSp>
+        <p:nvCxnSpPr>
+          <p:cNvPr id="123" name="Elbow Connector 122"/>
+          <p:cNvCxnSpPr>
+            <a:stCxn id="116" idx="3"/>
+            <a:endCxn id="121" idx="1"/>
+          </p:cNvCxnSpPr>
+          <p:nvPr/>
+        </p:nvCxnSpPr>
+        <p:spPr>
+          <a:xfrm flipV="1">
+            <a:off x="3757965" y="3636620"/>
+            <a:ext cx="256977" cy="264154"/>
+          </a:xfrm>
+          <a:prstGeom prst="bentConnector3">
+            <a:avLst>
+              <a:gd name="adj1" fmla="val 50000"/>
+            </a:avLst>
+          </a:prstGeom>
+          <a:ln w="19050">
+            <a:solidFill>
+              <a:srgbClr val="7030A0"/>
+            </a:solidFill>
+            <a:headEnd type="none" w="med" len="med"/>
+            <a:tailEnd type="arrow" w="med" len="med"/>
+          </a:ln>
+          <a:effectLst/>
+        </p:spPr>
+        <p:style>
+          <a:lnRef idx="1">
+            <a:schemeClr val="accent2"/>
+          </a:lnRef>
+          <a:fillRef idx="2">
+            <a:schemeClr val="accent2"/>
+          </a:fillRef>
+          <a:effectRef idx="1">
+            <a:schemeClr val="accent2"/>
+          </a:effectRef>
+          <a:fontRef idx="minor">
+            <a:schemeClr val="dk1"/>
+          </a:fontRef>
+        </p:style>
+      </p:cxnSp>
+      <p:sp>
+        <p:nvSpPr>
+          <p:cNvPr id="125" name="TextBox 124"/>
+          <p:cNvSpPr txBox="1"/>
+          <p:nvPr/>
+        </p:nvSpPr>
+        <p:spPr>
+          <a:xfrm>
+            <a:off x="3862586" y="3402717"/>
+            <a:ext cx="189257" cy="178683"/>
+          </a:xfrm>
+          <a:prstGeom prst="rect">
+            <a:avLst/>
+          </a:prstGeom>
+          <a:noFill/>
+        </p:spPr>
+        <p:txBody>
+          <a:bodyPr wrap="square" lIns="0" tIns="0" rIns="0" bIns="0" rtlCol="0">
+            <a:noAutofit/>
+          </a:bodyPr>
+          <a:lstStyle/>
+          <a:p>
+            <a:pPr algn="ctr"/>
+            <a:r>
+              <a:rPr lang="en-US" sz="1100" dirty="0" smtClean="0">
+                <a:solidFill>
+                  <a:srgbClr val="7030A0"/>
+                </a:solidFill>
+              </a:rPr>
+              <a:t>1</a:t>
+            </a:r>
+            <a:endParaRPr lang="en-SG" sz="1100" dirty="0">
+              <a:solidFill>
+                <a:srgbClr val="7030A0"/>
+              </a:solidFill>
+            </a:endParaRPr>
+          </a:p>
+        </p:txBody>
+      </p:sp>
+      <p:sp>
+        <p:nvSpPr>
+          <p:cNvPr id="126" name="TextBox 125"/>
+          <p:cNvSpPr txBox="1"/>
+          <p:nvPr/>
+        </p:nvSpPr>
+        <p:spPr>
+          <a:xfrm>
+            <a:off x="3862586" y="4198957"/>
+            <a:ext cx="189257" cy="178683"/>
+          </a:xfrm>
+          <a:prstGeom prst="rect">
+            <a:avLst/>
+          </a:prstGeom>
+          <a:noFill/>
+        </p:spPr>
+        <p:txBody>
+          <a:bodyPr wrap="square" lIns="0" tIns="0" rIns="0" bIns="0" rtlCol="0">
+            <a:noAutofit/>
+          </a:bodyPr>
+          <a:lstStyle/>
+          <a:p>
+            <a:pPr algn="ctr"/>
+            <a:r>
+              <a:rPr lang="en-US" sz="1100" dirty="0" smtClean="0">
+                <a:solidFill>
+                  <a:srgbClr val="7030A0"/>
+                </a:solidFill>
+              </a:rPr>
+              <a:t>1</a:t>
+            </a:r>
+            <a:endParaRPr lang="en-SG" sz="1100" dirty="0">
+              <a:solidFill>
+                <a:srgbClr val="7030A0"/>
+              </a:solidFill>
+            </a:endParaRPr>
+          </a:p>
+        </p:txBody>
+      </p:sp>
+      <p:sp>
+        <p:nvSpPr>
+          <p:cNvPr id="140" name="Isosceles Triangle 102"/>
+          <p:cNvSpPr/>
+          <p:nvPr/>
+        </p:nvSpPr>
+        <p:spPr>
+          <a:xfrm flipV="1">
+            <a:off x="2819400" y="4343400"/>
+            <a:ext cx="270504" cy="175523"/>
+          </a:xfrm>
+          <a:prstGeom prst="triangle">
+            <a:avLst/>
+          </a:prstGeom>
+          <a:ln w="19050">
+            <a:solidFill>
+              <a:srgbClr val="7030A0"/>
+            </a:solidFill>
+          </a:ln>
+          <a:effectLst/>
+        </p:spPr>
+        <p:style>
+          <a:lnRef idx="1">
+            <a:schemeClr val="accent4"/>
+          </a:lnRef>
+          <a:fillRef idx="2">
+            <a:schemeClr val="accent4"/>
+          </a:fillRef>
+          <a:effectRef idx="1">
+            <a:schemeClr val="accent4"/>
+          </a:effectRef>
+          <a:fontRef idx="minor">
+            <a:schemeClr val="dk1"/>
+          </a:fontRef>
+        </p:style>
+        <p:txBody>
+          <a:bodyPr rtlCol="0" anchor="ctr"/>
+          <a:lstStyle/>
+          <a:p>
+            <a:pPr algn="ctr"/>
+            <a:endParaRPr lang="en-SG" sz="1050" b="1">
+              <a:solidFill>
+                <a:srgbClr val="92D050"/>
+              </a:solidFill>
+            </a:endParaRPr>
+          </a:p>
+        </p:txBody>
+      </p:sp>
+      <p:cxnSp>
+        <p:nvCxnSpPr>
+          <p:cNvPr id="156" name="Elbow Connector 63"/>
+          <p:cNvCxnSpPr/>
+          <p:nvPr/>
+        </p:nvCxnSpPr>
+        <p:spPr>
+          <a:xfrm rot="16200000" flipH="1">
+            <a:off x="2790592" y="4196487"/>
+            <a:ext cx="293825" cy="1"/>
+          </a:xfrm>
+          <a:prstGeom prst="bentConnector3">
+            <a:avLst>
+              <a:gd name="adj1" fmla="val 50000"/>
+            </a:avLst>
+          </a:prstGeom>
+          <a:ln w="19050">
+            <a:solidFill>
+              <a:srgbClr val="7030A0"/>
+            </a:solidFill>
+            <a:prstDash val="sysDot"/>
+            <a:headEnd type="none" w="med" len="med"/>
+            <a:tailEnd type="none" w="med" len="med"/>
+          </a:ln>
+          <a:effectLst/>
+        </p:spPr>
+        <p:style>
+          <a:lnRef idx="1">
+            <a:schemeClr val="accent2"/>
+          </a:lnRef>
+          <a:fillRef idx="2">
+            <a:schemeClr val="accent2"/>
+          </a:fillRef>
+          <a:effectRef idx="1">
+            <a:schemeClr val="accent2"/>
+          </a:effectRef>
+          <a:fontRef idx="minor">
+            <a:schemeClr val="dk1"/>
+          </a:fontRef>
+        </p:style>
+      </p:cxnSp>
+      <p:sp>
+        <p:nvSpPr>
+          <p:cNvPr id="157" name="Rectangle 8"/>
+          <p:cNvSpPr/>
+          <p:nvPr/>
+        </p:nvSpPr>
+        <p:spPr>
+          <a:xfrm>
+            <a:off x="2209800" y="4530040"/>
+            <a:ext cx="1539926" cy="346760"/>
+          </a:xfrm>
+          <a:prstGeom prst="rect">
+            <a:avLst/>
+          </a:prstGeom>
+          <a:ln w="19050">
+            <a:solidFill>
+              <a:srgbClr val="7030A0"/>
+            </a:solidFill>
+          </a:ln>
+          <a:effectLst/>
+        </p:spPr>
+        <p:style>
+          <a:lnRef idx="1">
+            <a:schemeClr val="accent4"/>
+          </a:lnRef>
+          <a:fillRef idx="2">
+            <a:schemeClr val="accent4"/>
+          </a:fillRef>
+          <a:effectRef idx="1">
+            <a:schemeClr val="accent4"/>
+          </a:effectRef>
+          <a:fontRef idx="minor">
+            <a:schemeClr val="dk1"/>
+          </a:fontRef>
+        </p:style>
+        <p:txBody>
+          <a:bodyPr rtlCol="0" anchor="ctr"/>
+          <a:lstStyle/>
+          <a:p>
+            <a:pPr algn="ctr"/>
+            <a:r>
+              <a:rPr lang="en-US" sz="1050" dirty="0" smtClean="0">
+                <a:solidFill>
+                  <a:srgbClr val="7030A0"/>
+                </a:solidFill>
+              </a:rPr>
+              <a:t>&lt;&lt;interface&gt;&gt;</a:t>
+            </a:r>
+            <a:br>
+              <a:rPr lang="en-US" sz="1050" dirty="0" smtClean="0">
+                <a:solidFill>
+                  <a:srgbClr val="7030A0"/>
+                </a:solidFill>
+              </a:rPr>
+            </a:br>
+            <a:r>
+              <a:rPr lang="en-US" sz="1050" dirty="0" smtClean="0">
+                <a:solidFill>
+                  <a:srgbClr val="7030A0"/>
+                </a:solidFill>
+              </a:rPr>
+              <a:t>ReadOnlyTaskBook</a:t>
+            </a:r>
+            <a:endParaRPr lang="en-SG" sz="1050" dirty="0">
+              <a:solidFill>
+                <a:srgbClr val="7030A0"/>
+              </a:solidFill>
+            </a:endParaRPr>
+          </a:p>
+        </p:txBody>
+      </p:sp>
+      <p:cxnSp>
+        <p:nvCxnSpPr>
+          <p:cNvPr id="158" name="Straight Connector 157"/>
+          <p:cNvCxnSpPr/>
+          <p:nvPr/>
+        </p:nvCxnSpPr>
+        <p:spPr>
+          <a:xfrm>
+            <a:off x="1748400" y="5181600"/>
+            <a:ext cx="4507200" cy="0"/>
           </a:xfrm>
           <a:prstGeom prst="line">
             <a:avLst/>
@@ -7172,14 +7638,14 @@
       </p:cxnSp>
       <p:cxnSp>
         <p:nvCxnSpPr>
-          <p:cNvPr id="201" name="Straight Connector 200"/>
+          <p:cNvPr id="159" name="Straight Connector 158"/>
           <p:cNvCxnSpPr/>
           <p:nvPr/>
         </p:nvCxnSpPr>
         <p:spPr>
           <a:xfrm>
-            <a:off x="6400800" y="1752600"/>
-            <a:ext cx="2124000" cy="0"/>
+            <a:off x="1752600" y="1600200"/>
+            <a:ext cx="0" cy="882000"/>
           </a:xfrm>
           <a:prstGeom prst="line">
             <a:avLst/>
@@ -7207,23 +7673,22 @@
       </p:cxnSp>
       <p:cxnSp>
         <p:nvCxnSpPr>
-          <p:cNvPr id="204" name="Straight Arrow Connector 203"/>
+          <p:cNvPr id="161" name="Straight Connector 160"/>
           <p:cNvCxnSpPr/>
           <p:nvPr/>
         </p:nvCxnSpPr>
         <p:spPr>
           <a:xfrm>
-            <a:off x="6400800" y="1752600"/>
-            <a:ext cx="0" cy="1098000"/>
-          </a:xfrm>
-          <a:prstGeom prst="straightConnector1">
+            <a:off x="6019800" y="3810000"/>
+            <a:ext cx="0" cy="378000"/>
+          </a:xfrm>
+          <a:prstGeom prst="line">
             <a:avLst/>
           </a:prstGeom>
           <a:ln w="19050">
             <a:solidFill>
               <a:srgbClr val="7030A0"/>
             </a:solidFill>
-            <a:tailEnd type="arrow"/>
           </a:ln>
         </p:spPr>
         <p:style>
@@ -7241,16 +7706,54 @@
           </a:fontRef>
         </p:style>
       </p:cxnSp>
-      <p:sp>
-        <p:nvSpPr>
-          <p:cNvPr id="205" name="TextBox 204"/>
+      <p:cxnSp>
+        <p:nvCxnSpPr>
+          <p:cNvPr id="165" name="Straight Arrow Connector 164"/>
+          <p:cNvCxnSpPr/>
+          <p:nvPr/>
+        </p:nvCxnSpPr>
+        <p:spPr>
+          <a:xfrm flipH="1">
+            <a:off x="5562600" y="4191000"/>
+            <a:ext cx="460800" cy="0"/>
+          </a:xfrm>
+          <a:prstGeom prst="straightConnector1">
+            <a:avLst/>
+          </a:prstGeom>
+          <a:ln w="19050">
+            <a:solidFill>
+              <a:srgbClr val="7030A0"/>
+            </a:solidFill>
+            <a:headEnd type="none" w="med" len="med"/>
+            <a:tailEnd type="arrow" w="med" len="med"/>
+          </a:ln>
+          <a:effectLst/>
+        </p:spPr>
+        <p:style>
+          <a:lnRef idx="1">
+            <a:schemeClr val="accent2"/>
+          </a:lnRef>
+          <a:fillRef idx="2">
+            <a:schemeClr val="accent2"/>
+          </a:fillRef>
+          <a:effectRef idx="1">
+            <a:schemeClr val="accent2"/>
+          </a:effectRef>
+          <a:fontRef idx="minor">
+            <a:schemeClr val="dk1"/>
+          </a:fontRef>
+        </p:style>
+      </p:cxnSp>
+      <p:sp>
+        <p:nvSpPr>
+          <p:cNvPr id="167" name="TextBox 166"/>
           <p:cNvSpPr txBox="1"/>
           <p:nvPr/>
         </p:nvSpPr>
         <p:spPr>
-          <a:xfrm rot="16200000">
-            <a:off x="5900596" y="2100404"/>
-            <a:ext cx="804818" cy="261610"/>
+          <a:xfrm>
+            <a:off x="5562600" y="3936117"/>
+            <a:ext cx="189257" cy="178683"/>
           </a:xfrm>
           <a:prstGeom prst="rect">
             <a:avLst/>
@@ -7258,19 +7761,19 @@
           <a:noFill/>
         </p:spPr>
         <p:txBody>
-          <a:bodyPr wrap="square" rtlCol="0">
-            <a:spAutoFit/>
+          <a:bodyPr wrap="square" lIns="0" tIns="0" rIns="0" bIns="0" rtlCol="0">
+            <a:noAutofit/>
           </a:bodyPr>
           <a:lstStyle/>
           <a:p>
-            <a:pPr algn="r"/>
+            <a:pPr algn="ctr"/>
             <a:r>
               <a:rPr lang="en-US" sz="1100" dirty="0" smtClean="0">
                 <a:solidFill>
                   <a:srgbClr val="7030A0"/>
                 </a:solidFill>
               </a:rPr>
-              <a:t>filtered list</a:t>
+              <a:t>1</a:t>
             </a:r>
             <a:endParaRPr lang="en-SG" sz="1100" dirty="0">
               <a:solidFill>
@@ -7283,7 +7786,7 @@
     </p:spTree>
     <p:extLst>
       <p:ext uri="{BB962C8B-B14F-4D97-AF65-F5344CB8AC3E}">
-        <p14:creationId xmlns:p14="http://schemas.microsoft.com/office/powerpoint/2010/main" xmlns="" val="2396968029"/>
+        <p14:creationId xmlns="" xmlns:p14="http://schemas.microsoft.com/office/powerpoint/2010/main" val="2396968029"/>
       </p:ext>
     </p:extLst>
   </p:cSld>

--- a/docs/diagrams/ModelComponentClassDiagram.pptx
+++ b/docs/diagrams/ModelComponentClassDiagram.pptx
@@ -5,10 +5,11 @@
     <p:sldMasterId id="2147483648" r:id="rId1"/>
   </p:sldMasterIdLst>
   <p:notesMasterIdLst>
-    <p:notesMasterId r:id="rId3"/>
+    <p:notesMasterId r:id="rId4"/>
   </p:notesMasterIdLst>
   <p:sldIdLst>
     <p:sldId id="263" r:id="rId2"/>
+    <p:sldId id="264" r:id="rId3"/>
   </p:sldIdLst>
   <p:sldSz cx="9144000" cy="6858000" type="screen4x3"/>
   <p:notesSz cx="6858000" cy="9144000"/>
@@ -109,7 +110,7 @@
   </p:defaultTextStyle>
   <p:extLst>
     <p:ext uri="{EFAFB233-063F-42B5-8137-9DF3F51BA10A}">
-      <p15:sldGuideLst xmlns="" xmlns:p15="http://schemas.microsoft.com/office/powerpoint/2012/main">
+      <p15:sldGuideLst xmlns:p15="http://schemas.microsoft.com/office/powerpoint/2012/main">
         <p15:guide id="1" orient="horz" pos="1488">
           <p15:clr>
             <a:srgbClr val="A4A3A4"/>
@@ -273,38 +274,37 @@
           <a:p>
             <a:pPr lvl="0"/>
             <a:r>
-              <a:rPr lang="en-US" smtClean="0"/>
+              <a:rPr lang="en-US"/>
               <a:t>Click to edit Master text styles</a:t>
             </a:r>
           </a:p>
           <a:p>
             <a:pPr lvl="1"/>
             <a:r>
-              <a:rPr lang="en-US" smtClean="0"/>
+              <a:rPr lang="en-US"/>
               <a:t>Second level</a:t>
             </a:r>
           </a:p>
           <a:p>
             <a:pPr lvl="2"/>
             <a:r>
-              <a:rPr lang="en-US" smtClean="0"/>
+              <a:rPr lang="en-US"/>
               <a:t>Third level</a:t>
             </a:r>
           </a:p>
           <a:p>
             <a:pPr lvl="3"/>
             <a:r>
-              <a:rPr lang="en-US" smtClean="0"/>
+              <a:rPr lang="en-US"/>
               <a:t>Fourth level</a:t>
             </a:r>
           </a:p>
           <a:p>
             <a:pPr lvl="4"/>
             <a:r>
-              <a:rPr lang="en-US" smtClean="0"/>
+              <a:rPr lang="en-US"/>
               <a:t>Fifth level</a:t>
             </a:r>
-            <a:endParaRPr lang="en-US"/>
           </a:p>
         </p:txBody>
       </p:sp>
@@ -378,7 +378,7 @@
     </p:spTree>
     <p:extLst>
       <p:ext uri="{BB962C8B-B14F-4D97-AF65-F5344CB8AC3E}">
-        <p14:creationId xmlns="" xmlns:p14="http://schemas.microsoft.com/office/powerpoint/2010/main" val="2023976206"/>
+        <p14:creationId xmlns:p14="http://schemas.microsoft.com/office/powerpoint/2010/main" val="2023976206"/>
       </p:ext>
     </p:extLst>
   </p:cSld>
@@ -560,6 +560,93 @@
 </p:notes>
 </file>
 
+<file path=ppt/notesSlides/notesSlide2.xml><?xml version="1.0" encoding="utf-8"?>
+<p:notes xmlns:a="http://schemas.openxmlformats.org/drawingml/2006/main" xmlns:r="http://schemas.openxmlformats.org/officeDocument/2006/relationships" xmlns:p="http://schemas.openxmlformats.org/presentationml/2006/main">
+  <p:cSld>
+    <p:spTree>
+      <p:nvGrpSpPr>
+        <p:cNvPr id="1" name=""/>
+        <p:cNvGrpSpPr/>
+        <p:nvPr/>
+      </p:nvGrpSpPr>
+      <p:grpSpPr>
+        <a:xfrm>
+          <a:off x="0" y="0"/>
+          <a:ext cx="0" cy="0"/>
+          <a:chOff x="0" y="0"/>
+          <a:chExt cx="0" cy="0"/>
+        </a:xfrm>
+      </p:grpSpPr>
+      <p:sp>
+        <p:nvSpPr>
+          <p:cNvPr id="2" name="Slide Image Placeholder 1"/>
+          <p:cNvSpPr>
+            <a:spLocks noGrp="1" noRot="1" noChangeAspect="1"/>
+          </p:cNvSpPr>
+          <p:nvPr>
+            <p:ph type="sldImg"/>
+          </p:nvPr>
+        </p:nvSpPr>
+        <p:spPr/>
+      </p:sp>
+      <p:sp>
+        <p:nvSpPr>
+          <p:cNvPr id="3" name="Notes Placeholder 2"/>
+          <p:cNvSpPr>
+            <a:spLocks noGrp="1"/>
+          </p:cNvSpPr>
+          <p:nvPr>
+            <p:ph type="body" idx="1"/>
+          </p:nvPr>
+        </p:nvSpPr>
+        <p:spPr/>
+        <p:txBody>
+          <a:bodyPr>
+            <a:normAutofit/>
+          </a:bodyPr>
+          <a:lstStyle/>
+          <a:p>
+            <a:endParaRPr lang="en-SG" dirty="0"/>
+          </a:p>
+        </p:txBody>
+      </p:sp>
+      <p:sp>
+        <p:nvSpPr>
+          <p:cNvPr id="4" name="Slide Number Placeholder 3"/>
+          <p:cNvSpPr>
+            <a:spLocks noGrp="1"/>
+          </p:cNvSpPr>
+          <p:nvPr>
+            <p:ph type="sldNum" sz="quarter" idx="10"/>
+          </p:nvPr>
+        </p:nvSpPr>
+        <p:spPr/>
+        <p:txBody>
+          <a:bodyPr/>
+          <a:lstStyle/>
+          <a:p>
+            <a:fld id="{5A7AB025-77E3-4BD1-A2FD-B3183DBA47A3}" type="slidenum">
+              <a:rPr lang="en-US" smtClean="0"/>
+              <a:pPr/>
+              <a:t>2</a:t>
+            </a:fld>
+            <a:endParaRPr lang="en-US"/>
+          </a:p>
+        </p:txBody>
+      </p:sp>
+    </p:spTree>
+    <p:extLst>
+      <p:ext uri="{BB962C8B-B14F-4D97-AF65-F5344CB8AC3E}">
+        <p14:creationId xmlns:p14="http://schemas.microsoft.com/office/powerpoint/2010/main" val="3416500421"/>
+      </p:ext>
+    </p:extLst>
+  </p:cSld>
+  <p:clrMapOvr>
+    <a:masterClrMapping/>
+  </p:clrMapOvr>
+</p:notes>
+</file>
+
 <file path=ppt/slideLayouts/slideLayout1.xml><?xml version="1.0" encoding="utf-8"?>
 <p:sldLayout xmlns:a="http://schemas.openxmlformats.org/drawingml/2006/main" xmlns:r="http://schemas.openxmlformats.org/officeDocument/2006/relationships" xmlns:p="http://schemas.openxmlformats.org/presentationml/2006/main" type="title" preserve="1">
   <p:cSld name="Title Slide">
@@ -598,10 +685,9 @@
           <a:lstStyle/>
           <a:p>
             <a:r>
-              <a:rPr lang="en-US" smtClean="0"/>
+              <a:rPr lang="en-US"/>
               <a:t>Click to edit Master title style</a:t>
             </a:r>
-            <a:endParaRPr lang="en-US"/>
           </a:p>
         </p:txBody>
       </p:sp>
@@ -717,10 +803,9 @@
           </a:lstStyle>
           <a:p>
             <a:r>
-              <a:rPr lang="en-US" smtClean="0"/>
+              <a:rPr lang="en-US"/>
               <a:t>Click to edit Master subtitle style</a:t>
             </a:r>
-            <a:endParaRPr lang="en-US"/>
           </a:p>
         </p:txBody>
       </p:sp>
@@ -794,7 +879,7 @@
     </p:spTree>
     <p:extLst>
       <p:ext uri="{BB962C8B-B14F-4D97-AF65-F5344CB8AC3E}">
-        <p14:creationId xmlns="" xmlns:p14="http://schemas.microsoft.com/office/powerpoint/2010/main" val="3246593157"/>
+        <p14:creationId xmlns:p14="http://schemas.microsoft.com/office/powerpoint/2010/main" val="3246593157"/>
       </p:ext>
     </p:extLst>
   </p:cSld>
@@ -837,10 +922,9 @@
           <a:lstStyle/>
           <a:p>
             <a:r>
-              <a:rPr lang="en-US" smtClean="0"/>
+              <a:rPr lang="en-US"/>
               <a:t>Click to edit Master title style</a:t>
             </a:r>
-            <a:endParaRPr lang="en-US"/>
           </a:p>
         </p:txBody>
       </p:sp>
@@ -861,38 +945,37 @@
           <a:p>
             <a:pPr lvl="0"/>
             <a:r>
-              <a:rPr lang="en-US" smtClean="0"/>
+              <a:rPr lang="en-US"/>
               <a:t>Click to edit Master text styles</a:t>
             </a:r>
           </a:p>
           <a:p>
             <a:pPr lvl="1"/>
             <a:r>
-              <a:rPr lang="en-US" smtClean="0"/>
+              <a:rPr lang="en-US"/>
               <a:t>Second level</a:t>
             </a:r>
           </a:p>
           <a:p>
             <a:pPr lvl="2"/>
             <a:r>
-              <a:rPr lang="en-US" smtClean="0"/>
+              <a:rPr lang="en-US"/>
               <a:t>Third level</a:t>
             </a:r>
           </a:p>
           <a:p>
             <a:pPr lvl="3"/>
             <a:r>
-              <a:rPr lang="en-US" smtClean="0"/>
+              <a:rPr lang="en-US"/>
               <a:t>Fourth level</a:t>
             </a:r>
           </a:p>
           <a:p>
             <a:pPr lvl="4"/>
             <a:r>
-              <a:rPr lang="en-US" smtClean="0"/>
+              <a:rPr lang="en-US"/>
               <a:t>Fifth level</a:t>
             </a:r>
-            <a:endParaRPr lang="en-US"/>
           </a:p>
         </p:txBody>
       </p:sp>
@@ -966,7 +1049,7 @@
     </p:spTree>
     <p:extLst>
       <p:ext uri="{BB962C8B-B14F-4D97-AF65-F5344CB8AC3E}">
-        <p14:creationId xmlns="" xmlns:p14="http://schemas.microsoft.com/office/powerpoint/2010/main" val="2707025021"/>
+        <p14:creationId xmlns:p14="http://schemas.microsoft.com/office/powerpoint/2010/main" val="2707025021"/>
       </p:ext>
     </p:extLst>
   </p:cSld>
@@ -1014,10 +1097,9 @@
           <a:lstStyle/>
           <a:p>
             <a:r>
-              <a:rPr lang="en-US" smtClean="0"/>
+              <a:rPr lang="en-US"/>
               <a:t>Click to edit Master title style</a:t>
             </a:r>
-            <a:endParaRPr lang="en-US"/>
           </a:p>
         </p:txBody>
       </p:sp>
@@ -1043,38 +1125,37 @@
           <a:p>
             <a:pPr lvl="0"/>
             <a:r>
-              <a:rPr lang="en-US" smtClean="0"/>
+              <a:rPr lang="en-US"/>
               <a:t>Click to edit Master text styles</a:t>
             </a:r>
           </a:p>
           <a:p>
             <a:pPr lvl="1"/>
             <a:r>
-              <a:rPr lang="en-US" smtClean="0"/>
+              <a:rPr lang="en-US"/>
               <a:t>Second level</a:t>
             </a:r>
           </a:p>
           <a:p>
             <a:pPr lvl="2"/>
             <a:r>
-              <a:rPr lang="en-US" smtClean="0"/>
+              <a:rPr lang="en-US"/>
               <a:t>Third level</a:t>
             </a:r>
           </a:p>
           <a:p>
             <a:pPr lvl="3"/>
             <a:r>
-              <a:rPr lang="en-US" smtClean="0"/>
+              <a:rPr lang="en-US"/>
               <a:t>Fourth level</a:t>
             </a:r>
           </a:p>
           <a:p>
             <a:pPr lvl="4"/>
             <a:r>
-              <a:rPr lang="en-US" smtClean="0"/>
+              <a:rPr lang="en-US"/>
               <a:t>Fifth level</a:t>
             </a:r>
-            <a:endParaRPr lang="en-US"/>
           </a:p>
         </p:txBody>
       </p:sp>
@@ -1148,7 +1229,7 @@
     </p:spTree>
     <p:extLst>
       <p:ext uri="{BB962C8B-B14F-4D97-AF65-F5344CB8AC3E}">
-        <p14:creationId xmlns="" xmlns:p14="http://schemas.microsoft.com/office/powerpoint/2010/main" val="568378986"/>
+        <p14:creationId xmlns:p14="http://schemas.microsoft.com/office/powerpoint/2010/main" val="568378986"/>
       </p:ext>
     </p:extLst>
   </p:cSld>
@@ -1191,10 +1272,9 @@
           <a:lstStyle/>
           <a:p>
             <a:r>
-              <a:rPr lang="en-US" smtClean="0"/>
+              <a:rPr lang="en-US"/>
               <a:t>Click to edit Master title style</a:t>
             </a:r>
-            <a:endParaRPr lang="en-US"/>
           </a:p>
         </p:txBody>
       </p:sp>
@@ -1215,38 +1295,37 @@
           <a:p>
             <a:pPr lvl="0"/>
             <a:r>
-              <a:rPr lang="en-US" smtClean="0"/>
+              <a:rPr lang="en-US"/>
               <a:t>Click to edit Master text styles</a:t>
             </a:r>
           </a:p>
           <a:p>
             <a:pPr lvl="1"/>
             <a:r>
-              <a:rPr lang="en-US" smtClean="0"/>
+              <a:rPr lang="en-US"/>
               <a:t>Second level</a:t>
             </a:r>
           </a:p>
           <a:p>
             <a:pPr lvl="2"/>
             <a:r>
-              <a:rPr lang="en-US" smtClean="0"/>
+              <a:rPr lang="en-US"/>
               <a:t>Third level</a:t>
             </a:r>
           </a:p>
           <a:p>
             <a:pPr lvl="3"/>
             <a:r>
-              <a:rPr lang="en-US" smtClean="0"/>
+              <a:rPr lang="en-US"/>
               <a:t>Fourth level</a:t>
             </a:r>
           </a:p>
           <a:p>
             <a:pPr lvl="4"/>
             <a:r>
-              <a:rPr lang="en-US" smtClean="0"/>
+              <a:rPr lang="en-US"/>
               <a:t>Fifth level</a:t>
             </a:r>
-            <a:endParaRPr lang="en-US"/>
           </a:p>
         </p:txBody>
       </p:sp>
@@ -1320,7 +1399,7 @@
     </p:spTree>
     <p:extLst>
       <p:ext uri="{BB962C8B-B14F-4D97-AF65-F5344CB8AC3E}">
-        <p14:creationId xmlns="" xmlns:p14="http://schemas.microsoft.com/office/powerpoint/2010/main" val="266658052"/>
+        <p14:creationId xmlns:p14="http://schemas.microsoft.com/office/powerpoint/2010/main" val="266658052"/>
       </p:ext>
     </p:extLst>
   </p:cSld>
@@ -1372,10 +1451,9 @@
           </a:lstStyle>
           <a:p>
             <a:r>
-              <a:rPr lang="en-US" smtClean="0"/>
+              <a:rPr lang="en-US"/>
               <a:t>Click to edit Master title style</a:t>
             </a:r>
-            <a:endParaRPr lang="en-US"/>
           </a:p>
         </p:txBody>
       </p:sp>
@@ -1492,7 +1570,7 @@
           <a:p>
             <a:pPr lvl="0"/>
             <a:r>
-              <a:rPr lang="en-US" smtClean="0"/>
+              <a:rPr lang="en-US"/>
               <a:t>Click to edit Master text styles</a:t>
             </a:r>
           </a:p>
@@ -1568,7 +1646,7 @@
     </p:spTree>
     <p:extLst>
       <p:ext uri="{BB962C8B-B14F-4D97-AF65-F5344CB8AC3E}">
-        <p14:creationId xmlns="" xmlns:p14="http://schemas.microsoft.com/office/powerpoint/2010/main" val="474686344"/>
+        <p14:creationId xmlns:p14="http://schemas.microsoft.com/office/powerpoint/2010/main" val="474686344"/>
       </p:ext>
     </p:extLst>
   </p:cSld>
@@ -1611,10 +1689,9 @@
           <a:lstStyle/>
           <a:p>
             <a:r>
-              <a:rPr lang="en-US" smtClean="0"/>
+              <a:rPr lang="en-US"/>
               <a:t>Click to edit Master title style</a:t>
             </a:r>
-            <a:endParaRPr lang="en-US"/>
           </a:p>
         </p:txBody>
       </p:sp>
@@ -1668,38 +1745,37 @@
           <a:p>
             <a:pPr lvl="0"/>
             <a:r>
-              <a:rPr lang="en-US" smtClean="0"/>
+              <a:rPr lang="en-US"/>
               <a:t>Click to edit Master text styles</a:t>
             </a:r>
           </a:p>
           <a:p>
             <a:pPr lvl="1"/>
             <a:r>
-              <a:rPr lang="en-US" smtClean="0"/>
+              <a:rPr lang="en-US"/>
               <a:t>Second level</a:t>
             </a:r>
           </a:p>
           <a:p>
             <a:pPr lvl="2"/>
             <a:r>
-              <a:rPr lang="en-US" smtClean="0"/>
+              <a:rPr lang="en-US"/>
               <a:t>Third level</a:t>
             </a:r>
           </a:p>
           <a:p>
             <a:pPr lvl="3"/>
             <a:r>
-              <a:rPr lang="en-US" smtClean="0"/>
+              <a:rPr lang="en-US"/>
               <a:t>Fourth level</a:t>
             </a:r>
           </a:p>
           <a:p>
             <a:pPr lvl="4"/>
             <a:r>
-              <a:rPr lang="en-US" smtClean="0"/>
+              <a:rPr lang="en-US"/>
               <a:t>Fifth level</a:t>
             </a:r>
-            <a:endParaRPr lang="en-US"/>
           </a:p>
         </p:txBody>
       </p:sp>
@@ -1753,38 +1829,37 @@
           <a:p>
             <a:pPr lvl="0"/>
             <a:r>
-              <a:rPr lang="en-US" smtClean="0"/>
+              <a:rPr lang="en-US"/>
               <a:t>Click to edit Master text styles</a:t>
             </a:r>
           </a:p>
           <a:p>
             <a:pPr lvl="1"/>
             <a:r>
-              <a:rPr lang="en-US" smtClean="0"/>
+              <a:rPr lang="en-US"/>
               <a:t>Second level</a:t>
             </a:r>
           </a:p>
           <a:p>
             <a:pPr lvl="2"/>
             <a:r>
-              <a:rPr lang="en-US" smtClean="0"/>
+              <a:rPr lang="en-US"/>
               <a:t>Third level</a:t>
             </a:r>
           </a:p>
           <a:p>
             <a:pPr lvl="3"/>
             <a:r>
-              <a:rPr lang="en-US" smtClean="0"/>
+              <a:rPr lang="en-US"/>
               <a:t>Fourth level</a:t>
             </a:r>
           </a:p>
           <a:p>
             <a:pPr lvl="4"/>
             <a:r>
-              <a:rPr lang="en-US" smtClean="0"/>
+              <a:rPr lang="en-US"/>
               <a:t>Fifth level</a:t>
             </a:r>
-            <a:endParaRPr lang="en-US"/>
           </a:p>
         </p:txBody>
       </p:sp>
@@ -1858,7 +1933,7 @@
     </p:spTree>
     <p:extLst>
       <p:ext uri="{BB962C8B-B14F-4D97-AF65-F5344CB8AC3E}">
-        <p14:creationId xmlns="" xmlns:p14="http://schemas.microsoft.com/office/powerpoint/2010/main" val="562293251"/>
+        <p14:creationId xmlns:p14="http://schemas.microsoft.com/office/powerpoint/2010/main" val="562293251"/>
       </p:ext>
     </p:extLst>
   </p:cSld>
@@ -1905,10 +1980,9 @@
           </a:lstStyle>
           <a:p>
             <a:r>
-              <a:rPr lang="en-US" smtClean="0"/>
+              <a:rPr lang="en-US"/>
               <a:t>Click to edit Master title style</a:t>
             </a:r>
-            <a:endParaRPr lang="en-US"/>
           </a:p>
         </p:txBody>
       </p:sp>
@@ -1971,7 +2045,7 @@
           <a:p>
             <a:pPr lvl="0"/>
             <a:r>
-              <a:rPr lang="en-US" smtClean="0"/>
+              <a:rPr lang="en-US"/>
               <a:t>Click to edit Master text styles</a:t>
             </a:r>
           </a:p>
@@ -2027,38 +2101,37 @@
           <a:p>
             <a:pPr lvl="0"/>
             <a:r>
-              <a:rPr lang="en-US" smtClean="0"/>
+              <a:rPr lang="en-US"/>
               <a:t>Click to edit Master text styles</a:t>
             </a:r>
           </a:p>
           <a:p>
             <a:pPr lvl="1"/>
             <a:r>
-              <a:rPr lang="en-US" smtClean="0"/>
+              <a:rPr lang="en-US"/>
               <a:t>Second level</a:t>
             </a:r>
           </a:p>
           <a:p>
             <a:pPr lvl="2"/>
             <a:r>
-              <a:rPr lang="en-US" smtClean="0"/>
+              <a:rPr lang="en-US"/>
               <a:t>Third level</a:t>
             </a:r>
           </a:p>
           <a:p>
             <a:pPr lvl="3"/>
             <a:r>
-              <a:rPr lang="en-US" smtClean="0"/>
+              <a:rPr lang="en-US"/>
               <a:t>Fourth level</a:t>
             </a:r>
           </a:p>
           <a:p>
             <a:pPr lvl="4"/>
             <a:r>
-              <a:rPr lang="en-US" smtClean="0"/>
+              <a:rPr lang="en-US"/>
               <a:t>Fifth level</a:t>
             </a:r>
-            <a:endParaRPr lang="en-US"/>
           </a:p>
         </p:txBody>
       </p:sp>
@@ -2121,7 +2194,7 @@
           <a:p>
             <a:pPr lvl="0"/>
             <a:r>
-              <a:rPr lang="en-US" smtClean="0"/>
+              <a:rPr lang="en-US"/>
               <a:t>Click to edit Master text styles</a:t>
             </a:r>
           </a:p>
@@ -2177,38 +2250,37 @@
           <a:p>
             <a:pPr lvl="0"/>
             <a:r>
-              <a:rPr lang="en-US" smtClean="0"/>
+              <a:rPr lang="en-US"/>
               <a:t>Click to edit Master text styles</a:t>
             </a:r>
           </a:p>
           <a:p>
             <a:pPr lvl="1"/>
             <a:r>
-              <a:rPr lang="en-US" smtClean="0"/>
+              <a:rPr lang="en-US"/>
               <a:t>Second level</a:t>
             </a:r>
           </a:p>
           <a:p>
             <a:pPr lvl="2"/>
             <a:r>
-              <a:rPr lang="en-US" smtClean="0"/>
+              <a:rPr lang="en-US"/>
               <a:t>Third level</a:t>
             </a:r>
           </a:p>
           <a:p>
             <a:pPr lvl="3"/>
             <a:r>
-              <a:rPr lang="en-US" smtClean="0"/>
+              <a:rPr lang="en-US"/>
               <a:t>Fourth level</a:t>
             </a:r>
           </a:p>
           <a:p>
             <a:pPr lvl="4"/>
             <a:r>
-              <a:rPr lang="en-US" smtClean="0"/>
+              <a:rPr lang="en-US"/>
               <a:t>Fifth level</a:t>
             </a:r>
-            <a:endParaRPr lang="en-US"/>
           </a:p>
         </p:txBody>
       </p:sp>
@@ -2282,7 +2354,7 @@
     </p:spTree>
     <p:extLst>
       <p:ext uri="{BB962C8B-B14F-4D97-AF65-F5344CB8AC3E}">
-        <p14:creationId xmlns="" xmlns:p14="http://schemas.microsoft.com/office/powerpoint/2010/main" val="1126424250"/>
+        <p14:creationId xmlns:p14="http://schemas.microsoft.com/office/powerpoint/2010/main" val="1126424250"/>
       </p:ext>
     </p:extLst>
   </p:cSld>
@@ -2325,10 +2397,9 @@
           <a:lstStyle/>
           <a:p>
             <a:r>
-              <a:rPr lang="en-US" smtClean="0"/>
+              <a:rPr lang="en-US"/>
               <a:t>Click to edit Master title style</a:t>
             </a:r>
-            <a:endParaRPr lang="en-US"/>
           </a:p>
         </p:txBody>
       </p:sp>
@@ -2402,7 +2473,7 @@
     </p:spTree>
     <p:extLst>
       <p:ext uri="{BB962C8B-B14F-4D97-AF65-F5344CB8AC3E}">
-        <p14:creationId xmlns="" xmlns:p14="http://schemas.microsoft.com/office/powerpoint/2010/main" val="4159724230"/>
+        <p14:creationId xmlns:p14="http://schemas.microsoft.com/office/powerpoint/2010/main" val="4159724230"/>
       </p:ext>
     </p:extLst>
   </p:cSld>
@@ -2499,7 +2570,7 @@
     </p:spTree>
     <p:extLst>
       <p:ext uri="{BB962C8B-B14F-4D97-AF65-F5344CB8AC3E}">
-        <p14:creationId xmlns="" xmlns:p14="http://schemas.microsoft.com/office/powerpoint/2010/main" val="1793928710"/>
+        <p14:creationId xmlns:p14="http://schemas.microsoft.com/office/powerpoint/2010/main" val="1793928710"/>
       </p:ext>
     </p:extLst>
   </p:cSld>
@@ -2551,10 +2622,9 @@
           </a:lstStyle>
           <a:p>
             <a:r>
-              <a:rPr lang="en-US" smtClean="0"/>
+              <a:rPr lang="en-US"/>
               <a:t>Click to edit Master title style</a:t>
             </a:r>
-            <a:endParaRPr lang="en-US"/>
           </a:p>
         </p:txBody>
       </p:sp>
@@ -2608,38 +2678,37 @@
           <a:p>
             <a:pPr lvl="0"/>
             <a:r>
-              <a:rPr lang="en-US" smtClean="0"/>
+              <a:rPr lang="en-US"/>
               <a:t>Click to edit Master text styles</a:t>
             </a:r>
           </a:p>
           <a:p>
             <a:pPr lvl="1"/>
             <a:r>
-              <a:rPr lang="en-US" smtClean="0"/>
+              <a:rPr lang="en-US"/>
               <a:t>Second level</a:t>
             </a:r>
           </a:p>
           <a:p>
             <a:pPr lvl="2"/>
             <a:r>
-              <a:rPr lang="en-US" smtClean="0"/>
+              <a:rPr lang="en-US"/>
               <a:t>Third level</a:t>
             </a:r>
           </a:p>
           <a:p>
             <a:pPr lvl="3"/>
             <a:r>
-              <a:rPr lang="en-US" smtClean="0"/>
+              <a:rPr lang="en-US"/>
               <a:t>Fourth level</a:t>
             </a:r>
           </a:p>
           <a:p>
             <a:pPr lvl="4"/>
             <a:r>
-              <a:rPr lang="en-US" smtClean="0"/>
+              <a:rPr lang="en-US"/>
               <a:t>Fifth level</a:t>
             </a:r>
-            <a:endParaRPr lang="en-US"/>
           </a:p>
         </p:txBody>
       </p:sp>
@@ -2702,7 +2771,7 @@
           <a:p>
             <a:pPr lvl="0"/>
             <a:r>
-              <a:rPr lang="en-US" smtClean="0"/>
+              <a:rPr lang="en-US"/>
               <a:t>Click to edit Master text styles</a:t>
             </a:r>
           </a:p>
@@ -2778,7 +2847,7 @@
     </p:spTree>
     <p:extLst>
       <p:ext uri="{BB962C8B-B14F-4D97-AF65-F5344CB8AC3E}">
-        <p14:creationId xmlns="" xmlns:p14="http://schemas.microsoft.com/office/powerpoint/2010/main" val="2076802089"/>
+        <p14:creationId xmlns:p14="http://schemas.microsoft.com/office/powerpoint/2010/main" val="2076802089"/>
       </p:ext>
     </p:extLst>
   </p:cSld>
@@ -2830,10 +2899,9 @@
           </a:lstStyle>
           <a:p>
             <a:r>
-              <a:rPr lang="en-US" smtClean="0"/>
+              <a:rPr lang="en-US"/>
               <a:t>Click to edit Master title style</a:t>
             </a:r>
-            <a:endParaRPr lang="en-US"/>
           </a:p>
         </p:txBody>
       </p:sp>
@@ -2957,7 +3025,7 @@
           <a:p>
             <a:pPr lvl="0"/>
             <a:r>
-              <a:rPr lang="en-US" smtClean="0"/>
+              <a:rPr lang="en-US"/>
               <a:t>Click to edit Master text styles</a:t>
             </a:r>
           </a:p>
@@ -3033,7 +3101,7 @@
     </p:spTree>
     <p:extLst>
       <p:ext uri="{BB962C8B-B14F-4D97-AF65-F5344CB8AC3E}">
-        <p14:creationId xmlns="" xmlns:p14="http://schemas.microsoft.com/office/powerpoint/2010/main" val="201835938"/>
+        <p14:creationId xmlns:p14="http://schemas.microsoft.com/office/powerpoint/2010/main" val="201835938"/>
       </p:ext>
     </p:extLst>
   </p:cSld>
@@ -3091,10 +3159,9 @@
           <a:lstStyle/>
           <a:p>
             <a:r>
-              <a:rPr lang="en-US" smtClean="0"/>
+              <a:rPr lang="en-US"/>
               <a:t>Click to edit Master title style</a:t>
             </a:r>
-            <a:endParaRPr lang="en-US"/>
           </a:p>
         </p:txBody>
       </p:sp>
@@ -3125,38 +3192,37 @@
           <a:p>
             <a:pPr lvl="0"/>
             <a:r>
-              <a:rPr lang="en-US" smtClean="0"/>
+              <a:rPr lang="en-US"/>
               <a:t>Click to edit Master text styles</a:t>
             </a:r>
           </a:p>
           <a:p>
             <a:pPr lvl="1"/>
             <a:r>
-              <a:rPr lang="en-US" smtClean="0"/>
+              <a:rPr lang="en-US"/>
               <a:t>Second level</a:t>
             </a:r>
           </a:p>
           <a:p>
             <a:pPr lvl="2"/>
             <a:r>
-              <a:rPr lang="en-US" smtClean="0"/>
+              <a:rPr lang="en-US"/>
               <a:t>Third level</a:t>
             </a:r>
           </a:p>
           <a:p>
             <a:pPr lvl="3"/>
             <a:r>
-              <a:rPr lang="en-US" smtClean="0"/>
+              <a:rPr lang="en-US"/>
               <a:t>Fourth level</a:t>
             </a:r>
           </a:p>
           <a:p>
             <a:pPr lvl="4"/>
             <a:r>
-              <a:rPr lang="en-US" smtClean="0"/>
+              <a:rPr lang="en-US"/>
               <a:t>Fifth level</a:t>
             </a:r>
-            <a:endParaRPr lang="en-US"/>
           </a:p>
         </p:txBody>
       </p:sp>
@@ -3284,7 +3350,7 @@
     </p:spTree>
     <p:extLst>
       <p:ext uri="{BB962C8B-B14F-4D97-AF65-F5344CB8AC3E}">
-        <p14:creationId xmlns="" xmlns:p14="http://schemas.microsoft.com/office/powerpoint/2010/main" val="2341400630"/>
+        <p14:creationId xmlns:p14="http://schemas.microsoft.com/office/powerpoint/2010/main" val="2341400630"/>
       </p:ext>
     </p:extLst>
   </p:cSld>
@@ -3580,8 +3646,8 @@
         </p:nvSpPr>
         <p:spPr>
           <a:xfrm>
-            <a:off x="609600" y="1447800"/>
-            <a:ext cx="8001000" cy="4419600"/>
+            <a:off x="152400" y="457200"/>
+            <a:ext cx="8915400" cy="5943600"/>
           </a:xfrm>
           <a:prstGeom prst="roundRect">
             <a:avLst>
@@ -3618,7 +3684,7 @@
           <a:lstStyle/>
           <a:p>
             <a:r>
-              <a:rPr lang="en-US" sz="1200" b="1" dirty="0" smtClean="0">
+              <a:rPr lang="en-US" sz="1200" b="1" dirty="0">
                 <a:solidFill>
                   <a:srgbClr val="7030A0"/>
                 </a:solidFill>
@@ -3641,7 +3707,7 @@
         </p:nvSpPr>
         <p:spPr>
           <a:xfrm>
-            <a:off x="2419980" y="3158440"/>
+            <a:off x="2439291" y="3072088"/>
             <a:ext cx="1093635" cy="346760"/>
           </a:xfrm>
           <a:prstGeom prst="rect">
@@ -3677,7 +3743,7 @@
           <a:p>
             <a:pPr algn="ctr"/>
             <a:r>
-              <a:rPr lang="en-US" sz="1050" dirty="0" smtClean="0">
+              <a:rPr lang="en-US" sz="1050" dirty="0">
                 <a:solidFill>
                   <a:schemeClr val="bg1"/>
                 </a:solidFill>
@@ -3700,8 +3766,8 @@
         </p:nvSpPr>
         <p:spPr>
           <a:xfrm rot="16200000">
-            <a:off x="1001906" y="3093544"/>
-            <a:ext cx="1543350" cy="346760"/>
+            <a:off x="764603" y="3330847"/>
+            <a:ext cx="2017956" cy="346760"/>
           </a:xfrm>
           <a:prstGeom prst="rect">
             <a:avLst/>
@@ -3736,7 +3802,7 @@
           <a:p>
             <a:pPr algn="ctr"/>
             <a:r>
-              <a:rPr lang="en-US" sz="1050" dirty="0" smtClean="0">
+              <a:rPr lang="en-US" sz="1050" dirty="0">
                 <a:solidFill>
                   <a:schemeClr val="bg1"/>
                 </a:solidFill>
@@ -3759,7 +3825,7 @@
         </p:nvSpPr>
         <p:spPr>
           <a:xfrm rot="16200000">
-            <a:off x="499002" y="2861202"/>
+            <a:off x="499002" y="3342989"/>
             <a:ext cx="1093635" cy="346760"/>
           </a:xfrm>
           <a:prstGeom prst="rect">
@@ -3806,7 +3872,7 @@
           <a:p>
             <a:pPr algn="ctr"/>
             <a:r>
-              <a:rPr lang="en-US" sz="1050" dirty="0" smtClean="0">
+              <a:rPr lang="en-US" sz="1050" dirty="0">
                 <a:solidFill>
                   <a:schemeClr val="bg1"/>
                 </a:solidFill>
@@ -3829,7 +3895,7 @@
         </p:nvSpPr>
         <p:spPr>
           <a:xfrm rot="16200000">
-            <a:off x="1169710" y="2952291"/>
+            <a:off x="1160229" y="3417438"/>
             <a:ext cx="270504" cy="175523"/>
           </a:xfrm>
           <a:prstGeom prst="triangle">
@@ -3872,14 +3938,13 @@
         <p:nvCxnSpPr>
           <p:cNvPr id="58" name="Straight Arrow Connector 57"/>
           <p:cNvCxnSpPr>
-            <a:stCxn id="42" idx="3"/>
-            <a:endCxn id="2" idx="1"/>
+            <a:cxnSpLocks/>
           </p:cNvCxnSpPr>
           <p:nvPr/>
         </p:nvCxnSpPr>
         <p:spPr>
           <a:xfrm>
-            <a:off x="2199170" y="3326536"/>
+            <a:off x="2208825" y="3289598"/>
             <a:ext cx="220810" cy="5284"/>
           </a:xfrm>
           <a:prstGeom prst="straightConnector1">
@@ -3917,7 +3982,7 @@
         </p:nvCxnSpPr>
         <p:spPr>
           <a:xfrm>
-            <a:off x="452891" y="3040053"/>
+            <a:off x="452891" y="3516369"/>
             <a:ext cx="419548" cy="2860"/>
           </a:xfrm>
           <a:prstGeom prst="bentConnector3">
@@ -3956,13 +4021,14 @@
         <p:nvCxnSpPr>
           <p:cNvPr id="21" name="Straight Connector 20"/>
           <p:cNvCxnSpPr>
+            <a:cxnSpLocks/>
             <a:stCxn id="120" idx="3"/>
           </p:cNvCxnSpPr>
           <p:nvPr/>
         </p:nvCxnSpPr>
         <p:spPr>
           <a:xfrm flipV="1">
-            <a:off x="1392724" y="3040052"/>
+            <a:off x="1383243" y="3505199"/>
             <a:ext cx="216105" cy="1"/>
           </a:xfrm>
           <a:prstGeom prst="line">
@@ -4001,7 +4067,7 @@
         </p:nvSpPr>
         <p:spPr>
           <a:xfrm>
-            <a:off x="1963122" y="3239846"/>
+            <a:off x="1953668" y="3196567"/>
             <a:ext cx="236048" cy="173380"/>
           </a:xfrm>
           <a:prstGeom prst="flowChartDecision">
@@ -4079,7 +4145,7 @@
           <a:p>
             <a:pPr algn="ctr"/>
             <a:r>
-              <a:rPr lang="en-US" sz="1050" dirty="0" smtClean="0">
+              <a:rPr lang="en-US" sz="1050" dirty="0">
                 <a:solidFill>
                   <a:srgbClr val="7030A0"/>
                 </a:solidFill>
@@ -4221,7 +4287,7 @@
           <a:p>
             <a:pPr algn="ctr"/>
             <a:r>
-              <a:rPr lang="en-US" sz="1050" dirty="0" smtClean="0">
+              <a:rPr lang="en-US" sz="1050" dirty="0">
                 <a:solidFill>
                   <a:srgbClr val="7030A0"/>
                 </a:solidFill>
@@ -4365,7 +4431,7 @@
           <a:p>
             <a:pPr algn="ctr"/>
             <a:r>
-              <a:rPr lang="en-US" sz="1050" dirty="0" smtClean="0">
+              <a:rPr lang="en-US" sz="1050" dirty="0">
                 <a:solidFill>
                   <a:srgbClr val="7030A0"/>
                 </a:solidFill>
@@ -4464,7 +4530,7 @@
           <a:p>
             <a:pPr algn="ctr"/>
             <a:r>
-              <a:rPr lang="en-US" sz="1050" dirty="0" smtClean="0">
+              <a:rPr lang="en-US" sz="1050" dirty="0">
                 <a:solidFill>
                   <a:srgbClr val="7030A0"/>
                 </a:solidFill>
@@ -4605,7 +4671,7 @@
           <a:p>
             <a:pPr algn="ctr"/>
             <a:r>
-              <a:rPr lang="en-US" sz="1050" dirty="0" smtClean="0">
+              <a:rPr lang="en-US" sz="1050" dirty="0">
                 <a:solidFill>
                   <a:srgbClr val="7030A0"/>
                 </a:solidFill>
@@ -4747,7 +4813,7 @@
           <a:p>
             <a:pPr algn="ctr"/>
             <a:r>
-              <a:rPr lang="en-US" sz="1050" dirty="0" smtClean="0">
+              <a:rPr lang="en-US" sz="1050" dirty="0">
                 <a:solidFill>
                   <a:srgbClr val="7030A0"/>
                 </a:solidFill>
@@ -4893,7 +4959,7 @@
           <a:p>
             <a:pPr algn="ctr"/>
             <a:r>
-              <a:rPr lang="en-US" sz="1050" dirty="0" smtClean="0">
+              <a:rPr lang="en-US" sz="1050" dirty="0">
                 <a:solidFill>
                   <a:srgbClr val="7030A0"/>
                 </a:solidFill>
@@ -4992,7 +5058,7 @@
           <a:p>
             <a:pPr algn="ctr"/>
             <a:r>
-              <a:rPr lang="en-US" sz="1050" dirty="0" smtClean="0">
+              <a:rPr lang="en-US" sz="1050" dirty="0">
                 <a:solidFill>
                   <a:srgbClr val="7030A0"/>
                 </a:solidFill>
@@ -5091,7 +5157,7 @@
           <a:p>
             <a:pPr algn="ctr"/>
             <a:r>
-              <a:rPr lang="en-US" sz="1050" dirty="0" smtClean="0">
+              <a:rPr lang="en-US" sz="1050" dirty="0">
                 <a:solidFill>
                   <a:srgbClr val="7030A0"/>
                 </a:solidFill>
@@ -5281,130 +5347,12 @@
           <a:p>
             <a:pPr algn="ctr"/>
             <a:r>
-              <a:rPr lang="en-US" sz="1050" dirty="0" smtClean="0">
+              <a:rPr lang="en-US" sz="1050" dirty="0">
                 <a:solidFill>
                   <a:srgbClr val="7030A0"/>
                 </a:solidFill>
               </a:rPr>
               <a:t>&lt;&lt;interface&gt;&gt;</a:t>
-            </a:r>
-            <a:br>
-              <a:rPr lang="en-US" sz="1050" dirty="0" smtClean="0">
-                <a:solidFill>
-                  <a:srgbClr val="7030A0"/>
-                </a:solidFill>
-              </a:rPr>
-            </a:br>
-            <a:r>
-              <a:rPr lang="en-US" sz="1050" dirty="0" smtClean="0">
-                <a:solidFill>
-                  <a:srgbClr val="7030A0"/>
-                </a:solidFill>
-              </a:rPr>
-              <a:t>ReadOnlyAddressBook</a:t>
-            </a:r>
-            <a:endParaRPr lang="en-SG" sz="1050" dirty="0">
-              <a:solidFill>
-                <a:srgbClr val="7030A0"/>
-              </a:solidFill>
-            </a:endParaRPr>
-          </a:p>
-        </p:txBody>
-      </p:sp>
-      <p:sp>
-        <p:nvSpPr>
-          <p:cNvPr id="114" name="TextBox 113"/>
-          <p:cNvSpPr txBox="1"/>
-          <p:nvPr/>
-        </p:nvSpPr>
-        <p:spPr>
-          <a:xfrm rot="16200000">
-            <a:off x="5943786" y="4343586"/>
-            <a:ext cx="804818" cy="261610"/>
-          </a:xfrm>
-          <a:prstGeom prst="rect">
-            <a:avLst/>
-          </a:prstGeom>
-          <a:noFill/>
-        </p:spPr>
-        <p:txBody>
-          <a:bodyPr wrap="square" rtlCol="0">
-            <a:spAutoFit/>
-          </a:bodyPr>
-          <a:lstStyle/>
-          <a:p>
-            <a:pPr algn="r"/>
-            <a:r>
-              <a:rPr lang="en-US" sz="1100" dirty="0" smtClean="0">
-                <a:solidFill>
-                  <a:srgbClr val="7030A0"/>
-                </a:solidFill>
-              </a:rPr>
-              <a:t>filtered list</a:t>
-            </a:r>
-            <a:endParaRPr lang="en-SG" sz="1100" dirty="0">
-              <a:solidFill>
-                <a:srgbClr val="7030A0"/>
-              </a:solidFill>
-            </a:endParaRPr>
-          </a:p>
-        </p:txBody>
-      </p:sp>
-      <p:sp>
-        <p:nvSpPr>
-          <p:cNvPr id="122" name="Rectangle 8"/>
-          <p:cNvSpPr/>
-          <p:nvPr/>
-        </p:nvSpPr>
-        <p:spPr>
-          <a:xfrm>
-            <a:off x="1600200" y="5410200"/>
-            <a:ext cx="1066800" cy="346760"/>
-          </a:xfrm>
-          <a:prstGeom prst="rect">
-            <a:avLst/>
-          </a:prstGeom>
-          <a:ln w="19050">
-            <a:solidFill>
-              <a:srgbClr val="7030A0"/>
-            </a:solidFill>
-          </a:ln>
-          <a:effectLst/>
-        </p:spPr>
-        <p:style>
-          <a:lnRef idx="1">
-            <a:schemeClr val="accent4"/>
-          </a:lnRef>
-          <a:fillRef idx="2">
-            <a:schemeClr val="accent4"/>
-          </a:fillRef>
-          <a:effectRef idx="1">
-            <a:schemeClr val="accent4"/>
-          </a:effectRef>
-          <a:fontRef idx="minor">
-            <a:schemeClr val="dk1"/>
-          </a:fontRef>
-        </p:style>
-        <p:txBody>
-          <a:bodyPr rtlCol="0" anchor="ctr"/>
-          <a:lstStyle/>
-          <a:p>
-            <a:pPr algn="ctr"/>
-            <a:r>
-              <a:rPr lang="en-US" sz="1050" dirty="0" smtClean="0">
-                <a:solidFill>
-                  <a:srgbClr val="7030A0"/>
-                </a:solidFill>
-              </a:rPr>
-              <a:t>&lt;&lt;interface&gt;&gt;</a:t>
-            </a:r>
-            <a:r>
-              <a:rPr lang="en-US" sz="1050" dirty="0">
-                <a:solidFill>
-                  <a:srgbClr val="7030A0"/>
-                </a:solidFill>
-              </a:rPr>
-              <a:t/>
             </a:r>
             <a:br>
               <a:rPr lang="en-US" sz="1050" dirty="0">
@@ -5414,7 +5362,117 @@
               </a:rPr>
             </a:br>
             <a:r>
-              <a:rPr lang="en-US" sz="1050" dirty="0" smtClean="0">
+              <a:rPr lang="en-US" sz="1050" dirty="0">
+                <a:solidFill>
+                  <a:srgbClr val="7030A0"/>
+                </a:solidFill>
+              </a:rPr>
+              <a:t>ReadOnlyAddressBook</a:t>
+            </a:r>
+            <a:endParaRPr lang="en-SG" sz="1050" dirty="0">
+              <a:solidFill>
+                <a:srgbClr val="7030A0"/>
+              </a:solidFill>
+            </a:endParaRPr>
+          </a:p>
+        </p:txBody>
+      </p:sp>
+      <p:sp>
+        <p:nvSpPr>
+          <p:cNvPr id="114" name="TextBox 113"/>
+          <p:cNvSpPr txBox="1"/>
+          <p:nvPr/>
+        </p:nvSpPr>
+        <p:spPr>
+          <a:xfrm rot="16200000">
+            <a:off x="5952201" y="4834882"/>
+            <a:ext cx="804818" cy="261610"/>
+          </a:xfrm>
+          <a:prstGeom prst="rect">
+            <a:avLst/>
+          </a:prstGeom>
+          <a:noFill/>
+        </p:spPr>
+        <p:txBody>
+          <a:bodyPr wrap="square" rtlCol="0">
+            <a:spAutoFit/>
+          </a:bodyPr>
+          <a:lstStyle/>
+          <a:p>
+            <a:pPr algn="r"/>
+            <a:r>
+              <a:rPr lang="en-US" sz="1100" dirty="0">
+                <a:solidFill>
+                  <a:srgbClr val="7030A0"/>
+                </a:solidFill>
+              </a:rPr>
+              <a:t>filtered list</a:t>
+            </a:r>
+            <a:endParaRPr lang="en-SG" sz="1100" dirty="0">
+              <a:solidFill>
+                <a:srgbClr val="7030A0"/>
+              </a:solidFill>
+            </a:endParaRPr>
+          </a:p>
+        </p:txBody>
+      </p:sp>
+      <p:sp>
+        <p:nvSpPr>
+          <p:cNvPr id="122" name="Rectangle 8"/>
+          <p:cNvSpPr/>
+          <p:nvPr/>
+        </p:nvSpPr>
+        <p:spPr>
+          <a:xfrm>
+            <a:off x="1598928" y="5885513"/>
+            <a:ext cx="1066800" cy="346760"/>
+          </a:xfrm>
+          <a:prstGeom prst="rect">
+            <a:avLst/>
+          </a:prstGeom>
+          <a:ln w="19050">
+            <a:solidFill>
+              <a:srgbClr val="7030A0"/>
+            </a:solidFill>
+          </a:ln>
+          <a:effectLst/>
+        </p:spPr>
+        <p:style>
+          <a:lnRef idx="1">
+            <a:schemeClr val="accent4"/>
+          </a:lnRef>
+          <a:fillRef idx="2">
+            <a:schemeClr val="accent4"/>
+          </a:fillRef>
+          <a:effectRef idx="1">
+            <a:schemeClr val="accent4"/>
+          </a:effectRef>
+          <a:fontRef idx="minor">
+            <a:schemeClr val="dk1"/>
+          </a:fontRef>
+        </p:style>
+        <p:txBody>
+          <a:bodyPr rtlCol="0" anchor="ctr"/>
+          <a:lstStyle/>
+          <a:p>
+            <a:pPr algn="ctr"/>
+            <a:r>
+              <a:rPr lang="en-US" sz="1050" dirty="0">
+                <a:solidFill>
+                  <a:srgbClr val="7030A0"/>
+                </a:solidFill>
+              </a:rPr>
+              <a:t>&lt;&lt;interface&gt;&gt;</a:t>
+            </a:r>
+            <a:br>
+              <a:rPr lang="en-US" sz="1050" dirty="0">
+                <a:solidFill>
+                  <a:srgbClr val="7030A0"/>
+                </a:solidFill>
+              </a:rPr>
+            </a:br>
+            <a:r>
+              <a:rPr lang="en-US" sz="1050" dirty="0">
                 <a:solidFill>
                   <a:srgbClr val="7030A0"/>
                 </a:solidFill>
@@ -5432,13 +5490,16 @@
       <p:cxnSp>
         <p:nvCxnSpPr>
           <p:cNvPr id="124" name="Elbow Connector 122"/>
-          <p:cNvCxnSpPr/>
+          <p:cNvCxnSpPr>
+            <a:cxnSpLocks/>
+            <a:endCxn id="122" idx="1"/>
+          </p:cNvCxnSpPr>
           <p:nvPr/>
         </p:nvCxnSpPr>
         <p:spPr>
           <a:xfrm rot="16200000" flipH="1">
-            <a:off x="333010" y="4295409"/>
-            <a:ext cx="1980000" cy="554381"/>
+            <a:off x="328639" y="4788603"/>
+            <a:ext cx="1986197" cy="554381"/>
           </a:xfrm>
           <a:prstGeom prst="bentConnector2">
             <a:avLst/>
@@ -5533,7 +5594,7 @@
           <a:p>
             <a:pPr algn="ctr"/>
             <a:r>
-              <a:rPr lang="en-US" sz="1100" dirty="0" smtClean="0">
+              <a:rPr lang="en-US" sz="1100" dirty="0">
                 <a:solidFill>
                   <a:srgbClr val="7030A0"/>
                 </a:solidFill>
@@ -5572,7 +5633,7 @@
           <a:p>
             <a:pPr algn="ctr"/>
             <a:r>
-              <a:rPr lang="en-US" sz="1100" dirty="0" smtClean="0">
+              <a:rPr lang="en-US" sz="1100" dirty="0">
                 <a:solidFill>
                   <a:srgbClr val="7030A0"/>
                 </a:solidFill>
@@ -5611,7 +5672,7 @@
           <a:p>
             <a:pPr algn="ctr"/>
             <a:r>
-              <a:rPr lang="en-US" sz="1100" dirty="0" smtClean="0">
+              <a:rPr lang="en-US" sz="1100" dirty="0">
                 <a:solidFill>
                   <a:srgbClr val="7030A0"/>
                 </a:solidFill>
@@ -5650,7 +5711,7 @@
           <a:p>
             <a:pPr algn="ctr"/>
             <a:r>
-              <a:rPr lang="en-US" sz="1100" dirty="0" smtClean="0">
+              <a:rPr lang="en-US" sz="1100" dirty="0">
                 <a:solidFill>
                   <a:srgbClr val="7030A0"/>
                 </a:solidFill>
@@ -5689,7 +5750,7 @@
           <a:p>
             <a:pPr algn="ctr"/>
             <a:r>
-              <a:rPr lang="en-US" sz="1100" dirty="0" smtClean="0">
+              <a:rPr lang="en-US" sz="1100" dirty="0">
                 <a:solidFill>
                   <a:srgbClr val="7030A0"/>
                 </a:solidFill>
@@ -5728,7 +5789,7 @@
           <a:p>
             <a:pPr algn="ctr"/>
             <a:r>
-              <a:rPr lang="en-US" sz="1100" dirty="0" smtClean="0">
+              <a:rPr lang="en-US" sz="1100" dirty="0">
                 <a:solidFill>
                   <a:srgbClr val="7030A0"/>
                 </a:solidFill>
@@ -5767,7 +5828,7 @@
           <a:p>
             <a:pPr algn="ctr"/>
             <a:r>
-              <a:rPr lang="en-US" sz="1100" dirty="0" smtClean="0">
+              <a:rPr lang="en-US" sz="1100" dirty="0">
                 <a:solidFill>
                   <a:srgbClr val="7030A0"/>
                 </a:solidFill>
@@ -5806,7 +5867,7 @@
           <a:p>
             <a:pPr algn="ctr"/>
             <a:r>
-              <a:rPr lang="en-US" sz="1100" dirty="0" smtClean="0">
+              <a:rPr lang="en-US" sz="1100" dirty="0">
                 <a:solidFill>
                   <a:srgbClr val="7030A0"/>
                 </a:solidFill>
@@ -5829,7 +5890,7 @@
         </p:nvSpPr>
         <p:spPr>
           <a:xfrm>
-            <a:off x="5867400" y="3463240"/>
+            <a:off x="5875815" y="3954536"/>
             <a:ext cx="685800" cy="346760"/>
           </a:xfrm>
           <a:prstGeom prst="rect">
@@ -5862,7 +5923,7 @@
           <a:p>
             <a:pPr algn="ctr"/>
             <a:r>
-              <a:rPr lang="en-US" sz="1050" dirty="0" smtClean="0">
+              <a:rPr lang="en-US" sz="1050" dirty="0">
                 <a:solidFill>
                   <a:srgbClr val="7030A0"/>
                 </a:solidFill>
@@ -5885,7 +5946,7 @@
         </p:nvSpPr>
         <p:spPr>
           <a:xfrm>
-            <a:off x="7223650" y="3429000"/>
+            <a:off x="7232065" y="3920296"/>
             <a:ext cx="1082150" cy="285783"/>
           </a:xfrm>
           <a:prstGeom prst="rect">
@@ -5918,7 +5979,7 @@
           <a:p>
             <a:pPr algn="ctr"/>
             <a:r>
-              <a:rPr lang="en-US" sz="1050" dirty="0" smtClean="0">
+              <a:rPr lang="en-US" sz="1050" dirty="0">
                 <a:solidFill>
                   <a:srgbClr val="7030A0"/>
                 </a:solidFill>
@@ -5941,7 +6002,7 @@
         </p:nvSpPr>
         <p:spPr>
           <a:xfrm>
-            <a:off x="6553200" y="3581400"/>
+            <a:off x="6561615" y="4072696"/>
             <a:ext cx="236048" cy="173380"/>
           </a:xfrm>
           <a:prstGeom prst="flowChartDecision">
@@ -5991,7 +6052,7 @@
         </p:nvCxnSpPr>
         <p:spPr>
           <a:xfrm flipV="1">
-            <a:off x="6789248" y="3571892"/>
+            <a:off x="6797663" y="4063188"/>
             <a:ext cx="434402" cy="96198"/>
           </a:xfrm>
           <a:prstGeom prst="bentConnector3">
@@ -6031,7 +6092,7 @@
         </p:nvSpPr>
         <p:spPr>
           <a:xfrm>
-            <a:off x="7223650" y="3751978"/>
+            <a:off x="7232065" y="4243274"/>
             <a:ext cx="1082150" cy="285783"/>
           </a:xfrm>
           <a:prstGeom prst="rect">
@@ -6064,7 +6125,7 @@
           <a:p>
             <a:pPr algn="ctr"/>
             <a:r>
-              <a:rPr lang="en-US" sz="1050" dirty="0" smtClean="0">
+              <a:rPr lang="en-US" sz="1050" dirty="0">
                 <a:solidFill>
                   <a:srgbClr val="7030A0"/>
                 </a:solidFill>
@@ -6090,7 +6151,7 @@
         </p:nvCxnSpPr>
         <p:spPr>
           <a:xfrm>
-            <a:off x="6789248" y="3668090"/>
+            <a:off x="6797663" y="4159386"/>
             <a:ext cx="434402" cy="226780"/>
           </a:xfrm>
           <a:prstGeom prst="bentConnector3">
@@ -6130,7 +6191,7 @@
         </p:nvSpPr>
         <p:spPr>
           <a:xfrm>
-            <a:off x="7223650" y="4074956"/>
+            <a:off x="7232065" y="4566252"/>
             <a:ext cx="1082150" cy="285783"/>
           </a:xfrm>
           <a:prstGeom prst="rect">
@@ -6163,7 +6224,7 @@
           <a:p>
             <a:pPr algn="ctr"/>
             <a:r>
-              <a:rPr lang="en-US" sz="1050" dirty="0" smtClean="0">
+              <a:rPr lang="en-US" sz="1050" dirty="0">
                 <a:solidFill>
                   <a:srgbClr val="7030A0"/>
                 </a:solidFill>
@@ -6189,7 +6250,7 @@
         </p:nvCxnSpPr>
         <p:spPr>
           <a:xfrm>
-            <a:off x="6789248" y="3668090"/>
+            <a:off x="6797663" y="4159386"/>
             <a:ext cx="434402" cy="549758"/>
           </a:xfrm>
           <a:prstGeom prst="bentConnector3">
@@ -6229,7 +6290,7 @@
         </p:nvSpPr>
         <p:spPr>
           <a:xfrm>
-            <a:off x="7223650" y="4397933"/>
+            <a:off x="7232065" y="4889229"/>
             <a:ext cx="1082150" cy="285783"/>
           </a:xfrm>
           <a:prstGeom prst="rect">
@@ -6262,7 +6323,7 @@
           <a:p>
             <a:pPr algn="ctr"/>
             <a:r>
-              <a:rPr lang="en-US" sz="1050" dirty="0" smtClean="0">
+              <a:rPr lang="en-US" sz="1050" dirty="0">
                 <a:solidFill>
                   <a:srgbClr val="7030A0"/>
                 </a:solidFill>
@@ -6288,7 +6349,7 @@
         </p:nvCxnSpPr>
         <p:spPr>
           <a:xfrm>
-            <a:off x="6789248" y="3668090"/>
+            <a:off x="6797663" y="4159386"/>
             <a:ext cx="434402" cy="872735"/>
           </a:xfrm>
           <a:prstGeom prst="bentConnector3">
@@ -6328,7 +6389,7 @@
         </p:nvSpPr>
         <p:spPr>
           <a:xfrm>
-            <a:off x="5181600" y="3560420"/>
+            <a:off x="5190015" y="4051716"/>
             <a:ext cx="236048" cy="173380"/>
           </a:xfrm>
           <a:prstGeom prst="flowChartDecision">
@@ -6373,7 +6434,7 @@
         </p:nvCxnSpPr>
         <p:spPr>
           <a:xfrm>
-            <a:off x="5410200" y="3657600"/>
+            <a:off x="5418615" y="4148896"/>
             <a:ext cx="453600" cy="777"/>
           </a:xfrm>
           <a:prstGeom prst="bentConnector3">
@@ -6411,7 +6472,7 @@
         </p:nvSpPr>
         <p:spPr>
           <a:xfrm>
-            <a:off x="5678143" y="3707517"/>
+            <a:off x="5686558" y="4198813"/>
             <a:ext cx="189257" cy="178683"/>
           </a:xfrm>
           <a:prstGeom prst="rect">
@@ -6427,7 +6488,7 @@
           <a:p>
             <a:pPr algn="ctr"/>
             <a:r>
-              <a:rPr lang="en-US" sz="1100" dirty="0" smtClean="0">
+              <a:rPr lang="en-US" sz="1100" dirty="0">
                 <a:solidFill>
                   <a:srgbClr val="7030A0"/>
                 </a:solidFill>
@@ -6485,7 +6546,7 @@
         </p:nvCxnSpPr>
         <p:spPr>
           <a:xfrm>
-            <a:off x="1752600" y="4038600"/>
+            <a:off x="1761015" y="4529896"/>
             <a:ext cx="0" cy="1152000"/>
           </a:xfrm>
           <a:prstGeom prst="line">
@@ -6520,7 +6581,7 @@
         </p:nvCxnSpPr>
         <p:spPr>
           <a:xfrm flipV="1">
-            <a:off x="6248400" y="3810000"/>
+            <a:off x="6256815" y="4301296"/>
             <a:ext cx="0" cy="1368000"/>
           </a:xfrm>
           <a:prstGeom prst="straightConnector1">
@@ -6556,7 +6617,7 @@
         </p:nvSpPr>
         <p:spPr>
           <a:xfrm>
-            <a:off x="7239000" y="4724400"/>
+            <a:off x="7247415" y="5215696"/>
             <a:ext cx="1082150" cy="285783"/>
           </a:xfrm>
           <a:prstGeom prst="rect">
@@ -6589,7 +6650,7 @@
           <a:p>
             <a:pPr algn="ctr"/>
             <a:r>
-              <a:rPr lang="en-US" sz="1050" dirty="0" smtClean="0">
+              <a:rPr lang="en-US" sz="1050" dirty="0">
                 <a:solidFill>
                   <a:srgbClr val="7030A0"/>
                 </a:solidFill>
@@ -6612,7 +6673,7 @@
         </p:nvCxnSpPr>
         <p:spPr>
           <a:xfrm>
-            <a:off x="6781800" y="3657600"/>
+            <a:off x="6790215" y="4148896"/>
             <a:ext cx="434402" cy="1188000"/>
           </a:xfrm>
           <a:prstGeom prst="bentConnector3">
@@ -6652,7 +6713,7 @@
         </p:nvSpPr>
         <p:spPr>
           <a:xfrm rot="16200000">
-            <a:off x="4464466" y="4374735"/>
+            <a:off x="4472881" y="4866031"/>
             <a:ext cx="236048" cy="173380"/>
           </a:xfrm>
           <a:prstGeom prst="flowChartDecision">
@@ -6697,7 +6758,7 @@
         </p:nvCxnSpPr>
         <p:spPr>
           <a:xfrm>
-            <a:off x="4580387" y="4572000"/>
+            <a:off x="4588802" y="5063296"/>
             <a:ext cx="372613" cy="54000"/>
           </a:xfrm>
           <a:prstGeom prst="bentConnector3">
@@ -6737,7 +6798,7 @@
         </p:nvSpPr>
         <p:spPr>
           <a:xfrm>
-            <a:off x="4953000" y="4453840"/>
+            <a:off x="4961415" y="4945136"/>
             <a:ext cx="940900" cy="346760"/>
           </a:xfrm>
           <a:prstGeom prst="rect">
@@ -6770,7 +6831,7 @@
           <a:p>
             <a:pPr algn="ctr"/>
             <a:r>
-              <a:rPr lang="en-US" sz="1050" dirty="0" smtClean="0">
+              <a:rPr lang="en-US" sz="1050" dirty="0">
                 <a:solidFill>
                   <a:srgbClr val="7030A0"/>
                 </a:solidFill>
@@ -6793,7 +6854,7 @@
         </p:nvSpPr>
         <p:spPr>
           <a:xfrm>
-            <a:off x="4763743" y="4698117"/>
+            <a:off x="4772158" y="5189413"/>
             <a:ext cx="189257" cy="178683"/>
           </a:xfrm>
           <a:prstGeom prst="rect">
@@ -6809,7 +6870,7 @@
           <a:p>
             <a:pPr algn="ctr"/>
             <a:r>
-              <a:rPr lang="en-US" sz="1100" dirty="0" smtClean="0">
+              <a:rPr lang="en-US" sz="1100" dirty="0">
                 <a:solidFill>
                   <a:srgbClr val="7030A0"/>
                 </a:solidFill>
@@ -6832,7 +6893,7 @@
         </p:nvSpPr>
         <p:spPr>
           <a:xfrm>
-            <a:off x="6287743" y="3810000"/>
+            <a:off x="6296158" y="4301296"/>
             <a:ext cx="189257" cy="178683"/>
           </a:xfrm>
           <a:prstGeom prst="rect">
@@ -6848,7 +6909,7 @@
           <a:p>
             <a:pPr algn="ctr"/>
             <a:r>
-              <a:rPr lang="en-US" sz="1100" dirty="0" smtClean="0">
+              <a:rPr lang="en-US" sz="1100" dirty="0">
                 <a:solidFill>
                   <a:srgbClr val="7030A0"/>
                 </a:solidFill>
@@ -6923,7 +6984,7 @@
           <a:p>
             <a:pPr algn="r"/>
             <a:r>
-              <a:rPr lang="en-US" sz="1100" dirty="0" smtClean="0">
+              <a:rPr lang="en-US" sz="1100" dirty="0">
                 <a:solidFill>
                   <a:srgbClr val="7030A0"/>
                 </a:solidFill>
@@ -6948,7 +7009,7 @@
         </p:nvCxnSpPr>
         <p:spPr>
           <a:xfrm>
-            <a:off x="2190755" y="3859936"/>
+            <a:off x="2199170" y="4351232"/>
             <a:ext cx="220810" cy="5284"/>
           </a:xfrm>
           <a:prstGeom prst="straightConnector1">
@@ -6986,7 +7047,7 @@
         </p:nvSpPr>
         <p:spPr>
           <a:xfrm>
-            <a:off x="1954707" y="3773246"/>
+            <a:off x="1963122" y="4264542"/>
             <a:ext cx="236048" cy="173380"/>
           </a:xfrm>
           <a:prstGeom prst="flowChartDecision">
@@ -7031,7 +7092,7 @@
         </p:nvSpPr>
         <p:spPr>
           <a:xfrm>
-            <a:off x="2201385" y="3631317"/>
+            <a:off x="2209800" y="4122613"/>
             <a:ext cx="189257" cy="178683"/>
           </a:xfrm>
           <a:prstGeom prst="rect">
@@ -7047,7 +7108,7 @@
           <a:p>
             <a:pPr algn="ctr"/>
             <a:r>
-              <a:rPr lang="en-US" sz="1100" dirty="0" smtClean="0">
+              <a:rPr lang="en-US" sz="1100" dirty="0">
                 <a:solidFill>
                   <a:srgbClr val="7030A0"/>
                 </a:solidFill>
@@ -7070,7 +7131,7 @@
         </p:nvSpPr>
         <p:spPr>
           <a:xfrm>
-            <a:off x="2411565" y="3691840"/>
+            <a:off x="2419980" y="4183136"/>
             <a:ext cx="1093635" cy="346760"/>
           </a:xfrm>
           <a:prstGeom prst="rect">
@@ -7103,7 +7164,7 @@
           <a:p>
             <a:pPr algn="ctr"/>
             <a:r>
-              <a:rPr lang="en-US" sz="1050" dirty="0" smtClean="0">
+              <a:rPr lang="en-US" sz="1050" dirty="0">
                 <a:solidFill>
                   <a:srgbClr val="7030A0"/>
                 </a:solidFill>
@@ -7126,7 +7187,7 @@
         </p:nvSpPr>
         <p:spPr>
           <a:xfrm>
-            <a:off x="4024631" y="3987464"/>
+            <a:off x="4033046" y="4478760"/>
             <a:ext cx="1537969" cy="346760"/>
           </a:xfrm>
           <a:prstGeom prst="rect">
@@ -7159,7 +7220,7 @@
           <a:p>
             <a:pPr algn="ctr"/>
             <a:r>
-              <a:rPr lang="en-US" sz="1050" dirty="0" smtClean="0">
+              <a:rPr lang="en-US" sz="1050" dirty="0">
                 <a:solidFill>
                   <a:srgbClr val="7030A0"/>
                 </a:solidFill>
@@ -7182,7 +7243,7 @@
         </p:nvSpPr>
         <p:spPr>
           <a:xfrm>
-            <a:off x="3521917" y="3814084"/>
+            <a:off x="3530332" y="4305380"/>
             <a:ext cx="236048" cy="173380"/>
           </a:xfrm>
           <a:prstGeom prst="flowChartDecision">
@@ -7232,7 +7293,7 @@
         </p:nvCxnSpPr>
         <p:spPr>
           <a:xfrm>
-            <a:off x="3757965" y="3900774"/>
+            <a:off x="3766380" y="4392070"/>
             <a:ext cx="266666" cy="260070"/>
           </a:xfrm>
           <a:prstGeom prst="bentConnector3">
@@ -7272,7 +7333,7 @@
         </p:nvSpPr>
         <p:spPr>
           <a:xfrm>
-            <a:off x="4014942" y="3463240"/>
+            <a:off x="4023357" y="3954536"/>
             <a:ext cx="1156969" cy="346760"/>
           </a:xfrm>
           <a:prstGeom prst="rect">
@@ -7305,7 +7366,7 @@
           <a:p>
             <a:pPr algn="ctr"/>
             <a:r>
-              <a:rPr lang="en-US" sz="1050" dirty="0" smtClean="0">
+              <a:rPr lang="en-US" sz="1050" dirty="0">
                 <a:solidFill>
                   <a:srgbClr val="7030A0"/>
                 </a:solidFill>
@@ -7331,7 +7392,7 @@
         </p:nvCxnSpPr>
         <p:spPr>
           <a:xfrm flipV="1">
-            <a:off x="3757965" y="3636620"/>
+            <a:off x="3766380" y="4127916"/>
             <a:ext cx="256977" cy="264154"/>
           </a:xfrm>
           <a:prstGeom prst="bentConnector3">
@@ -7371,7 +7432,7 @@
         </p:nvSpPr>
         <p:spPr>
           <a:xfrm>
-            <a:off x="3862586" y="3402717"/>
+            <a:off x="3871001" y="3894013"/>
             <a:ext cx="189257" cy="178683"/>
           </a:xfrm>
           <a:prstGeom prst="rect">
@@ -7387,7 +7448,7 @@
           <a:p>
             <a:pPr algn="ctr"/>
             <a:r>
-              <a:rPr lang="en-US" sz="1100" dirty="0" smtClean="0">
+              <a:rPr lang="en-US" sz="1100" dirty="0">
                 <a:solidFill>
                   <a:srgbClr val="7030A0"/>
                 </a:solidFill>
@@ -7410,7 +7471,7 @@
         </p:nvSpPr>
         <p:spPr>
           <a:xfrm>
-            <a:off x="3862586" y="4198957"/>
+            <a:off x="3871001" y="4690253"/>
             <a:ext cx="189257" cy="178683"/>
           </a:xfrm>
           <a:prstGeom prst="rect">
@@ -7426,7 +7487,7 @@
           <a:p>
             <a:pPr algn="ctr"/>
             <a:r>
-              <a:rPr lang="en-US" sz="1100" dirty="0" smtClean="0">
+              <a:rPr lang="en-US" sz="1100" dirty="0">
                 <a:solidFill>
                   <a:srgbClr val="7030A0"/>
                 </a:solidFill>
@@ -7449,7 +7510,7 @@
         </p:nvSpPr>
         <p:spPr>
           <a:xfrm flipV="1">
-            <a:off x="2819400" y="4343400"/>
+            <a:off x="2827815" y="4834696"/>
             <a:ext cx="270504" cy="175523"/>
           </a:xfrm>
           <a:prstGeom prst="triangle">
@@ -7497,7 +7558,7 @@
         </p:nvCxnSpPr>
         <p:spPr>
           <a:xfrm rot="16200000" flipH="1">
-            <a:off x="2790592" y="4196487"/>
+            <a:off x="2799007" y="4687783"/>
             <a:ext cx="293825" cy="1"/>
           </a:xfrm>
           <a:prstGeom prst="bentConnector3">
@@ -7538,7 +7599,7 @@
         </p:nvSpPr>
         <p:spPr>
           <a:xfrm>
-            <a:off x="2209800" y="4530040"/>
+            <a:off x="2218215" y="5021336"/>
             <a:ext cx="1539926" cy="346760"/>
           </a:xfrm>
           <a:prstGeom prst="rect">
@@ -7571,7 +7632,7 @@
           <a:p>
             <a:pPr algn="ctr"/>
             <a:r>
-              <a:rPr lang="en-US" sz="1050" dirty="0" smtClean="0">
+              <a:rPr lang="en-US" sz="1050" dirty="0">
                 <a:solidFill>
                   <a:srgbClr val="7030A0"/>
                 </a:solidFill>
@@ -7579,14 +7640,14 @@
               <a:t>&lt;&lt;interface&gt;&gt;</a:t>
             </a:r>
             <a:br>
-              <a:rPr lang="en-US" sz="1050" dirty="0" smtClean="0">
+              <a:rPr lang="en-US" sz="1050" dirty="0">
                 <a:solidFill>
                   <a:srgbClr val="7030A0"/>
                 </a:solidFill>
               </a:rPr>
             </a:br>
             <a:r>
-              <a:rPr lang="en-US" sz="1050" dirty="0" smtClean="0">
+              <a:rPr lang="en-US" sz="1050" dirty="0">
                 <a:solidFill>
                   <a:srgbClr val="7030A0"/>
                 </a:solidFill>
@@ -7609,7 +7670,7 @@
         </p:nvCxnSpPr>
         <p:spPr>
           <a:xfrm>
-            <a:off x="1748400" y="5181600"/>
+            <a:off x="1756815" y="5672896"/>
             <a:ext cx="4507200" cy="0"/>
           </a:xfrm>
           <a:prstGeom prst="line">
@@ -7679,7 +7740,7 @@
         </p:nvCxnSpPr>
         <p:spPr>
           <a:xfrm>
-            <a:off x="6019800" y="3810000"/>
+            <a:off x="6028215" y="4301296"/>
             <a:ext cx="0" cy="378000"/>
           </a:xfrm>
           <a:prstGeom prst="line">
@@ -7714,7 +7775,7 @@
         </p:nvCxnSpPr>
         <p:spPr>
           <a:xfrm flipH="1">
-            <a:off x="5562600" y="4191000"/>
+            <a:off x="5571015" y="4682296"/>
             <a:ext cx="460800" cy="0"/>
           </a:xfrm>
           <a:prstGeom prst="straightConnector1">
@@ -7752,7 +7813,7 @@
         </p:nvSpPr>
         <p:spPr>
           <a:xfrm>
-            <a:off x="5562600" y="3936117"/>
+            <a:off x="5571015" y="4427413"/>
             <a:ext cx="189257" cy="178683"/>
           </a:xfrm>
           <a:prstGeom prst="rect">
@@ -7768,7 +7829,7 @@
           <a:p>
             <a:pPr algn="ctr"/>
             <a:r>
-              <a:rPr lang="en-US" sz="1100" dirty="0" smtClean="0">
+              <a:rPr lang="en-US" sz="1100" dirty="0">
                 <a:solidFill>
                   <a:srgbClr val="7030A0"/>
                 </a:solidFill>
@@ -7786,20 +7847,5768 @@
     </p:spTree>
     <p:extLst>
       <p:ext uri="{BB962C8B-B14F-4D97-AF65-F5344CB8AC3E}">
-        <p14:creationId xmlns="" xmlns:p14="http://schemas.microsoft.com/office/powerpoint/2010/main" val="2396968029"/>
+        <p14:creationId xmlns:p14="http://schemas.microsoft.com/office/powerpoint/2010/main" val="2396968029"/>
       </p:ext>
     </p:extLst>
   </p:cSld>
   <p:clrMapOvr>
     <a:masterClrMapping/>
   </p:clrMapOvr>
-  <p:timing>
-    <p:tnLst>
-      <p:par>
-        <p:cTn id="1" dur="indefinite" restart="never" nodeType="tmRoot"/>
-      </p:par>
-    </p:tnLst>
-  </p:timing>
+</p:sld>
+</file>
+
+<file path=ppt/slides/slide2.xml><?xml version="1.0" encoding="utf-8"?>
+<p:sld xmlns:a="http://schemas.openxmlformats.org/drawingml/2006/main" xmlns:r="http://schemas.openxmlformats.org/officeDocument/2006/relationships" xmlns:p="http://schemas.openxmlformats.org/presentationml/2006/main">
+  <p:cSld>
+    <p:spTree>
+      <p:nvGrpSpPr>
+        <p:cNvPr id="1" name=""/>
+        <p:cNvGrpSpPr/>
+        <p:nvPr/>
+      </p:nvGrpSpPr>
+      <p:grpSpPr>
+        <a:xfrm>
+          <a:off x="0" y="0"/>
+          <a:ext cx="0" cy="0"/>
+          <a:chOff x="0" y="0"/>
+          <a:chExt cx="0" cy="0"/>
+        </a:xfrm>
+      </p:grpSpPr>
+      <p:sp>
+        <p:nvSpPr>
+          <p:cNvPr id="118" name="Rectangle 65"/>
+          <p:cNvSpPr/>
+          <p:nvPr/>
+        </p:nvSpPr>
+        <p:spPr>
+          <a:xfrm>
+            <a:off x="158970" y="457200"/>
+            <a:ext cx="8915400" cy="5943600"/>
+          </a:xfrm>
+          <a:prstGeom prst="roundRect">
+            <a:avLst>
+              <a:gd name="adj" fmla="val 3484"/>
+            </a:avLst>
+          </a:prstGeom>
+          <a:solidFill>
+            <a:schemeClr val="accent4">
+              <a:lumMod val="20000"/>
+              <a:lumOff val="80000"/>
+            </a:schemeClr>
+          </a:solidFill>
+          <a:ln w="19050">
+            <a:noFill/>
+          </a:ln>
+          <a:effectLst/>
+        </p:spPr>
+        <p:style>
+          <a:lnRef idx="1">
+            <a:schemeClr val="accent2"/>
+          </a:lnRef>
+          <a:fillRef idx="2">
+            <a:schemeClr val="accent2"/>
+          </a:fillRef>
+          <a:effectRef idx="1">
+            <a:schemeClr val="accent2"/>
+          </a:effectRef>
+          <a:fontRef idx="minor">
+            <a:schemeClr val="dk1"/>
+          </a:fontRef>
+        </p:style>
+        <p:txBody>
+          <a:bodyPr rtlCol="0" anchor="t"/>
+          <a:lstStyle/>
+          <a:p>
+            <a:r>
+              <a:rPr lang="en-US" sz="1200" b="1">
+                <a:solidFill>
+                  <a:srgbClr val="7030A0"/>
+                </a:solidFill>
+              </a:rPr>
+              <a:t>Model</a:t>
+            </a:r>
+            <a:endParaRPr lang="en-SG" sz="1200" b="1" dirty="0">
+              <a:solidFill>
+                <a:srgbClr val="7030A0"/>
+              </a:solidFill>
+            </a:endParaRPr>
+          </a:p>
+        </p:txBody>
+      </p:sp>
+      <p:sp>
+        <p:nvSpPr>
+          <p:cNvPr id="2" name="Rectangle 8"/>
+          <p:cNvSpPr/>
+          <p:nvPr/>
+        </p:nvSpPr>
+        <p:spPr>
+          <a:xfrm>
+            <a:off x="2457349" y="2076866"/>
+            <a:ext cx="1093635" cy="346760"/>
+          </a:xfrm>
+          <a:prstGeom prst="rect">
+            <a:avLst/>
+          </a:prstGeom>
+          <a:solidFill>
+            <a:srgbClr val="7030A0"/>
+          </a:solidFill>
+          <a:ln w="19050">
+            <a:solidFill>
+              <a:srgbClr val="7030A0"/>
+            </a:solidFill>
+          </a:ln>
+          <a:effectLst/>
+        </p:spPr>
+        <p:style>
+          <a:lnRef idx="1">
+            <a:schemeClr val="accent2"/>
+          </a:lnRef>
+          <a:fillRef idx="2">
+            <a:schemeClr val="accent2"/>
+          </a:fillRef>
+          <a:effectRef idx="1">
+            <a:schemeClr val="accent2"/>
+          </a:effectRef>
+          <a:fontRef idx="minor">
+            <a:schemeClr val="dk1"/>
+          </a:fontRef>
+        </p:style>
+        <p:txBody>
+          <a:bodyPr rtlCol="0" anchor="ctr"/>
+          <a:lstStyle/>
+          <a:p>
+            <a:pPr algn="ctr"/>
+            <a:r>
+              <a:rPr lang="en-US" sz="1050" dirty="0">
+                <a:solidFill>
+                  <a:schemeClr val="bg1"/>
+                </a:solidFill>
+              </a:rPr>
+              <a:t>UserPref</a:t>
+            </a:r>
+            <a:endParaRPr lang="en-SG" sz="1050" dirty="0">
+              <a:solidFill>
+                <a:schemeClr val="bg1"/>
+              </a:solidFill>
+            </a:endParaRPr>
+          </a:p>
+        </p:txBody>
+      </p:sp>
+      <p:sp>
+        <p:nvSpPr>
+          <p:cNvPr id="9" name="Rectangle 62"/>
+          <p:cNvSpPr/>
+          <p:nvPr/>
+        </p:nvSpPr>
+        <p:spPr>
+          <a:xfrm rot="16200000">
+            <a:off x="260467" y="2826712"/>
+            <a:ext cx="3026227" cy="346760"/>
+          </a:xfrm>
+          <a:prstGeom prst="rect">
+            <a:avLst/>
+          </a:prstGeom>
+          <a:solidFill>
+            <a:srgbClr val="7030A0"/>
+          </a:solidFill>
+          <a:ln w="19050">
+            <a:solidFill>
+              <a:srgbClr val="7030A0"/>
+            </a:solidFill>
+          </a:ln>
+          <a:effectLst/>
+        </p:spPr>
+        <p:style>
+          <a:lnRef idx="1">
+            <a:schemeClr val="accent2"/>
+          </a:lnRef>
+          <a:fillRef idx="2">
+            <a:schemeClr val="accent2"/>
+          </a:fillRef>
+          <a:effectRef idx="1">
+            <a:schemeClr val="accent2"/>
+          </a:effectRef>
+          <a:fontRef idx="minor">
+            <a:schemeClr val="dk1"/>
+          </a:fontRef>
+        </p:style>
+        <p:txBody>
+          <a:bodyPr rtlCol="0" anchor="ctr"/>
+          <a:lstStyle/>
+          <a:p>
+            <a:pPr algn="ctr"/>
+            <a:r>
+              <a:rPr lang="en-US" sz="1050" dirty="0">
+                <a:solidFill>
+                  <a:schemeClr val="bg1"/>
+                </a:solidFill>
+              </a:rPr>
+              <a:t>ModelManager</a:t>
+            </a:r>
+            <a:endParaRPr lang="en-SG" sz="1050" dirty="0">
+              <a:solidFill>
+                <a:schemeClr val="bg1"/>
+              </a:solidFill>
+            </a:endParaRPr>
+          </a:p>
+        </p:txBody>
+      </p:sp>
+      <p:sp>
+        <p:nvSpPr>
+          <p:cNvPr id="119" name="Rectangle 62"/>
+          <p:cNvSpPr/>
+          <p:nvPr/>
+        </p:nvSpPr>
+        <p:spPr>
+          <a:xfrm rot="16200000">
+            <a:off x="504624" y="2797063"/>
+            <a:ext cx="1093635" cy="346760"/>
+          </a:xfrm>
+          <a:prstGeom prst="rect">
+            <a:avLst/>
+          </a:prstGeom>
+          <a:solidFill>
+            <a:srgbClr val="7030A0"/>
+          </a:solidFill>
+          <a:ln w="19050">
+            <a:solidFill>
+              <a:srgbClr val="7030A0"/>
+            </a:solidFill>
+          </a:ln>
+          <a:effectLst/>
+        </p:spPr>
+        <p:style>
+          <a:lnRef idx="1">
+            <a:schemeClr val="accent2"/>
+          </a:lnRef>
+          <a:fillRef idx="2">
+            <a:schemeClr val="accent2"/>
+          </a:fillRef>
+          <a:effectRef idx="1">
+            <a:schemeClr val="accent2"/>
+          </a:effectRef>
+          <a:fontRef idx="minor">
+            <a:schemeClr val="dk1"/>
+          </a:fontRef>
+        </p:style>
+        <p:txBody>
+          <a:bodyPr rtlCol="0" anchor="ctr"/>
+          <a:lstStyle/>
+          <a:p>
+            <a:pPr algn="ctr"/>
+            <a:r>
+              <a:rPr lang="en-US" sz="1050" dirty="0">
+                <a:solidFill>
+                  <a:schemeClr val="bg1"/>
+                </a:solidFill>
+              </a:rPr>
+              <a:t>&lt;&lt;interface&gt;&gt;</a:t>
+            </a:r>
+          </a:p>
+          <a:p>
+            <a:pPr algn="ctr"/>
+            <a:r>
+              <a:rPr lang="en-US" sz="1050" dirty="0">
+                <a:solidFill>
+                  <a:schemeClr val="bg1"/>
+                </a:solidFill>
+              </a:rPr>
+              <a:t>Model</a:t>
+            </a:r>
+            <a:endParaRPr lang="en-SG" sz="1050" dirty="0">
+              <a:solidFill>
+                <a:schemeClr val="bg1"/>
+              </a:solidFill>
+            </a:endParaRPr>
+          </a:p>
+        </p:txBody>
+      </p:sp>
+      <p:sp>
+        <p:nvSpPr>
+          <p:cNvPr id="120" name="Isosceles Triangle 102"/>
+          <p:cNvSpPr/>
+          <p:nvPr/>
+        </p:nvSpPr>
+        <p:spPr>
+          <a:xfrm rot="16200000">
+            <a:off x="1167329" y="2912329"/>
+            <a:ext cx="270504" cy="175523"/>
+          </a:xfrm>
+          <a:prstGeom prst="triangle">
+            <a:avLst/>
+          </a:prstGeom>
+          <a:solidFill>
+            <a:srgbClr val="7030A0"/>
+          </a:solidFill>
+          <a:ln w="19050">
+            <a:solidFill>
+              <a:srgbClr val="7030A0"/>
+            </a:solidFill>
+          </a:ln>
+          <a:effectLst/>
+        </p:spPr>
+        <p:style>
+          <a:lnRef idx="1">
+            <a:schemeClr val="accent6"/>
+          </a:lnRef>
+          <a:fillRef idx="2">
+            <a:schemeClr val="accent6"/>
+          </a:fillRef>
+          <a:effectRef idx="1">
+            <a:schemeClr val="accent6"/>
+          </a:effectRef>
+          <a:fontRef idx="minor">
+            <a:schemeClr val="dk1"/>
+          </a:fontRef>
+        </p:style>
+        <p:txBody>
+          <a:bodyPr rtlCol="0" anchor="ctr"/>
+          <a:lstStyle/>
+          <a:p>
+            <a:pPr algn="ctr"/>
+            <a:endParaRPr lang="en-SG" sz="1050"/>
+          </a:p>
+        </p:txBody>
+      </p:sp>
+      <p:cxnSp>
+        <p:nvCxnSpPr>
+          <p:cNvPr id="58" name="Straight Arrow Connector 57"/>
+          <p:cNvCxnSpPr>
+            <a:cxnSpLocks/>
+          </p:cNvCxnSpPr>
+          <p:nvPr/>
+        </p:nvCxnSpPr>
+        <p:spPr>
+          <a:xfrm>
+            <a:off x="2226883" y="2294376"/>
+            <a:ext cx="220810" cy="5284"/>
+          </a:xfrm>
+          <a:prstGeom prst="straightConnector1">
+            <a:avLst/>
+          </a:prstGeom>
+          <a:ln w="19050">
+            <a:solidFill>
+              <a:srgbClr val="7030A0"/>
+            </a:solidFill>
+            <a:headEnd type="none" w="med" len="med"/>
+            <a:tailEnd type="arrow" w="med" len="med"/>
+          </a:ln>
+          <a:effectLst/>
+        </p:spPr>
+        <p:style>
+          <a:lnRef idx="1">
+            <a:schemeClr val="accent2"/>
+          </a:lnRef>
+          <a:fillRef idx="2">
+            <a:schemeClr val="accent2"/>
+          </a:fillRef>
+          <a:effectRef idx="1">
+            <a:schemeClr val="accent2"/>
+          </a:effectRef>
+          <a:fontRef idx="minor">
+            <a:schemeClr val="dk1"/>
+          </a:fontRef>
+        </p:style>
+      </p:cxnSp>
+      <p:cxnSp>
+        <p:nvCxnSpPr>
+          <p:cNvPr id="75" name="Elbow Connector 122"/>
+          <p:cNvCxnSpPr/>
+          <p:nvPr/>
+        </p:nvCxnSpPr>
+        <p:spPr>
+          <a:xfrm>
+            <a:off x="458513" y="2970443"/>
+            <a:ext cx="419548" cy="2860"/>
+          </a:xfrm>
+          <a:prstGeom prst="bentConnector3">
+            <a:avLst>
+              <a:gd name="adj1" fmla="val 50000"/>
+            </a:avLst>
+          </a:prstGeom>
+          <a:ln w="19050">
+            <a:solidFill>
+              <a:schemeClr val="bg1">
+                <a:lumMod val="75000"/>
+              </a:schemeClr>
+            </a:solidFill>
+            <a:prstDash val="sysDot"/>
+            <a:headEnd type="none" w="med" len="med"/>
+            <a:tailEnd type="arrow" w="med" len="med"/>
+          </a:ln>
+          <a:effectLst/>
+        </p:spPr>
+        <p:style>
+          <a:lnRef idx="1">
+            <a:schemeClr val="accent2"/>
+          </a:lnRef>
+          <a:fillRef idx="2">
+            <a:schemeClr val="accent2"/>
+          </a:fillRef>
+          <a:effectRef idx="1">
+            <a:schemeClr val="accent2"/>
+          </a:effectRef>
+          <a:fontRef idx="minor">
+            <a:schemeClr val="dk1"/>
+          </a:fontRef>
+        </p:style>
+      </p:cxnSp>
+      <p:cxnSp>
+        <p:nvCxnSpPr>
+          <p:cNvPr id="21" name="Straight Connector 20"/>
+          <p:cNvCxnSpPr>
+            <a:cxnSpLocks/>
+          </p:cNvCxnSpPr>
+          <p:nvPr/>
+        </p:nvCxnSpPr>
+        <p:spPr>
+          <a:xfrm flipV="1">
+            <a:off x="1415107" y="3000091"/>
+            <a:ext cx="216105" cy="1"/>
+          </a:xfrm>
+          <a:prstGeom prst="line">
+            <a:avLst/>
+          </a:prstGeom>
+          <a:ln w="19050">
+            <a:solidFill>
+              <a:srgbClr val="7030A0"/>
+            </a:solidFill>
+            <a:prstDash val="sysDot"/>
+            <a:headEnd type="none" w="med" len="med"/>
+            <a:tailEnd type="none" w="med" len="med"/>
+          </a:ln>
+          <a:effectLst/>
+        </p:spPr>
+        <p:style>
+          <a:lnRef idx="1">
+            <a:schemeClr val="accent2"/>
+          </a:lnRef>
+          <a:fillRef idx="2">
+            <a:schemeClr val="accent2"/>
+          </a:fillRef>
+          <a:effectRef idx="1">
+            <a:schemeClr val="accent2"/>
+          </a:effectRef>
+          <a:fontRef idx="minor">
+            <a:schemeClr val="dk1"/>
+          </a:fontRef>
+        </p:style>
+      </p:cxnSp>
+      <p:sp>
+        <p:nvSpPr>
+          <p:cNvPr id="42" name="Flowchart: Decision 96"/>
+          <p:cNvSpPr/>
+          <p:nvPr/>
+        </p:nvSpPr>
+        <p:spPr>
+          <a:xfrm>
+            <a:off x="1971726" y="2201345"/>
+            <a:ext cx="236048" cy="173380"/>
+          </a:xfrm>
+          <a:prstGeom prst="flowChartDecision">
+            <a:avLst/>
+          </a:prstGeom>
+          <a:noFill/>
+          <a:ln w="19050">
+            <a:solidFill>
+              <a:srgbClr val="7030A0"/>
+            </a:solidFill>
+          </a:ln>
+          <a:effectLst/>
+        </p:spPr>
+        <p:style>
+          <a:lnRef idx="1">
+            <a:schemeClr val="accent6"/>
+          </a:lnRef>
+          <a:fillRef idx="2">
+            <a:schemeClr val="accent6"/>
+          </a:fillRef>
+          <a:effectRef idx="1">
+            <a:schemeClr val="accent6"/>
+          </a:effectRef>
+          <a:fontRef idx="minor">
+            <a:schemeClr val="dk1"/>
+          </a:fontRef>
+        </p:style>
+        <p:txBody>
+          <a:bodyPr rtlCol="0" anchor="ctr"/>
+          <a:lstStyle/>
+          <a:p>
+            <a:pPr algn="ctr"/>
+            <a:endParaRPr lang="en-US" sz="1050"/>
+          </a:p>
+        </p:txBody>
+      </p:sp>
+      <p:sp>
+        <p:nvSpPr>
+          <p:cNvPr id="46" name="Rectangle 8"/>
+          <p:cNvSpPr/>
+          <p:nvPr/>
+        </p:nvSpPr>
+        <p:spPr>
+          <a:xfrm>
+            <a:off x="2440348" y="1632198"/>
+            <a:ext cx="1093635" cy="346760"/>
+          </a:xfrm>
+          <a:prstGeom prst="rect">
+            <a:avLst/>
+          </a:prstGeom>
+          <a:ln w="19050">
+            <a:solidFill>
+              <a:srgbClr val="7030A0"/>
+            </a:solidFill>
+          </a:ln>
+          <a:effectLst/>
+        </p:spPr>
+        <p:style>
+          <a:lnRef idx="1">
+            <a:schemeClr val="accent4"/>
+          </a:lnRef>
+          <a:fillRef idx="2">
+            <a:schemeClr val="accent4"/>
+          </a:fillRef>
+          <a:effectRef idx="1">
+            <a:schemeClr val="accent4"/>
+          </a:effectRef>
+          <a:fontRef idx="minor">
+            <a:schemeClr val="dk1"/>
+          </a:fontRef>
+        </p:style>
+        <p:txBody>
+          <a:bodyPr rtlCol="0" anchor="ctr"/>
+          <a:lstStyle/>
+          <a:p>
+            <a:pPr algn="ctr"/>
+            <a:r>
+              <a:rPr lang="en-US" sz="1050" dirty="0">
+                <a:solidFill>
+                  <a:srgbClr val="7030A0"/>
+                </a:solidFill>
+              </a:rPr>
+              <a:t>AddressBook</a:t>
+            </a:r>
+            <a:endParaRPr lang="en-SG" sz="1050" dirty="0">
+              <a:solidFill>
+                <a:srgbClr val="7030A0"/>
+              </a:solidFill>
+            </a:endParaRPr>
+          </a:p>
+        </p:txBody>
+      </p:sp>
+      <p:cxnSp>
+        <p:nvCxnSpPr>
+          <p:cNvPr id="47" name="Straight Arrow Connector 46"/>
+          <p:cNvCxnSpPr>
+            <a:stCxn id="48" idx="3"/>
+            <a:endCxn id="46" idx="1"/>
+          </p:cNvCxnSpPr>
+          <p:nvPr/>
+        </p:nvCxnSpPr>
+        <p:spPr>
+          <a:xfrm>
+            <a:off x="2219538" y="1800294"/>
+            <a:ext cx="220810" cy="5284"/>
+          </a:xfrm>
+          <a:prstGeom prst="straightConnector1">
+            <a:avLst/>
+          </a:prstGeom>
+          <a:ln w="19050">
+            <a:solidFill>
+              <a:srgbClr val="7030A0"/>
+            </a:solidFill>
+            <a:headEnd type="none" w="med" len="med"/>
+            <a:tailEnd type="arrow" w="med" len="med"/>
+          </a:ln>
+          <a:effectLst/>
+        </p:spPr>
+        <p:style>
+          <a:lnRef idx="1">
+            <a:schemeClr val="accent2"/>
+          </a:lnRef>
+          <a:fillRef idx="2">
+            <a:schemeClr val="accent2"/>
+          </a:fillRef>
+          <a:effectRef idx="1">
+            <a:schemeClr val="accent2"/>
+          </a:effectRef>
+          <a:fontRef idx="minor">
+            <a:schemeClr val="dk1"/>
+          </a:fontRef>
+        </p:style>
+      </p:cxnSp>
+      <p:sp>
+        <p:nvSpPr>
+          <p:cNvPr id="48" name="Flowchart: Decision 96"/>
+          <p:cNvSpPr/>
+          <p:nvPr/>
+        </p:nvSpPr>
+        <p:spPr>
+          <a:xfrm>
+            <a:off x="1983490" y="1713604"/>
+            <a:ext cx="236048" cy="173380"/>
+          </a:xfrm>
+          <a:prstGeom prst="flowChartDecision">
+            <a:avLst/>
+          </a:prstGeom>
+          <a:noFill/>
+          <a:ln w="19050">
+            <a:solidFill>
+              <a:srgbClr val="7030A0"/>
+            </a:solidFill>
+          </a:ln>
+          <a:effectLst/>
+        </p:spPr>
+        <p:style>
+          <a:lnRef idx="1">
+            <a:schemeClr val="accent6"/>
+          </a:lnRef>
+          <a:fillRef idx="2">
+            <a:schemeClr val="accent6"/>
+          </a:fillRef>
+          <a:effectRef idx="1">
+            <a:schemeClr val="accent6"/>
+          </a:effectRef>
+          <a:fontRef idx="minor">
+            <a:schemeClr val="dk1"/>
+          </a:fontRef>
+        </p:style>
+        <p:txBody>
+          <a:bodyPr rtlCol="0" anchor="ctr"/>
+          <a:lstStyle/>
+          <a:p>
+            <a:pPr algn="ctr"/>
+            <a:endParaRPr lang="en-US" sz="1050"/>
+          </a:p>
+        </p:txBody>
+      </p:sp>
+      <p:sp>
+        <p:nvSpPr>
+          <p:cNvPr id="49" name="Rectangle 8"/>
+          <p:cNvSpPr/>
+          <p:nvPr/>
+        </p:nvSpPr>
+        <p:spPr>
+          <a:xfrm>
+            <a:off x="4047875" y="1852149"/>
+            <a:ext cx="1156969" cy="346760"/>
+          </a:xfrm>
+          <a:prstGeom prst="rect">
+            <a:avLst/>
+          </a:prstGeom>
+          <a:ln w="19050">
+            <a:solidFill>
+              <a:srgbClr val="7030A0"/>
+            </a:solidFill>
+          </a:ln>
+          <a:effectLst/>
+        </p:spPr>
+        <p:style>
+          <a:lnRef idx="1">
+            <a:schemeClr val="accent4"/>
+          </a:lnRef>
+          <a:fillRef idx="2">
+            <a:schemeClr val="accent4"/>
+          </a:fillRef>
+          <a:effectRef idx="1">
+            <a:schemeClr val="accent4"/>
+          </a:effectRef>
+          <a:fontRef idx="minor">
+            <a:schemeClr val="dk1"/>
+          </a:fontRef>
+        </p:style>
+        <p:txBody>
+          <a:bodyPr rtlCol="0" anchor="ctr"/>
+          <a:lstStyle/>
+          <a:p>
+            <a:pPr algn="ctr"/>
+            <a:r>
+              <a:rPr lang="en-US" sz="1050" dirty="0">
+                <a:solidFill>
+                  <a:srgbClr val="7030A0"/>
+                </a:solidFill>
+              </a:rPr>
+              <a:t>UniquePersonList</a:t>
+            </a:r>
+            <a:endParaRPr lang="en-SG" sz="1050" dirty="0">
+              <a:solidFill>
+                <a:srgbClr val="7030A0"/>
+              </a:solidFill>
+            </a:endParaRPr>
+          </a:p>
+        </p:txBody>
+      </p:sp>
+      <p:sp>
+        <p:nvSpPr>
+          <p:cNvPr id="51" name="Flowchart: Decision 96"/>
+          <p:cNvSpPr/>
+          <p:nvPr/>
+        </p:nvSpPr>
+        <p:spPr>
+          <a:xfrm>
+            <a:off x="3545161" y="1678769"/>
+            <a:ext cx="236048" cy="173380"/>
+          </a:xfrm>
+          <a:prstGeom prst="flowChartDecision">
+            <a:avLst/>
+          </a:prstGeom>
+          <a:solidFill>
+            <a:srgbClr val="7030A0"/>
+          </a:solidFill>
+          <a:ln w="19050">
+            <a:solidFill>
+              <a:srgbClr val="7030A0"/>
+            </a:solidFill>
+          </a:ln>
+          <a:effectLst/>
+        </p:spPr>
+        <p:style>
+          <a:lnRef idx="1">
+            <a:schemeClr val="accent6"/>
+          </a:lnRef>
+          <a:fillRef idx="2">
+            <a:schemeClr val="accent6"/>
+          </a:fillRef>
+          <a:effectRef idx="1">
+            <a:schemeClr val="accent6"/>
+          </a:effectRef>
+          <a:fontRef idx="minor">
+            <a:schemeClr val="dk1"/>
+          </a:fontRef>
+        </p:style>
+        <p:txBody>
+          <a:bodyPr rtlCol="0" anchor="ctr"/>
+          <a:lstStyle/>
+          <a:p>
+            <a:pPr algn="ctr"/>
+            <a:endParaRPr lang="en-US" sz="1050"/>
+          </a:p>
+        </p:txBody>
+      </p:sp>
+      <p:cxnSp>
+        <p:nvCxnSpPr>
+          <p:cNvPr id="30" name="Elbow Connector 29"/>
+          <p:cNvCxnSpPr>
+            <a:stCxn id="51" idx="3"/>
+            <a:endCxn id="49" idx="1"/>
+          </p:cNvCxnSpPr>
+          <p:nvPr/>
+        </p:nvCxnSpPr>
+        <p:spPr>
+          <a:xfrm>
+            <a:off x="3781209" y="1765459"/>
+            <a:ext cx="266666" cy="260070"/>
+          </a:xfrm>
+          <a:prstGeom prst="bentConnector3">
+            <a:avLst/>
+          </a:prstGeom>
+          <a:ln w="19050">
+            <a:solidFill>
+              <a:srgbClr val="7030A0"/>
+            </a:solidFill>
+            <a:headEnd type="none" w="med" len="med"/>
+            <a:tailEnd type="arrow" w="med" len="med"/>
+          </a:ln>
+          <a:effectLst/>
+        </p:spPr>
+        <p:style>
+          <a:lnRef idx="1">
+            <a:schemeClr val="accent2"/>
+          </a:lnRef>
+          <a:fillRef idx="2">
+            <a:schemeClr val="accent2"/>
+          </a:fillRef>
+          <a:effectRef idx="1">
+            <a:schemeClr val="accent2"/>
+          </a:effectRef>
+          <a:fontRef idx="minor">
+            <a:schemeClr val="dk1"/>
+          </a:fontRef>
+        </p:style>
+      </p:cxnSp>
+      <p:sp>
+        <p:nvSpPr>
+          <p:cNvPr id="57" name="Rectangle 8"/>
+          <p:cNvSpPr/>
+          <p:nvPr/>
+        </p:nvSpPr>
+        <p:spPr>
+          <a:xfrm>
+            <a:off x="4038186" y="1285347"/>
+            <a:ext cx="1156969" cy="346760"/>
+          </a:xfrm>
+          <a:prstGeom prst="rect">
+            <a:avLst/>
+          </a:prstGeom>
+          <a:ln w="19050">
+            <a:solidFill>
+              <a:srgbClr val="7030A0"/>
+            </a:solidFill>
+          </a:ln>
+          <a:effectLst/>
+        </p:spPr>
+        <p:style>
+          <a:lnRef idx="1">
+            <a:schemeClr val="accent4"/>
+          </a:lnRef>
+          <a:fillRef idx="2">
+            <a:schemeClr val="accent4"/>
+          </a:fillRef>
+          <a:effectRef idx="1">
+            <a:schemeClr val="accent4"/>
+          </a:effectRef>
+          <a:fontRef idx="minor">
+            <a:schemeClr val="dk1"/>
+          </a:fontRef>
+        </p:style>
+        <p:txBody>
+          <a:bodyPr rtlCol="0" anchor="ctr"/>
+          <a:lstStyle/>
+          <a:p>
+            <a:pPr algn="ctr"/>
+            <a:r>
+              <a:rPr lang="en-US" sz="1050" dirty="0">
+                <a:solidFill>
+                  <a:srgbClr val="7030A0"/>
+                </a:solidFill>
+              </a:rPr>
+              <a:t>UniqueTagList</a:t>
+            </a:r>
+            <a:endParaRPr lang="en-SG" sz="1050" dirty="0">
+              <a:solidFill>
+                <a:srgbClr val="7030A0"/>
+              </a:solidFill>
+            </a:endParaRPr>
+          </a:p>
+        </p:txBody>
+      </p:sp>
+      <p:cxnSp>
+        <p:nvCxnSpPr>
+          <p:cNvPr id="59" name="Elbow Connector 58"/>
+          <p:cNvCxnSpPr>
+            <a:stCxn id="51" idx="3"/>
+            <a:endCxn id="57" idx="1"/>
+          </p:cNvCxnSpPr>
+          <p:nvPr/>
+        </p:nvCxnSpPr>
+        <p:spPr>
+          <a:xfrm flipV="1">
+            <a:off x="3781209" y="1458727"/>
+            <a:ext cx="256977" cy="306732"/>
+          </a:xfrm>
+          <a:prstGeom prst="bentConnector3">
+            <a:avLst>
+              <a:gd name="adj1" fmla="val 50000"/>
+            </a:avLst>
+          </a:prstGeom>
+          <a:ln w="19050">
+            <a:solidFill>
+              <a:srgbClr val="7030A0"/>
+            </a:solidFill>
+            <a:headEnd type="none" w="med" len="med"/>
+            <a:tailEnd type="arrow" w="med" len="med"/>
+          </a:ln>
+          <a:effectLst/>
+        </p:spPr>
+        <p:style>
+          <a:lnRef idx="1">
+            <a:schemeClr val="accent2"/>
+          </a:lnRef>
+          <a:fillRef idx="2">
+            <a:schemeClr val="accent2"/>
+          </a:fillRef>
+          <a:effectRef idx="1">
+            <a:schemeClr val="accent2"/>
+          </a:effectRef>
+          <a:fontRef idx="minor">
+            <a:schemeClr val="dk1"/>
+          </a:fontRef>
+        </p:style>
+      </p:cxnSp>
+      <p:sp>
+        <p:nvSpPr>
+          <p:cNvPr id="62" name="Rectangle 8"/>
+          <p:cNvSpPr/>
+          <p:nvPr/>
+        </p:nvSpPr>
+        <p:spPr>
+          <a:xfrm>
+            <a:off x="5874535" y="1862844"/>
+            <a:ext cx="708186" cy="346760"/>
+          </a:xfrm>
+          <a:prstGeom prst="rect">
+            <a:avLst/>
+          </a:prstGeom>
+          <a:ln w="19050">
+            <a:solidFill>
+              <a:srgbClr val="7030A0"/>
+            </a:solidFill>
+          </a:ln>
+          <a:effectLst/>
+        </p:spPr>
+        <p:style>
+          <a:lnRef idx="1">
+            <a:schemeClr val="accent4"/>
+          </a:lnRef>
+          <a:fillRef idx="2">
+            <a:schemeClr val="accent4"/>
+          </a:fillRef>
+          <a:effectRef idx="1">
+            <a:schemeClr val="accent4"/>
+          </a:effectRef>
+          <a:fontRef idx="minor">
+            <a:schemeClr val="dk1"/>
+          </a:fontRef>
+        </p:style>
+        <p:txBody>
+          <a:bodyPr rtlCol="0" anchor="ctr"/>
+          <a:lstStyle/>
+          <a:p>
+            <a:pPr algn="ctr"/>
+            <a:r>
+              <a:rPr lang="en-US" sz="1050" dirty="0">
+                <a:solidFill>
+                  <a:srgbClr val="7030A0"/>
+                </a:solidFill>
+              </a:rPr>
+              <a:t>Person</a:t>
+            </a:r>
+            <a:endParaRPr lang="en-SG" sz="1050" dirty="0">
+              <a:solidFill>
+                <a:srgbClr val="7030A0"/>
+              </a:solidFill>
+            </a:endParaRPr>
+          </a:p>
+        </p:txBody>
+      </p:sp>
+      <p:sp>
+        <p:nvSpPr>
+          <p:cNvPr id="63" name="Flowchart: Decision 96"/>
+          <p:cNvSpPr/>
+          <p:nvPr/>
+        </p:nvSpPr>
+        <p:spPr>
+          <a:xfrm>
+            <a:off x="5204085" y="1900378"/>
+            <a:ext cx="236048" cy="173380"/>
+          </a:xfrm>
+          <a:prstGeom prst="flowChartDecision">
+            <a:avLst/>
+          </a:prstGeom>
+          <a:noFill/>
+          <a:ln w="19050">
+            <a:solidFill>
+              <a:srgbClr val="7030A0"/>
+            </a:solidFill>
+          </a:ln>
+          <a:effectLst/>
+        </p:spPr>
+        <p:style>
+          <a:lnRef idx="1">
+            <a:schemeClr val="accent6"/>
+          </a:lnRef>
+          <a:fillRef idx="2">
+            <a:schemeClr val="accent6"/>
+          </a:fillRef>
+          <a:effectRef idx="1">
+            <a:schemeClr val="accent6"/>
+          </a:effectRef>
+          <a:fontRef idx="minor">
+            <a:schemeClr val="dk1"/>
+          </a:fontRef>
+        </p:style>
+        <p:txBody>
+          <a:bodyPr rtlCol="0" anchor="ctr"/>
+          <a:lstStyle/>
+          <a:p>
+            <a:pPr algn="ctr"/>
+            <a:endParaRPr lang="en-US" sz="1050"/>
+          </a:p>
+        </p:txBody>
+      </p:sp>
+      <p:cxnSp>
+        <p:nvCxnSpPr>
+          <p:cNvPr id="64" name="Elbow Connector 63"/>
+          <p:cNvCxnSpPr>
+            <a:stCxn id="63" idx="3"/>
+          </p:cNvCxnSpPr>
+          <p:nvPr/>
+        </p:nvCxnSpPr>
+        <p:spPr>
+          <a:xfrm>
+            <a:off x="5440133" y="1987068"/>
+            <a:ext cx="434402" cy="777"/>
+          </a:xfrm>
+          <a:prstGeom prst="bentConnector3">
+            <a:avLst/>
+          </a:prstGeom>
+          <a:ln w="19050">
+            <a:solidFill>
+              <a:srgbClr val="7030A0"/>
+            </a:solidFill>
+            <a:headEnd type="none" w="med" len="med"/>
+            <a:tailEnd type="arrow" w="med" len="med"/>
+          </a:ln>
+          <a:effectLst/>
+        </p:spPr>
+        <p:style>
+          <a:lnRef idx="1">
+            <a:schemeClr val="accent2"/>
+          </a:lnRef>
+          <a:fillRef idx="2">
+            <a:schemeClr val="accent2"/>
+          </a:fillRef>
+          <a:effectRef idx="1">
+            <a:schemeClr val="accent2"/>
+          </a:effectRef>
+          <a:fontRef idx="minor">
+            <a:schemeClr val="dk1"/>
+          </a:fontRef>
+        </p:style>
+      </p:cxnSp>
+      <p:sp>
+        <p:nvSpPr>
+          <p:cNvPr id="67" name="Rectangle 8"/>
+          <p:cNvSpPr/>
+          <p:nvPr/>
+        </p:nvSpPr>
+        <p:spPr>
+          <a:xfrm>
+            <a:off x="4896963" y="814110"/>
+            <a:ext cx="483700" cy="346760"/>
+          </a:xfrm>
+          <a:prstGeom prst="rect">
+            <a:avLst/>
+          </a:prstGeom>
+          <a:ln w="19050">
+            <a:solidFill>
+              <a:srgbClr val="7030A0"/>
+            </a:solidFill>
+          </a:ln>
+          <a:effectLst/>
+        </p:spPr>
+        <p:style>
+          <a:lnRef idx="1">
+            <a:schemeClr val="accent4"/>
+          </a:lnRef>
+          <a:fillRef idx="2">
+            <a:schemeClr val="accent4"/>
+          </a:fillRef>
+          <a:effectRef idx="1">
+            <a:schemeClr val="accent4"/>
+          </a:effectRef>
+          <a:fontRef idx="minor">
+            <a:schemeClr val="dk1"/>
+          </a:fontRef>
+        </p:style>
+        <p:txBody>
+          <a:bodyPr rtlCol="0" anchor="ctr"/>
+          <a:lstStyle/>
+          <a:p>
+            <a:pPr algn="ctr"/>
+            <a:r>
+              <a:rPr lang="en-US" sz="1050" dirty="0">
+                <a:solidFill>
+                  <a:srgbClr val="7030A0"/>
+                </a:solidFill>
+              </a:rPr>
+              <a:t>Tag</a:t>
+            </a:r>
+            <a:endParaRPr lang="en-SG" sz="1050" dirty="0">
+              <a:solidFill>
+                <a:srgbClr val="7030A0"/>
+              </a:solidFill>
+            </a:endParaRPr>
+          </a:p>
+        </p:txBody>
+      </p:sp>
+      <p:sp>
+        <p:nvSpPr>
+          <p:cNvPr id="68" name="Flowchart: Decision 96"/>
+          <p:cNvSpPr/>
+          <p:nvPr/>
+        </p:nvSpPr>
+        <p:spPr>
+          <a:xfrm rot="16200000">
+            <a:off x="4482524" y="1071318"/>
+            <a:ext cx="236048" cy="173380"/>
+          </a:xfrm>
+          <a:prstGeom prst="flowChartDecision">
+            <a:avLst/>
+          </a:prstGeom>
+          <a:noFill/>
+          <a:ln w="19050">
+            <a:solidFill>
+              <a:srgbClr val="7030A0"/>
+            </a:solidFill>
+          </a:ln>
+          <a:effectLst/>
+        </p:spPr>
+        <p:style>
+          <a:lnRef idx="1">
+            <a:schemeClr val="accent6"/>
+          </a:lnRef>
+          <a:fillRef idx="2">
+            <a:schemeClr val="accent6"/>
+          </a:fillRef>
+          <a:effectRef idx="1">
+            <a:schemeClr val="accent6"/>
+          </a:effectRef>
+          <a:fontRef idx="minor">
+            <a:schemeClr val="dk1"/>
+          </a:fontRef>
+        </p:style>
+        <p:txBody>
+          <a:bodyPr rtlCol="0" anchor="ctr"/>
+          <a:lstStyle/>
+          <a:p>
+            <a:pPr algn="ctr"/>
+            <a:endParaRPr lang="en-US" sz="1050"/>
+          </a:p>
+        </p:txBody>
+      </p:sp>
+      <p:cxnSp>
+        <p:nvCxnSpPr>
+          <p:cNvPr id="69" name="Elbow Connector 68"/>
+          <p:cNvCxnSpPr>
+            <a:stCxn id="68" idx="3"/>
+            <a:endCxn id="67" idx="1"/>
+          </p:cNvCxnSpPr>
+          <p:nvPr/>
+        </p:nvCxnSpPr>
+        <p:spPr>
+          <a:xfrm rot="5400000" flipH="1" flipV="1">
+            <a:off x="4722508" y="865530"/>
+            <a:ext cx="52494" cy="296415"/>
+          </a:xfrm>
+          <a:prstGeom prst="bentConnector2">
+            <a:avLst/>
+          </a:prstGeom>
+          <a:ln w="19050">
+            <a:solidFill>
+              <a:srgbClr val="7030A0"/>
+            </a:solidFill>
+            <a:headEnd type="none" w="med" len="med"/>
+            <a:tailEnd type="arrow" w="med" len="med"/>
+          </a:ln>
+          <a:effectLst/>
+        </p:spPr>
+        <p:style>
+          <a:lnRef idx="1">
+            <a:schemeClr val="accent2"/>
+          </a:lnRef>
+          <a:fillRef idx="2">
+            <a:schemeClr val="accent2"/>
+          </a:fillRef>
+          <a:effectRef idx="1">
+            <a:schemeClr val="accent2"/>
+          </a:effectRef>
+          <a:fontRef idx="minor">
+            <a:schemeClr val="dk1"/>
+          </a:fontRef>
+        </p:style>
+      </p:cxnSp>
+      <p:sp>
+        <p:nvSpPr>
+          <p:cNvPr id="76" name="Rectangle 8"/>
+          <p:cNvSpPr/>
+          <p:nvPr/>
+        </p:nvSpPr>
+        <p:spPr>
+          <a:xfrm>
+            <a:off x="7273255" y="985978"/>
+            <a:ext cx="708186" cy="285783"/>
+          </a:xfrm>
+          <a:prstGeom prst="rect">
+            <a:avLst/>
+          </a:prstGeom>
+          <a:ln w="19050">
+            <a:solidFill>
+              <a:srgbClr val="7030A0"/>
+            </a:solidFill>
+          </a:ln>
+          <a:effectLst/>
+        </p:spPr>
+        <p:style>
+          <a:lnRef idx="1">
+            <a:schemeClr val="accent4"/>
+          </a:lnRef>
+          <a:fillRef idx="2">
+            <a:schemeClr val="accent4"/>
+          </a:fillRef>
+          <a:effectRef idx="1">
+            <a:schemeClr val="accent4"/>
+          </a:effectRef>
+          <a:fontRef idx="minor">
+            <a:schemeClr val="dk1"/>
+          </a:fontRef>
+        </p:style>
+        <p:txBody>
+          <a:bodyPr rtlCol="0" anchor="ctr"/>
+          <a:lstStyle/>
+          <a:p>
+            <a:pPr algn="ctr"/>
+            <a:r>
+              <a:rPr lang="en-US" sz="1050" dirty="0">
+                <a:solidFill>
+                  <a:srgbClr val="7030A0"/>
+                </a:solidFill>
+              </a:rPr>
+              <a:t>Name</a:t>
+            </a:r>
+            <a:endParaRPr lang="en-SG" sz="1050" dirty="0">
+              <a:solidFill>
+                <a:srgbClr val="7030A0"/>
+              </a:solidFill>
+            </a:endParaRPr>
+          </a:p>
+        </p:txBody>
+      </p:sp>
+      <p:sp>
+        <p:nvSpPr>
+          <p:cNvPr id="78" name="Flowchart: Decision 96"/>
+          <p:cNvSpPr/>
+          <p:nvPr/>
+        </p:nvSpPr>
+        <p:spPr>
+          <a:xfrm>
+            <a:off x="6602805" y="1917463"/>
+            <a:ext cx="236048" cy="173380"/>
+          </a:xfrm>
+          <a:prstGeom prst="flowChartDecision">
+            <a:avLst/>
+          </a:prstGeom>
+          <a:solidFill>
+            <a:srgbClr val="7030A0"/>
+          </a:solidFill>
+          <a:ln w="19050">
+            <a:solidFill>
+              <a:srgbClr val="7030A0"/>
+            </a:solidFill>
+          </a:ln>
+          <a:effectLst/>
+        </p:spPr>
+        <p:style>
+          <a:lnRef idx="1">
+            <a:schemeClr val="accent6"/>
+          </a:lnRef>
+          <a:fillRef idx="2">
+            <a:schemeClr val="accent6"/>
+          </a:fillRef>
+          <a:effectRef idx="1">
+            <a:schemeClr val="accent6"/>
+          </a:effectRef>
+          <a:fontRef idx="minor">
+            <a:schemeClr val="dk1"/>
+          </a:fontRef>
+        </p:style>
+        <p:txBody>
+          <a:bodyPr rtlCol="0" anchor="ctr"/>
+          <a:lstStyle/>
+          <a:p>
+            <a:pPr algn="ctr"/>
+            <a:endParaRPr lang="en-US" sz="1050"/>
+          </a:p>
+        </p:txBody>
+      </p:sp>
+      <p:cxnSp>
+        <p:nvCxnSpPr>
+          <p:cNvPr id="79" name="Elbow Connector 78"/>
+          <p:cNvCxnSpPr>
+            <a:stCxn id="78" idx="3"/>
+            <a:endCxn id="76" idx="1"/>
+          </p:cNvCxnSpPr>
+          <p:nvPr/>
+        </p:nvCxnSpPr>
+        <p:spPr>
+          <a:xfrm flipV="1">
+            <a:off x="6838853" y="1128870"/>
+            <a:ext cx="434402" cy="875283"/>
+          </a:xfrm>
+          <a:prstGeom prst="bentConnector3">
+            <a:avLst>
+              <a:gd name="adj1" fmla="val 50000"/>
+            </a:avLst>
+          </a:prstGeom>
+          <a:ln w="19050">
+            <a:solidFill>
+              <a:srgbClr val="7030A0"/>
+            </a:solidFill>
+            <a:headEnd type="none" w="med" len="med"/>
+            <a:tailEnd type="arrow" w="med" len="med"/>
+          </a:ln>
+          <a:effectLst/>
+        </p:spPr>
+        <p:style>
+          <a:lnRef idx="1">
+            <a:schemeClr val="accent2"/>
+          </a:lnRef>
+          <a:fillRef idx="2">
+            <a:schemeClr val="accent2"/>
+          </a:fillRef>
+          <a:effectRef idx="1">
+            <a:schemeClr val="accent2"/>
+          </a:effectRef>
+          <a:fontRef idx="minor">
+            <a:schemeClr val="dk1"/>
+          </a:fontRef>
+        </p:style>
+      </p:cxnSp>
+      <p:sp>
+        <p:nvSpPr>
+          <p:cNvPr id="80" name="Rectangle 8"/>
+          <p:cNvSpPr/>
+          <p:nvPr/>
+        </p:nvSpPr>
+        <p:spPr>
+          <a:xfrm>
+            <a:off x="7273255" y="1308956"/>
+            <a:ext cx="708186" cy="285783"/>
+          </a:xfrm>
+          <a:prstGeom prst="rect">
+            <a:avLst/>
+          </a:prstGeom>
+          <a:ln w="19050">
+            <a:solidFill>
+              <a:srgbClr val="7030A0"/>
+            </a:solidFill>
+          </a:ln>
+          <a:effectLst/>
+        </p:spPr>
+        <p:style>
+          <a:lnRef idx="1">
+            <a:schemeClr val="accent4"/>
+          </a:lnRef>
+          <a:fillRef idx="2">
+            <a:schemeClr val="accent4"/>
+          </a:fillRef>
+          <a:effectRef idx="1">
+            <a:schemeClr val="accent4"/>
+          </a:effectRef>
+          <a:fontRef idx="minor">
+            <a:schemeClr val="dk1"/>
+          </a:fontRef>
+        </p:style>
+        <p:txBody>
+          <a:bodyPr rtlCol="0" anchor="ctr"/>
+          <a:lstStyle/>
+          <a:p>
+            <a:pPr algn="ctr"/>
+            <a:r>
+              <a:rPr lang="en-US" sz="1050" dirty="0">
+                <a:solidFill>
+                  <a:srgbClr val="7030A0"/>
+                </a:solidFill>
+              </a:rPr>
+              <a:t>Phone</a:t>
+            </a:r>
+            <a:endParaRPr lang="en-SG" sz="1050" dirty="0">
+              <a:solidFill>
+                <a:srgbClr val="7030A0"/>
+              </a:solidFill>
+            </a:endParaRPr>
+          </a:p>
+        </p:txBody>
+      </p:sp>
+      <p:cxnSp>
+        <p:nvCxnSpPr>
+          <p:cNvPr id="81" name="Elbow Connector 80"/>
+          <p:cNvCxnSpPr>
+            <a:stCxn id="78" idx="3"/>
+            <a:endCxn id="80" idx="1"/>
+          </p:cNvCxnSpPr>
+          <p:nvPr/>
+        </p:nvCxnSpPr>
+        <p:spPr>
+          <a:xfrm flipV="1">
+            <a:off x="6838853" y="1451848"/>
+            <a:ext cx="434402" cy="552305"/>
+          </a:xfrm>
+          <a:prstGeom prst="bentConnector3">
+            <a:avLst>
+              <a:gd name="adj1" fmla="val 50000"/>
+            </a:avLst>
+          </a:prstGeom>
+          <a:ln w="19050">
+            <a:solidFill>
+              <a:srgbClr val="7030A0"/>
+            </a:solidFill>
+            <a:headEnd type="none" w="med" len="med"/>
+            <a:tailEnd type="arrow" w="med" len="med"/>
+          </a:ln>
+          <a:effectLst/>
+        </p:spPr>
+        <p:style>
+          <a:lnRef idx="1">
+            <a:schemeClr val="accent2"/>
+          </a:lnRef>
+          <a:fillRef idx="2">
+            <a:schemeClr val="accent2"/>
+          </a:fillRef>
+          <a:effectRef idx="1">
+            <a:schemeClr val="accent2"/>
+          </a:effectRef>
+          <a:fontRef idx="minor">
+            <a:schemeClr val="dk1"/>
+          </a:fontRef>
+        </p:style>
+      </p:cxnSp>
+      <p:sp>
+        <p:nvSpPr>
+          <p:cNvPr id="83" name="Rectangle 8"/>
+          <p:cNvSpPr/>
+          <p:nvPr/>
+        </p:nvSpPr>
+        <p:spPr>
+          <a:xfrm>
+            <a:off x="7273255" y="1631934"/>
+            <a:ext cx="708186" cy="285783"/>
+          </a:xfrm>
+          <a:prstGeom prst="rect">
+            <a:avLst/>
+          </a:prstGeom>
+          <a:ln w="19050">
+            <a:solidFill>
+              <a:srgbClr val="7030A0"/>
+            </a:solidFill>
+          </a:ln>
+          <a:effectLst/>
+        </p:spPr>
+        <p:style>
+          <a:lnRef idx="1">
+            <a:schemeClr val="accent4"/>
+          </a:lnRef>
+          <a:fillRef idx="2">
+            <a:schemeClr val="accent4"/>
+          </a:fillRef>
+          <a:effectRef idx="1">
+            <a:schemeClr val="accent4"/>
+          </a:effectRef>
+          <a:fontRef idx="minor">
+            <a:schemeClr val="dk1"/>
+          </a:fontRef>
+        </p:style>
+        <p:txBody>
+          <a:bodyPr rtlCol="0" anchor="ctr"/>
+          <a:lstStyle/>
+          <a:p>
+            <a:pPr algn="ctr"/>
+            <a:r>
+              <a:rPr lang="en-US" sz="1050" dirty="0">
+                <a:solidFill>
+                  <a:srgbClr val="7030A0"/>
+                </a:solidFill>
+              </a:rPr>
+              <a:t>Email</a:t>
+            </a:r>
+            <a:endParaRPr lang="en-SG" sz="1050" dirty="0">
+              <a:solidFill>
+                <a:srgbClr val="7030A0"/>
+              </a:solidFill>
+            </a:endParaRPr>
+          </a:p>
+        </p:txBody>
+      </p:sp>
+      <p:cxnSp>
+        <p:nvCxnSpPr>
+          <p:cNvPr id="84" name="Elbow Connector 83"/>
+          <p:cNvCxnSpPr>
+            <a:stCxn id="78" idx="3"/>
+            <a:endCxn id="83" idx="1"/>
+          </p:cNvCxnSpPr>
+          <p:nvPr/>
+        </p:nvCxnSpPr>
+        <p:spPr>
+          <a:xfrm flipV="1">
+            <a:off x="6838853" y="1774826"/>
+            <a:ext cx="434402" cy="229327"/>
+          </a:xfrm>
+          <a:prstGeom prst="bentConnector3">
+            <a:avLst>
+              <a:gd name="adj1" fmla="val 50000"/>
+            </a:avLst>
+          </a:prstGeom>
+          <a:ln w="19050">
+            <a:solidFill>
+              <a:srgbClr val="7030A0"/>
+            </a:solidFill>
+            <a:headEnd type="none" w="med" len="med"/>
+            <a:tailEnd type="arrow" w="med" len="med"/>
+          </a:ln>
+          <a:effectLst/>
+        </p:spPr>
+        <p:style>
+          <a:lnRef idx="1">
+            <a:schemeClr val="accent2"/>
+          </a:lnRef>
+          <a:fillRef idx="2">
+            <a:schemeClr val="accent2"/>
+          </a:fillRef>
+          <a:effectRef idx="1">
+            <a:schemeClr val="accent2"/>
+          </a:effectRef>
+          <a:fontRef idx="minor">
+            <a:schemeClr val="dk1"/>
+          </a:fontRef>
+        </p:style>
+      </p:cxnSp>
+      <p:sp>
+        <p:nvSpPr>
+          <p:cNvPr id="85" name="Rectangle 8"/>
+          <p:cNvSpPr/>
+          <p:nvPr/>
+        </p:nvSpPr>
+        <p:spPr>
+          <a:xfrm>
+            <a:off x="7273255" y="1954911"/>
+            <a:ext cx="708186" cy="285783"/>
+          </a:xfrm>
+          <a:prstGeom prst="rect">
+            <a:avLst/>
+          </a:prstGeom>
+          <a:ln w="19050">
+            <a:solidFill>
+              <a:srgbClr val="7030A0"/>
+            </a:solidFill>
+          </a:ln>
+          <a:effectLst/>
+        </p:spPr>
+        <p:style>
+          <a:lnRef idx="1">
+            <a:schemeClr val="accent4"/>
+          </a:lnRef>
+          <a:fillRef idx="2">
+            <a:schemeClr val="accent4"/>
+          </a:fillRef>
+          <a:effectRef idx="1">
+            <a:schemeClr val="accent4"/>
+          </a:effectRef>
+          <a:fontRef idx="minor">
+            <a:schemeClr val="dk1"/>
+          </a:fontRef>
+        </p:style>
+        <p:txBody>
+          <a:bodyPr rtlCol="0" anchor="ctr"/>
+          <a:lstStyle/>
+          <a:p>
+            <a:pPr algn="ctr"/>
+            <a:r>
+              <a:rPr lang="en-US" sz="1050" dirty="0">
+                <a:solidFill>
+                  <a:srgbClr val="7030A0"/>
+                </a:solidFill>
+              </a:rPr>
+              <a:t>Address</a:t>
+            </a:r>
+            <a:endParaRPr lang="en-SG" sz="1050" dirty="0">
+              <a:solidFill>
+                <a:srgbClr val="7030A0"/>
+              </a:solidFill>
+            </a:endParaRPr>
+          </a:p>
+        </p:txBody>
+      </p:sp>
+      <p:cxnSp>
+        <p:nvCxnSpPr>
+          <p:cNvPr id="86" name="Elbow Connector 85"/>
+          <p:cNvCxnSpPr>
+            <a:stCxn id="78" idx="3"/>
+            <a:endCxn id="85" idx="1"/>
+          </p:cNvCxnSpPr>
+          <p:nvPr/>
+        </p:nvCxnSpPr>
+        <p:spPr>
+          <a:xfrm>
+            <a:off x="6838853" y="2004153"/>
+            <a:ext cx="434402" cy="93650"/>
+          </a:xfrm>
+          <a:prstGeom prst="bentConnector3">
+            <a:avLst>
+              <a:gd name="adj1" fmla="val 50000"/>
+            </a:avLst>
+          </a:prstGeom>
+          <a:ln w="19050">
+            <a:solidFill>
+              <a:srgbClr val="7030A0"/>
+            </a:solidFill>
+            <a:headEnd type="none" w="med" len="med"/>
+            <a:tailEnd type="arrow" w="med" len="med"/>
+          </a:ln>
+          <a:effectLst/>
+        </p:spPr>
+        <p:style>
+          <a:lnRef idx="1">
+            <a:schemeClr val="accent2"/>
+          </a:lnRef>
+          <a:fillRef idx="2">
+            <a:schemeClr val="accent2"/>
+          </a:fillRef>
+          <a:effectRef idx="1">
+            <a:schemeClr val="accent2"/>
+          </a:effectRef>
+          <a:fontRef idx="minor">
+            <a:schemeClr val="dk1"/>
+          </a:fontRef>
+        </p:style>
+      </p:cxnSp>
+      <p:cxnSp>
+        <p:nvCxnSpPr>
+          <p:cNvPr id="97" name="Elbow Connector 63"/>
+          <p:cNvCxnSpPr>
+            <a:stCxn id="99" idx="3"/>
+          </p:cNvCxnSpPr>
+          <p:nvPr/>
+        </p:nvCxnSpPr>
+        <p:spPr>
+          <a:xfrm rot="16200000" flipH="1">
+            <a:off x="2840179" y="1490209"/>
+            <a:ext cx="293825" cy="1"/>
+          </a:xfrm>
+          <a:prstGeom prst="bentConnector3">
+            <a:avLst>
+              <a:gd name="adj1" fmla="val 50000"/>
+            </a:avLst>
+          </a:prstGeom>
+          <a:ln w="19050">
+            <a:solidFill>
+              <a:srgbClr val="7030A0"/>
+            </a:solidFill>
+            <a:prstDash val="sysDot"/>
+            <a:headEnd type="none" w="med" len="med"/>
+            <a:tailEnd type="none" w="med" len="med"/>
+          </a:ln>
+          <a:effectLst/>
+        </p:spPr>
+        <p:style>
+          <a:lnRef idx="1">
+            <a:schemeClr val="accent2"/>
+          </a:lnRef>
+          <a:fillRef idx="2">
+            <a:schemeClr val="accent2"/>
+          </a:fillRef>
+          <a:effectRef idx="1">
+            <a:schemeClr val="accent2"/>
+          </a:effectRef>
+          <a:fontRef idx="minor">
+            <a:schemeClr val="dk1"/>
+          </a:fontRef>
+        </p:style>
+      </p:cxnSp>
+      <p:sp>
+        <p:nvSpPr>
+          <p:cNvPr id="99" name="Isosceles Triangle 102"/>
+          <p:cNvSpPr/>
+          <p:nvPr/>
+        </p:nvSpPr>
+        <p:spPr>
+          <a:xfrm rot="10800000" flipV="1">
+            <a:off x="2851839" y="1167775"/>
+            <a:ext cx="270504" cy="175523"/>
+          </a:xfrm>
+          <a:prstGeom prst="triangle">
+            <a:avLst/>
+          </a:prstGeom>
+          <a:ln w="19050">
+            <a:solidFill>
+              <a:srgbClr val="7030A0"/>
+            </a:solidFill>
+          </a:ln>
+          <a:effectLst/>
+        </p:spPr>
+        <p:style>
+          <a:lnRef idx="1">
+            <a:schemeClr val="accent4"/>
+          </a:lnRef>
+          <a:fillRef idx="2">
+            <a:schemeClr val="accent4"/>
+          </a:fillRef>
+          <a:effectRef idx="1">
+            <a:schemeClr val="accent4"/>
+          </a:effectRef>
+          <a:fontRef idx="minor">
+            <a:schemeClr val="dk1"/>
+          </a:fontRef>
+        </p:style>
+        <p:txBody>
+          <a:bodyPr rtlCol="0" anchor="ctr"/>
+          <a:lstStyle/>
+          <a:p>
+            <a:pPr algn="ctr"/>
+            <a:endParaRPr lang="en-SG" sz="1050" b="1">
+              <a:solidFill>
+                <a:srgbClr val="92D050"/>
+              </a:solidFill>
+            </a:endParaRPr>
+          </a:p>
+        </p:txBody>
+      </p:sp>
+      <p:sp>
+        <p:nvSpPr>
+          <p:cNvPr id="100" name="Rectangle 8"/>
+          <p:cNvSpPr/>
+          <p:nvPr/>
+        </p:nvSpPr>
+        <p:spPr>
+          <a:xfrm>
+            <a:off x="2221161" y="811248"/>
+            <a:ext cx="1539926" cy="346760"/>
+          </a:xfrm>
+          <a:prstGeom prst="rect">
+            <a:avLst/>
+          </a:prstGeom>
+          <a:ln w="19050">
+            <a:solidFill>
+              <a:srgbClr val="7030A0"/>
+            </a:solidFill>
+          </a:ln>
+          <a:effectLst/>
+        </p:spPr>
+        <p:style>
+          <a:lnRef idx="1">
+            <a:schemeClr val="accent4"/>
+          </a:lnRef>
+          <a:fillRef idx="2">
+            <a:schemeClr val="accent4"/>
+          </a:fillRef>
+          <a:effectRef idx="1">
+            <a:schemeClr val="accent4"/>
+          </a:effectRef>
+          <a:fontRef idx="minor">
+            <a:schemeClr val="dk1"/>
+          </a:fontRef>
+        </p:style>
+        <p:txBody>
+          <a:bodyPr rtlCol="0" anchor="ctr"/>
+          <a:lstStyle/>
+          <a:p>
+            <a:pPr algn="ctr"/>
+            <a:r>
+              <a:rPr lang="en-US" sz="1050" dirty="0">
+                <a:solidFill>
+                  <a:srgbClr val="7030A0"/>
+                </a:solidFill>
+              </a:rPr>
+              <a:t>&lt;&lt;interface&gt;&gt;</a:t>
+            </a:r>
+            <a:br>
+              <a:rPr lang="en-US" sz="1050" dirty="0">
+                <a:solidFill>
+                  <a:srgbClr val="7030A0"/>
+                </a:solidFill>
+              </a:rPr>
+            </a:br>
+            <a:r>
+              <a:rPr lang="en-US" sz="1050" dirty="0">
+                <a:solidFill>
+                  <a:srgbClr val="7030A0"/>
+                </a:solidFill>
+              </a:rPr>
+              <a:t>ReadOnlyAddressBook</a:t>
+            </a:r>
+            <a:endParaRPr lang="en-SG" sz="1050" dirty="0">
+              <a:solidFill>
+                <a:srgbClr val="7030A0"/>
+              </a:solidFill>
+            </a:endParaRPr>
+          </a:p>
+        </p:txBody>
+      </p:sp>
+      <p:sp>
+        <p:nvSpPr>
+          <p:cNvPr id="114" name="TextBox 113"/>
+          <p:cNvSpPr txBox="1"/>
+          <p:nvPr/>
+        </p:nvSpPr>
+        <p:spPr>
+          <a:xfrm rot="16200000">
+            <a:off x="5952201" y="4834882"/>
+            <a:ext cx="804818" cy="261610"/>
+          </a:xfrm>
+          <a:prstGeom prst="rect">
+            <a:avLst/>
+          </a:prstGeom>
+          <a:noFill/>
+        </p:spPr>
+        <p:txBody>
+          <a:bodyPr wrap="square" rtlCol="0">
+            <a:spAutoFit/>
+          </a:bodyPr>
+          <a:lstStyle/>
+          <a:p>
+            <a:pPr algn="r"/>
+            <a:r>
+              <a:rPr lang="en-US" sz="1100" dirty="0">
+                <a:solidFill>
+                  <a:srgbClr val="7030A0"/>
+                </a:solidFill>
+              </a:rPr>
+              <a:t>filtered list</a:t>
+            </a:r>
+            <a:endParaRPr lang="en-SG" sz="1100" dirty="0">
+              <a:solidFill>
+                <a:srgbClr val="7030A0"/>
+              </a:solidFill>
+            </a:endParaRPr>
+          </a:p>
+        </p:txBody>
+      </p:sp>
+      <p:sp>
+        <p:nvSpPr>
+          <p:cNvPr id="122" name="Rectangle 8"/>
+          <p:cNvSpPr/>
+          <p:nvPr/>
+        </p:nvSpPr>
+        <p:spPr>
+          <a:xfrm>
+            <a:off x="1598928" y="5885513"/>
+            <a:ext cx="1066800" cy="346760"/>
+          </a:xfrm>
+          <a:prstGeom prst="rect">
+            <a:avLst/>
+          </a:prstGeom>
+          <a:ln w="19050">
+            <a:solidFill>
+              <a:srgbClr val="7030A0"/>
+            </a:solidFill>
+          </a:ln>
+          <a:effectLst/>
+        </p:spPr>
+        <p:style>
+          <a:lnRef idx="1">
+            <a:schemeClr val="accent4"/>
+          </a:lnRef>
+          <a:fillRef idx="2">
+            <a:schemeClr val="accent4"/>
+          </a:fillRef>
+          <a:effectRef idx="1">
+            <a:schemeClr val="accent4"/>
+          </a:effectRef>
+          <a:fontRef idx="minor">
+            <a:schemeClr val="dk1"/>
+          </a:fontRef>
+        </p:style>
+        <p:txBody>
+          <a:bodyPr rtlCol="0" anchor="ctr"/>
+          <a:lstStyle/>
+          <a:p>
+            <a:pPr algn="ctr"/>
+            <a:r>
+              <a:rPr lang="en-US" sz="1050" dirty="0">
+                <a:solidFill>
+                  <a:srgbClr val="7030A0"/>
+                </a:solidFill>
+              </a:rPr>
+              <a:t>&lt;&lt;interface&gt;&gt;</a:t>
+            </a:r>
+            <a:br>
+              <a:rPr lang="en-US" sz="1050" dirty="0">
+                <a:solidFill>
+                  <a:srgbClr val="7030A0"/>
+                </a:solidFill>
+              </a:rPr>
+            </a:br>
+            <a:r>
+              <a:rPr lang="en-US" sz="1050" dirty="0">
+                <a:solidFill>
+                  <a:srgbClr val="7030A0"/>
+                </a:solidFill>
+              </a:rPr>
+              <a:t>ObservableList</a:t>
+            </a:r>
+            <a:endParaRPr lang="en-SG" sz="1050" dirty="0">
+              <a:solidFill>
+                <a:srgbClr val="7030A0"/>
+              </a:solidFill>
+            </a:endParaRPr>
+          </a:p>
+        </p:txBody>
+      </p:sp>
+      <p:cxnSp>
+        <p:nvCxnSpPr>
+          <p:cNvPr id="124" name="Elbow Connector 122"/>
+          <p:cNvCxnSpPr>
+            <a:cxnSpLocks/>
+            <a:stCxn id="119" idx="1"/>
+            <a:endCxn id="122" idx="1"/>
+          </p:cNvCxnSpPr>
+          <p:nvPr/>
+        </p:nvCxnSpPr>
+        <p:spPr>
+          <a:xfrm rot="16200000" flipH="1">
+            <a:off x="54369" y="4514334"/>
+            <a:ext cx="2541632" cy="547486"/>
+          </a:xfrm>
+          <a:prstGeom prst="bentConnector2">
+            <a:avLst/>
+          </a:prstGeom>
+          <a:ln w="19050">
+            <a:solidFill>
+              <a:srgbClr val="7030A0"/>
+            </a:solidFill>
+            <a:prstDash val="sysDot"/>
+            <a:headEnd type="none" w="med" len="med"/>
+            <a:tailEnd type="arrow" w="med" len="med"/>
+          </a:ln>
+          <a:effectLst/>
+        </p:spPr>
+        <p:style>
+          <a:lnRef idx="1">
+            <a:schemeClr val="accent2"/>
+          </a:lnRef>
+          <a:fillRef idx="2">
+            <a:schemeClr val="accent2"/>
+          </a:fillRef>
+          <a:effectRef idx="1">
+            <a:schemeClr val="accent2"/>
+          </a:effectRef>
+          <a:fontRef idx="minor">
+            <a:schemeClr val="dk1"/>
+          </a:fontRef>
+        </p:style>
+      </p:cxnSp>
+      <p:cxnSp>
+        <p:nvCxnSpPr>
+          <p:cNvPr id="50" name="Elbow Connector 49"/>
+          <p:cNvCxnSpPr>
+            <a:stCxn id="62" idx="0"/>
+            <a:endCxn id="57" idx="3"/>
+          </p:cNvCxnSpPr>
+          <p:nvPr/>
+        </p:nvCxnSpPr>
+        <p:spPr>
+          <a:xfrm rot="16200000" flipV="1">
+            <a:off x="5443098" y="1210785"/>
+            <a:ext cx="404117" cy="900000"/>
+          </a:xfrm>
+          <a:prstGeom prst="bentConnector2">
+            <a:avLst/>
+          </a:prstGeom>
+          <a:ln w="19050">
+            <a:solidFill>
+              <a:srgbClr val="7030A0"/>
+            </a:solidFill>
+            <a:headEnd type="none" w="med" len="med"/>
+            <a:tailEnd type="arrow" w="med" len="med"/>
+          </a:ln>
+          <a:effectLst/>
+        </p:spPr>
+        <p:style>
+          <a:lnRef idx="1">
+            <a:schemeClr val="accent2"/>
+          </a:lnRef>
+          <a:fillRef idx="2">
+            <a:schemeClr val="accent2"/>
+          </a:fillRef>
+          <a:effectRef idx="1">
+            <a:schemeClr val="accent2"/>
+          </a:effectRef>
+          <a:fontRef idx="minor">
+            <a:schemeClr val="dk1"/>
+          </a:fontRef>
+        </p:style>
+      </p:cxnSp>
+      <p:sp>
+        <p:nvSpPr>
+          <p:cNvPr id="11" name="TextBox 10"/>
+          <p:cNvSpPr txBox="1"/>
+          <p:nvPr/>
+        </p:nvSpPr>
+        <p:spPr>
+          <a:xfrm>
+            <a:off x="3885830" y="1214578"/>
+            <a:ext cx="189257" cy="178683"/>
+          </a:xfrm>
+          <a:prstGeom prst="rect">
+            <a:avLst/>
+          </a:prstGeom>
+          <a:noFill/>
+        </p:spPr>
+        <p:txBody>
+          <a:bodyPr wrap="square" lIns="0" tIns="0" rIns="0" bIns="0" rtlCol="0">
+            <a:noAutofit/>
+          </a:bodyPr>
+          <a:lstStyle/>
+          <a:p>
+            <a:pPr algn="ctr"/>
+            <a:r>
+              <a:rPr lang="en-US" sz="1100" dirty="0">
+                <a:solidFill>
+                  <a:srgbClr val="7030A0"/>
+                </a:solidFill>
+              </a:rPr>
+              <a:t>1</a:t>
+            </a:r>
+            <a:endParaRPr lang="en-SG" sz="1100" dirty="0">
+              <a:solidFill>
+                <a:srgbClr val="7030A0"/>
+              </a:solidFill>
+            </a:endParaRPr>
+          </a:p>
+        </p:txBody>
+      </p:sp>
+      <p:sp>
+        <p:nvSpPr>
+          <p:cNvPr id="54" name="TextBox 53"/>
+          <p:cNvSpPr txBox="1"/>
+          <p:nvPr/>
+        </p:nvSpPr>
+        <p:spPr>
+          <a:xfrm>
+            <a:off x="3885830" y="2063642"/>
+            <a:ext cx="189257" cy="178683"/>
+          </a:xfrm>
+          <a:prstGeom prst="rect">
+            <a:avLst/>
+          </a:prstGeom>
+          <a:noFill/>
+        </p:spPr>
+        <p:txBody>
+          <a:bodyPr wrap="square" lIns="0" tIns="0" rIns="0" bIns="0" rtlCol="0">
+            <a:noAutofit/>
+          </a:bodyPr>
+          <a:lstStyle/>
+          <a:p>
+            <a:pPr algn="ctr"/>
+            <a:r>
+              <a:rPr lang="en-US" sz="1100" dirty="0">
+                <a:solidFill>
+                  <a:srgbClr val="7030A0"/>
+                </a:solidFill>
+              </a:rPr>
+              <a:t>1</a:t>
+            </a:r>
+            <a:endParaRPr lang="en-SG" sz="1100" dirty="0">
+              <a:solidFill>
+                <a:srgbClr val="7030A0"/>
+              </a:solidFill>
+            </a:endParaRPr>
+          </a:p>
+        </p:txBody>
+      </p:sp>
+      <p:sp>
+        <p:nvSpPr>
+          <p:cNvPr id="56" name="TextBox 55"/>
+          <p:cNvSpPr txBox="1"/>
+          <p:nvPr/>
+        </p:nvSpPr>
+        <p:spPr>
+          <a:xfrm>
+            <a:off x="5250619" y="1500191"/>
+            <a:ext cx="189257" cy="178683"/>
+          </a:xfrm>
+          <a:prstGeom prst="rect">
+            <a:avLst/>
+          </a:prstGeom>
+          <a:noFill/>
+        </p:spPr>
+        <p:txBody>
+          <a:bodyPr wrap="square" lIns="0" tIns="0" rIns="0" bIns="0" rtlCol="0">
+            <a:noAutofit/>
+          </a:bodyPr>
+          <a:lstStyle/>
+          <a:p>
+            <a:pPr algn="ctr"/>
+            <a:r>
+              <a:rPr lang="en-US" sz="1100" dirty="0">
+                <a:solidFill>
+                  <a:srgbClr val="7030A0"/>
+                </a:solidFill>
+              </a:rPr>
+              <a:t>1</a:t>
+            </a:r>
+            <a:endParaRPr lang="en-SG" sz="1100" dirty="0">
+              <a:solidFill>
+                <a:srgbClr val="7030A0"/>
+              </a:solidFill>
+            </a:endParaRPr>
+          </a:p>
+        </p:txBody>
+      </p:sp>
+      <p:sp>
+        <p:nvSpPr>
+          <p:cNvPr id="60" name="TextBox 59"/>
+          <p:cNvSpPr txBox="1"/>
+          <p:nvPr/>
+        </p:nvSpPr>
+        <p:spPr>
+          <a:xfrm>
+            <a:off x="4724030" y="807295"/>
+            <a:ext cx="189257" cy="178683"/>
+          </a:xfrm>
+          <a:prstGeom prst="rect">
+            <a:avLst/>
+          </a:prstGeom>
+          <a:noFill/>
+        </p:spPr>
+        <p:txBody>
+          <a:bodyPr wrap="square" lIns="0" tIns="0" rIns="0" bIns="0" rtlCol="0">
+            <a:noAutofit/>
+          </a:bodyPr>
+          <a:lstStyle/>
+          <a:p>
+            <a:pPr algn="ctr"/>
+            <a:r>
+              <a:rPr lang="en-US" sz="1100" dirty="0">
+                <a:solidFill>
+                  <a:srgbClr val="7030A0"/>
+                </a:solidFill>
+              </a:rPr>
+              <a:t>*</a:t>
+            </a:r>
+            <a:endParaRPr lang="en-SG" sz="1100" dirty="0">
+              <a:solidFill>
+                <a:srgbClr val="7030A0"/>
+              </a:solidFill>
+            </a:endParaRPr>
+          </a:p>
+        </p:txBody>
+      </p:sp>
+      <p:sp>
+        <p:nvSpPr>
+          <p:cNvPr id="61" name="TextBox 60"/>
+          <p:cNvSpPr txBox="1"/>
+          <p:nvPr/>
+        </p:nvSpPr>
+        <p:spPr>
+          <a:xfrm>
+            <a:off x="5696114" y="2052778"/>
+            <a:ext cx="189257" cy="178683"/>
+          </a:xfrm>
+          <a:prstGeom prst="rect">
+            <a:avLst/>
+          </a:prstGeom>
+          <a:noFill/>
+        </p:spPr>
+        <p:txBody>
+          <a:bodyPr wrap="square" lIns="0" tIns="0" rIns="0" bIns="0" rtlCol="0">
+            <a:noAutofit/>
+          </a:bodyPr>
+          <a:lstStyle/>
+          <a:p>
+            <a:pPr algn="ctr"/>
+            <a:r>
+              <a:rPr lang="en-US" sz="1100" dirty="0">
+                <a:solidFill>
+                  <a:srgbClr val="7030A0"/>
+                </a:solidFill>
+              </a:rPr>
+              <a:t>*</a:t>
+            </a:r>
+            <a:endParaRPr lang="en-SG" sz="1100" dirty="0">
+              <a:solidFill>
+                <a:srgbClr val="7030A0"/>
+              </a:solidFill>
+            </a:endParaRPr>
+          </a:p>
+        </p:txBody>
+      </p:sp>
+      <p:sp>
+        <p:nvSpPr>
+          <p:cNvPr id="65" name="TextBox 64"/>
+          <p:cNvSpPr txBox="1"/>
+          <p:nvPr/>
+        </p:nvSpPr>
+        <p:spPr>
+          <a:xfrm>
+            <a:off x="2248781" y="1569016"/>
+            <a:ext cx="189257" cy="178683"/>
+          </a:xfrm>
+          <a:prstGeom prst="rect">
+            <a:avLst/>
+          </a:prstGeom>
+          <a:noFill/>
+        </p:spPr>
+        <p:txBody>
+          <a:bodyPr wrap="square" lIns="0" tIns="0" rIns="0" bIns="0" rtlCol="0">
+            <a:noAutofit/>
+          </a:bodyPr>
+          <a:lstStyle/>
+          <a:p>
+            <a:pPr algn="ctr"/>
+            <a:r>
+              <a:rPr lang="en-US" sz="1100" dirty="0">
+                <a:solidFill>
+                  <a:srgbClr val="7030A0"/>
+                </a:solidFill>
+              </a:rPr>
+              <a:t>1</a:t>
+            </a:r>
+            <a:endParaRPr lang="en-SG" sz="1100" dirty="0">
+              <a:solidFill>
+                <a:srgbClr val="7030A0"/>
+              </a:solidFill>
+            </a:endParaRPr>
+          </a:p>
+        </p:txBody>
+      </p:sp>
+      <p:sp>
+        <p:nvSpPr>
+          <p:cNvPr id="66" name="TextBox 65"/>
+          <p:cNvSpPr txBox="1"/>
+          <p:nvPr/>
+        </p:nvSpPr>
+        <p:spPr>
+          <a:xfrm>
+            <a:off x="2227858" y="2102695"/>
+            <a:ext cx="189257" cy="178683"/>
+          </a:xfrm>
+          <a:prstGeom prst="rect">
+            <a:avLst/>
+          </a:prstGeom>
+          <a:noFill/>
+        </p:spPr>
+        <p:txBody>
+          <a:bodyPr wrap="square" lIns="0" tIns="0" rIns="0" bIns="0" rtlCol="0">
+            <a:noAutofit/>
+          </a:bodyPr>
+          <a:lstStyle/>
+          <a:p>
+            <a:pPr algn="ctr"/>
+            <a:r>
+              <a:rPr lang="en-US" sz="1100" dirty="0">
+                <a:solidFill>
+                  <a:srgbClr val="7030A0"/>
+                </a:solidFill>
+              </a:rPr>
+              <a:t>1</a:t>
+            </a:r>
+            <a:endParaRPr lang="en-SG" sz="1100" dirty="0">
+              <a:solidFill>
+                <a:srgbClr val="7030A0"/>
+              </a:solidFill>
+            </a:endParaRPr>
+          </a:p>
+        </p:txBody>
+      </p:sp>
+      <p:sp>
+        <p:nvSpPr>
+          <p:cNvPr id="70" name="TextBox 69"/>
+          <p:cNvSpPr txBox="1"/>
+          <p:nvPr/>
+        </p:nvSpPr>
+        <p:spPr>
+          <a:xfrm>
+            <a:off x="6382001" y="1671778"/>
+            <a:ext cx="189257" cy="178683"/>
+          </a:xfrm>
+          <a:prstGeom prst="rect">
+            <a:avLst/>
+          </a:prstGeom>
+          <a:noFill/>
+        </p:spPr>
+        <p:txBody>
+          <a:bodyPr wrap="square" lIns="0" tIns="0" rIns="0" bIns="0" rtlCol="0">
+            <a:noAutofit/>
+          </a:bodyPr>
+          <a:lstStyle/>
+          <a:p>
+            <a:pPr algn="ctr"/>
+            <a:r>
+              <a:rPr lang="en-US" sz="1100" dirty="0">
+                <a:solidFill>
+                  <a:srgbClr val="7030A0"/>
+                </a:solidFill>
+              </a:rPr>
+              <a:t>1</a:t>
+            </a:r>
+            <a:endParaRPr lang="en-SG" sz="1100" dirty="0">
+              <a:solidFill>
+                <a:srgbClr val="7030A0"/>
+              </a:solidFill>
+            </a:endParaRPr>
+          </a:p>
+        </p:txBody>
+      </p:sp>
+      <p:sp>
+        <p:nvSpPr>
+          <p:cNvPr id="127" name="Rectangle 8"/>
+          <p:cNvSpPr/>
+          <p:nvPr/>
+        </p:nvSpPr>
+        <p:spPr>
+          <a:xfrm>
+            <a:off x="5875815" y="3954536"/>
+            <a:ext cx="685800" cy="346760"/>
+          </a:xfrm>
+          <a:prstGeom prst="rect">
+            <a:avLst/>
+          </a:prstGeom>
+          <a:ln w="19050">
+            <a:solidFill>
+              <a:srgbClr val="7030A0"/>
+            </a:solidFill>
+          </a:ln>
+          <a:effectLst/>
+        </p:spPr>
+        <p:style>
+          <a:lnRef idx="1">
+            <a:schemeClr val="accent4"/>
+          </a:lnRef>
+          <a:fillRef idx="2">
+            <a:schemeClr val="accent4"/>
+          </a:fillRef>
+          <a:effectRef idx="1">
+            <a:schemeClr val="accent4"/>
+          </a:effectRef>
+          <a:fontRef idx="minor">
+            <a:schemeClr val="dk1"/>
+          </a:fontRef>
+        </p:style>
+        <p:txBody>
+          <a:bodyPr rtlCol="0" anchor="ctr"/>
+          <a:lstStyle/>
+          <a:p>
+            <a:pPr algn="ctr"/>
+            <a:r>
+              <a:rPr lang="en-US" sz="1050" dirty="0">
+                <a:solidFill>
+                  <a:srgbClr val="7030A0"/>
+                </a:solidFill>
+              </a:rPr>
+              <a:t>Task</a:t>
+            </a:r>
+            <a:endParaRPr lang="en-SG" sz="1050" dirty="0">
+              <a:solidFill>
+                <a:srgbClr val="7030A0"/>
+              </a:solidFill>
+            </a:endParaRPr>
+          </a:p>
+        </p:txBody>
+      </p:sp>
+      <p:sp>
+        <p:nvSpPr>
+          <p:cNvPr id="142" name="Rectangle 8"/>
+          <p:cNvSpPr/>
+          <p:nvPr/>
+        </p:nvSpPr>
+        <p:spPr>
+          <a:xfrm>
+            <a:off x="7232065" y="3920296"/>
+            <a:ext cx="1082150" cy="285783"/>
+          </a:xfrm>
+          <a:prstGeom prst="rect">
+            <a:avLst/>
+          </a:prstGeom>
+          <a:ln w="19050">
+            <a:solidFill>
+              <a:srgbClr val="7030A0"/>
+            </a:solidFill>
+          </a:ln>
+          <a:effectLst/>
+        </p:spPr>
+        <p:style>
+          <a:lnRef idx="1">
+            <a:schemeClr val="accent4"/>
+          </a:lnRef>
+          <a:fillRef idx="2">
+            <a:schemeClr val="accent4"/>
+          </a:fillRef>
+          <a:effectRef idx="1">
+            <a:schemeClr val="accent4"/>
+          </a:effectRef>
+          <a:fontRef idx="minor">
+            <a:schemeClr val="dk1"/>
+          </a:fontRef>
+        </p:style>
+        <p:txBody>
+          <a:bodyPr rtlCol="0" anchor="ctr"/>
+          <a:lstStyle/>
+          <a:p>
+            <a:pPr algn="ctr"/>
+            <a:r>
+              <a:rPr lang="en-US" sz="1050" dirty="0">
+                <a:solidFill>
+                  <a:srgbClr val="7030A0"/>
+                </a:solidFill>
+              </a:rPr>
+              <a:t>TaskName</a:t>
+            </a:r>
+            <a:endParaRPr lang="en-SG" sz="1050" dirty="0">
+              <a:solidFill>
+                <a:srgbClr val="7030A0"/>
+              </a:solidFill>
+            </a:endParaRPr>
+          </a:p>
+        </p:txBody>
+      </p:sp>
+      <p:sp>
+        <p:nvSpPr>
+          <p:cNvPr id="143" name="Flowchart: Decision 96"/>
+          <p:cNvSpPr/>
+          <p:nvPr/>
+        </p:nvSpPr>
+        <p:spPr>
+          <a:xfrm>
+            <a:off x="6561615" y="4072696"/>
+            <a:ext cx="236048" cy="173380"/>
+          </a:xfrm>
+          <a:prstGeom prst="flowChartDecision">
+            <a:avLst/>
+          </a:prstGeom>
+          <a:solidFill>
+            <a:srgbClr val="7030A0"/>
+          </a:solidFill>
+          <a:ln w="19050">
+            <a:solidFill>
+              <a:srgbClr val="7030A0"/>
+            </a:solidFill>
+          </a:ln>
+          <a:effectLst/>
+        </p:spPr>
+        <p:style>
+          <a:lnRef idx="1">
+            <a:schemeClr val="accent6"/>
+          </a:lnRef>
+          <a:fillRef idx="2">
+            <a:schemeClr val="accent6"/>
+          </a:fillRef>
+          <a:effectRef idx="1">
+            <a:schemeClr val="accent6"/>
+          </a:effectRef>
+          <a:fontRef idx="minor">
+            <a:schemeClr val="dk1"/>
+          </a:fontRef>
+        </p:style>
+        <p:txBody>
+          <a:bodyPr rtlCol="0" anchor="ctr"/>
+          <a:lstStyle/>
+          <a:p>
+            <a:pPr algn="ctr"/>
+            <a:endParaRPr lang="en-US" sz="1050"/>
+          </a:p>
+        </p:txBody>
+      </p:sp>
+      <p:cxnSp>
+        <p:nvCxnSpPr>
+          <p:cNvPr id="144" name="Elbow Connector 143"/>
+          <p:cNvCxnSpPr>
+            <a:stCxn id="143" idx="3"/>
+            <a:endCxn id="142" idx="1"/>
+          </p:cNvCxnSpPr>
+          <p:nvPr/>
+        </p:nvCxnSpPr>
+        <p:spPr>
+          <a:xfrm flipV="1">
+            <a:off x="6797663" y="4063188"/>
+            <a:ext cx="434402" cy="96198"/>
+          </a:xfrm>
+          <a:prstGeom prst="bentConnector3">
+            <a:avLst>
+              <a:gd name="adj1" fmla="val 50000"/>
+            </a:avLst>
+          </a:prstGeom>
+          <a:ln w="19050">
+            <a:solidFill>
+              <a:srgbClr val="7030A0"/>
+            </a:solidFill>
+            <a:headEnd type="none" w="med" len="med"/>
+            <a:tailEnd type="arrow" w="med" len="med"/>
+          </a:ln>
+          <a:effectLst/>
+        </p:spPr>
+        <p:style>
+          <a:lnRef idx="1">
+            <a:schemeClr val="accent2"/>
+          </a:lnRef>
+          <a:fillRef idx="2">
+            <a:schemeClr val="accent2"/>
+          </a:fillRef>
+          <a:effectRef idx="1">
+            <a:schemeClr val="accent2"/>
+          </a:effectRef>
+          <a:fontRef idx="minor">
+            <a:schemeClr val="dk1"/>
+          </a:fontRef>
+        </p:style>
+      </p:cxnSp>
+      <p:sp>
+        <p:nvSpPr>
+          <p:cNvPr id="145" name="Rectangle 8"/>
+          <p:cNvSpPr/>
+          <p:nvPr/>
+        </p:nvSpPr>
+        <p:spPr>
+          <a:xfrm>
+            <a:off x="7232065" y="4243274"/>
+            <a:ext cx="1082150" cy="285783"/>
+          </a:xfrm>
+          <a:prstGeom prst="rect">
+            <a:avLst/>
+          </a:prstGeom>
+          <a:ln w="19050">
+            <a:solidFill>
+              <a:srgbClr val="7030A0"/>
+            </a:solidFill>
+          </a:ln>
+          <a:effectLst/>
+        </p:spPr>
+        <p:style>
+          <a:lnRef idx="1">
+            <a:schemeClr val="accent4"/>
+          </a:lnRef>
+          <a:fillRef idx="2">
+            <a:schemeClr val="accent4"/>
+          </a:fillRef>
+          <a:effectRef idx="1">
+            <a:schemeClr val="accent4"/>
+          </a:effectRef>
+          <a:fontRef idx="minor">
+            <a:schemeClr val="dk1"/>
+          </a:fontRef>
+        </p:style>
+        <p:txBody>
+          <a:bodyPr rtlCol="0" anchor="ctr"/>
+          <a:lstStyle/>
+          <a:p>
+            <a:pPr algn="ctr"/>
+            <a:r>
+              <a:rPr lang="en-US" sz="1050" dirty="0">
+                <a:solidFill>
+                  <a:srgbClr val="7030A0"/>
+                </a:solidFill>
+              </a:rPr>
+              <a:t>TaskPriority</a:t>
+            </a:r>
+            <a:endParaRPr lang="en-SG" sz="1050" dirty="0">
+              <a:solidFill>
+                <a:srgbClr val="7030A0"/>
+              </a:solidFill>
+            </a:endParaRPr>
+          </a:p>
+        </p:txBody>
+      </p:sp>
+      <p:cxnSp>
+        <p:nvCxnSpPr>
+          <p:cNvPr id="146" name="Elbow Connector 145"/>
+          <p:cNvCxnSpPr>
+            <a:stCxn id="143" idx="3"/>
+            <a:endCxn id="145" idx="1"/>
+          </p:cNvCxnSpPr>
+          <p:nvPr/>
+        </p:nvCxnSpPr>
+        <p:spPr>
+          <a:xfrm>
+            <a:off x="6797663" y="4159386"/>
+            <a:ext cx="434402" cy="226780"/>
+          </a:xfrm>
+          <a:prstGeom prst="bentConnector3">
+            <a:avLst>
+              <a:gd name="adj1" fmla="val 50000"/>
+            </a:avLst>
+          </a:prstGeom>
+          <a:ln w="19050">
+            <a:solidFill>
+              <a:srgbClr val="7030A0"/>
+            </a:solidFill>
+            <a:headEnd type="none" w="med" len="med"/>
+            <a:tailEnd type="arrow" w="med" len="med"/>
+          </a:ln>
+          <a:effectLst/>
+        </p:spPr>
+        <p:style>
+          <a:lnRef idx="1">
+            <a:schemeClr val="accent2"/>
+          </a:lnRef>
+          <a:fillRef idx="2">
+            <a:schemeClr val="accent2"/>
+          </a:fillRef>
+          <a:effectRef idx="1">
+            <a:schemeClr val="accent2"/>
+          </a:effectRef>
+          <a:fontRef idx="minor">
+            <a:schemeClr val="dk1"/>
+          </a:fontRef>
+        </p:style>
+      </p:cxnSp>
+      <p:sp>
+        <p:nvSpPr>
+          <p:cNvPr id="147" name="Rectangle 8"/>
+          <p:cNvSpPr/>
+          <p:nvPr/>
+        </p:nvSpPr>
+        <p:spPr>
+          <a:xfrm>
+            <a:off x="7232065" y="4566252"/>
+            <a:ext cx="1082150" cy="285783"/>
+          </a:xfrm>
+          <a:prstGeom prst="rect">
+            <a:avLst/>
+          </a:prstGeom>
+          <a:ln w="19050">
+            <a:solidFill>
+              <a:srgbClr val="7030A0"/>
+            </a:solidFill>
+          </a:ln>
+          <a:effectLst/>
+        </p:spPr>
+        <p:style>
+          <a:lnRef idx="1">
+            <a:schemeClr val="accent4"/>
+          </a:lnRef>
+          <a:fillRef idx="2">
+            <a:schemeClr val="accent4"/>
+          </a:fillRef>
+          <a:effectRef idx="1">
+            <a:schemeClr val="accent4"/>
+          </a:effectRef>
+          <a:fontRef idx="minor">
+            <a:schemeClr val="dk1"/>
+          </a:fontRef>
+        </p:style>
+        <p:txBody>
+          <a:bodyPr rtlCol="0" anchor="ctr"/>
+          <a:lstStyle/>
+          <a:p>
+            <a:pPr algn="ctr"/>
+            <a:r>
+              <a:rPr lang="en-US" sz="1050" dirty="0">
+                <a:solidFill>
+                  <a:srgbClr val="7030A0"/>
+                </a:solidFill>
+              </a:rPr>
+              <a:t>TaskDescription</a:t>
+            </a:r>
+            <a:endParaRPr lang="en-SG" sz="1050" dirty="0">
+              <a:solidFill>
+                <a:srgbClr val="7030A0"/>
+              </a:solidFill>
+            </a:endParaRPr>
+          </a:p>
+        </p:txBody>
+      </p:sp>
+      <p:cxnSp>
+        <p:nvCxnSpPr>
+          <p:cNvPr id="148" name="Elbow Connector 147"/>
+          <p:cNvCxnSpPr>
+            <a:stCxn id="143" idx="3"/>
+            <a:endCxn id="147" idx="1"/>
+          </p:cNvCxnSpPr>
+          <p:nvPr/>
+        </p:nvCxnSpPr>
+        <p:spPr>
+          <a:xfrm>
+            <a:off x="6797663" y="4159386"/>
+            <a:ext cx="434402" cy="549758"/>
+          </a:xfrm>
+          <a:prstGeom prst="bentConnector3">
+            <a:avLst>
+              <a:gd name="adj1" fmla="val 50000"/>
+            </a:avLst>
+          </a:prstGeom>
+          <a:ln w="19050">
+            <a:solidFill>
+              <a:srgbClr val="7030A0"/>
+            </a:solidFill>
+            <a:headEnd type="none" w="med" len="med"/>
+            <a:tailEnd type="arrow" w="med" len="med"/>
+          </a:ln>
+          <a:effectLst/>
+        </p:spPr>
+        <p:style>
+          <a:lnRef idx="1">
+            <a:schemeClr val="accent2"/>
+          </a:lnRef>
+          <a:fillRef idx="2">
+            <a:schemeClr val="accent2"/>
+          </a:fillRef>
+          <a:effectRef idx="1">
+            <a:schemeClr val="accent2"/>
+          </a:effectRef>
+          <a:fontRef idx="minor">
+            <a:schemeClr val="dk1"/>
+          </a:fontRef>
+        </p:style>
+      </p:cxnSp>
+      <p:sp>
+        <p:nvSpPr>
+          <p:cNvPr id="149" name="Rectangle 8"/>
+          <p:cNvSpPr/>
+          <p:nvPr/>
+        </p:nvSpPr>
+        <p:spPr>
+          <a:xfrm>
+            <a:off x="7232065" y="4889229"/>
+            <a:ext cx="1082150" cy="285783"/>
+          </a:xfrm>
+          <a:prstGeom prst="rect">
+            <a:avLst/>
+          </a:prstGeom>
+          <a:ln w="19050">
+            <a:solidFill>
+              <a:srgbClr val="7030A0"/>
+            </a:solidFill>
+          </a:ln>
+          <a:effectLst/>
+        </p:spPr>
+        <p:style>
+          <a:lnRef idx="1">
+            <a:schemeClr val="accent4"/>
+          </a:lnRef>
+          <a:fillRef idx="2">
+            <a:schemeClr val="accent4"/>
+          </a:fillRef>
+          <a:effectRef idx="1">
+            <a:schemeClr val="accent4"/>
+          </a:effectRef>
+          <a:fontRef idx="minor">
+            <a:schemeClr val="dk1"/>
+          </a:fontRef>
+        </p:style>
+        <p:txBody>
+          <a:bodyPr rtlCol="0" anchor="ctr"/>
+          <a:lstStyle/>
+          <a:p>
+            <a:pPr algn="ctr"/>
+            <a:r>
+              <a:rPr lang="en-US" sz="1050" dirty="0">
+                <a:solidFill>
+                  <a:srgbClr val="7030A0"/>
+                </a:solidFill>
+              </a:rPr>
+              <a:t>TaskDueDate</a:t>
+            </a:r>
+            <a:endParaRPr lang="en-SG" sz="1050" dirty="0">
+              <a:solidFill>
+                <a:srgbClr val="7030A0"/>
+              </a:solidFill>
+            </a:endParaRPr>
+          </a:p>
+        </p:txBody>
+      </p:sp>
+      <p:cxnSp>
+        <p:nvCxnSpPr>
+          <p:cNvPr id="150" name="Elbow Connector 149"/>
+          <p:cNvCxnSpPr>
+            <a:stCxn id="143" idx="3"/>
+            <a:endCxn id="149" idx="1"/>
+          </p:cNvCxnSpPr>
+          <p:nvPr/>
+        </p:nvCxnSpPr>
+        <p:spPr>
+          <a:xfrm>
+            <a:off x="6797663" y="4159386"/>
+            <a:ext cx="434402" cy="872735"/>
+          </a:xfrm>
+          <a:prstGeom prst="bentConnector3">
+            <a:avLst>
+              <a:gd name="adj1" fmla="val 50000"/>
+            </a:avLst>
+          </a:prstGeom>
+          <a:ln w="19050">
+            <a:solidFill>
+              <a:srgbClr val="7030A0"/>
+            </a:solidFill>
+            <a:headEnd type="none" w="med" len="med"/>
+            <a:tailEnd type="arrow" w="med" len="med"/>
+          </a:ln>
+          <a:effectLst/>
+        </p:spPr>
+        <p:style>
+          <a:lnRef idx="1">
+            <a:schemeClr val="accent2"/>
+          </a:lnRef>
+          <a:fillRef idx="2">
+            <a:schemeClr val="accent2"/>
+          </a:fillRef>
+          <a:effectRef idx="1">
+            <a:schemeClr val="accent2"/>
+          </a:effectRef>
+          <a:fontRef idx="minor">
+            <a:schemeClr val="dk1"/>
+          </a:fontRef>
+        </p:style>
+      </p:cxnSp>
+      <p:sp>
+        <p:nvSpPr>
+          <p:cNvPr id="151" name="Flowchart: Decision 96"/>
+          <p:cNvSpPr/>
+          <p:nvPr/>
+        </p:nvSpPr>
+        <p:spPr>
+          <a:xfrm>
+            <a:off x="5190015" y="4051716"/>
+            <a:ext cx="236048" cy="173380"/>
+          </a:xfrm>
+          <a:prstGeom prst="flowChartDecision">
+            <a:avLst/>
+          </a:prstGeom>
+          <a:noFill/>
+          <a:ln w="19050">
+            <a:solidFill>
+              <a:srgbClr val="7030A0"/>
+            </a:solidFill>
+          </a:ln>
+          <a:effectLst/>
+        </p:spPr>
+        <p:style>
+          <a:lnRef idx="1">
+            <a:schemeClr val="accent6"/>
+          </a:lnRef>
+          <a:fillRef idx="2">
+            <a:schemeClr val="accent6"/>
+          </a:fillRef>
+          <a:effectRef idx="1">
+            <a:schemeClr val="accent6"/>
+          </a:effectRef>
+          <a:fontRef idx="minor">
+            <a:schemeClr val="dk1"/>
+          </a:fontRef>
+        </p:style>
+        <p:txBody>
+          <a:bodyPr rtlCol="0" anchor="ctr"/>
+          <a:lstStyle/>
+          <a:p>
+            <a:pPr algn="ctr"/>
+            <a:endParaRPr lang="en-US" sz="1050"/>
+          </a:p>
+        </p:txBody>
+      </p:sp>
+      <p:cxnSp>
+        <p:nvCxnSpPr>
+          <p:cNvPr id="152" name="Elbow Connector 151"/>
+          <p:cNvCxnSpPr/>
+          <p:nvPr/>
+        </p:nvCxnSpPr>
+        <p:spPr>
+          <a:xfrm>
+            <a:off x="5418615" y="4148896"/>
+            <a:ext cx="453600" cy="777"/>
+          </a:xfrm>
+          <a:prstGeom prst="bentConnector3">
+            <a:avLst/>
+          </a:prstGeom>
+          <a:ln w="19050">
+            <a:solidFill>
+              <a:srgbClr val="7030A0"/>
+            </a:solidFill>
+            <a:headEnd type="none" w="med" len="med"/>
+            <a:tailEnd type="arrow" w="med" len="med"/>
+          </a:ln>
+          <a:effectLst/>
+        </p:spPr>
+        <p:style>
+          <a:lnRef idx="1">
+            <a:schemeClr val="accent2"/>
+          </a:lnRef>
+          <a:fillRef idx="2">
+            <a:schemeClr val="accent2"/>
+          </a:fillRef>
+          <a:effectRef idx="1">
+            <a:schemeClr val="accent2"/>
+          </a:effectRef>
+          <a:fontRef idx="minor">
+            <a:schemeClr val="dk1"/>
+          </a:fontRef>
+        </p:style>
+      </p:cxnSp>
+      <p:sp>
+        <p:nvSpPr>
+          <p:cNvPr id="153" name="TextBox 152"/>
+          <p:cNvSpPr txBox="1"/>
+          <p:nvPr/>
+        </p:nvSpPr>
+        <p:spPr>
+          <a:xfrm>
+            <a:off x="5686558" y="4198813"/>
+            <a:ext cx="189257" cy="178683"/>
+          </a:xfrm>
+          <a:prstGeom prst="rect">
+            <a:avLst/>
+          </a:prstGeom>
+          <a:noFill/>
+        </p:spPr>
+        <p:txBody>
+          <a:bodyPr wrap="square" lIns="0" tIns="0" rIns="0" bIns="0" rtlCol="0">
+            <a:noAutofit/>
+          </a:bodyPr>
+          <a:lstStyle/>
+          <a:p>
+            <a:pPr algn="ctr"/>
+            <a:r>
+              <a:rPr lang="en-US" sz="1100" dirty="0">
+                <a:solidFill>
+                  <a:srgbClr val="7030A0"/>
+                </a:solidFill>
+              </a:rPr>
+              <a:t>*</a:t>
+            </a:r>
+            <a:endParaRPr lang="en-SG" sz="1100" dirty="0">
+              <a:solidFill>
+                <a:srgbClr val="7030A0"/>
+              </a:solidFill>
+            </a:endParaRPr>
+          </a:p>
+        </p:txBody>
+      </p:sp>
+      <p:cxnSp>
+        <p:nvCxnSpPr>
+          <p:cNvPr id="163" name="Straight Connector 162"/>
+          <p:cNvCxnSpPr/>
+          <p:nvPr/>
+        </p:nvCxnSpPr>
+        <p:spPr>
+          <a:xfrm>
+            <a:off x="1770658" y="604978"/>
+            <a:ext cx="4579200" cy="0"/>
+          </a:xfrm>
+          <a:prstGeom prst="line">
+            <a:avLst/>
+          </a:prstGeom>
+          <a:ln w="19050">
+            <a:solidFill>
+              <a:srgbClr val="7030A0"/>
+            </a:solidFill>
+          </a:ln>
+        </p:spPr>
+        <p:style>
+          <a:lnRef idx="1">
+            <a:schemeClr val="accent1"/>
+          </a:lnRef>
+          <a:fillRef idx="0">
+            <a:schemeClr val="accent1"/>
+          </a:fillRef>
+          <a:effectRef idx="0">
+            <a:schemeClr val="accent1"/>
+          </a:effectRef>
+          <a:fontRef idx="minor">
+            <a:schemeClr val="tx1"/>
+          </a:fontRef>
+        </p:style>
+      </p:cxnSp>
+      <p:cxnSp>
+        <p:nvCxnSpPr>
+          <p:cNvPr id="172" name="Straight Connector 171"/>
+          <p:cNvCxnSpPr/>
+          <p:nvPr/>
+        </p:nvCxnSpPr>
+        <p:spPr>
+          <a:xfrm>
+            <a:off x="1761015" y="4529896"/>
+            <a:ext cx="0" cy="1152000"/>
+          </a:xfrm>
+          <a:prstGeom prst="line">
+            <a:avLst/>
+          </a:prstGeom>
+          <a:ln w="19050">
+            <a:solidFill>
+              <a:srgbClr val="7030A0"/>
+            </a:solidFill>
+          </a:ln>
+        </p:spPr>
+        <p:style>
+          <a:lnRef idx="1">
+            <a:schemeClr val="accent1"/>
+          </a:lnRef>
+          <a:fillRef idx="0">
+            <a:schemeClr val="accent1"/>
+          </a:fillRef>
+          <a:effectRef idx="0">
+            <a:schemeClr val="accent1"/>
+          </a:effectRef>
+          <a:fontRef idx="minor">
+            <a:schemeClr val="tx1"/>
+          </a:fontRef>
+        </p:style>
+      </p:cxnSp>
+      <p:cxnSp>
+        <p:nvCxnSpPr>
+          <p:cNvPr id="176" name="Straight Arrow Connector 175"/>
+          <p:cNvCxnSpPr/>
+          <p:nvPr/>
+        </p:nvCxnSpPr>
+        <p:spPr>
+          <a:xfrm flipV="1">
+            <a:off x="6256815" y="4301296"/>
+            <a:ext cx="0" cy="1368000"/>
+          </a:xfrm>
+          <a:prstGeom prst="straightConnector1">
+            <a:avLst/>
+          </a:prstGeom>
+          <a:ln w="19050">
+            <a:solidFill>
+              <a:srgbClr val="7030A0"/>
+            </a:solidFill>
+            <a:tailEnd type="arrow"/>
+          </a:ln>
+        </p:spPr>
+        <p:style>
+          <a:lnRef idx="1">
+            <a:schemeClr val="accent1"/>
+          </a:lnRef>
+          <a:fillRef idx="0">
+            <a:schemeClr val="accent1"/>
+          </a:fillRef>
+          <a:effectRef idx="0">
+            <a:schemeClr val="accent1"/>
+          </a:effectRef>
+          <a:fontRef idx="minor">
+            <a:schemeClr val="tx1"/>
+          </a:fontRef>
+        </p:style>
+      </p:cxnSp>
+      <p:sp>
+        <p:nvSpPr>
+          <p:cNvPr id="189" name="Rectangle 8"/>
+          <p:cNvSpPr/>
+          <p:nvPr/>
+        </p:nvSpPr>
+        <p:spPr>
+          <a:xfrm>
+            <a:off x="7247415" y="5215696"/>
+            <a:ext cx="1082150" cy="285783"/>
+          </a:xfrm>
+          <a:prstGeom prst="rect">
+            <a:avLst/>
+          </a:prstGeom>
+          <a:ln w="19050">
+            <a:solidFill>
+              <a:srgbClr val="7030A0"/>
+            </a:solidFill>
+          </a:ln>
+          <a:effectLst/>
+        </p:spPr>
+        <p:style>
+          <a:lnRef idx="1">
+            <a:schemeClr val="accent4"/>
+          </a:lnRef>
+          <a:fillRef idx="2">
+            <a:schemeClr val="accent4"/>
+          </a:fillRef>
+          <a:effectRef idx="1">
+            <a:schemeClr val="accent4"/>
+          </a:effectRef>
+          <a:fontRef idx="minor">
+            <a:schemeClr val="dk1"/>
+          </a:fontRef>
+        </p:style>
+        <p:txBody>
+          <a:bodyPr rtlCol="0" anchor="ctr"/>
+          <a:lstStyle/>
+          <a:p>
+            <a:pPr algn="ctr"/>
+            <a:r>
+              <a:rPr lang="en-US" sz="1050" dirty="0">
+                <a:solidFill>
+                  <a:srgbClr val="7030A0"/>
+                </a:solidFill>
+              </a:rPr>
+              <a:t>TaskStatus</a:t>
+            </a:r>
+            <a:endParaRPr lang="en-SG" sz="1050" dirty="0">
+              <a:solidFill>
+                <a:srgbClr val="7030A0"/>
+              </a:solidFill>
+            </a:endParaRPr>
+          </a:p>
+        </p:txBody>
+      </p:sp>
+      <p:cxnSp>
+        <p:nvCxnSpPr>
+          <p:cNvPr id="191" name="Elbow Connector 190"/>
+          <p:cNvCxnSpPr/>
+          <p:nvPr/>
+        </p:nvCxnSpPr>
+        <p:spPr>
+          <a:xfrm>
+            <a:off x="6790215" y="4148896"/>
+            <a:ext cx="434402" cy="1188000"/>
+          </a:xfrm>
+          <a:prstGeom prst="bentConnector3">
+            <a:avLst>
+              <a:gd name="adj1" fmla="val 50000"/>
+            </a:avLst>
+          </a:prstGeom>
+          <a:ln w="19050">
+            <a:solidFill>
+              <a:srgbClr val="7030A0"/>
+            </a:solidFill>
+            <a:headEnd type="none" w="med" len="med"/>
+            <a:tailEnd type="arrow" w="med" len="med"/>
+          </a:ln>
+          <a:effectLst/>
+        </p:spPr>
+        <p:style>
+          <a:lnRef idx="1">
+            <a:schemeClr val="accent2"/>
+          </a:lnRef>
+          <a:fillRef idx="2">
+            <a:schemeClr val="accent2"/>
+          </a:fillRef>
+          <a:effectRef idx="1">
+            <a:schemeClr val="accent2"/>
+          </a:effectRef>
+          <a:fontRef idx="minor">
+            <a:schemeClr val="dk1"/>
+          </a:fontRef>
+        </p:style>
+      </p:cxnSp>
+      <p:sp>
+        <p:nvSpPr>
+          <p:cNvPr id="192" name="Flowchart: Decision 96"/>
+          <p:cNvSpPr/>
+          <p:nvPr/>
+        </p:nvSpPr>
+        <p:spPr>
+          <a:xfrm rot="16200000">
+            <a:off x="4472881" y="4866031"/>
+            <a:ext cx="236048" cy="173380"/>
+          </a:xfrm>
+          <a:prstGeom prst="flowChartDecision">
+            <a:avLst/>
+          </a:prstGeom>
+          <a:noFill/>
+          <a:ln w="19050">
+            <a:solidFill>
+              <a:srgbClr val="7030A0"/>
+            </a:solidFill>
+          </a:ln>
+          <a:effectLst/>
+        </p:spPr>
+        <p:style>
+          <a:lnRef idx="1">
+            <a:schemeClr val="accent6"/>
+          </a:lnRef>
+          <a:fillRef idx="2">
+            <a:schemeClr val="accent6"/>
+          </a:fillRef>
+          <a:effectRef idx="1">
+            <a:schemeClr val="accent6"/>
+          </a:effectRef>
+          <a:fontRef idx="minor">
+            <a:schemeClr val="dk1"/>
+          </a:fontRef>
+        </p:style>
+        <p:txBody>
+          <a:bodyPr rtlCol="0" anchor="ctr"/>
+          <a:lstStyle/>
+          <a:p>
+            <a:pPr algn="ctr"/>
+            <a:endParaRPr lang="en-US" sz="1050"/>
+          </a:p>
+        </p:txBody>
+      </p:sp>
+      <p:cxnSp>
+        <p:nvCxnSpPr>
+          <p:cNvPr id="193" name="Elbow Connector 68"/>
+          <p:cNvCxnSpPr/>
+          <p:nvPr/>
+        </p:nvCxnSpPr>
+        <p:spPr>
+          <a:xfrm>
+            <a:off x="4588802" y="5063296"/>
+            <a:ext cx="372613" cy="54000"/>
+          </a:xfrm>
+          <a:prstGeom prst="bentConnector3">
+            <a:avLst>
+              <a:gd name="adj1" fmla="val -1066"/>
+            </a:avLst>
+          </a:prstGeom>
+          <a:ln w="19050">
+            <a:solidFill>
+              <a:srgbClr val="7030A0"/>
+            </a:solidFill>
+            <a:headEnd type="none" w="med" len="med"/>
+            <a:tailEnd type="arrow" w="med" len="med"/>
+          </a:ln>
+          <a:effectLst/>
+        </p:spPr>
+        <p:style>
+          <a:lnRef idx="1">
+            <a:schemeClr val="accent2"/>
+          </a:lnRef>
+          <a:fillRef idx="2">
+            <a:schemeClr val="accent2"/>
+          </a:fillRef>
+          <a:effectRef idx="1">
+            <a:schemeClr val="accent2"/>
+          </a:effectRef>
+          <a:fontRef idx="minor">
+            <a:schemeClr val="dk1"/>
+          </a:fontRef>
+        </p:style>
+      </p:cxnSp>
+      <p:sp>
+        <p:nvSpPr>
+          <p:cNvPr id="196" name="Rectangle 8"/>
+          <p:cNvSpPr/>
+          <p:nvPr/>
+        </p:nvSpPr>
+        <p:spPr>
+          <a:xfrm>
+            <a:off x="4961415" y="4945136"/>
+            <a:ext cx="940900" cy="346760"/>
+          </a:xfrm>
+          <a:prstGeom prst="rect">
+            <a:avLst/>
+          </a:prstGeom>
+          <a:ln w="19050">
+            <a:solidFill>
+              <a:srgbClr val="7030A0"/>
+            </a:solidFill>
+          </a:ln>
+          <a:effectLst/>
+        </p:spPr>
+        <p:style>
+          <a:lnRef idx="1">
+            <a:schemeClr val="accent4"/>
+          </a:lnRef>
+          <a:fillRef idx="2">
+            <a:schemeClr val="accent4"/>
+          </a:fillRef>
+          <a:effectRef idx="1">
+            <a:schemeClr val="accent4"/>
+          </a:effectRef>
+          <a:fontRef idx="minor">
+            <a:schemeClr val="dk1"/>
+          </a:fontRef>
+        </p:style>
+        <p:txBody>
+          <a:bodyPr rtlCol="0" anchor="ctr"/>
+          <a:lstStyle/>
+          <a:p>
+            <a:pPr algn="ctr"/>
+            <a:r>
+              <a:rPr lang="en-US" sz="1050" dirty="0">
+                <a:solidFill>
+                  <a:srgbClr val="7030A0"/>
+                </a:solidFill>
+              </a:rPr>
+              <a:t>TaskCategory</a:t>
+            </a:r>
+            <a:endParaRPr lang="en-SG" sz="1050" dirty="0">
+              <a:solidFill>
+                <a:srgbClr val="7030A0"/>
+              </a:solidFill>
+            </a:endParaRPr>
+          </a:p>
+        </p:txBody>
+      </p:sp>
+      <p:sp>
+        <p:nvSpPr>
+          <p:cNvPr id="197" name="TextBox 196"/>
+          <p:cNvSpPr txBox="1"/>
+          <p:nvPr/>
+        </p:nvSpPr>
+        <p:spPr>
+          <a:xfrm>
+            <a:off x="4772158" y="5189413"/>
+            <a:ext cx="189257" cy="178683"/>
+          </a:xfrm>
+          <a:prstGeom prst="rect">
+            <a:avLst/>
+          </a:prstGeom>
+          <a:noFill/>
+        </p:spPr>
+        <p:txBody>
+          <a:bodyPr wrap="square" lIns="0" tIns="0" rIns="0" bIns="0" rtlCol="0">
+            <a:noAutofit/>
+          </a:bodyPr>
+          <a:lstStyle/>
+          <a:p>
+            <a:pPr algn="ctr"/>
+            <a:r>
+              <a:rPr lang="en-US" sz="1100" dirty="0">
+                <a:solidFill>
+                  <a:srgbClr val="7030A0"/>
+                </a:solidFill>
+              </a:rPr>
+              <a:t>*</a:t>
+            </a:r>
+            <a:endParaRPr lang="en-SG" sz="1100" dirty="0">
+              <a:solidFill>
+                <a:srgbClr val="7030A0"/>
+              </a:solidFill>
+            </a:endParaRPr>
+          </a:p>
+        </p:txBody>
+      </p:sp>
+      <p:sp>
+        <p:nvSpPr>
+          <p:cNvPr id="198" name="TextBox 197"/>
+          <p:cNvSpPr txBox="1"/>
+          <p:nvPr/>
+        </p:nvSpPr>
+        <p:spPr>
+          <a:xfrm>
+            <a:off x="6296158" y="4301296"/>
+            <a:ext cx="189257" cy="178683"/>
+          </a:xfrm>
+          <a:prstGeom prst="rect">
+            <a:avLst/>
+          </a:prstGeom>
+          <a:noFill/>
+        </p:spPr>
+        <p:txBody>
+          <a:bodyPr wrap="square" lIns="0" tIns="0" rIns="0" bIns="0" rtlCol="0">
+            <a:noAutofit/>
+          </a:bodyPr>
+          <a:lstStyle/>
+          <a:p>
+            <a:pPr algn="ctr"/>
+            <a:r>
+              <a:rPr lang="en-US" sz="1100" dirty="0">
+                <a:solidFill>
+                  <a:srgbClr val="7030A0"/>
+                </a:solidFill>
+              </a:rPr>
+              <a:t>1</a:t>
+            </a:r>
+            <a:endParaRPr lang="en-SG" sz="1100" dirty="0">
+              <a:solidFill>
+                <a:srgbClr val="7030A0"/>
+              </a:solidFill>
+            </a:endParaRPr>
+          </a:p>
+        </p:txBody>
+      </p:sp>
+      <p:cxnSp>
+        <p:nvCxnSpPr>
+          <p:cNvPr id="204" name="Straight Arrow Connector 203"/>
+          <p:cNvCxnSpPr/>
+          <p:nvPr/>
+        </p:nvCxnSpPr>
+        <p:spPr>
+          <a:xfrm>
+            <a:off x="6342658" y="604978"/>
+            <a:ext cx="0" cy="1260000"/>
+          </a:xfrm>
+          <a:prstGeom prst="straightConnector1">
+            <a:avLst/>
+          </a:prstGeom>
+          <a:ln w="19050">
+            <a:solidFill>
+              <a:srgbClr val="7030A0"/>
+            </a:solidFill>
+            <a:tailEnd type="arrow"/>
+          </a:ln>
+        </p:spPr>
+        <p:style>
+          <a:lnRef idx="1">
+            <a:schemeClr val="accent1"/>
+          </a:lnRef>
+          <a:fillRef idx="0">
+            <a:schemeClr val="accent1"/>
+          </a:fillRef>
+          <a:effectRef idx="0">
+            <a:schemeClr val="accent1"/>
+          </a:effectRef>
+          <a:fontRef idx="minor">
+            <a:schemeClr val="tx1"/>
+          </a:fontRef>
+        </p:style>
+      </p:cxnSp>
+      <p:sp>
+        <p:nvSpPr>
+          <p:cNvPr id="205" name="TextBox 204"/>
+          <p:cNvSpPr txBox="1"/>
+          <p:nvPr/>
+        </p:nvSpPr>
+        <p:spPr>
+          <a:xfrm rot="16200000">
+            <a:off x="6071054" y="1105182"/>
+            <a:ext cx="804818" cy="261610"/>
+          </a:xfrm>
+          <a:prstGeom prst="rect">
+            <a:avLst/>
+          </a:prstGeom>
+          <a:noFill/>
+        </p:spPr>
+        <p:txBody>
+          <a:bodyPr wrap="square" rtlCol="0">
+            <a:spAutoFit/>
+          </a:bodyPr>
+          <a:lstStyle/>
+          <a:p>
+            <a:pPr algn="r"/>
+            <a:r>
+              <a:rPr lang="en-US" sz="1100" dirty="0">
+                <a:solidFill>
+                  <a:srgbClr val="7030A0"/>
+                </a:solidFill>
+              </a:rPr>
+              <a:t>filtered list</a:t>
+            </a:r>
+            <a:endParaRPr lang="en-SG" sz="1100" dirty="0">
+              <a:solidFill>
+                <a:srgbClr val="7030A0"/>
+              </a:solidFill>
+            </a:endParaRPr>
+          </a:p>
+        </p:txBody>
+      </p:sp>
+      <p:cxnSp>
+        <p:nvCxnSpPr>
+          <p:cNvPr id="96" name="Straight Arrow Connector 95"/>
+          <p:cNvCxnSpPr>
+            <a:stCxn id="98" idx="3"/>
+          </p:cNvCxnSpPr>
+          <p:nvPr/>
+        </p:nvCxnSpPr>
+        <p:spPr>
+          <a:xfrm>
+            <a:off x="2199170" y="4351232"/>
+            <a:ext cx="220810" cy="5284"/>
+          </a:xfrm>
+          <a:prstGeom prst="straightConnector1">
+            <a:avLst/>
+          </a:prstGeom>
+          <a:ln w="19050">
+            <a:solidFill>
+              <a:srgbClr val="7030A0"/>
+            </a:solidFill>
+            <a:headEnd type="none" w="med" len="med"/>
+            <a:tailEnd type="arrow" w="med" len="med"/>
+          </a:ln>
+          <a:effectLst/>
+        </p:spPr>
+        <p:style>
+          <a:lnRef idx="1">
+            <a:schemeClr val="accent2"/>
+          </a:lnRef>
+          <a:fillRef idx="2">
+            <a:schemeClr val="accent2"/>
+          </a:fillRef>
+          <a:effectRef idx="1">
+            <a:schemeClr val="accent2"/>
+          </a:effectRef>
+          <a:fontRef idx="minor">
+            <a:schemeClr val="dk1"/>
+          </a:fontRef>
+        </p:style>
+      </p:cxnSp>
+      <p:sp>
+        <p:nvSpPr>
+          <p:cNvPr id="98" name="Flowchart: Decision 96"/>
+          <p:cNvSpPr/>
+          <p:nvPr/>
+        </p:nvSpPr>
+        <p:spPr>
+          <a:xfrm>
+            <a:off x="1963122" y="4264542"/>
+            <a:ext cx="236048" cy="173380"/>
+          </a:xfrm>
+          <a:prstGeom prst="flowChartDecision">
+            <a:avLst/>
+          </a:prstGeom>
+          <a:noFill/>
+          <a:ln w="19050">
+            <a:solidFill>
+              <a:srgbClr val="7030A0"/>
+            </a:solidFill>
+          </a:ln>
+          <a:effectLst/>
+        </p:spPr>
+        <p:style>
+          <a:lnRef idx="1">
+            <a:schemeClr val="accent6"/>
+          </a:lnRef>
+          <a:fillRef idx="2">
+            <a:schemeClr val="accent6"/>
+          </a:fillRef>
+          <a:effectRef idx="1">
+            <a:schemeClr val="accent6"/>
+          </a:effectRef>
+          <a:fontRef idx="minor">
+            <a:schemeClr val="dk1"/>
+          </a:fontRef>
+        </p:style>
+        <p:txBody>
+          <a:bodyPr rtlCol="0" anchor="ctr"/>
+          <a:lstStyle/>
+          <a:p>
+            <a:pPr algn="ctr"/>
+            <a:endParaRPr lang="en-US" sz="1050"/>
+          </a:p>
+        </p:txBody>
+      </p:sp>
+      <p:sp>
+        <p:nvSpPr>
+          <p:cNvPr id="101" name="TextBox 100"/>
+          <p:cNvSpPr txBox="1"/>
+          <p:nvPr/>
+        </p:nvSpPr>
+        <p:spPr>
+          <a:xfrm>
+            <a:off x="2209800" y="4122613"/>
+            <a:ext cx="189257" cy="178683"/>
+          </a:xfrm>
+          <a:prstGeom prst="rect">
+            <a:avLst/>
+          </a:prstGeom>
+          <a:noFill/>
+        </p:spPr>
+        <p:txBody>
+          <a:bodyPr wrap="square" lIns="0" tIns="0" rIns="0" bIns="0" rtlCol="0">
+            <a:noAutofit/>
+          </a:bodyPr>
+          <a:lstStyle/>
+          <a:p>
+            <a:pPr algn="ctr"/>
+            <a:r>
+              <a:rPr lang="en-US" sz="1100" dirty="0">
+                <a:solidFill>
+                  <a:srgbClr val="7030A0"/>
+                </a:solidFill>
+              </a:rPr>
+              <a:t>1</a:t>
+            </a:r>
+            <a:endParaRPr lang="en-SG" sz="1100" dirty="0">
+              <a:solidFill>
+                <a:srgbClr val="7030A0"/>
+              </a:solidFill>
+            </a:endParaRPr>
+          </a:p>
+        </p:txBody>
+      </p:sp>
+      <p:sp>
+        <p:nvSpPr>
+          <p:cNvPr id="102" name="Rectangle 8"/>
+          <p:cNvSpPr/>
+          <p:nvPr/>
+        </p:nvSpPr>
+        <p:spPr>
+          <a:xfrm>
+            <a:off x="2419980" y="4183136"/>
+            <a:ext cx="1093635" cy="346760"/>
+          </a:xfrm>
+          <a:prstGeom prst="rect">
+            <a:avLst/>
+          </a:prstGeom>
+          <a:ln w="19050">
+            <a:solidFill>
+              <a:srgbClr val="7030A0"/>
+            </a:solidFill>
+          </a:ln>
+          <a:effectLst/>
+        </p:spPr>
+        <p:style>
+          <a:lnRef idx="1">
+            <a:schemeClr val="accent4"/>
+          </a:lnRef>
+          <a:fillRef idx="2">
+            <a:schemeClr val="accent4"/>
+          </a:fillRef>
+          <a:effectRef idx="1">
+            <a:schemeClr val="accent4"/>
+          </a:effectRef>
+          <a:fontRef idx="minor">
+            <a:schemeClr val="dk1"/>
+          </a:fontRef>
+        </p:style>
+        <p:txBody>
+          <a:bodyPr rtlCol="0" anchor="ctr"/>
+          <a:lstStyle/>
+          <a:p>
+            <a:pPr algn="ctr"/>
+            <a:r>
+              <a:rPr lang="en-US" sz="1050" dirty="0">
+                <a:solidFill>
+                  <a:srgbClr val="7030A0"/>
+                </a:solidFill>
+              </a:rPr>
+              <a:t>TaskBook</a:t>
+            </a:r>
+            <a:endParaRPr lang="en-SG" sz="1050" dirty="0">
+              <a:solidFill>
+                <a:srgbClr val="7030A0"/>
+              </a:solidFill>
+            </a:endParaRPr>
+          </a:p>
+        </p:txBody>
+      </p:sp>
+      <p:sp>
+        <p:nvSpPr>
+          <p:cNvPr id="115" name="Rectangle 8"/>
+          <p:cNvSpPr/>
+          <p:nvPr/>
+        </p:nvSpPr>
+        <p:spPr>
+          <a:xfrm>
+            <a:off x="4033046" y="4478760"/>
+            <a:ext cx="1537969" cy="346760"/>
+          </a:xfrm>
+          <a:prstGeom prst="rect">
+            <a:avLst/>
+          </a:prstGeom>
+          <a:ln w="19050">
+            <a:solidFill>
+              <a:srgbClr val="7030A0"/>
+            </a:solidFill>
+          </a:ln>
+          <a:effectLst/>
+        </p:spPr>
+        <p:style>
+          <a:lnRef idx="1">
+            <a:schemeClr val="accent4"/>
+          </a:lnRef>
+          <a:fillRef idx="2">
+            <a:schemeClr val="accent4"/>
+          </a:fillRef>
+          <a:effectRef idx="1">
+            <a:schemeClr val="accent4"/>
+          </a:effectRef>
+          <a:fontRef idx="minor">
+            <a:schemeClr val="dk1"/>
+          </a:fontRef>
+        </p:style>
+        <p:txBody>
+          <a:bodyPr rtlCol="0" anchor="ctr"/>
+          <a:lstStyle/>
+          <a:p>
+            <a:pPr algn="ctr"/>
+            <a:r>
+              <a:rPr lang="en-US" sz="1050" dirty="0">
+                <a:solidFill>
+                  <a:srgbClr val="7030A0"/>
+                </a:solidFill>
+              </a:rPr>
+              <a:t>UniqueTaskCategoryList</a:t>
+            </a:r>
+            <a:endParaRPr lang="en-SG" sz="1050" dirty="0">
+              <a:solidFill>
+                <a:srgbClr val="7030A0"/>
+              </a:solidFill>
+            </a:endParaRPr>
+          </a:p>
+        </p:txBody>
+      </p:sp>
+      <p:sp>
+        <p:nvSpPr>
+          <p:cNvPr id="116" name="Flowchart: Decision 96"/>
+          <p:cNvSpPr/>
+          <p:nvPr/>
+        </p:nvSpPr>
+        <p:spPr>
+          <a:xfrm>
+            <a:off x="3530332" y="4305380"/>
+            <a:ext cx="236048" cy="173380"/>
+          </a:xfrm>
+          <a:prstGeom prst="flowChartDecision">
+            <a:avLst/>
+          </a:prstGeom>
+          <a:solidFill>
+            <a:srgbClr val="7030A0"/>
+          </a:solidFill>
+          <a:ln w="19050">
+            <a:solidFill>
+              <a:srgbClr val="7030A0"/>
+            </a:solidFill>
+          </a:ln>
+          <a:effectLst/>
+        </p:spPr>
+        <p:style>
+          <a:lnRef idx="1">
+            <a:schemeClr val="accent6"/>
+          </a:lnRef>
+          <a:fillRef idx="2">
+            <a:schemeClr val="accent6"/>
+          </a:fillRef>
+          <a:effectRef idx="1">
+            <a:schemeClr val="accent6"/>
+          </a:effectRef>
+          <a:fontRef idx="minor">
+            <a:schemeClr val="dk1"/>
+          </a:fontRef>
+        </p:style>
+        <p:txBody>
+          <a:bodyPr rtlCol="0" anchor="ctr"/>
+          <a:lstStyle/>
+          <a:p>
+            <a:pPr algn="ctr"/>
+            <a:endParaRPr lang="en-US" sz="1050"/>
+          </a:p>
+        </p:txBody>
+      </p:sp>
+      <p:cxnSp>
+        <p:nvCxnSpPr>
+          <p:cNvPr id="117" name="Elbow Connector 116"/>
+          <p:cNvCxnSpPr>
+            <a:stCxn id="116" idx="3"/>
+            <a:endCxn id="115" idx="1"/>
+          </p:cNvCxnSpPr>
+          <p:nvPr/>
+        </p:nvCxnSpPr>
+        <p:spPr>
+          <a:xfrm>
+            <a:off x="3766380" y="4392070"/>
+            <a:ext cx="266666" cy="260070"/>
+          </a:xfrm>
+          <a:prstGeom prst="bentConnector3">
+            <a:avLst>
+              <a:gd name="adj1" fmla="val 50000"/>
+            </a:avLst>
+          </a:prstGeom>
+          <a:ln w="19050">
+            <a:solidFill>
+              <a:srgbClr val="7030A0"/>
+            </a:solidFill>
+            <a:headEnd type="none" w="med" len="med"/>
+            <a:tailEnd type="arrow" w="med" len="med"/>
+          </a:ln>
+          <a:effectLst/>
+        </p:spPr>
+        <p:style>
+          <a:lnRef idx="1">
+            <a:schemeClr val="accent2"/>
+          </a:lnRef>
+          <a:fillRef idx="2">
+            <a:schemeClr val="accent2"/>
+          </a:fillRef>
+          <a:effectRef idx="1">
+            <a:schemeClr val="accent2"/>
+          </a:effectRef>
+          <a:fontRef idx="minor">
+            <a:schemeClr val="dk1"/>
+          </a:fontRef>
+        </p:style>
+      </p:cxnSp>
+      <p:sp>
+        <p:nvSpPr>
+          <p:cNvPr id="121" name="Rectangle 8"/>
+          <p:cNvSpPr/>
+          <p:nvPr/>
+        </p:nvSpPr>
+        <p:spPr>
+          <a:xfrm>
+            <a:off x="4023357" y="3954536"/>
+            <a:ext cx="1156969" cy="346760"/>
+          </a:xfrm>
+          <a:prstGeom prst="rect">
+            <a:avLst/>
+          </a:prstGeom>
+          <a:ln w="19050">
+            <a:solidFill>
+              <a:srgbClr val="7030A0"/>
+            </a:solidFill>
+          </a:ln>
+          <a:effectLst/>
+        </p:spPr>
+        <p:style>
+          <a:lnRef idx="1">
+            <a:schemeClr val="accent4"/>
+          </a:lnRef>
+          <a:fillRef idx="2">
+            <a:schemeClr val="accent4"/>
+          </a:fillRef>
+          <a:effectRef idx="1">
+            <a:schemeClr val="accent4"/>
+          </a:effectRef>
+          <a:fontRef idx="minor">
+            <a:schemeClr val="dk1"/>
+          </a:fontRef>
+        </p:style>
+        <p:txBody>
+          <a:bodyPr rtlCol="0" anchor="ctr"/>
+          <a:lstStyle/>
+          <a:p>
+            <a:pPr algn="ctr"/>
+            <a:r>
+              <a:rPr lang="en-US" sz="1050" dirty="0">
+                <a:solidFill>
+                  <a:srgbClr val="7030A0"/>
+                </a:solidFill>
+              </a:rPr>
+              <a:t>UniqueTaskList</a:t>
+            </a:r>
+            <a:endParaRPr lang="en-SG" sz="1050" dirty="0">
+              <a:solidFill>
+                <a:srgbClr val="7030A0"/>
+              </a:solidFill>
+            </a:endParaRPr>
+          </a:p>
+        </p:txBody>
+      </p:sp>
+      <p:cxnSp>
+        <p:nvCxnSpPr>
+          <p:cNvPr id="123" name="Elbow Connector 122"/>
+          <p:cNvCxnSpPr>
+            <a:stCxn id="116" idx="3"/>
+            <a:endCxn id="121" idx="1"/>
+          </p:cNvCxnSpPr>
+          <p:nvPr/>
+        </p:nvCxnSpPr>
+        <p:spPr>
+          <a:xfrm flipV="1">
+            <a:off x="3766380" y="4127916"/>
+            <a:ext cx="256977" cy="264154"/>
+          </a:xfrm>
+          <a:prstGeom prst="bentConnector3">
+            <a:avLst>
+              <a:gd name="adj1" fmla="val 50000"/>
+            </a:avLst>
+          </a:prstGeom>
+          <a:ln w="19050">
+            <a:solidFill>
+              <a:srgbClr val="7030A0"/>
+            </a:solidFill>
+            <a:headEnd type="none" w="med" len="med"/>
+            <a:tailEnd type="arrow" w="med" len="med"/>
+          </a:ln>
+          <a:effectLst/>
+        </p:spPr>
+        <p:style>
+          <a:lnRef idx="1">
+            <a:schemeClr val="accent2"/>
+          </a:lnRef>
+          <a:fillRef idx="2">
+            <a:schemeClr val="accent2"/>
+          </a:fillRef>
+          <a:effectRef idx="1">
+            <a:schemeClr val="accent2"/>
+          </a:effectRef>
+          <a:fontRef idx="minor">
+            <a:schemeClr val="dk1"/>
+          </a:fontRef>
+        </p:style>
+      </p:cxnSp>
+      <p:sp>
+        <p:nvSpPr>
+          <p:cNvPr id="125" name="TextBox 124"/>
+          <p:cNvSpPr txBox="1"/>
+          <p:nvPr/>
+        </p:nvSpPr>
+        <p:spPr>
+          <a:xfrm>
+            <a:off x="3871001" y="3894013"/>
+            <a:ext cx="189257" cy="178683"/>
+          </a:xfrm>
+          <a:prstGeom prst="rect">
+            <a:avLst/>
+          </a:prstGeom>
+          <a:noFill/>
+        </p:spPr>
+        <p:txBody>
+          <a:bodyPr wrap="square" lIns="0" tIns="0" rIns="0" bIns="0" rtlCol="0">
+            <a:noAutofit/>
+          </a:bodyPr>
+          <a:lstStyle/>
+          <a:p>
+            <a:pPr algn="ctr"/>
+            <a:r>
+              <a:rPr lang="en-US" sz="1100" dirty="0">
+                <a:solidFill>
+                  <a:srgbClr val="7030A0"/>
+                </a:solidFill>
+              </a:rPr>
+              <a:t>1</a:t>
+            </a:r>
+            <a:endParaRPr lang="en-SG" sz="1100" dirty="0">
+              <a:solidFill>
+                <a:srgbClr val="7030A0"/>
+              </a:solidFill>
+            </a:endParaRPr>
+          </a:p>
+        </p:txBody>
+      </p:sp>
+      <p:sp>
+        <p:nvSpPr>
+          <p:cNvPr id="126" name="TextBox 125"/>
+          <p:cNvSpPr txBox="1"/>
+          <p:nvPr/>
+        </p:nvSpPr>
+        <p:spPr>
+          <a:xfrm>
+            <a:off x="3871001" y="4690253"/>
+            <a:ext cx="189257" cy="178683"/>
+          </a:xfrm>
+          <a:prstGeom prst="rect">
+            <a:avLst/>
+          </a:prstGeom>
+          <a:noFill/>
+        </p:spPr>
+        <p:txBody>
+          <a:bodyPr wrap="square" lIns="0" tIns="0" rIns="0" bIns="0" rtlCol="0">
+            <a:noAutofit/>
+          </a:bodyPr>
+          <a:lstStyle/>
+          <a:p>
+            <a:pPr algn="ctr"/>
+            <a:r>
+              <a:rPr lang="en-US" sz="1100" dirty="0">
+                <a:solidFill>
+                  <a:srgbClr val="7030A0"/>
+                </a:solidFill>
+              </a:rPr>
+              <a:t>1</a:t>
+            </a:r>
+            <a:endParaRPr lang="en-SG" sz="1100" dirty="0">
+              <a:solidFill>
+                <a:srgbClr val="7030A0"/>
+              </a:solidFill>
+            </a:endParaRPr>
+          </a:p>
+        </p:txBody>
+      </p:sp>
+      <p:sp>
+        <p:nvSpPr>
+          <p:cNvPr id="140" name="Isosceles Triangle 102"/>
+          <p:cNvSpPr/>
+          <p:nvPr/>
+        </p:nvSpPr>
+        <p:spPr>
+          <a:xfrm flipV="1">
+            <a:off x="2827815" y="4834696"/>
+            <a:ext cx="270504" cy="175523"/>
+          </a:xfrm>
+          <a:prstGeom prst="triangle">
+            <a:avLst/>
+          </a:prstGeom>
+          <a:ln w="19050">
+            <a:solidFill>
+              <a:srgbClr val="7030A0"/>
+            </a:solidFill>
+          </a:ln>
+          <a:effectLst/>
+        </p:spPr>
+        <p:style>
+          <a:lnRef idx="1">
+            <a:schemeClr val="accent4"/>
+          </a:lnRef>
+          <a:fillRef idx="2">
+            <a:schemeClr val="accent4"/>
+          </a:fillRef>
+          <a:effectRef idx="1">
+            <a:schemeClr val="accent4"/>
+          </a:effectRef>
+          <a:fontRef idx="minor">
+            <a:schemeClr val="dk1"/>
+          </a:fontRef>
+        </p:style>
+        <p:txBody>
+          <a:bodyPr rtlCol="0" anchor="ctr"/>
+          <a:lstStyle/>
+          <a:p>
+            <a:pPr algn="ctr"/>
+            <a:endParaRPr lang="en-SG" sz="1050" b="1">
+              <a:solidFill>
+                <a:srgbClr val="92D050"/>
+              </a:solidFill>
+            </a:endParaRPr>
+          </a:p>
+        </p:txBody>
+      </p:sp>
+      <p:cxnSp>
+        <p:nvCxnSpPr>
+          <p:cNvPr id="156" name="Elbow Connector 63"/>
+          <p:cNvCxnSpPr/>
+          <p:nvPr/>
+        </p:nvCxnSpPr>
+        <p:spPr>
+          <a:xfrm rot="16200000" flipH="1">
+            <a:off x="2799007" y="4687783"/>
+            <a:ext cx="293825" cy="1"/>
+          </a:xfrm>
+          <a:prstGeom prst="bentConnector3">
+            <a:avLst>
+              <a:gd name="adj1" fmla="val 50000"/>
+            </a:avLst>
+          </a:prstGeom>
+          <a:ln w="19050">
+            <a:solidFill>
+              <a:srgbClr val="7030A0"/>
+            </a:solidFill>
+            <a:prstDash val="sysDot"/>
+            <a:headEnd type="none" w="med" len="med"/>
+            <a:tailEnd type="none" w="med" len="med"/>
+          </a:ln>
+          <a:effectLst/>
+        </p:spPr>
+        <p:style>
+          <a:lnRef idx="1">
+            <a:schemeClr val="accent2"/>
+          </a:lnRef>
+          <a:fillRef idx="2">
+            <a:schemeClr val="accent2"/>
+          </a:fillRef>
+          <a:effectRef idx="1">
+            <a:schemeClr val="accent2"/>
+          </a:effectRef>
+          <a:fontRef idx="minor">
+            <a:schemeClr val="dk1"/>
+          </a:fontRef>
+        </p:style>
+      </p:cxnSp>
+      <p:sp>
+        <p:nvSpPr>
+          <p:cNvPr id="157" name="Rectangle 8"/>
+          <p:cNvSpPr/>
+          <p:nvPr/>
+        </p:nvSpPr>
+        <p:spPr>
+          <a:xfrm>
+            <a:off x="2218215" y="5021336"/>
+            <a:ext cx="1539926" cy="346760"/>
+          </a:xfrm>
+          <a:prstGeom prst="rect">
+            <a:avLst/>
+          </a:prstGeom>
+          <a:ln w="19050">
+            <a:solidFill>
+              <a:srgbClr val="7030A0"/>
+            </a:solidFill>
+          </a:ln>
+          <a:effectLst/>
+        </p:spPr>
+        <p:style>
+          <a:lnRef idx="1">
+            <a:schemeClr val="accent4"/>
+          </a:lnRef>
+          <a:fillRef idx="2">
+            <a:schemeClr val="accent4"/>
+          </a:fillRef>
+          <a:effectRef idx="1">
+            <a:schemeClr val="accent4"/>
+          </a:effectRef>
+          <a:fontRef idx="minor">
+            <a:schemeClr val="dk1"/>
+          </a:fontRef>
+        </p:style>
+        <p:txBody>
+          <a:bodyPr rtlCol="0" anchor="ctr"/>
+          <a:lstStyle/>
+          <a:p>
+            <a:pPr algn="ctr"/>
+            <a:r>
+              <a:rPr lang="en-US" sz="1050" dirty="0">
+                <a:solidFill>
+                  <a:srgbClr val="7030A0"/>
+                </a:solidFill>
+              </a:rPr>
+              <a:t>&lt;&lt;interface&gt;&gt;</a:t>
+            </a:r>
+            <a:br>
+              <a:rPr lang="en-US" sz="1050" dirty="0">
+                <a:solidFill>
+                  <a:srgbClr val="7030A0"/>
+                </a:solidFill>
+              </a:rPr>
+            </a:br>
+            <a:r>
+              <a:rPr lang="en-US" sz="1050" dirty="0">
+                <a:solidFill>
+                  <a:srgbClr val="7030A0"/>
+                </a:solidFill>
+              </a:rPr>
+              <a:t>ReadOnlyTaskBook</a:t>
+            </a:r>
+            <a:endParaRPr lang="en-SG" sz="1050" dirty="0">
+              <a:solidFill>
+                <a:srgbClr val="7030A0"/>
+              </a:solidFill>
+            </a:endParaRPr>
+          </a:p>
+        </p:txBody>
+      </p:sp>
+      <p:cxnSp>
+        <p:nvCxnSpPr>
+          <p:cNvPr id="158" name="Straight Connector 157"/>
+          <p:cNvCxnSpPr/>
+          <p:nvPr/>
+        </p:nvCxnSpPr>
+        <p:spPr>
+          <a:xfrm>
+            <a:off x="1756815" y="5672896"/>
+            <a:ext cx="4507200" cy="0"/>
+          </a:xfrm>
+          <a:prstGeom prst="line">
+            <a:avLst/>
+          </a:prstGeom>
+          <a:ln w="19050">
+            <a:solidFill>
+              <a:srgbClr val="7030A0"/>
+            </a:solidFill>
+          </a:ln>
+        </p:spPr>
+        <p:style>
+          <a:lnRef idx="1">
+            <a:schemeClr val="accent1"/>
+          </a:lnRef>
+          <a:fillRef idx="0">
+            <a:schemeClr val="accent1"/>
+          </a:fillRef>
+          <a:effectRef idx="0">
+            <a:schemeClr val="accent1"/>
+          </a:effectRef>
+          <a:fontRef idx="minor">
+            <a:schemeClr val="tx1"/>
+          </a:fontRef>
+        </p:style>
+      </p:cxnSp>
+      <p:cxnSp>
+        <p:nvCxnSpPr>
+          <p:cNvPr id="159" name="Straight Connector 158"/>
+          <p:cNvCxnSpPr/>
+          <p:nvPr/>
+        </p:nvCxnSpPr>
+        <p:spPr>
+          <a:xfrm>
+            <a:off x="1770658" y="604978"/>
+            <a:ext cx="0" cy="882000"/>
+          </a:xfrm>
+          <a:prstGeom prst="line">
+            <a:avLst/>
+          </a:prstGeom>
+          <a:ln w="19050">
+            <a:solidFill>
+              <a:srgbClr val="7030A0"/>
+            </a:solidFill>
+          </a:ln>
+        </p:spPr>
+        <p:style>
+          <a:lnRef idx="1">
+            <a:schemeClr val="accent1"/>
+          </a:lnRef>
+          <a:fillRef idx="0">
+            <a:schemeClr val="accent1"/>
+          </a:fillRef>
+          <a:effectRef idx="0">
+            <a:schemeClr val="accent1"/>
+          </a:effectRef>
+          <a:fontRef idx="minor">
+            <a:schemeClr val="tx1"/>
+          </a:fontRef>
+        </p:style>
+      </p:cxnSp>
+      <p:cxnSp>
+        <p:nvCxnSpPr>
+          <p:cNvPr id="161" name="Straight Connector 160"/>
+          <p:cNvCxnSpPr/>
+          <p:nvPr/>
+        </p:nvCxnSpPr>
+        <p:spPr>
+          <a:xfrm>
+            <a:off x="6028215" y="4301296"/>
+            <a:ext cx="0" cy="378000"/>
+          </a:xfrm>
+          <a:prstGeom prst="line">
+            <a:avLst/>
+          </a:prstGeom>
+          <a:ln w="19050">
+            <a:solidFill>
+              <a:srgbClr val="7030A0"/>
+            </a:solidFill>
+          </a:ln>
+        </p:spPr>
+        <p:style>
+          <a:lnRef idx="1">
+            <a:schemeClr val="accent1"/>
+          </a:lnRef>
+          <a:fillRef idx="0">
+            <a:schemeClr val="accent1"/>
+          </a:fillRef>
+          <a:effectRef idx="0">
+            <a:schemeClr val="accent1"/>
+          </a:effectRef>
+          <a:fontRef idx="minor">
+            <a:schemeClr val="tx1"/>
+          </a:fontRef>
+        </p:style>
+      </p:cxnSp>
+      <p:cxnSp>
+        <p:nvCxnSpPr>
+          <p:cNvPr id="165" name="Straight Arrow Connector 164"/>
+          <p:cNvCxnSpPr/>
+          <p:nvPr/>
+        </p:nvCxnSpPr>
+        <p:spPr>
+          <a:xfrm flipH="1">
+            <a:off x="5571015" y="4682296"/>
+            <a:ext cx="460800" cy="0"/>
+          </a:xfrm>
+          <a:prstGeom prst="straightConnector1">
+            <a:avLst/>
+          </a:prstGeom>
+          <a:ln w="19050">
+            <a:solidFill>
+              <a:srgbClr val="7030A0"/>
+            </a:solidFill>
+            <a:headEnd type="none" w="med" len="med"/>
+            <a:tailEnd type="arrow" w="med" len="med"/>
+          </a:ln>
+          <a:effectLst/>
+        </p:spPr>
+        <p:style>
+          <a:lnRef idx="1">
+            <a:schemeClr val="accent2"/>
+          </a:lnRef>
+          <a:fillRef idx="2">
+            <a:schemeClr val="accent2"/>
+          </a:fillRef>
+          <a:effectRef idx="1">
+            <a:schemeClr val="accent2"/>
+          </a:effectRef>
+          <a:fontRef idx="minor">
+            <a:schemeClr val="dk1"/>
+          </a:fontRef>
+        </p:style>
+      </p:cxnSp>
+      <p:sp>
+        <p:nvSpPr>
+          <p:cNvPr id="167" name="TextBox 166"/>
+          <p:cNvSpPr txBox="1"/>
+          <p:nvPr/>
+        </p:nvSpPr>
+        <p:spPr>
+          <a:xfrm>
+            <a:off x="5571015" y="4427413"/>
+            <a:ext cx="189257" cy="178683"/>
+          </a:xfrm>
+          <a:prstGeom prst="rect">
+            <a:avLst/>
+          </a:prstGeom>
+          <a:noFill/>
+        </p:spPr>
+        <p:txBody>
+          <a:bodyPr wrap="square" lIns="0" tIns="0" rIns="0" bIns="0" rtlCol="0">
+            <a:noAutofit/>
+          </a:bodyPr>
+          <a:lstStyle/>
+          <a:p>
+            <a:pPr algn="ctr"/>
+            <a:r>
+              <a:rPr lang="en-US" sz="1100" dirty="0">
+                <a:solidFill>
+                  <a:srgbClr val="7030A0"/>
+                </a:solidFill>
+              </a:rPr>
+              <a:t>1</a:t>
+            </a:r>
+            <a:endParaRPr lang="en-SG" sz="1100" dirty="0">
+              <a:solidFill>
+                <a:srgbClr val="7030A0"/>
+              </a:solidFill>
+            </a:endParaRPr>
+          </a:p>
+        </p:txBody>
+      </p:sp>
+      <p:sp>
+        <p:nvSpPr>
+          <p:cNvPr id="94" name="TextBox 93">
+            <a:extLst>
+              <a:ext uri="{FF2B5EF4-FFF2-40B4-BE49-F238E27FC236}">
+                <a16:creationId xmlns:a16="http://schemas.microsoft.com/office/drawing/2014/main" id="{968BFF14-F342-48E8-A4F5-EA7C6FC28B96}"/>
+              </a:ext>
+            </a:extLst>
+          </p:cNvPr>
+          <p:cNvSpPr txBox="1"/>
+          <p:nvPr/>
+        </p:nvSpPr>
+        <p:spPr>
+          <a:xfrm rot="16200000">
+            <a:off x="5878244" y="3430468"/>
+            <a:ext cx="804818" cy="261610"/>
+          </a:xfrm>
+          <a:prstGeom prst="rect">
+            <a:avLst/>
+          </a:prstGeom>
+          <a:noFill/>
+        </p:spPr>
+        <p:txBody>
+          <a:bodyPr wrap="square" rtlCol="0">
+            <a:spAutoFit/>
+          </a:bodyPr>
+          <a:lstStyle/>
+          <a:p>
+            <a:pPr algn="r"/>
+            <a:r>
+              <a:rPr lang="en-US" sz="1100" dirty="0">
+                <a:solidFill>
+                  <a:srgbClr val="7030A0"/>
+                </a:solidFill>
+              </a:rPr>
+              <a:t>filtered list</a:t>
+            </a:r>
+            <a:endParaRPr lang="en-SG" sz="1100" dirty="0">
+              <a:solidFill>
+                <a:srgbClr val="7030A0"/>
+              </a:solidFill>
+            </a:endParaRPr>
+          </a:p>
+        </p:txBody>
+      </p:sp>
+      <p:sp>
+        <p:nvSpPr>
+          <p:cNvPr id="95" name="Rectangle 8">
+            <a:extLst>
+              <a:ext uri="{FF2B5EF4-FFF2-40B4-BE49-F238E27FC236}">
+                <a16:creationId xmlns:a16="http://schemas.microsoft.com/office/drawing/2014/main" id="{92FD542A-4A8A-46F4-8B30-DB82933A2E63}"/>
+              </a:ext>
+            </a:extLst>
+          </p:cNvPr>
+          <p:cNvSpPr/>
+          <p:nvPr/>
+        </p:nvSpPr>
+        <p:spPr>
+          <a:xfrm>
+            <a:off x="5842298" y="2769432"/>
+            <a:ext cx="685800" cy="346760"/>
+          </a:xfrm>
+          <a:prstGeom prst="rect">
+            <a:avLst/>
+          </a:prstGeom>
+          <a:ln w="19050">
+            <a:solidFill>
+              <a:srgbClr val="7030A0"/>
+            </a:solidFill>
+          </a:ln>
+          <a:effectLst/>
+        </p:spPr>
+        <p:style>
+          <a:lnRef idx="1">
+            <a:schemeClr val="accent4"/>
+          </a:lnRef>
+          <a:fillRef idx="2">
+            <a:schemeClr val="accent4"/>
+          </a:fillRef>
+          <a:effectRef idx="1">
+            <a:schemeClr val="accent4"/>
+          </a:effectRef>
+          <a:fontRef idx="minor">
+            <a:schemeClr val="dk1"/>
+          </a:fontRef>
+        </p:style>
+        <p:txBody>
+          <a:bodyPr rtlCol="0" anchor="ctr"/>
+          <a:lstStyle/>
+          <a:p>
+            <a:pPr algn="ctr"/>
+            <a:r>
+              <a:rPr lang="en-US" sz="1050" dirty="0">
+                <a:solidFill>
+                  <a:srgbClr val="7030A0"/>
+                </a:solidFill>
+              </a:rPr>
+              <a:t>Event</a:t>
+            </a:r>
+            <a:endParaRPr lang="en-SG" sz="1050" dirty="0">
+              <a:solidFill>
+                <a:srgbClr val="7030A0"/>
+              </a:solidFill>
+            </a:endParaRPr>
+          </a:p>
+        </p:txBody>
+      </p:sp>
+      <p:sp>
+        <p:nvSpPr>
+          <p:cNvPr id="103" name="Rectangle 8">
+            <a:extLst>
+              <a:ext uri="{FF2B5EF4-FFF2-40B4-BE49-F238E27FC236}">
+                <a16:creationId xmlns:a16="http://schemas.microsoft.com/office/drawing/2014/main" id="{4299C969-A553-4CB1-9E8A-8DBE887EA814}"/>
+              </a:ext>
+            </a:extLst>
+          </p:cNvPr>
+          <p:cNvSpPr/>
+          <p:nvPr/>
+        </p:nvSpPr>
+        <p:spPr>
+          <a:xfrm>
+            <a:off x="7229200" y="2420104"/>
+            <a:ext cx="1082150" cy="285783"/>
+          </a:xfrm>
+          <a:prstGeom prst="rect">
+            <a:avLst/>
+          </a:prstGeom>
+          <a:ln w="19050">
+            <a:solidFill>
+              <a:srgbClr val="7030A0"/>
+            </a:solidFill>
+          </a:ln>
+          <a:effectLst/>
+        </p:spPr>
+        <p:style>
+          <a:lnRef idx="1">
+            <a:schemeClr val="accent4"/>
+          </a:lnRef>
+          <a:fillRef idx="2">
+            <a:schemeClr val="accent4"/>
+          </a:fillRef>
+          <a:effectRef idx="1">
+            <a:schemeClr val="accent4"/>
+          </a:effectRef>
+          <a:fontRef idx="minor">
+            <a:schemeClr val="dk1"/>
+          </a:fontRef>
+        </p:style>
+        <p:txBody>
+          <a:bodyPr rtlCol="0" anchor="ctr"/>
+          <a:lstStyle/>
+          <a:p>
+            <a:pPr algn="ctr"/>
+            <a:r>
+              <a:rPr lang="en-US" sz="1050" dirty="0">
+                <a:solidFill>
+                  <a:srgbClr val="7030A0"/>
+                </a:solidFill>
+              </a:rPr>
+              <a:t>Title</a:t>
+            </a:r>
+            <a:endParaRPr lang="en-SG" sz="1050" dirty="0">
+              <a:solidFill>
+                <a:srgbClr val="7030A0"/>
+              </a:solidFill>
+            </a:endParaRPr>
+          </a:p>
+        </p:txBody>
+      </p:sp>
+      <p:sp>
+        <p:nvSpPr>
+          <p:cNvPr id="104" name="Flowchart: Decision 96">
+            <a:extLst>
+              <a:ext uri="{FF2B5EF4-FFF2-40B4-BE49-F238E27FC236}">
+                <a16:creationId xmlns:a16="http://schemas.microsoft.com/office/drawing/2014/main" id="{8B584081-F921-44F5-B39B-16FB13DC415F}"/>
+              </a:ext>
+            </a:extLst>
+          </p:cNvPr>
+          <p:cNvSpPr/>
+          <p:nvPr/>
+        </p:nvSpPr>
+        <p:spPr>
+          <a:xfrm>
+            <a:off x="6523416" y="2879706"/>
+            <a:ext cx="236048" cy="173380"/>
+          </a:xfrm>
+          <a:prstGeom prst="flowChartDecision">
+            <a:avLst/>
+          </a:prstGeom>
+          <a:solidFill>
+            <a:srgbClr val="7030A0"/>
+          </a:solidFill>
+          <a:ln w="19050">
+            <a:solidFill>
+              <a:srgbClr val="7030A0"/>
+            </a:solidFill>
+          </a:ln>
+          <a:effectLst/>
+        </p:spPr>
+        <p:style>
+          <a:lnRef idx="1">
+            <a:schemeClr val="accent6"/>
+          </a:lnRef>
+          <a:fillRef idx="2">
+            <a:schemeClr val="accent6"/>
+          </a:fillRef>
+          <a:effectRef idx="1">
+            <a:schemeClr val="accent6"/>
+          </a:effectRef>
+          <a:fontRef idx="minor">
+            <a:schemeClr val="dk1"/>
+          </a:fontRef>
+        </p:style>
+        <p:txBody>
+          <a:bodyPr rtlCol="0" anchor="ctr"/>
+          <a:lstStyle/>
+          <a:p>
+            <a:pPr algn="ctr"/>
+            <a:endParaRPr lang="en-US" sz="1050"/>
+          </a:p>
+        </p:txBody>
+      </p:sp>
+      <p:cxnSp>
+        <p:nvCxnSpPr>
+          <p:cNvPr id="105" name="Elbow Connector 143">
+            <a:extLst>
+              <a:ext uri="{FF2B5EF4-FFF2-40B4-BE49-F238E27FC236}">
+                <a16:creationId xmlns:a16="http://schemas.microsoft.com/office/drawing/2014/main" id="{195CE856-88B2-4B46-917F-DD830D57A936}"/>
+              </a:ext>
+            </a:extLst>
+          </p:cNvPr>
+          <p:cNvCxnSpPr>
+            <a:cxnSpLocks/>
+            <a:stCxn id="104" idx="3"/>
+            <a:endCxn id="103" idx="1"/>
+          </p:cNvCxnSpPr>
+          <p:nvPr/>
+        </p:nvCxnSpPr>
+        <p:spPr>
+          <a:xfrm flipV="1">
+            <a:off x="6759464" y="2562996"/>
+            <a:ext cx="469736" cy="403400"/>
+          </a:xfrm>
+          <a:prstGeom prst="bentConnector3">
+            <a:avLst>
+              <a:gd name="adj1" fmla="val 50000"/>
+            </a:avLst>
+          </a:prstGeom>
+          <a:ln w="19050">
+            <a:solidFill>
+              <a:srgbClr val="7030A0"/>
+            </a:solidFill>
+            <a:headEnd type="none" w="med" len="med"/>
+            <a:tailEnd type="arrow" w="med" len="med"/>
+          </a:ln>
+          <a:effectLst/>
+        </p:spPr>
+        <p:style>
+          <a:lnRef idx="1">
+            <a:schemeClr val="accent2"/>
+          </a:lnRef>
+          <a:fillRef idx="2">
+            <a:schemeClr val="accent2"/>
+          </a:fillRef>
+          <a:effectRef idx="1">
+            <a:schemeClr val="accent2"/>
+          </a:effectRef>
+          <a:fontRef idx="minor">
+            <a:schemeClr val="dk1"/>
+          </a:fontRef>
+        </p:style>
+      </p:cxnSp>
+      <p:sp>
+        <p:nvSpPr>
+          <p:cNvPr id="106" name="Rectangle 8">
+            <a:extLst>
+              <a:ext uri="{FF2B5EF4-FFF2-40B4-BE49-F238E27FC236}">
+                <a16:creationId xmlns:a16="http://schemas.microsoft.com/office/drawing/2014/main" id="{58A18AB2-5FE3-44BA-A612-6208439C842D}"/>
+              </a:ext>
+            </a:extLst>
+          </p:cNvPr>
+          <p:cNvSpPr/>
+          <p:nvPr/>
+        </p:nvSpPr>
+        <p:spPr>
+          <a:xfrm>
+            <a:off x="7229200" y="2743082"/>
+            <a:ext cx="1082150" cy="285783"/>
+          </a:xfrm>
+          <a:prstGeom prst="rect">
+            <a:avLst/>
+          </a:prstGeom>
+          <a:ln w="19050">
+            <a:solidFill>
+              <a:srgbClr val="7030A0"/>
+            </a:solidFill>
+          </a:ln>
+          <a:effectLst/>
+        </p:spPr>
+        <p:style>
+          <a:lnRef idx="1">
+            <a:schemeClr val="accent4"/>
+          </a:lnRef>
+          <a:fillRef idx="2">
+            <a:schemeClr val="accent4"/>
+          </a:fillRef>
+          <a:effectRef idx="1">
+            <a:schemeClr val="accent4"/>
+          </a:effectRef>
+          <a:fontRef idx="minor">
+            <a:schemeClr val="dk1"/>
+          </a:fontRef>
+        </p:style>
+        <p:txBody>
+          <a:bodyPr rtlCol="0" anchor="ctr"/>
+          <a:lstStyle/>
+          <a:p>
+            <a:pPr algn="ctr"/>
+            <a:r>
+              <a:rPr lang="en-US" sz="1050" dirty="0">
+                <a:solidFill>
+                  <a:srgbClr val="7030A0"/>
+                </a:solidFill>
+              </a:rPr>
+              <a:t>Description</a:t>
+            </a:r>
+            <a:endParaRPr lang="en-SG" sz="1050" dirty="0">
+              <a:solidFill>
+                <a:srgbClr val="7030A0"/>
+              </a:solidFill>
+            </a:endParaRPr>
+          </a:p>
+        </p:txBody>
+      </p:sp>
+      <p:cxnSp>
+        <p:nvCxnSpPr>
+          <p:cNvPr id="107" name="Elbow Connector 145">
+            <a:extLst>
+              <a:ext uri="{FF2B5EF4-FFF2-40B4-BE49-F238E27FC236}">
+                <a16:creationId xmlns:a16="http://schemas.microsoft.com/office/drawing/2014/main" id="{4E715FC6-6E8E-445C-905B-5ADFBE0BE931}"/>
+              </a:ext>
+            </a:extLst>
+          </p:cNvPr>
+          <p:cNvCxnSpPr>
+            <a:cxnSpLocks/>
+            <a:stCxn id="104" idx="3"/>
+            <a:endCxn id="106" idx="1"/>
+          </p:cNvCxnSpPr>
+          <p:nvPr/>
+        </p:nvCxnSpPr>
+        <p:spPr>
+          <a:xfrm flipV="1">
+            <a:off x="6759464" y="2885974"/>
+            <a:ext cx="469736" cy="80422"/>
+          </a:xfrm>
+          <a:prstGeom prst="bentConnector3">
+            <a:avLst>
+              <a:gd name="adj1" fmla="val 50000"/>
+            </a:avLst>
+          </a:prstGeom>
+          <a:ln w="19050">
+            <a:solidFill>
+              <a:srgbClr val="7030A0"/>
+            </a:solidFill>
+            <a:headEnd type="none" w="med" len="med"/>
+            <a:tailEnd type="arrow" w="med" len="med"/>
+          </a:ln>
+          <a:effectLst/>
+        </p:spPr>
+        <p:style>
+          <a:lnRef idx="1">
+            <a:schemeClr val="accent2"/>
+          </a:lnRef>
+          <a:fillRef idx="2">
+            <a:schemeClr val="accent2"/>
+          </a:fillRef>
+          <a:effectRef idx="1">
+            <a:schemeClr val="accent2"/>
+          </a:effectRef>
+          <a:fontRef idx="minor">
+            <a:schemeClr val="dk1"/>
+          </a:fontRef>
+        </p:style>
+      </p:cxnSp>
+      <p:sp>
+        <p:nvSpPr>
+          <p:cNvPr id="108" name="Rectangle 8">
+            <a:extLst>
+              <a:ext uri="{FF2B5EF4-FFF2-40B4-BE49-F238E27FC236}">
+                <a16:creationId xmlns:a16="http://schemas.microsoft.com/office/drawing/2014/main" id="{3571822C-43CA-4EE5-86C0-CFF67DDEECDF}"/>
+              </a:ext>
+            </a:extLst>
+          </p:cNvPr>
+          <p:cNvSpPr/>
+          <p:nvPr/>
+        </p:nvSpPr>
+        <p:spPr>
+          <a:xfrm>
+            <a:off x="7229200" y="3066060"/>
+            <a:ext cx="1082150" cy="285783"/>
+          </a:xfrm>
+          <a:prstGeom prst="rect">
+            <a:avLst/>
+          </a:prstGeom>
+          <a:ln w="19050">
+            <a:solidFill>
+              <a:srgbClr val="7030A0"/>
+            </a:solidFill>
+          </a:ln>
+          <a:effectLst/>
+        </p:spPr>
+        <p:style>
+          <a:lnRef idx="1">
+            <a:schemeClr val="accent4"/>
+          </a:lnRef>
+          <a:fillRef idx="2">
+            <a:schemeClr val="accent4"/>
+          </a:fillRef>
+          <a:effectRef idx="1">
+            <a:schemeClr val="accent4"/>
+          </a:effectRef>
+          <a:fontRef idx="minor">
+            <a:schemeClr val="dk1"/>
+          </a:fontRef>
+        </p:style>
+        <p:txBody>
+          <a:bodyPr rtlCol="0" anchor="ctr"/>
+          <a:lstStyle/>
+          <a:p>
+            <a:pPr algn="ctr"/>
+            <a:r>
+              <a:rPr lang="en-US" sz="1050" dirty="0">
+                <a:solidFill>
+                  <a:srgbClr val="7030A0"/>
+                </a:solidFill>
+              </a:rPr>
+              <a:t>Location</a:t>
+            </a:r>
+            <a:endParaRPr lang="en-SG" sz="1050" dirty="0">
+              <a:solidFill>
+                <a:srgbClr val="7030A0"/>
+              </a:solidFill>
+            </a:endParaRPr>
+          </a:p>
+        </p:txBody>
+      </p:sp>
+      <p:cxnSp>
+        <p:nvCxnSpPr>
+          <p:cNvPr id="109" name="Elbow Connector 147">
+            <a:extLst>
+              <a:ext uri="{FF2B5EF4-FFF2-40B4-BE49-F238E27FC236}">
+                <a16:creationId xmlns:a16="http://schemas.microsoft.com/office/drawing/2014/main" id="{EAEA431C-1AB8-49BC-93F7-B8977E2657FD}"/>
+              </a:ext>
+            </a:extLst>
+          </p:cNvPr>
+          <p:cNvCxnSpPr>
+            <a:cxnSpLocks/>
+            <a:stCxn id="104" idx="3"/>
+            <a:endCxn id="108" idx="1"/>
+          </p:cNvCxnSpPr>
+          <p:nvPr/>
+        </p:nvCxnSpPr>
+        <p:spPr>
+          <a:xfrm>
+            <a:off x="6759464" y="2966396"/>
+            <a:ext cx="469736" cy="242556"/>
+          </a:xfrm>
+          <a:prstGeom prst="bentConnector3">
+            <a:avLst>
+              <a:gd name="adj1" fmla="val 50000"/>
+            </a:avLst>
+          </a:prstGeom>
+          <a:ln w="19050">
+            <a:solidFill>
+              <a:srgbClr val="7030A0"/>
+            </a:solidFill>
+            <a:headEnd type="none" w="med" len="med"/>
+            <a:tailEnd type="arrow" w="med" len="med"/>
+          </a:ln>
+          <a:effectLst/>
+        </p:spPr>
+        <p:style>
+          <a:lnRef idx="1">
+            <a:schemeClr val="accent2"/>
+          </a:lnRef>
+          <a:fillRef idx="2">
+            <a:schemeClr val="accent2"/>
+          </a:fillRef>
+          <a:effectRef idx="1">
+            <a:schemeClr val="accent2"/>
+          </a:effectRef>
+          <a:fontRef idx="minor">
+            <a:schemeClr val="dk1"/>
+          </a:fontRef>
+        </p:style>
+      </p:cxnSp>
+      <p:sp>
+        <p:nvSpPr>
+          <p:cNvPr id="110" name="Rectangle 8">
+            <a:extLst>
+              <a:ext uri="{FF2B5EF4-FFF2-40B4-BE49-F238E27FC236}">
+                <a16:creationId xmlns:a16="http://schemas.microsoft.com/office/drawing/2014/main" id="{77420423-FF8C-4A11-96A5-6C5D5E56A593}"/>
+              </a:ext>
+            </a:extLst>
+          </p:cNvPr>
+          <p:cNvSpPr/>
+          <p:nvPr/>
+        </p:nvSpPr>
+        <p:spPr>
+          <a:xfrm>
+            <a:off x="7229200" y="3389037"/>
+            <a:ext cx="1082150" cy="285783"/>
+          </a:xfrm>
+          <a:prstGeom prst="rect">
+            <a:avLst/>
+          </a:prstGeom>
+          <a:ln w="19050">
+            <a:solidFill>
+              <a:srgbClr val="7030A0"/>
+            </a:solidFill>
+          </a:ln>
+          <a:effectLst/>
+        </p:spPr>
+        <p:style>
+          <a:lnRef idx="1">
+            <a:schemeClr val="accent4"/>
+          </a:lnRef>
+          <a:fillRef idx="2">
+            <a:schemeClr val="accent4"/>
+          </a:fillRef>
+          <a:effectRef idx="1">
+            <a:schemeClr val="accent4"/>
+          </a:effectRef>
+          <a:fontRef idx="minor">
+            <a:schemeClr val="dk1"/>
+          </a:fontRef>
+        </p:style>
+        <p:txBody>
+          <a:bodyPr rtlCol="0" anchor="ctr"/>
+          <a:lstStyle/>
+          <a:p>
+            <a:pPr algn="ctr"/>
+            <a:r>
+              <a:rPr lang="en-US" sz="1050" dirty="0">
+                <a:solidFill>
+                  <a:srgbClr val="7030A0"/>
+                </a:solidFill>
+              </a:rPr>
+              <a:t>Datetime</a:t>
+            </a:r>
+            <a:endParaRPr lang="en-SG" sz="1050" dirty="0">
+              <a:solidFill>
+                <a:srgbClr val="7030A0"/>
+              </a:solidFill>
+            </a:endParaRPr>
+          </a:p>
+        </p:txBody>
+      </p:sp>
+      <p:cxnSp>
+        <p:nvCxnSpPr>
+          <p:cNvPr id="111" name="Elbow Connector 149">
+            <a:extLst>
+              <a:ext uri="{FF2B5EF4-FFF2-40B4-BE49-F238E27FC236}">
+                <a16:creationId xmlns:a16="http://schemas.microsoft.com/office/drawing/2014/main" id="{A3B425B4-EEE0-4656-9B6B-67B409BFE1BA}"/>
+              </a:ext>
+            </a:extLst>
+          </p:cNvPr>
+          <p:cNvCxnSpPr>
+            <a:cxnSpLocks/>
+            <a:stCxn id="104" idx="3"/>
+            <a:endCxn id="110" idx="1"/>
+          </p:cNvCxnSpPr>
+          <p:nvPr/>
+        </p:nvCxnSpPr>
+        <p:spPr>
+          <a:xfrm>
+            <a:off x="6759464" y="2966396"/>
+            <a:ext cx="469736" cy="565533"/>
+          </a:xfrm>
+          <a:prstGeom prst="bentConnector3">
+            <a:avLst>
+              <a:gd name="adj1" fmla="val 50000"/>
+            </a:avLst>
+          </a:prstGeom>
+          <a:ln w="19050">
+            <a:solidFill>
+              <a:srgbClr val="7030A0"/>
+            </a:solidFill>
+            <a:headEnd type="none" w="med" len="med"/>
+            <a:tailEnd type="arrow" w="med" len="med"/>
+          </a:ln>
+          <a:effectLst/>
+        </p:spPr>
+        <p:style>
+          <a:lnRef idx="1">
+            <a:schemeClr val="accent2"/>
+          </a:lnRef>
+          <a:fillRef idx="2">
+            <a:schemeClr val="accent2"/>
+          </a:fillRef>
+          <a:effectRef idx="1">
+            <a:schemeClr val="accent2"/>
+          </a:effectRef>
+          <a:fontRef idx="minor">
+            <a:schemeClr val="dk1"/>
+          </a:fontRef>
+        </p:style>
+      </p:cxnSp>
+      <p:sp>
+        <p:nvSpPr>
+          <p:cNvPr id="112" name="Flowchart: Decision 96">
+            <a:extLst>
+              <a:ext uri="{FF2B5EF4-FFF2-40B4-BE49-F238E27FC236}">
+                <a16:creationId xmlns:a16="http://schemas.microsoft.com/office/drawing/2014/main" id="{2EDC1F88-E14D-4943-A602-EB795B1D84DC}"/>
+              </a:ext>
+            </a:extLst>
+          </p:cNvPr>
+          <p:cNvSpPr/>
+          <p:nvPr/>
+        </p:nvSpPr>
+        <p:spPr>
+          <a:xfrm>
+            <a:off x="5143572" y="2790584"/>
+            <a:ext cx="236048" cy="173380"/>
+          </a:xfrm>
+          <a:prstGeom prst="flowChartDecision">
+            <a:avLst/>
+          </a:prstGeom>
+          <a:noFill/>
+          <a:ln w="19050">
+            <a:solidFill>
+              <a:srgbClr val="7030A0"/>
+            </a:solidFill>
+          </a:ln>
+          <a:effectLst/>
+        </p:spPr>
+        <p:style>
+          <a:lnRef idx="1">
+            <a:schemeClr val="accent6"/>
+          </a:lnRef>
+          <a:fillRef idx="2">
+            <a:schemeClr val="accent6"/>
+          </a:fillRef>
+          <a:effectRef idx="1">
+            <a:schemeClr val="accent6"/>
+          </a:effectRef>
+          <a:fontRef idx="minor">
+            <a:schemeClr val="dk1"/>
+          </a:fontRef>
+        </p:style>
+        <p:txBody>
+          <a:bodyPr rtlCol="0" anchor="ctr"/>
+          <a:lstStyle/>
+          <a:p>
+            <a:pPr algn="ctr"/>
+            <a:endParaRPr lang="en-US" sz="1050"/>
+          </a:p>
+        </p:txBody>
+      </p:sp>
+      <p:cxnSp>
+        <p:nvCxnSpPr>
+          <p:cNvPr id="113" name="Elbow Connector 151">
+            <a:extLst>
+              <a:ext uri="{FF2B5EF4-FFF2-40B4-BE49-F238E27FC236}">
+                <a16:creationId xmlns:a16="http://schemas.microsoft.com/office/drawing/2014/main" id="{DAC728E0-4A77-4EDF-9768-A97C09F5B26A}"/>
+              </a:ext>
+            </a:extLst>
+          </p:cNvPr>
+          <p:cNvCxnSpPr>
+            <a:cxnSpLocks/>
+          </p:cNvCxnSpPr>
+          <p:nvPr/>
+        </p:nvCxnSpPr>
+        <p:spPr>
+          <a:xfrm>
+            <a:off x="5390762" y="2886603"/>
+            <a:ext cx="453600" cy="777"/>
+          </a:xfrm>
+          <a:prstGeom prst="bentConnector3">
+            <a:avLst/>
+          </a:prstGeom>
+          <a:ln w="19050">
+            <a:solidFill>
+              <a:srgbClr val="7030A0"/>
+            </a:solidFill>
+            <a:headEnd type="none" w="med" len="med"/>
+            <a:tailEnd type="arrow" w="med" len="med"/>
+          </a:ln>
+          <a:effectLst/>
+        </p:spPr>
+        <p:style>
+          <a:lnRef idx="1">
+            <a:schemeClr val="accent2"/>
+          </a:lnRef>
+          <a:fillRef idx="2">
+            <a:schemeClr val="accent2"/>
+          </a:fillRef>
+          <a:effectRef idx="1">
+            <a:schemeClr val="accent2"/>
+          </a:effectRef>
+          <a:fontRef idx="minor">
+            <a:schemeClr val="dk1"/>
+          </a:fontRef>
+        </p:style>
+      </p:cxnSp>
+      <p:sp>
+        <p:nvSpPr>
+          <p:cNvPr id="128" name="TextBox 127">
+            <a:extLst>
+              <a:ext uri="{FF2B5EF4-FFF2-40B4-BE49-F238E27FC236}">
+                <a16:creationId xmlns:a16="http://schemas.microsoft.com/office/drawing/2014/main" id="{88C712DB-97A3-4F6D-AF29-45C6B9948559}"/>
+              </a:ext>
+            </a:extLst>
+          </p:cNvPr>
+          <p:cNvSpPr txBox="1"/>
+          <p:nvPr/>
+        </p:nvSpPr>
+        <p:spPr>
+          <a:xfrm>
+            <a:off x="5683693" y="2698621"/>
+            <a:ext cx="189257" cy="178683"/>
+          </a:xfrm>
+          <a:prstGeom prst="rect">
+            <a:avLst/>
+          </a:prstGeom>
+          <a:noFill/>
+        </p:spPr>
+        <p:txBody>
+          <a:bodyPr wrap="square" lIns="0" tIns="0" rIns="0" bIns="0" rtlCol="0">
+            <a:noAutofit/>
+          </a:bodyPr>
+          <a:lstStyle/>
+          <a:p>
+            <a:pPr algn="ctr"/>
+            <a:r>
+              <a:rPr lang="en-US" sz="1100" dirty="0">
+                <a:solidFill>
+                  <a:srgbClr val="7030A0"/>
+                </a:solidFill>
+              </a:rPr>
+              <a:t>*</a:t>
+            </a:r>
+            <a:endParaRPr lang="en-SG" sz="1100" dirty="0">
+              <a:solidFill>
+                <a:srgbClr val="7030A0"/>
+              </a:solidFill>
+            </a:endParaRPr>
+          </a:p>
+        </p:txBody>
+      </p:sp>
+      <p:cxnSp>
+        <p:nvCxnSpPr>
+          <p:cNvPr id="130" name="Straight Arrow Connector 129">
+            <a:extLst>
+              <a:ext uri="{FF2B5EF4-FFF2-40B4-BE49-F238E27FC236}">
+                <a16:creationId xmlns:a16="http://schemas.microsoft.com/office/drawing/2014/main" id="{475F2CB4-1CD2-4F30-AA40-B07A9E8C258C}"/>
+              </a:ext>
+            </a:extLst>
+          </p:cNvPr>
+          <p:cNvCxnSpPr>
+            <a:cxnSpLocks/>
+            <a:endCxn id="95" idx="2"/>
+          </p:cNvCxnSpPr>
+          <p:nvPr/>
+        </p:nvCxnSpPr>
+        <p:spPr>
+          <a:xfrm flipH="1" flipV="1">
+            <a:off x="6185198" y="3116192"/>
+            <a:ext cx="5090" cy="774160"/>
+          </a:xfrm>
+          <a:prstGeom prst="straightConnector1">
+            <a:avLst/>
+          </a:prstGeom>
+          <a:ln w="19050">
+            <a:solidFill>
+              <a:srgbClr val="7030A0"/>
+            </a:solidFill>
+            <a:tailEnd type="arrow"/>
+          </a:ln>
+        </p:spPr>
+        <p:style>
+          <a:lnRef idx="1">
+            <a:schemeClr val="accent1"/>
+          </a:lnRef>
+          <a:fillRef idx="0">
+            <a:schemeClr val="accent1"/>
+          </a:fillRef>
+          <a:effectRef idx="0">
+            <a:schemeClr val="accent1"/>
+          </a:effectRef>
+          <a:fontRef idx="minor">
+            <a:schemeClr val="tx1"/>
+          </a:fontRef>
+        </p:style>
+      </p:cxnSp>
+      <p:sp>
+        <p:nvSpPr>
+          <p:cNvPr id="137" name="TextBox 136">
+            <a:extLst>
+              <a:ext uri="{FF2B5EF4-FFF2-40B4-BE49-F238E27FC236}">
+                <a16:creationId xmlns:a16="http://schemas.microsoft.com/office/drawing/2014/main" id="{4A415B9D-6F9E-4DF5-94C6-60663F5588C2}"/>
+              </a:ext>
+            </a:extLst>
+          </p:cNvPr>
+          <p:cNvSpPr txBox="1"/>
+          <p:nvPr/>
+        </p:nvSpPr>
+        <p:spPr>
+          <a:xfrm>
+            <a:off x="6487432" y="2707290"/>
+            <a:ext cx="189257" cy="178683"/>
+          </a:xfrm>
+          <a:prstGeom prst="rect">
+            <a:avLst/>
+          </a:prstGeom>
+          <a:noFill/>
+        </p:spPr>
+        <p:txBody>
+          <a:bodyPr wrap="square" lIns="0" tIns="0" rIns="0" bIns="0" rtlCol="0">
+            <a:noAutofit/>
+          </a:bodyPr>
+          <a:lstStyle/>
+          <a:p>
+            <a:pPr algn="ctr"/>
+            <a:r>
+              <a:rPr lang="en-US" sz="1100" dirty="0">
+                <a:solidFill>
+                  <a:srgbClr val="7030A0"/>
+                </a:solidFill>
+              </a:rPr>
+              <a:t>1</a:t>
+            </a:r>
+            <a:endParaRPr lang="en-SG" sz="1100" dirty="0">
+              <a:solidFill>
+                <a:srgbClr val="7030A0"/>
+              </a:solidFill>
+            </a:endParaRPr>
+          </a:p>
+        </p:txBody>
+      </p:sp>
+      <p:cxnSp>
+        <p:nvCxnSpPr>
+          <p:cNvPr id="138" name="Straight Arrow Connector 137">
+            <a:extLst>
+              <a:ext uri="{FF2B5EF4-FFF2-40B4-BE49-F238E27FC236}">
+                <a16:creationId xmlns:a16="http://schemas.microsoft.com/office/drawing/2014/main" id="{CDEB3FA9-2D85-4081-A467-A7F916A1051A}"/>
+              </a:ext>
+            </a:extLst>
+          </p:cNvPr>
+          <p:cNvCxnSpPr>
+            <a:cxnSpLocks/>
+            <a:stCxn id="139" idx="3"/>
+          </p:cNvCxnSpPr>
+          <p:nvPr/>
+        </p:nvCxnSpPr>
+        <p:spPr>
+          <a:xfrm>
+            <a:off x="2196305" y="2851040"/>
+            <a:ext cx="220810" cy="5284"/>
+          </a:xfrm>
+          <a:prstGeom prst="straightConnector1">
+            <a:avLst/>
+          </a:prstGeom>
+          <a:ln w="19050">
+            <a:solidFill>
+              <a:srgbClr val="7030A0"/>
+            </a:solidFill>
+            <a:headEnd type="none" w="med" len="med"/>
+            <a:tailEnd type="arrow" w="med" len="med"/>
+          </a:ln>
+          <a:effectLst/>
+        </p:spPr>
+        <p:style>
+          <a:lnRef idx="1">
+            <a:schemeClr val="accent2"/>
+          </a:lnRef>
+          <a:fillRef idx="2">
+            <a:schemeClr val="accent2"/>
+          </a:fillRef>
+          <a:effectRef idx="1">
+            <a:schemeClr val="accent2"/>
+          </a:effectRef>
+          <a:fontRef idx="minor">
+            <a:schemeClr val="dk1"/>
+          </a:fontRef>
+        </p:style>
+      </p:cxnSp>
+      <p:sp>
+        <p:nvSpPr>
+          <p:cNvPr id="139" name="Flowchart: Decision 96">
+            <a:extLst>
+              <a:ext uri="{FF2B5EF4-FFF2-40B4-BE49-F238E27FC236}">
+                <a16:creationId xmlns:a16="http://schemas.microsoft.com/office/drawing/2014/main" id="{57CB90CA-6D8B-443F-8676-C0D4552B69A3}"/>
+              </a:ext>
+            </a:extLst>
+          </p:cNvPr>
+          <p:cNvSpPr/>
+          <p:nvPr/>
+        </p:nvSpPr>
+        <p:spPr>
+          <a:xfrm>
+            <a:off x="1960257" y="2764350"/>
+            <a:ext cx="236048" cy="173380"/>
+          </a:xfrm>
+          <a:prstGeom prst="flowChartDecision">
+            <a:avLst/>
+          </a:prstGeom>
+          <a:noFill/>
+          <a:ln w="19050">
+            <a:solidFill>
+              <a:srgbClr val="7030A0"/>
+            </a:solidFill>
+          </a:ln>
+          <a:effectLst/>
+        </p:spPr>
+        <p:style>
+          <a:lnRef idx="1">
+            <a:schemeClr val="accent6"/>
+          </a:lnRef>
+          <a:fillRef idx="2">
+            <a:schemeClr val="accent6"/>
+          </a:fillRef>
+          <a:effectRef idx="1">
+            <a:schemeClr val="accent6"/>
+          </a:effectRef>
+          <a:fontRef idx="minor">
+            <a:schemeClr val="dk1"/>
+          </a:fontRef>
+        </p:style>
+        <p:txBody>
+          <a:bodyPr rtlCol="0" anchor="ctr"/>
+          <a:lstStyle/>
+          <a:p>
+            <a:pPr algn="ctr"/>
+            <a:endParaRPr lang="en-US" sz="1050"/>
+          </a:p>
+        </p:txBody>
+      </p:sp>
+      <p:sp>
+        <p:nvSpPr>
+          <p:cNvPr id="141" name="TextBox 140">
+            <a:extLst>
+              <a:ext uri="{FF2B5EF4-FFF2-40B4-BE49-F238E27FC236}">
+                <a16:creationId xmlns:a16="http://schemas.microsoft.com/office/drawing/2014/main" id="{96C50FDE-C892-4389-B373-D1076B617CC3}"/>
+              </a:ext>
+            </a:extLst>
+          </p:cNvPr>
+          <p:cNvSpPr txBox="1"/>
+          <p:nvPr/>
+        </p:nvSpPr>
+        <p:spPr>
+          <a:xfrm>
+            <a:off x="2206935" y="2622421"/>
+            <a:ext cx="189257" cy="178683"/>
+          </a:xfrm>
+          <a:prstGeom prst="rect">
+            <a:avLst/>
+          </a:prstGeom>
+          <a:noFill/>
+        </p:spPr>
+        <p:txBody>
+          <a:bodyPr wrap="square" lIns="0" tIns="0" rIns="0" bIns="0" rtlCol="0">
+            <a:noAutofit/>
+          </a:bodyPr>
+          <a:lstStyle/>
+          <a:p>
+            <a:pPr algn="ctr"/>
+            <a:r>
+              <a:rPr lang="en-US" sz="1100" dirty="0">
+                <a:solidFill>
+                  <a:srgbClr val="7030A0"/>
+                </a:solidFill>
+              </a:rPr>
+              <a:t>1</a:t>
+            </a:r>
+            <a:endParaRPr lang="en-SG" sz="1100" dirty="0">
+              <a:solidFill>
+                <a:srgbClr val="7030A0"/>
+              </a:solidFill>
+            </a:endParaRPr>
+          </a:p>
+        </p:txBody>
+      </p:sp>
+      <p:sp>
+        <p:nvSpPr>
+          <p:cNvPr id="154" name="Rectangle 8">
+            <a:extLst>
+              <a:ext uri="{FF2B5EF4-FFF2-40B4-BE49-F238E27FC236}">
+                <a16:creationId xmlns:a16="http://schemas.microsoft.com/office/drawing/2014/main" id="{CC5D0763-71F5-4CE1-83CA-5A15C4D06FB0}"/>
+              </a:ext>
+            </a:extLst>
+          </p:cNvPr>
+          <p:cNvSpPr/>
+          <p:nvPr/>
+        </p:nvSpPr>
+        <p:spPr>
+          <a:xfrm>
+            <a:off x="2417115" y="2682944"/>
+            <a:ext cx="1093635" cy="346760"/>
+          </a:xfrm>
+          <a:prstGeom prst="rect">
+            <a:avLst/>
+          </a:prstGeom>
+          <a:ln w="19050">
+            <a:solidFill>
+              <a:srgbClr val="7030A0"/>
+            </a:solidFill>
+          </a:ln>
+          <a:effectLst/>
+        </p:spPr>
+        <p:style>
+          <a:lnRef idx="1">
+            <a:schemeClr val="accent4"/>
+          </a:lnRef>
+          <a:fillRef idx="2">
+            <a:schemeClr val="accent4"/>
+          </a:fillRef>
+          <a:effectRef idx="1">
+            <a:schemeClr val="accent4"/>
+          </a:effectRef>
+          <a:fontRef idx="minor">
+            <a:schemeClr val="dk1"/>
+          </a:fontRef>
+        </p:style>
+        <p:txBody>
+          <a:bodyPr rtlCol="0" anchor="ctr"/>
+          <a:lstStyle/>
+          <a:p>
+            <a:pPr algn="ctr"/>
+            <a:r>
+              <a:rPr lang="en-US" sz="1050" dirty="0">
+                <a:solidFill>
+                  <a:srgbClr val="7030A0"/>
+                </a:solidFill>
+              </a:rPr>
+              <a:t>EventBook</a:t>
+            </a:r>
+            <a:endParaRPr lang="en-SG" sz="1050" dirty="0">
+              <a:solidFill>
+                <a:srgbClr val="7030A0"/>
+              </a:solidFill>
+            </a:endParaRPr>
+          </a:p>
+        </p:txBody>
+      </p:sp>
+      <p:sp>
+        <p:nvSpPr>
+          <p:cNvPr id="160" name="Flowchart: Decision 96">
+            <a:extLst>
+              <a:ext uri="{FF2B5EF4-FFF2-40B4-BE49-F238E27FC236}">
+                <a16:creationId xmlns:a16="http://schemas.microsoft.com/office/drawing/2014/main" id="{52BA7479-D88E-441A-8E57-B226637C41A2}"/>
+              </a:ext>
+            </a:extLst>
+          </p:cNvPr>
+          <p:cNvSpPr/>
+          <p:nvPr/>
+        </p:nvSpPr>
+        <p:spPr>
+          <a:xfrm>
+            <a:off x="3527467" y="2805188"/>
+            <a:ext cx="236048" cy="173380"/>
+          </a:xfrm>
+          <a:prstGeom prst="flowChartDecision">
+            <a:avLst/>
+          </a:prstGeom>
+          <a:solidFill>
+            <a:srgbClr val="7030A0"/>
+          </a:solidFill>
+          <a:ln w="19050">
+            <a:solidFill>
+              <a:srgbClr val="7030A0"/>
+            </a:solidFill>
+          </a:ln>
+          <a:effectLst/>
+        </p:spPr>
+        <p:style>
+          <a:lnRef idx="1">
+            <a:schemeClr val="accent6"/>
+          </a:lnRef>
+          <a:fillRef idx="2">
+            <a:schemeClr val="accent6"/>
+          </a:fillRef>
+          <a:effectRef idx="1">
+            <a:schemeClr val="accent6"/>
+          </a:effectRef>
+          <a:fontRef idx="minor">
+            <a:schemeClr val="dk1"/>
+          </a:fontRef>
+        </p:style>
+        <p:txBody>
+          <a:bodyPr rtlCol="0" anchor="ctr"/>
+          <a:lstStyle/>
+          <a:p>
+            <a:pPr algn="ctr"/>
+            <a:endParaRPr lang="en-US" sz="1050"/>
+          </a:p>
+        </p:txBody>
+      </p:sp>
+      <p:sp>
+        <p:nvSpPr>
+          <p:cNvPr id="164" name="Rectangle 8">
+            <a:extLst>
+              <a:ext uri="{FF2B5EF4-FFF2-40B4-BE49-F238E27FC236}">
+                <a16:creationId xmlns:a16="http://schemas.microsoft.com/office/drawing/2014/main" id="{F5DFB21E-84A3-4AD4-B8DB-479C8AB6E653}"/>
+              </a:ext>
+            </a:extLst>
+          </p:cNvPr>
+          <p:cNvSpPr/>
+          <p:nvPr/>
+        </p:nvSpPr>
+        <p:spPr>
+          <a:xfrm>
+            <a:off x="3976779" y="2709412"/>
+            <a:ext cx="1156969" cy="346760"/>
+          </a:xfrm>
+          <a:prstGeom prst="rect">
+            <a:avLst/>
+          </a:prstGeom>
+          <a:ln w="19050">
+            <a:solidFill>
+              <a:srgbClr val="7030A0"/>
+            </a:solidFill>
+          </a:ln>
+          <a:effectLst/>
+        </p:spPr>
+        <p:style>
+          <a:lnRef idx="1">
+            <a:schemeClr val="accent4"/>
+          </a:lnRef>
+          <a:fillRef idx="2">
+            <a:schemeClr val="accent4"/>
+          </a:fillRef>
+          <a:effectRef idx="1">
+            <a:schemeClr val="accent4"/>
+          </a:effectRef>
+          <a:fontRef idx="minor">
+            <a:schemeClr val="dk1"/>
+          </a:fontRef>
+        </p:style>
+        <p:txBody>
+          <a:bodyPr rtlCol="0" anchor="ctr"/>
+          <a:lstStyle/>
+          <a:p>
+            <a:pPr algn="ctr"/>
+            <a:r>
+              <a:rPr lang="en-US" sz="1050" dirty="0">
+                <a:solidFill>
+                  <a:srgbClr val="7030A0"/>
+                </a:solidFill>
+              </a:rPr>
+              <a:t>UniqueEventList</a:t>
+            </a:r>
+            <a:endParaRPr lang="en-SG" sz="1050" dirty="0">
+              <a:solidFill>
+                <a:srgbClr val="7030A0"/>
+              </a:solidFill>
+            </a:endParaRPr>
+          </a:p>
+        </p:txBody>
+      </p:sp>
+      <p:sp>
+        <p:nvSpPr>
+          <p:cNvPr id="168" name="TextBox 167">
+            <a:extLst>
+              <a:ext uri="{FF2B5EF4-FFF2-40B4-BE49-F238E27FC236}">
+                <a16:creationId xmlns:a16="http://schemas.microsoft.com/office/drawing/2014/main" id="{9AA415CB-23FD-4B99-BB67-FD8B8B838300}"/>
+              </a:ext>
+            </a:extLst>
+          </p:cNvPr>
+          <p:cNvSpPr txBox="1"/>
+          <p:nvPr/>
+        </p:nvSpPr>
+        <p:spPr>
+          <a:xfrm>
+            <a:off x="3825000" y="2700935"/>
+            <a:ext cx="189257" cy="178683"/>
+          </a:xfrm>
+          <a:prstGeom prst="rect">
+            <a:avLst/>
+          </a:prstGeom>
+          <a:noFill/>
+        </p:spPr>
+        <p:txBody>
+          <a:bodyPr wrap="square" lIns="0" tIns="0" rIns="0" bIns="0" rtlCol="0">
+            <a:noAutofit/>
+          </a:bodyPr>
+          <a:lstStyle/>
+          <a:p>
+            <a:pPr algn="ctr"/>
+            <a:r>
+              <a:rPr lang="en-US" sz="1100" dirty="0">
+                <a:solidFill>
+                  <a:srgbClr val="7030A0"/>
+                </a:solidFill>
+              </a:rPr>
+              <a:t>1</a:t>
+            </a:r>
+            <a:endParaRPr lang="en-SG" sz="1100" dirty="0">
+              <a:solidFill>
+                <a:srgbClr val="7030A0"/>
+              </a:solidFill>
+            </a:endParaRPr>
+          </a:p>
+        </p:txBody>
+      </p:sp>
+      <p:sp>
+        <p:nvSpPr>
+          <p:cNvPr id="170" name="Isosceles Triangle 102">
+            <a:extLst>
+              <a:ext uri="{FF2B5EF4-FFF2-40B4-BE49-F238E27FC236}">
+                <a16:creationId xmlns:a16="http://schemas.microsoft.com/office/drawing/2014/main" id="{7BB56D92-FFE0-4180-8679-88F08FC489C4}"/>
+              </a:ext>
+            </a:extLst>
+          </p:cNvPr>
+          <p:cNvSpPr/>
+          <p:nvPr/>
+        </p:nvSpPr>
+        <p:spPr>
+          <a:xfrm flipV="1">
+            <a:off x="2824117" y="3195121"/>
+            <a:ext cx="270504" cy="175523"/>
+          </a:xfrm>
+          <a:prstGeom prst="triangle">
+            <a:avLst/>
+          </a:prstGeom>
+          <a:ln w="19050">
+            <a:solidFill>
+              <a:srgbClr val="7030A0"/>
+            </a:solidFill>
+          </a:ln>
+          <a:effectLst/>
+        </p:spPr>
+        <p:style>
+          <a:lnRef idx="1">
+            <a:schemeClr val="accent4"/>
+          </a:lnRef>
+          <a:fillRef idx="2">
+            <a:schemeClr val="accent4"/>
+          </a:fillRef>
+          <a:effectRef idx="1">
+            <a:schemeClr val="accent4"/>
+          </a:effectRef>
+          <a:fontRef idx="minor">
+            <a:schemeClr val="dk1"/>
+          </a:fontRef>
+        </p:style>
+        <p:txBody>
+          <a:bodyPr rtlCol="0" anchor="ctr"/>
+          <a:lstStyle/>
+          <a:p>
+            <a:pPr algn="ctr"/>
+            <a:endParaRPr lang="en-SG" sz="1050" b="1">
+              <a:solidFill>
+                <a:srgbClr val="92D050"/>
+              </a:solidFill>
+            </a:endParaRPr>
+          </a:p>
+        </p:txBody>
+      </p:sp>
+      <p:sp>
+        <p:nvSpPr>
+          <p:cNvPr id="173" name="Rectangle 8">
+            <a:extLst>
+              <a:ext uri="{FF2B5EF4-FFF2-40B4-BE49-F238E27FC236}">
+                <a16:creationId xmlns:a16="http://schemas.microsoft.com/office/drawing/2014/main" id="{98913051-DE78-4E26-A3FF-507DDAD4DD1B}"/>
+              </a:ext>
+            </a:extLst>
+          </p:cNvPr>
+          <p:cNvSpPr/>
+          <p:nvPr/>
+        </p:nvSpPr>
+        <p:spPr>
+          <a:xfrm>
+            <a:off x="2215196" y="3380716"/>
+            <a:ext cx="1539926" cy="346760"/>
+          </a:xfrm>
+          <a:prstGeom prst="rect">
+            <a:avLst/>
+          </a:prstGeom>
+          <a:ln w="19050">
+            <a:solidFill>
+              <a:srgbClr val="7030A0"/>
+            </a:solidFill>
+          </a:ln>
+          <a:effectLst/>
+        </p:spPr>
+        <p:style>
+          <a:lnRef idx="1">
+            <a:schemeClr val="accent4"/>
+          </a:lnRef>
+          <a:fillRef idx="2">
+            <a:schemeClr val="accent4"/>
+          </a:fillRef>
+          <a:effectRef idx="1">
+            <a:schemeClr val="accent4"/>
+          </a:effectRef>
+          <a:fontRef idx="minor">
+            <a:schemeClr val="dk1"/>
+          </a:fontRef>
+        </p:style>
+        <p:txBody>
+          <a:bodyPr rtlCol="0" anchor="ctr"/>
+          <a:lstStyle/>
+          <a:p>
+            <a:pPr algn="ctr"/>
+            <a:r>
+              <a:rPr lang="en-US" sz="1050">
+                <a:solidFill>
+                  <a:srgbClr val="7030A0"/>
+                </a:solidFill>
+              </a:rPr>
+              <a:t>&lt;&lt;interface&gt;&gt;</a:t>
+            </a:r>
+            <a:br>
+              <a:rPr lang="en-US" sz="1050">
+                <a:solidFill>
+                  <a:srgbClr val="7030A0"/>
+                </a:solidFill>
+              </a:rPr>
+            </a:br>
+            <a:r>
+              <a:rPr lang="en-US" sz="1050">
+                <a:solidFill>
+                  <a:srgbClr val="7030A0"/>
+                </a:solidFill>
+              </a:rPr>
+              <a:t>ReadOnlyEventBook</a:t>
+            </a:r>
+            <a:endParaRPr lang="en-SG" sz="1050" dirty="0">
+              <a:solidFill>
+                <a:srgbClr val="7030A0"/>
+              </a:solidFill>
+            </a:endParaRPr>
+          </a:p>
+        </p:txBody>
+      </p:sp>
+      <p:cxnSp>
+        <p:nvCxnSpPr>
+          <p:cNvPr id="174" name="Straight Connector 173">
+            <a:extLst>
+              <a:ext uri="{FF2B5EF4-FFF2-40B4-BE49-F238E27FC236}">
+                <a16:creationId xmlns:a16="http://schemas.microsoft.com/office/drawing/2014/main" id="{31F60244-3252-4A58-B4A7-1CF25CD2D41D}"/>
+              </a:ext>
+            </a:extLst>
+          </p:cNvPr>
+          <p:cNvCxnSpPr>
+            <a:cxnSpLocks/>
+          </p:cNvCxnSpPr>
+          <p:nvPr/>
+        </p:nvCxnSpPr>
+        <p:spPr>
+          <a:xfrm>
+            <a:off x="1842658" y="3867904"/>
+            <a:ext cx="4369680" cy="0"/>
+          </a:xfrm>
+          <a:prstGeom prst="line">
+            <a:avLst/>
+          </a:prstGeom>
+          <a:ln w="19050">
+            <a:solidFill>
+              <a:srgbClr val="7030A0"/>
+            </a:solidFill>
+          </a:ln>
+        </p:spPr>
+        <p:style>
+          <a:lnRef idx="1">
+            <a:schemeClr val="accent1"/>
+          </a:lnRef>
+          <a:fillRef idx="0">
+            <a:schemeClr val="accent1"/>
+          </a:fillRef>
+          <a:effectRef idx="0">
+            <a:schemeClr val="accent1"/>
+          </a:effectRef>
+          <a:fontRef idx="minor">
+            <a:schemeClr val="tx1"/>
+          </a:fontRef>
+        </p:style>
+      </p:cxnSp>
+      <p:sp>
+        <p:nvSpPr>
+          <p:cNvPr id="178" name="TextBox 177">
+            <a:extLst>
+              <a:ext uri="{FF2B5EF4-FFF2-40B4-BE49-F238E27FC236}">
+                <a16:creationId xmlns:a16="http://schemas.microsoft.com/office/drawing/2014/main" id="{BCA951E6-82CB-46D4-B349-1F32FDC7CDCB}"/>
+              </a:ext>
+            </a:extLst>
+          </p:cNvPr>
+          <p:cNvSpPr txBox="1"/>
+          <p:nvPr/>
+        </p:nvSpPr>
+        <p:spPr>
+          <a:xfrm>
+            <a:off x="5568150" y="2927221"/>
+            <a:ext cx="189257" cy="178683"/>
+          </a:xfrm>
+          <a:prstGeom prst="rect">
+            <a:avLst/>
+          </a:prstGeom>
+          <a:noFill/>
+        </p:spPr>
+        <p:txBody>
+          <a:bodyPr wrap="square" lIns="0" tIns="0" rIns="0" bIns="0" rtlCol="0">
+            <a:noAutofit/>
+          </a:bodyPr>
+          <a:lstStyle/>
+          <a:p>
+            <a:pPr algn="ctr"/>
+            <a:r>
+              <a:rPr lang="en-US" sz="1100" dirty="0">
+                <a:solidFill>
+                  <a:srgbClr val="7030A0"/>
+                </a:solidFill>
+              </a:rPr>
+              <a:t>1</a:t>
+            </a:r>
+            <a:endParaRPr lang="en-SG" sz="1100" dirty="0">
+              <a:solidFill>
+                <a:srgbClr val="7030A0"/>
+              </a:solidFill>
+            </a:endParaRPr>
+          </a:p>
+        </p:txBody>
+      </p:sp>
+      <p:cxnSp>
+        <p:nvCxnSpPr>
+          <p:cNvPr id="179" name="Straight Arrow Connector 178">
+            <a:extLst>
+              <a:ext uri="{FF2B5EF4-FFF2-40B4-BE49-F238E27FC236}">
+                <a16:creationId xmlns:a16="http://schemas.microsoft.com/office/drawing/2014/main" id="{D680FCF5-4480-4AF1-9152-0866FD61E077}"/>
+              </a:ext>
+            </a:extLst>
+          </p:cNvPr>
+          <p:cNvCxnSpPr>
+            <a:cxnSpLocks/>
+          </p:cNvCxnSpPr>
+          <p:nvPr/>
+        </p:nvCxnSpPr>
+        <p:spPr>
+          <a:xfrm>
+            <a:off x="3741954" y="2895153"/>
+            <a:ext cx="220810" cy="5284"/>
+          </a:xfrm>
+          <a:prstGeom prst="straightConnector1">
+            <a:avLst/>
+          </a:prstGeom>
+          <a:ln w="19050">
+            <a:solidFill>
+              <a:srgbClr val="7030A0"/>
+            </a:solidFill>
+            <a:headEnd type="none" w="med" len="med"/>
+            <a:tailEnd type="arrow" w="med" len="med"/>
+          </a:ln>
+          <a:effectLst/>
+        </p:spPr>
+        <p:style>
+          <a:lnRef idx="1">
+            <a:schemeClr val="accent2"/>
+          </a:lnRef>
+          <a:fillRef idx="2">
+            <a:schemeClr val="accent2"/>
+          </a:fillRef>
+          <a:effectRef idx="1">
+            <a:schemeClr val="accent2"/>
+          </a:effectRef>
+          <a:fontRef idx="minor">
+            <a:schemeClr val="dk1"/>
+          </a:fontRef>
+        </p:style>
+      </p:cxnSp>
+      <p:cxnSp>
+        <p:nvCxnSpPr>
+          <p:cNvPr id="180" name="Elbow Connector 63">
+            <a:extLst>
+              <a:ext uri="{FF2B5EF4-FFF2-40B4-BE49-F238E27FC236}">
+                <a16:creationId xmlns:a16="http://schemas.microsoft.com/office/drawing/2014/main" id="{8B3690E0-EDA7-4C07-8A4F-820D0A9A41CE}"/>
+              </a:ext>
+            </a:extLst>
+          </p:cNvPr>
+          <p:cNvCxnSpPr>
+            <a:cxnSpLocks/>
+          </p:cNvCxnSpPr>
+          <p:nvPr/>
+        </p:nvCxnSpPr>
+        <p:spPr>
+          <a:xfrm rot="5400000">
+            <a:off x="2875257" y="3080341"/>
+            <a:ext cx="176867" cy="8643"/>
+          </a:xfrm>
+          <a:prstGeom prst="bentConnector3">
+            <a:avLst>
+              <a:gd name="adj1" fmla="val 50000"/>
+            </a:avLst>
+          </a:prstGeom>
+          <a:ln w="19050">
+            <a:solidFill>
+              <a:srgbClr val="7030A0"/>
+            </a:solidFill>
+            <a:prstDash val="sysDot"/>
+            <a:headEnd type="none" w="med" len="med"/>
+            <a:tailEnd type="none" w="med" len="med"/>
+          </a:ln>
+          <a:effectLst/>
+        </p:spPr>
+        <p:style>
+          <a:lnRef idx="1">
+            <a:schemeClr val="accent2"/>
+          </a:lnRef>
+          <a:fillRef idx="2">
+            <a:schemeClr val="accent2"/>
+          </a:fillRef>
+          <a:effectRef idx="1">
+            <a:schemeClr val="accent2"/>
+          </a:effectRef>
+          <a:fontRef idx="minor">
+            <a:schemeClr val="dk1"/>
+          </a:fontRef>
+        </p:style>
+      </p:cxnSp>
+    </p:spTree>
+    <p:extLst>
+      <p:ext uri="{BB962C8B-B14F-4D97-AF65-F5344CB8AC3E}">
+        <p14:creationId xmlns:p14="http://schemas.microsoft.com/office/powerpoint/2010/main" val="3428963620"/>
+      </p:ext>
+    </p:extLst>
+  </p:cSld>
+  <p:clrMapOvr>
+    <a:masterClrMapping/>
+  </p:clrMapOvr>
 </p:sld>
 </file>
 

--- a/docs/diagrams/ModelComponentClassDiagram.pptx
+++ b/docs/diagrams/ModelComponentClassDiagram.pptx
@@ -5,11 +5,10 @@
     <p:sldMasterId id="2147483648" r:id="rId1"/>
   </p:sldMasterIdLst>
   <p:notesMasterIdLst>
-    <p:notesMasterId r:id="rId4"/>
+    <p:notesMasterId r:id="rId3"/>
   </p:notesMasterIdLst>
   <p:sldIdLst>
-    <p:sldId id="263" r:id="rId2"/>
-    <p:sldId id="264" r:id="rId3"/>
+    <p:sldId id="264" r:id="rId2"/>
   </p:sldIdLst>
   <p:sldSz cx="9144000" cy="6858000" type="screen4x3"/>
   <p:notesSz cx="6858000" cy="9144000"/>
@@ -210,7 +209,7 @@
             <a:fld id="{F5CC4B3F-88C1-4FFA-B1B6-F41C21DC6924}" type="datetimeFigureOut">
               <a:rPr lang="en-US" smtClean="0"/>
               <a:pPr/>
-              <a:t>4/14/2018</a:t>
+              <a:t>4/15/2018</a:t>
             </a:fld>
             <a:endParaRPr lang="en-US"/>
           </a:p>
@@ -553,88 +552,6 @@
         </p:txBody>
       </p:sp>
     </p:spTree>
-  </p:cSld>
-  <p:clrMapOvr>
-    <a:masterClrMapping/>
-  </p:clrMapOvr>
-</p:notes>
-</file>
-
-<file path=ppt/notesSlides/notesSlide2.xml><?xml version="1.0" encoding="utf-8"?>
-<p:notes xmlns:a="http://schemas.openxmlformats.org/drawingml/2006/main" xmlns:r="http://schemas.openxmlformats.org/officeDocument/2006/relationships" xmlns:p="http://schemas.openxmlformats.org/presentationml/2006/main">
-  <p:cSld>
-    <p:spTree>
-      <p:nvGrpSpPr>
-        <p:cNvPr id="1" name=""/>
-        <p:cNvGrpSpPr/>
-        <p:nvPr/>
-      </p:nvGrpSpPr>
-      <p:grpSpPr>
-        <a:xfrm>
-          <a:off x="0" y="0"/>
-          <a:ext cx="0" cy="0"/>
-          <a:chOff x="0" y="0"/>
-          <a:chExt cx="0" cy="0"/>
-        </a:xfrm>
-      </p:grpSpPr>
-      <p:sp>
-        <p:nvSpPr>
-          <p:cNvPr id="2" name="Slide Image Placeholder 1"/>
-          <p:cNvSpPr>
-            <a:spLocks noGrp="1" noRot="1" noChangeAspect="1"/>
-          </p:cNvSpPr>
-          <p:nvPr>
-            <p:ph type="sldImg"/>
-          </p:nvPr>
-        </p:nvSpPr>
-        <p:spPr/>
-      </p:sp>
-      <p:sp>
-        <p:nvSpPr>
-          <p:cNvPr id="3" name="Notes Placeholder 2"/>
-          <p:cNvSpPr>
-            <a:spLocks noGrp="1"/>
-          </p:cNvSpPr>
-          <p:nvPr>
-            <p:ph type="body" idx="1"/>
-          </p:nvPr>
-        </p:nvSpPr>
-        <p:spPr/>
-        <p:txBody>
-          <a:bodyPr>
-            <a:normAutofit/>
-          </a:bodyPr>
-          <a:lstStyle/>
-          <a:p>
-            <a:endParaRPr lang="en-SG" dirty="0"/>
-          </a:p>
-        </p:txBody>
-      </p:sp>
-      <p:sp>
-        <p:nvSpPr>
-          <p:cNvPr id="4" name="Slide Number Placeholder 3"/>
-          <p:cNvSpPr>
-            <a:spLocks noGrp="1"/>
-          </p:cNvSpPr>
-          <p:nvPr>
-            <p:ph type="sldNum" sz="quarter" idx="10"/>
-          </p:nvPr>
-        </p:nvSpPr>
-        <p:spPr/>
-        <p:txBody>
-          <a:bodyPr/>
-          <a:lstStyle/>
-          <a:p>
-            <a:fld id="{5A7AB025-77E3-4BD1-A2FD-B3183DBA47A3}" type="slidenum">
-              <a:rPr lang="en-US" smtClean="0"/>
-              <a:pPr/>
-              <a:t>2</a:t>
-            </a:fld>
-            <a:endParaRPr lang="en-US"/>
-          </a:p>
-        </p:txBody>
-      </p:sp>
-    </p:spTree>
     <p:extLst>
       <p:ext uri="{BB962C8B-B14F-4D97-AF65-F5344CB8AC3E}">
         <p14:creationId xmlns:p14="http://schemas.microsoft.com/office/powerpoint/2010/main" val="3416500421"/>
@@ -827,7 +744,7 @@
             <a:fld id="{78C97017-6FC3-485B-9764-EAC9E56C1D49}" type="datetimeFigureOut">
               <a:rPr lang="en-US" smtClean="0"/>
               <a:pPr/>
-              <a:t>4/14/2018</a:t>
+              <a:t>4/15/2018</a:t>
             </a:fld>
             <a:endParaRPr lang="en-US"/>
           </a:p>
@@ -997,7 +914,7 @@
             <a:fld id="{78C97017-6FC3-485B-9764-EAC9E56C1D49}" type="datetimeFigureOut">
               <a:rPr lang="en-US" smtClean="0"/>
               <a:pPr/>
-              <a:t>4/14/2018</a:t>
+              <a:t>4/15/2018</a:t>
             </a:fld>
             <a:endParaRPr lang="en-US"/>
           </a:p>
@@ -1177,7 +1094,7 @@
             <a:fld id="{78C97017-6FC3-485B-9764-EAC9E56C1D49}" type="datetimeFigureOut">
               <a:rPr lang="en-US" smtClean="0"/>
               <a:pPr/>
-              <a:t>4/14/2018</a:t>
+              <a:t>4/15/2018</a:t>
             </a:fld>
             <a:endParaRPr lang="en-US"/>
           </a:p>
@@ -1347,7 +1264,7 @@
             <a:fld id="{78C97017-6FC3-485B-9764-EAC9E56C1D49}" type="datetimeFigureOut">
               <a:rPr lang="en-US" smtClean="0"/>
               <a:pPr/>
-              <a:t>4/14/2018</a:t>
+              <a:t>4/15/2018</a:t>
             </a:fld>
             <a:endParaRPr lang="en-US"/>
           </a:p>
@@ -1594,7 +1511,7 @@
             <a:fld id="{78C97017-6FC3-485B-9764-EAC9E56C1D49}" type="datetimeFigureOut">
               <a:rPr lang="en-US" smtClean="0"/>
               <a:pPr/>
-              <a:t>4/14/2018</a:t>
+              <a:t>4/15/2018</a:t>
             </a:fld>
             <a:endParaRPr lang="en-US"/>
           </a:p>
@@ -1881,7 +1798,7 @@
             <a:fld id="{78C97017-6FC3-485B-9764-EAC9E56C1D49}" type="datetimeFigureOut">
               <a:rPr lang="en-US" smtClean="0"/>
               <a:pPr/>
-              <a:t>4/14/2018</a:t>
+              <a:t>4/15/2018</a:t>
             </a:fld>
             <a:endParaRPr lang="en-US"/>
           </a:p>
@@ -2302,7 +2219,7 @@
             <a:fld id="{78C97017-6FC3-485B-9764-EAC9E56C1D49}" type="datetimeFigureOut">
               <a:rPr lang="en-US" smtClean="0"/>
               <a:pPr/>
-              <a:t>4/14/2018</a:t>
+              <a:t>4/15/2018</a:t>
             </a:fld>
             <a:endParaRPr lang="en-US"/>
           </a:p>
@@ -2421,7 +2338,7 @@
             <a:fld id="{78C97017-6FC3-485B-9764-EAC9E56C1D49}" type="datetimeFigureOut">
               <a:rPr lang="en-US" smtClean="0"/>
               <a:pPr/>
-              <a:t>4/14/2018</a:t>
+              <a:t>4/15/2018</a:t>
             </a:fld>
             <a:endParaRPr lang="en-US"/>
           </a:p>
@@ -2518,7 +2435,7 @@
             <a:fld id="{78C97017-6FC3-485B-9764-EAC9E56C1D49}" type="datetimeFigureOut">
               <a:rPr lang="en-US" smtClean="0"/>
               <a:pPr/>
-              <a:t>4/14/2018</a:t>
+              <a:t>4/15/2018</a:t>
             </a:fld>
             <a:endParaRPr lang="en-US"/>
           </a:p>
@@ -2795,7 +2712,7 @@
             <a:fld id="{78C97017-6FC3-485B-9764-EAC9E56C1D49}" type="datetimeFigureOut">
               <a:rPr lang="en-US" smtClean="0"/>
               <a:pPr/>
-              <a:t>4/14/2018</a:t>
+              <a:t>4/15/2018</a:t>
             </a:fld>
             <a:endParaRPr lang="en-US"/>
           </a:p>
@@ -3049,7 +2966,7 @@
             <a:fld id="{78C97017-6FC3-485B-9764-EAC9E56C1D49}" type="datetimeFigureOut">
               <a:rPr lang="en-US" smtClean="0"/>
               <a:pPr/>
-              <a:t>4/14/2018</a:t>
+              <a:t>4/15/2018</a:t>
             </a:fld>
             <a:endParaRPr lang="en-US"/>
           </a:p>
@@ -3262,7 +3179,7 @@
             <a:fld id="{78C97017-6FC3-485B-9764-EAC9E56C1D49}" type="datetimeFigureOut">
               <a:rPr lang="en-US" smtClean="0"/>
               <a:pPr/>
-              <a:t>4/14/2018</a:t>
+              <a:t>4/15/2018</a:t>
             </a:fld>
             <a:endParaRPr lang="en-US"/>
           </a:p>
@@ -3622,4242 +3539,6 @@
 </file>
 
 <file path=ppt/slides/slide1.xml><?xml version="1.0" encoding="utf-8"?>
-<p:sld xmlns:a="http://schemas.openxmlformats.org/drawingml/2006/main" xmlns:r="http://schemas.openxmlformats.org/officeDocument/2006/relationships" xmlns:p="http://schemas.openxmlformats.org/presentationml/2006/main">
-  <p:cSld>
-    <p:spTree>
-      <p:nvGrpSpPr>
-        <p:cNvPr id="1" name=""/>
-        <p:cNvGrpSpPr/>
-        <p:nvPr/>
-      </p:nvGrpSpPr>
-      <p:grpSpPr>
-        <a:xfrm>
-          <a:off x="0" y="0"/>
-          <a:ext cx="0" cy="0"/>
-          <a:chOff x="0" y="0"/>
-          <a:chExt cx="0" cy="0"/>
-        </a:xfrm>
-      </p:grpSpPr>
-      <p:sp>
-        <p:nvSpPr>
-          <p:cNvPr id="118" name="Rectangle 65"/>
-          <p:cNvSpPr/>
-          <p:nvPr/>
-        </p:nvSpPr>
-        <p:spPr>
-          <a:xfrm>
-            <a:off x="152400" y="457200"/>
-            <a:ext cx="8915400" cy="5943600"/>
-          </a:xfrm>
-          <a:prstGeom prst="roundRect">
-            <a:avLst>
-              <a:gd name="adj" fmla="val 3484"/>
-            </a:avLst>
-          </a:prstGeom>
-          <a:solidFill>
-            <a:schemeClr val="accent4">
-              <a:lumMod val="20000"/>
-              <a:lumOff val="80000"/>
-            </a:schemeClr>
-          </a:solidFill>
-          <a:ln w="19050">
-            <a:noFill/>
-          </a:ln>
-          <a:effectLst/>
-        </p:spPr>
-        <p:style>
-          <a:lnRef idx="1">
-            <a:schemeClr val="accent2"/>
-          </a:lnRef>
-          <a:fillRef idx="2">
-            <a:schemeClr val="accent2"/>
-          </a:fillRef>
-          <a:effectRef idx="1">
-            <a:schemeClr val="accent2"/>
-          </a:effectRef>
-          <a:fontRef idx="minor">
-            <a:schemeClr val="dk1"/>
-          </a:fontRef>
-        </p:style>
-        <p:txBody>
-          <a:bodyPr rtlCol="0" anchor="t"/>
-          <a:lstStyle/>
-          <a:p>
-            <a:r>
-              <a:rPr lang="en-US" sz="1200" b="1" dirty="0">
-                <a:solidFill>
-                  <a:srgbClr val="7030A0"/>
-                </a:solidFill>
-              </a:rPr>
-              <a:t>Model</a:t>
-            </a:r>
-            <a:endParaRPr lang="en-SG" sz="1200" b="1" dirty="0">
-              <a:solidFill>
-                <a:srgbClr val="7030A0"/>
-              </a:solidFill>
-            </a:endParaRPr>
-          </a:p>
-        </p:txBody>
-      </p:sp>
-      <p:sp>
-        <p:nvSpPr>
-          <p:cNvPr id="2" name="Rectangle 8"/>
-          <p:cNvSpPr/>
-          <p:nvPr/>
-        </p:nvSpPr>
-        <p:spPr>
-          <a:xfrm>
-            <a:off x="2439291" y="3072088"/>
-            <a:ext cx="1093635" cy="346760"/>
-          </a:xfrm>
-          <a:prstGeom prst="rect">
-            <a:avLst/>
-          </a:prstGeom>
-          <a:solidFill>
-            <a:srgbClr val="7030A0"/>
-          </a:solidFill>
-          <a:ln w="19050">
-            <a:solidFill>
-              <a:srgbClr val="7030A0"/>
-            </a:solidFill>
-          </a:ln>
-          <a:effectLst/>
-        </p:spPr>
-        <p:style>
-          <a:lnRef idx="1">
-            <a:schemeClr val="accent2"/>
-          </a:lnRef>
-          <a:fillRef idx="2">
-            <a:schemeClr val="accent2"/>
-          </a:fillRef>
-          <a:effectRef idx="1">
-            <a:schemeClr val="accent2"/>
-          </a:effectRef>
-          <a:fontRef idx="minor">
-            <a:schemeClr val="dk1"/>
-          </a:fontRef>
-        </p:style>
-        <p:txBody>
-          <a:bodyPr rtlCol="0" anchor="ctr"/>
-          <a:lstStyle/>
-          <a:p>
-            <a:pPr algn="ctr"/>
-            <a:r>
-              <a:rPr lang="en-US" sz="1050" dirty="0">
-                <a:solidFill>
-                  <a:schemeClr val="bg1"/>
-                </a:solidFill>
-              </a:rPr>
-              <a:t>UserPref</a:t>
-            </a:r>
-            <a:endParaRPr lang="en-SG" sz="1050" dirty="0">
-              <a:solidFill>
-                <a:schemeClr val="bg1"/>
-              </a:solidFill>
-            </a:endParaRPr>
-          </a:p>
-        </p:txBody>
-      </p:sp>
-      <p:sp>
-        <p:nvSpPr>
-          <p:cNvPr id="9" name="Rectangle 62"/>
-          <p:cNvSpPr/>
-          <p:nvPr/>
-        </p:nvSpPr>
-        <p:spPr>
-          <a:xfrm rot="16200000">
-            <a:off x="764603" y="3330847"/>
-            <a:ext cx="2017956" cy="346760"/>
-          </a:xfrm>
-          <a:prstGeom prst="rect">
-            <a:avLst/>
-          </a:prstGeom>
-          <a:solidFill>
-            <a:srgbClr val="7030A0"/>
-          </a:solidFill>
-          <a:ln w="19050">
-            <a:solidFill>
-              <a:srgbClr val="7030A0"/>
-            </a:solidFill>
-          </a:ln>
-          <a:effectLst/>
-        </p:spPr>
-        <p:style>
-          <a:lnRef idx="1">
-            <a:schemeClr val="accent2"/>
-          </a:lnRef>
-          <a:fillRef idx="2">
-            <a:schemeClr val="accent2"/>
-          </a:fillRef>
-          <a:effectRef idx="1">
-            <a:schemeClr val="accent2"/>
-          </a:effectRef>
-          <a:fontRef idx="minor">
-            <a:schemeClr val="dk1"/>
-          </a:fontRef>
-        </p:style>
-        <p:txBody>
-          <a:bodyPr rtlCol="0" anchor="ctr"/>
-          <a:lstStyle/>
-          <a:p>
-            <a:pPr algn="ctr"/>
-            <a:r>
-              <a:rPr lang="en-US" sz="1050" dirty="0">
-                <a:solidFill>
-                  <a:schemeClr val="bg1"/>
-                </a:solidFill>
-              </a:rPr>
-              <a:t>ModelManager</a:t>
-            </a:r>
-            <a:endParaRPr lang="en-SG" sz="1050" dirty="0">
-              <a:solidFill>
-                <a:schemeClr val="bg1"/>
-              </a:solidFill>
-            </a:endParaRPr>
-          </a:p>
-        </p:txBody>
-      </p:sp>
-      <p:sp>
-        <p:nvSpPr>
-          <p:cNvPr id="119" name="Rectangle 62"/>
-          <p:cNvSpPr/>
-          <p:nvPr/>
-        </p:nvSpPr>
-        <p:spPr>
-          <a:xfrm rot="16200000">
-            <a:off x="499002" y="3342989"/>
-            <a:ext cx="1093635" cy="346760"/>
-          </a:xfrm>
-          <a:prstGeom prst="rect">
-            <a:avLst/>
-          </a:prstGeom>
-          <a:solidFill>
-            <a:srgbClr val="7030A0"/>
-          </a:solidFill>
-          <a:ln w="19050">
-            <a:solidFill>
-              <a:srgbClr val="7030A0"/>
-            </a:solidFill>
-          </a:ln>
-          <a:effectLst/>
-        </p:spPr>
-        <p:style>
-          <a:lnRef idx="1">
-            <a:schemeClr val="accent2"/>
-          </a:lnRef>
-          <a:fillRef idx="2">
-            <a:schemeClr val="accent2"/>
-          </a:fillRef>
-          <a:effectRef idx="1">
-            <a:schemeClr val="accent2"/>
-          </a:effectRef>
-          <a:fontRef idx="minor">
-            <a:schemeClr val="dk1"/>
-          </a:fontRef>
-        </p:style>
-        <p:txBody>
-          <a:bodyPr rtlCol="0" anchor="ctr"/>
-          <a:lstStyle/>
-          <a:p>
-            <a:pPr algn="ctr"/>
-            <a:r>
-              <a:rPr lang="en-US" sz="1050" dirty="0">
-                <a:solidFill>
-                  <a:schemeClr val="bg1"/>
-                </a:solidFill>
-              </a:rPr>
-              <a:t>&lt;&lt;interface&gt;&gt;</a:t>
-            </a:r>
-          </a:p>
-          <a:p>
-            <a:pPr algn="ctr"/>
-            <a:r>
-              <a:rPr lang="en-US" sz="1050" dirty="0">
-                <a:solidFill>
-                  <a:schemeClr val="bg1"/>
-                </a:solidFill>
-              </a:rPr>
-              <a:t>Model</a:t>
-            </a:r>
-            <a:endParaRPr lang="en-SG" sz="1050" dirty="0">
-              <a:solidFill>
-                <a:schemeClr val="bg1"/>
-              </a:solidFill>
-            </a:endParaRPr>
-          </a:p>
-        </p:txBody>
-      </p:sp>
-      <p:sp>
-        <p:nvSpPr>
-          <p:cNvPr id="120" name="Isosceles Triangle 102"/>
-          <p:cNvSpPr/>
-          <p:nvPr/>
-        </p:nvSpPr>
-        <p:spPr>
-          <a:xfrm rot="16200000">
-            <a:off x="1160229" y="3417438"/>
-            <a:ext cx="270504" cy="175523"/>
-          </a:xfrm>
-          <a:prstGeom prst="triangle">
-            <a:avLst/>
-          </a:prstGeom>
-          <a:solidFill>
-            <a:srgbClr val="7030A0"/>
-          </a:solidFill>
-          <a:ln w="19050">
-            <a:solidFill>
-              <a:srgbClr val="7030A0"/>
-            </a:solidFill>
-          </a:ln>
-          <a:effectLst/>
-        </p:spPr>
-        <p:style>
-          <a:lnRef idx="1">
-            <a:schemeClr val="accent6"/>
-          </a:lnRef>
-          <a:fillRef idx="2">
-            <a:schemeClr val="accent6"/>
-          </a:fillRef>
-          <a:effectRef idx="1">
-            <a:schemeClr val="accent6"/>
-          </a:effectRef>
-          <a:fontRef idx="minor">
-            <a:schemeClr val="dk1"/>
-          </a:fontRef>
-        </p:style>
-        <p:txBody>
-          <a:bodyPr rtlCol="0" anchor="ctr"/>
-          <a:lstStyle/>
-          <a:p>
-            <a:pPr algn="ctr"/>
-            <a:endParaRPr lang="en-SG" sz="1050"/>
-          </a:p>
-        </p:txBody>
-      </p:sp>
-      <p:cxnSp>
-        <p:nvCxnSpPr>
-          <p:cNvPr id="58" name="Straight Arrow Connector 57"/>
-          <p:cNvCxnSpPr>
-            <a:cxnSpLocks/>
-          </p:cNvCxnSpPr>
-          <p:nvPr/>
-        </p:nvCxnSpPr>
-        <p:spPr>
-          <a:xfrm>
-            <a:off x="2208825" y="3289598"/>
-            <a:ext cx="220810" cy="5284"/>
-          </a:xfrm>
-          <a:prstGeom prst="straightConnector1">
-            <a:avLst/>
-          </a:prstGeom>
-          <a:ln w="19050">
-            <a:solidFill>
-              <a:srgbClr val="7030A0"/>
-            </a:solidFill>
-            <a:headEnd type="none" w="med" len="med"/>
-            <a:tailEnd type="arrow" w="med" len="med"/>
-          </a:ln>
-          <a:effectLst/>
-        </p:spPr>
-        <p:style>
-          <a:lnRef idx="1">
-            <a:schemeClr val="accent2"/>
-          </a:lnRef>
-          <a:fillRef idx="2">
-            <a:schemeClr val="accent2"/>
-          </a:fillRef>
-          <a:effectRef idx="1">
-            <a:schemeClr val="accent2"/>
-          </a:effectRef>
-          <a:fontRef idx="minor">
-            <a:schemeClr val="dk1"/>
-          </a:fontRef>
-        </p:style>
-      </p:cxnSp>
-      <p:cxnSp>
-        <p:nvCxnSpPr>
-          <p:cNvPr id="75" name="Elbow Connector 122"/>
-          <p:cNvCxnSpPr/>
-          <p:nvPr/>
-        </p:nvCxnSpPr>
-        <p:spPr>
-          <a:xfrm>
-            <a:off x="452891" y="3516369"/>
-            <a:ext cx="419548" cy="2860"/>
-          </a:xfrm>
-          <a:prstGeom prst="bentConnector3">
-            <a:avLst>
-              <a:gd name="adj1" fmla="val 50000"/>
-            </a:avLst>
-          </a:prstGeom>
-          <a:ln w="19050">
-            <a:solidFill>
-              <a:schemeClr val="bg1">
-                <a:lumMod val="75000"/>
-              </a:schemeClr>
-            </a:solidFill>
-            <a:prstDash val="sysDot"/>
-            <a:headEnd type="none" w="med" len="med"/>
-            <a:tailEnd type="arrow" w="med" len="med"/>
-          </a:ln>
-          <a:effectLst/>
-        </p:spPr>
-        <p:style>
-          <a:lnRef idx="1">
-            <a:schemeClr val="accent2"/>
-          </a:lnRef>
-          <a:fillRef idx="2">
-            <a:schemeClr val="accent2"/>
-          </a:fillRef>
-          <a:effectRef idx="1">
-            <a:schemeClr val="accent2"/>
-          </a:effectRef>
-          <a:fontRef idx="minor">
-            <a:schemeClr val="dk1"/>
-          </a:fontRef>
-        </p:style>
-      </p:cxnSp>
-      <p:cxnSp>
-        <p:nvCxnSpPr>
-          <p:cNvPr id="21" name="Straight Connector 20"/>
-          <p:cNvCxnSpPr>
-            <a:cxnSpLocks/>
-            <a:stCxn id="120" idx="3"/>
-          </p:cNvCxnSpPr>
-          <p:nvPr/>
-        </p:nvCxnSpPr>
-        <p:spPr>
-          <a:xfrm flipV="1">
-            <a:off x="1383243" y="3505199"/>
-            <a:ext cx="216105" cy="1"/>
-          </a:xfrm>
-          <a:prstGeom prst="line">
-            <a:avLst/>
-          </a:prstGeom>
-          <a:ln w="19050">
-            <a:solidFill>
-              <a:srgbClr val="7030A0"/>
-            </a:solidFill>
-            <a:prstDash val="sysDot"/>
-            <a:headEnd type="none" w="med" len="med"/>
-            <a:tailEnd type="none" w="med" len="med"/>
-          </a:ln>
-          <a:effectLst/>
-        </p:spPr>
-        <p:style>
-          <a:lnRef idx="1">
-            <a:schemeClr val="accent2"/>
-          </a:lnRef>
-          <a:fillRef idx="2">
-            <a:schemeClr val="accent2"/>
-          </a:fillRef>
-          <a:effectRef idx="1">
-            <a:schemeClr val="accent2"/>
-          </a:effectRef>
-          <a:fontRef idx="minor">
-            <a:schemeClr val="dk1"/>
-          </a:fontRef>
-        </p:style>
-      </p:cxnSp>
-      <p:sp>
-        <p:nvSpPr>
-          <p:cNvPr id="42" name="Flowchart: Decision 96"/>
-          <p:cNvSpPr/>
-          <p:nvPr/>
-        </p:nvSpPr>
-        <p:spPr>
-          <a:xfrm>
-            <a:off x="1953668" y="3196567"/>
-            <a:ext cx="236048" cy="173380"/>
-          </a:xfrm>
-          <a:prstGeom prst="flowChartDecision">
-            <a:avLst/>
-          </a:prstGeom>
-          <a:noFill/>
-          <a:ln w="19050">
-            <a:solidFill>
-              <a:srgbClr val="7030A0"/>
-            </a:solidFill>
-          </a:ln>
-          <a:effectLst/>
-        </p:spPr>
-        <p:style>
-          <a:lnRef idx="1">
-            <a:schemeClr val="accent6"/>
-          </a:lnRef>
-          <a:fillRef idx="2">
-            <a:schemeClr val="accent6"/>
-          </a:fillRef>
-          <a:effectRef idx="1">
-            <a:schemeClr val="accent6"/>
-          </a:effectRef>
-          <a:fontRef idx="minor">
-            <a:schemeClr val="dk1"/>
-          </a:fontRef>
-        </p:style>
-        <p:txBody>
-          <a:bodyPr rtlCol="0" anchor="ctr"/>
-          <a:lstStyle/>
-          <a:p>
-            <a:pPr algn="ctr"/>
-            <a:endParaRPr lang="en-US" sz="1050"/>
-          </a:p>
-        </p:txBody>
-      </p:sp>
-      <p:sp>
-        <p:nvSpPr>
-          <p:cNvPr id="46" name="Rectangle 8"/>
-          <p:cNvSpPr/>
-          <p:nvPr/>
-        </p:nvSpPr>
-        <p:spPr>
-          <a:xfrm>
-            <a:off x="2422290" y="2627420"/>
-            <a:ext cx="1093635" cy="346760"/>
-          </a:xfrm>
-          <a:prstGeom prst="rect">
-            <a:avLst/>
-          </a:prstGeom>
-          <a:ln w="19050">
-            <a:solidFill>
-              <a:srgbClr val="7030A0"/>
-            </a:solidFill>
-          </a:ln>
-          <a:effectLst/>
-        </p:spPr>
-        <p:style>
-          <a:lnRef idx="1">
-            <a:schemeClr val="accent4"/>
-          </a:lnRef>
-          <a:fillRef idx="2">
-            <a:schemeClr val="accent4"/>
-          </a:fillRef>
-          <a:effectRef idx="1">
-            <a:schemeClr val="accent4"/>
-          </a:effectRef>
-          <a:fontRef idx="minor">
-            <a:schemeClr val="dk1"/>
-          </a:fontRef>
-        </p:style>
-        <p:txBody>
-          <a:bodyPr rtlCol="0" anchor="ctr"/>
-          <a:lstStyle/>
-          <a:p>
-            <a:pPr algn="ctr"/>
-            <a:r>
-              <a:rPr lang="en-US" sz="1050" dirty="0">
-                <a:solidFill>
-                  <a:srgbClr val="7030A0"/>
-                </a:solidFill>
-              </a:rPr>
-              <a:t>AddressBook</a:t>
-            </a:r>
-            <a:endParaRPr lang="en-SG" sz="1050" dirty="0">
-              <a:solidFill>
-                <a:srgbClr val="7030A0"/>
-              </a:solidFill>
-            </a:endParaRPr>
-          </a:p>
-        </p:txBody>
-      </p:sp>
-      <p:cxnSp>
-        <p:nvCxnSpPr>
-          <p:cNvPr id="47" name="Straight Arrow Connector 46"/>
-          <p:cNvCxnSpPr>
-            <a:stCxn id="48" idx="3"/>
-            <a:endCxn id="46" idx="1"/>
-          </p:cNvCxnSpPr>
-          <p:nvPr/>
-        </p:nvCxnSpPr>
-        <p:spPr>
-          <a:xfrm>
-            <a:off x="2201480" y="2795516"/>
-            <a:ext cx="220810" cy="5284"/>
-          </a:xfrm>
-          <a:prstGeom prst="straightConnector1">
-            <a:avLst/>
-          </a:prstGeom>
-          <a:ln w="19050">
-            <a:solidFill>
-              <a:srgbClr val="7030A0"/>
-            </a:solidFill>
-            <a:headEnd type="none" w="med" len="med"/>
-            <a:tailEnd type="arrow" w="med" len="med"/>
-          </a:ln>
-          <a:effectLst/>
-        </p:spPr>
-        <p:style>
-          <a:lnRef idx="1">
-            <a:schemeClr val="accent2"/>
-          </a:lnRef>
-          <a:fillRef idx="2">
-            <a:schemeClr val="accent2"/>
-          </a:fillRef>
-          <a:effectRef idx="1">
-            <a:schemeClr val="accent2"/>
-          </a:effectRef>
-          <a:fontRef idx="minor">
-            <a:schemeClr val="dk1"/>
-          </a:fontRef>
-        </p:style>
-      </p:cxnSp>
-      <p:sp>
-        <p:nvSpPr>
-          <p:cNvPr id="48" name="Flowchart: Decision 96"/>
-          <p:cNvSpPr/>
-          <p:nvPr/>
-        </p:nvSpPr>
-        <p:spPr>
-          <a:xfrm>
-            <a:off x="1965432" y="2708826"/>
-            <a:ext cx="236048" cy="173380"/>
-          </a:xfrm>
-          <a:prstGeom prst="flowChartDecision">
-            <a:avLst/>
-          </a:prstGeom>
-          <a:noFill/>
-          <a:ln w="19050">
-            <a:solidFill>
-              <a:srgbClr val="7030A0"/>
-            </a:solidFill>
-          </a:ln>
-          <a:effectLst/>
-        </p:spPr>
-        <p:style>
-          <a:lnRef idx="1">
-            <a:schemeClr val="accent6"/>
-          </a:lnRef>
-          <a:fillRef idx="2">
-            <a:schemeClr val="accent6"/>
-          </a:fillRef>
-          <a:effectRef idx="1">
-            <a:schemeClr val="accent6"/>
-          </a:effectRef>
-          <a:fontRef idx="minor">
-            <a:schemeClr val="dk1"/>
-          </a:fontRef>
-        </p:style>
-        <p:txBody>
-          <a:bodyPr rtlCol="0" anchor="ctr"/>
-          <a:lstStyle/>
-          <a:p>
-            <a:pPr algn="ctr"/>
-            <a:endParaRPr lang="en-US" sz="1050"/>
-          </a:p>
-        </p:txBody>
-      </p:sp>
-      <p:sp>
-        <p:nvSpPr>
-          <p:cNvPr id="49" name="Rectangle 8"/>
-          <p:cNvSpPr/>
-          <p:nvPr/>
-        </p:nvSpPr>
-        <p:spPr>
-          <a:xfrm>
-            <a:off x="4029817" y="2847371"/>
-            <a:ext cx="1156969" cy="346760"/>
-          </a:xfrm>
-          <a:prstGeom prst="rect">
-            <a:avLst/>
-          </a:prstGeom>
-          <a:ln w="19050">
-            <a:solidFill>
-              <a:srgbClr val="7030A0"/>
-            </a:solidFill>
-          </a:ln>
-          <a:effectLst/>
-        </p:spPr>
-        <p:style>
-          <a:lnRef idx="1">
-            <a:schemeClr val="accent4"/>
-          </a:lnRef>
-          <a:fillRef idx="2">
-            <a:schemeClr val="accent4"/>
-          </a:fillRef>
-          <a:effectRef idx="1">
-            <a:schemeClr val="accent4"/>
-          </a:effectRef>
-          <a:fontRef idx="minor">
-            <a:schemeClr val="dk1"/>
-          </a:fontRef>
-        </p:style>
-        <p:txBody>
-          <a:bodyPr rtlCol="0" anchor="ctr"/>
-          <a:lstStyle/>
-          <a:p>
-            <a:pPr algn="ctr"/>
-            <a:r>
-              <a:rPr lang="en-US" sz="1050" dirty="0">
-                <a:solidFill>
-                  <a:srgbClr val="7030A0"/>
-                </a:solidFill>
-              </a:rPr>
-              <a:t>UniquePersonList</a:t>
-            </a:r>
-            <a:endParaRPr lang="en-SG" sz="1050" dirty="0">
-              <a:solidFill>
-                <a:srgbClr val="7030A0"/>
-              </a:solidFill>
-            </a:endParaRPr>
-          </a:p>
-        </p:txBody>
-      </p:sp>
-      <p:sp>
-        <p:nvSpPr>
-          <p:cNvPr id="51" name="Flowchart: Decision 96"/>
-          <p:cNvSpPr/>
-          <p:nvPr/>
-        </p:nvSpPr>
-        <p:spPr>
-          <a:xfrm>
-            <a:off x="3527103" y="2673991"/>
-            <a:ext cx="236048" cy="173380"/>
-          </a:xfrm>
-          <a:prstGeom prst="flowChartDecision">
-            <a:avLst/>
-          </a:prstGeom>
-          <a:solidFill>
-            <a:srgbClr val="7030A0"/>
-          </a:solidFill>
-          <a:ln w="19050">
-            <a:solidFill>
-              <a:srgbClr val="7030A0"/>
-            </a:solidFill>
-          </a:ln>
-          <a:effectLst/>
-        </p:spPr>
-        <p:style>
-          <a:lnRef idx="1">
-            <a:schemeClr val="accent6"/>
-          </a:lnRef>
-          <a:fillRef idx="2">
-            <a:schemeClr val="accent6"/>
-          </a:fillRef>
-          <a:effectRef idx="1">
-            <a:schemeClr val="accent6"/>
-          </a:effectRef>
-          <a:fontRef idx="minor">
-            <a:schemeClr val="dk1"/>
-          </a:fontRef>
-        </p:style>
-        <p:txBody>
-          <a:bodyPr rtlCol="0" anchor="ctr"/>
-          <a:lstStyle/>
-          <a:p>
-            <a:pPr algn="ctr"/>
-            <a:endParaRPr lang="en-US" sz="1050"/>
-          </a:p>
-        </p:txBody>
-      </p:sp>
-      <p:cxnSp>
-        <p:nvCxnSpPr>
-          <p:cNvPr id="30" name="Elbow Connector 29"/>
-          <p:cNvCxnSpPr>
-            <a:stCxn id="51" idx="3"/>
-            <a:endCxn id="49" idx="1"/>
-          </p:cNvCxnSpPr>
-          <p:nvPr/>
-        </p:nvCxnSpPr>
-        <p:spPr>
-          <a:xfrm>
-            <a:off x="3763151" y="2760681"/>
-            <a:ext cx="266666" cy="260070"/>
-          </a:xfrm>
-          <a:prstGeom prst="bentConnector3">
-            <a:avLst/>
-          </a:prstGeom>
-          <a:ln w="19050">
-            <a:solidFill>
-              <a:srgbClr val="7030A0"/>
-            </a:solidFill>
-            <a:headEnd type="none" w="med" len="med"/>
-            <a:tailEnd type="arrow" w="med" len="med"/>
-          </a:ln>
-          <a:effectLst/>
-        </p:spPr>
-        <p:style>
-          <a:lnRef idx="1">
-            <a:schemeClr val="accent2"/>
-          </a:lnRef>
-          <a:fillRef idx="2">
-            <a:schemeClr val="accent2"/>
-          </a:fillRef>
-          <a:effectRef idx="1">
-            <a:schemeClr val="accent2"/>
-          </a:effectRef>
-          <a:fontRef idx="minor">
-            <a:schemeClr val="dk1"/>
-          </a:fontRef>
-        </p:style>
-      </p:cxnSp>
-      <p:sp>
-        <p:nvSpPr>
-          <p:cNvPr id="57" name="Rectangle 8"/>
-          <p:cNvSpPr/>
-          <p:nvPr/>
-        </p:nvSpPr>
-        <p:spPr>
-          <a:xfrm>
-            <a:off x="4020128" y="2280569"/>
-            <a:ext cx="1156969" cy="346760"/>
-          </a:xfrm>
-          <a:prstGeom prst="rect">
-            <a:avLst/>
-          </a:prstGeom>
-          <a:ln w="19050">
-            <a:solidFill>
-              <a:srgbClr val="7030A0"/>
-            </a:solidFill>
-          </a:ln>
-          <a:effectLst/>
-        </p:spPr>
-        <p:style>
-          <a:lnRef idx="1">
-            <a:schemeClr val="accent4"/>
-          </a:lnRef>
-          <a:fillRef idx="2">
-            <a:schemeClr val="accent4"/>
-          </a:fillRef>
-          <a:effectRef idx="1">
-            <a:schemeClr val="accent4"/>
-          </a:effectRef>
-          <a:fontRef idx="minor">
-            <a:schemeClr val="dk1"/>
-          </a:fontRef>
-        </p:style>
-        <p:txBody>
-          <a:bodyPr rtlCol="0" anchor="ctr"/>
-          <a:lstStyle/>
-          <a:p>
-            <a:pPr algn="ctr"/>
-            <a:r>
-              <a:rPr lang="en-US" sz="1050" dirty="0">
-                <a:solidFill>
-                  <a:srgbClr val="7030A0"/>
-                </a:solidFill>
-              </a:rPr>
-              <a:t>UniqueTagList</a:t>
-            </a:r>
-            <a:endParaRPr lang="en-SG" sz="1050" dirty="0">
-              <a:solidFill>
-                <a:srgbClr val="7030A0"/>
-              </a:solidFill>
-            </a:endParaRPr>
-          </a:p>
-        </p:txBody>
-      </p:sp>
-      <p:cxnSp>
-        <p:nvCxnSpPr>
-          <p:cNvPr id="59" name="Elbow Connector 58"/>
-          <p:cNvCxnSpPr>
-            <a:stCxn id="51" idx="3"/>
-            <a:endCxn id="57" idx="1"/>
-          </p:cNvCxnSpPr>
-          <p:nvPr/>
-        </p:nvCxnSpPr>
-        <p:spPr>
-          <a:xfrm flipV="1">
-            <a:off x="3763151" y="2453949"/>
-            <a:ext cx="256977" cy="306732"/>
-          </a:xfrm>
-          <a:prstGeom prst="bentConnector3">
-            <a:avLst>
-              <a:gd name="adj1" fmla="val 50000"/>
-            </a:avLst>
-          </a:prstGeom>
-          <a:ln w="19050">
-            <a:solidFill>
-              <a:srgbClr val="7030A0"/>
-            </a:solidFill>
-            <a:headEnd type="none" w="med" len="med"/>
-            <a:tailEnd type="arrow" w="med" len="med"/>
-          </a:ln>
-          <a:effectLst/>
-        </p:spPr>
-        <p:style>
-          <a:lnRef idx="1">
-            <a:schemeClr val="accent2"/>
-          </a:lnRef>
-          <a:fillRef idx="2">
-            <a:schemeClr val="accent2"/>
-          </a:fillRef>
-          <a:effectRef idx="1">
-            <a:schemeClr val="accent2"/>
-          </a:effectRef>
-          <a:fontRef idx="minor">
-            <a:schemeClr val="dk1"/>
-          </a:fontRef>
-        </p:style>
-      </p:cxnSp>
-      <p:sp>
-        <p:nvSpPr>
-          <p:cNvPr id="62" name="Rectangle 8"/>
-          <p:cNvSpPr/>
-          <p:nvPr/>
-        </p:nvSpPr>
-        <p:spPr>
-          <a:xfrm>
-            <a:off x="5856477" y="2858066"/>
-            <a:ext cx="708186" cy="346760"/>
-          </a:xfrm>
-          <a:prstGeom prst="rect">
-            <a:avLst/>
-          </a:prstGeom>
-          <a:ln w="19050">
-            <a:solidFill>
-              <a:srgbClr val="7030A0"/>
-            </a:solidFill>
-          </a:ln>
-          <a:effectLst/>
-        </p:spPr>
-        <p:style>
-          <a:lnRef idx="1">
-            <a:schemeClr val="accent4"/>
-          </a:lnRef>
-          <a:fillRef idx="2">
-            <a:schemeClr val="accent4"/>
-          </a:fillRef>
-          <a:effectRef idx="1">
-            <a:schemeClr val="accent4"/>
-          </a:effectRef>
-          <a:fontRef idx="minor">
-            <a:schemeClr val="dk1"/>
-          </a:fontRef>
-        </p:style>
-        <p:txBody>
-          <a:bodyPr rtlCol="0" anchor="ctr"/>
-          <a:lstStyle/>
-          <a:p>
-            <a:pPr algn="ctr"/>
-            <a:r>
-              <a:rPr lang="en-US" sz="1050" dirty="0">
-                <a:solidFill>
-                  <a:srgbClr val="7030A0"/>
-                </a:solidFill>
-              </a:rPr>
-              <a:t>Person</a:t>
-            </a:r>
-            <a:endParaRPr lang="en-SG" sz="1050" dirty="0">
-              <a:solidFill>
-                <a:srgbClr val="7030A0"/>
-              </a:solidFill>
-            </a:endParaRPr>
-          </a:p>
-        </p:txBody>
-      </p:sp>
-      <p:sp>
-        <p:nvSpPr>
-          <p:cNvPr id="63" name="Flowchart: Decision 96"/>
-          <p:cNvSpPr/>
-          <p:nvPr/>
-        </p:nvSpPr>
-        <p:spPr>
-          <a:xfrm>
-            <a:off x="5186027" y="2895600"/>
-            <a:ext cx="236048" cy="173380"/>
-          </a:xfrm>
-          <a:prstGeom prst="flowChartDecision">
-            <a:avLst/>
-          </a:prstGeom>
-          <a:noFill/>
-          <a:ln w="19050">
-            <a:solidFill>
-              <a:srgbClr val="7030A0"/>
-            </a:solidFill>
-          </a:ln>
-          <a:effectLst/>
-        </p:spPr>
-        <p:style>
-          <a:lnRef idx="1">
-            <a:schemeClr val="accent6"/>
-          </a:lnRef>
-          <a:fillRef idx="2">
-            <a:schemeClr val="accent6"/>
-          </a:fillRef>
-          <a:effectRef idx="1">
-            <a:schemeClr val="accent6"/>
-          </a:effectRef>
-          <a:fontRef idx="minor">
-            <a:schemeClr val="dk1"/>
-          </a:fontRef>
-        </p:style>
-        <p:txBody>
-          <a:bodyPr rtlCol="0" anchor="ctr"/>
-          <a:lstStyle/>
-          <a:p>
-            <a:pPr algn="ctr"/>
-            <a:endParaRPr lang="en-US" sz="1050"/>
-          </a:p>
-        </p:txBody>
-      </p:sp>
-      <p:cxnSp>
-        <p:nvCxnSpPr>
-          <p:cNvPr id="64" name="Elbow Connector 63"/>
-          <p:cNvCxnSpPr>
-            <a:stCxn id="63" idx="3"/>
-          </p:cNvCxnSpPr>
-          <p:nvPr/>
-        </p:nvCxnSpPr>
-        <p:spPr>
-          <a:xfrm>
-            <a:off x="5422075" y="2982290"/>
-            <a:ext cx="434402" cy="777"/>
-          </a:xfrm>
-          <a:prstGeom prst="bentConnector3">
-            <a:avLst/>
-          </a:prstGeom>
-          <a:ln w="19050">
-            <a:solidFill>
-              <a:srgbClr val="7030A0"/>
-            </a:solidFill>
-            <a:headEnd type="none" w="med" len="med"/>
-            <a:tailEnd type="arrow" w="med" len="med"/>
-          </a:ln>
-          <a:effectLst/>
-        </p:spPr>
-        <p:style>
-          <a:lnRef idx="1">
-            <a:schemeClr val="accent2"/>
-          </a:lnRef>
-          <a:fillRef idx="2">
-            <a:schemeClr val="accent2"/>
-          </a:fillRef>
-          <a:effectRef idx="1">
-            <a:schemeClr val="accent2"/>
-          </a:effectRef>
-          <a:fontRef idx="minor">
-            <a:schemeClr val="dk1"/>
-          </a:fontRef>
-        </p:style>
-      </p:cxnSp>
-      <p:sp>
-        <p:nvSpPr>
-          <p:cNvPr id="67" name="Rectangle 8"/>
-          <p:cNvSpPr/>
-          <p:nvPr/>
-        </p:nvSpPr>
-        <p:spPr>
-          <a:xfrm>
-            <a:off x="4878905" y="1809332"/>
-            <a:ext cx="483700" cy="346760"/>
-          </a:xfrm>
-          <a:prstGeom prst="rect">
-            <a:avLst/>
-          </a:prstGeom>
-          <a:ln w="19050">
-            <a:solidFill>
-              <a:srgbClr val="7030A0"/>
-            </a:solidFill>
-          </a:ln>
-          <a:effectLst/>
-        </p:spPr>
-        <p:style>
-          <a:lnRef idx="1">
-            <a:schemeClr val="accent4"/>
-          </a:lnRef>
-          <a:fillRef idx="2">
-            <a:schemeClr val="accent4"/>
-          </a:fillRef>
-          <a:effectRef idx="1">
-            <a:schemeClr val="accent4"/>
-          </a:effectRef>
-          <a:fontRef idx="minor">
-            <a:schemeClr val="dk1"/>
-          </a:fontRef>
-        </p:style>
-        <p:txBody>
-          <a:bodyPr rtlCol="0" anchor="ctr"/>
-          <a:lstStyle/>
-          <a:p>
-            <a:pPr algn="ctr"/>
-            <a:r>
-              <a:rPr lang="en-US" sz="1050" dirty="0">
-                <a:solidFill>
-                  <a:srgbClr val="7030A0"/>
-                </a:solidFill>
-              </a:rPr>
-              <a:t>Tag</a:t>
-            </a:r>
-            <a:endParaRPr lang="en-SG" sz="1050" dirty="0">
-              <a:solidFill>
-                <a:srgbClr val="7030A0"/>
-              </a:solidFill>
-            </a:endParaRPr>
-          </a:p>
-        </p:txBody>
-      </p:sp>
-      <p:sp>
-        <p:nvSpPr>
-          <p:cNvPr id="68" name="Flowchart: Decision 96"/>
-          <p:cNvSpPr/>
-          <p:nvPr/>
-        </p:nvSpPr>
-        <p:spPr>
-          <a:xfrm rot="16200000">
-            <a:off x="4464466" y="2066540"/>
-            <a:ext cx="236048" cy="173380"/>
-          </a:xfrm>
-          <a:prstGeom prst="flowChartDecision">
-            <a:avLst/>
-          </a:prstGeom>
-          <a:noFill/>
-          <a:ln w="19050">
-            <a:solidFill>
-              <a:srgbClr val="7030A0"/>
-            </a:solidFill>
-          </a:ln>
-          <a:effectLst/>
-        </p:spPr>
-        <p:style>
-          <a:lnRef idx="1">
-            <a:schemeClr val="accent6"/>
-          </a:lnRef>
-          <a:fillRef idx="2">
-            <a:schemeClr val="accent6"/>
-          </a:fillRef>
-          <a:effectRef idx="1">
-            <a:schemeClr val="accent6"/>
-          </a:effectRef>
-          <a:fontRef idx="minor">
-            <a:schemeClr val="dk1"/>
-          </a:fontRef>
-        </p:style>
-        <p:txBody>
-          <a:bodyPr rtlCol="0" anchor="ctr"/>
-          <a:lstStyle/>
-          <a:p>
-            <a:pPr algn="ctr"/>
-            <a:endParaRPr lang="en-US" sz="1050"/>
-          </a:p>
-        </p:txBody>
-      </p:sp>
-      <p:cxnSp>
-        <p:nvCxnSpPr>
-          <p:cNvPr id="69" name="Elbow Connector 68"/>
-          <p:cNvCxnSpPr>
-            <a:stCxn id="68" idx="3"/>
-            <a:endCxn id="67" idx="1"/>
-          </p:cNvCxnSpPr>
-          <p:nvPr/>
-        </p:nvCxnSpPr>
-        <p:spPr>
-          <a:xfrm rot="5400000" flipH="1" flipV="1">
-            <a:off x="4704450" y="1860752"/>
-            <a:ext cx="52494" cy="296415"/>
-          </a:xfrm>
-          <a:prstGeom prst="bentConnector2">
-            <a:avLst/>
-          </a:prstGeom>
-          <a:ln w="19050">
-            <a:solidFill>
-              <a:srgbClr val="7030A0"/>
-            </a:solidFill>
-            <a:headEnd type="none" w="med" len="med"/>
-            <a:tailEnd type="arrow" w="med" len="med"/>
-          </a:ln>
-          <a:effectLst/>
-        </p:spPr>
-        <p:style>
-          <a:lnRef idx="1">
-            <a:schemeClr val="accent2"/>
-          </a:lnRef>
-          <a:fillRef idx="2">
-            <a:schemeClr val="accent2"/>
-          </a:fillRef>
-          <a:effectRef idx="1">
-            <a:schemeClr val="accent2"/>
-          </a:effectRef>
-          <a:fontRef idx="minor">
-            <a:schemeClr val="dk1"/>
-          </a:fontRef>
-        </p:style>
-      </p:cxnSp>
-      <p:sp>
-        <p:nvSpPr>
-          <p:cNvPr id="76" name="Rectangle 8"/>
-          <p:cNvSpPr/>
-          <p:nvPr/>
-        </p:nvSpPr>
-        <p:spPr>
-          <a:xfrm>
-            <a:off x="7255197" y="1981200"/>
-            <a:ext cx="708186" cy="285783"/>
-          </a:xfrm>
-          <a:prstGeom prst="rect">
-            <a:avLst/>
-          </a:prstGeom>
-          <a:ln w="19050">
-            <a:solidFill>
-              <a:srgbClr val="7030A0"/>
-            </a:solidFill>
-          </a:ln>
-          <a:effectLst/>
-        </p:spPr>
-        <p:style>
-          <a:lnRef idx="1">
-            <a:schemeClr val="accent4"/>
-          </a:lnRef>
-          <a:fillRef idx="2">
-            <a:schemeClr val="accent4"/>
-          </a:fillRef>
-          <a:effectRef idx="1">
-            <a:schemeClr val="accent4"/>
-          </a:effectRef>
-          <a:fontRef idx="minor">
-            <a:schemeClr val="dk1"/>
-          </a:fontRef>
-        </p:style>
-        <p:txBody>
-          <a:bodyPr rtlCol="0" anchor="ctr"/>
-          <a:lstStyle/>
-          <a:p>
-            <a:pPr algn="ctr"/>
-            <a:r>
-              <a:rPr lang="en-US" sz="1050" dirty="0">
-                <a:solidFill>
-                  <a:srgbClr val="7030A0"/>
-                </a:solidFill>
-              </a:rPr>
-              <a:t>Name</a:t>
-            </a:r>
-            <a:endParaRPr lang="en-SG" sz="1050" dirty="0">
-              <a:solidFill>
-                <a:srgbClr val="7030A0"/>
-              </a:solidFill>
-            </a:endParaRPr>
-          </a:p>
-        </p:txBody>
-      </p:sp>
-      <p:sp>
-        <p:nvSpPr>
-          <p:cNvPr id="78" name="Flowchart: Decision 96"/>
-          <p:cNvSpPr/>
-          <p:nvPr/>
-        </p:nvSpPr>
-        <p:spPr>
-          <a:xfrm>
-            <a:off x="6584747" y="2912685"/>
-            <a:ext cx="236048" cy="173380"/>
-          </a:xfrm>
-          <a:prstGeom prst="flowChartDecision">
-            <a:avLst/>
-          </a:prstGeom>
-          <a:solidFill>
-            <a:srgbClr val="7030A0"/>
-          </a:solidFill>
-          <a:ln w="19050">
-            <a:solidFill>
-              <a:srgbClr val="7030A0"/>
-            </a:solidFill>
-          </a:ln>
-          <a:effectLst/>
-        </p:spPr>
-        <p:style>
-          <a:lnRef idx="1">
-            <a:schemeClr val="accent6"/>
-          </a:lnRef>
-          <a:fillRef idx="2">
-            <a:schemeClr val="accent6"/>
-          </a:fillRef>
-          <a:effectRef idx="1">
-            <a:schemeClr val="accent6"/>
-          </a:effectRef>
-          <a:fontRef idx="minor">
-            <a:schemeClr val="dk1"/>
-          </a:fontRef>
-        </p:style>
-        <p:txBody>
-          <a:bodyPr rtlCol="0" anchor="ctr"/>
-          <a:lstStyle/>
-          <a:p>
-            <a:pPr algn="ctr"/>
-            <a:endParaRPr lang="en-US" sz="1050"/>
-          </a:p>
-        </p:txBody>
-      </p:sp>
-      <p:cxnSp>
-        <p:nvCxnSpPr>
-          <p:cNvPr id="79" name="Elbow Connector 78"/>
-          <p:cNvCxnSpPr>
-            <a:stCxn id="78" idx="3"/>
-            <a:endCxn id="76" idx="1"/>
-          </p:cNvCxnSpPr>
-          <p:nvPr/>
-        </p:nvCxnSpPr>
-        <p:spPr>
-          <a:xfrm flipV="1">
-            <a:off x="6820795" y="2124092"/>
-            <a:ext cx="434402" cy="875283"/>
-          </a:xfrm>
-          <a:prstGeom prst="bentConnector3">
-            <a:avLst>
-              <a:gd name="adj1" fmla="val 50000"/>
-            </a:avLst>
-          </a:prstGeom>
-          <a:ln w="19050">
-            <a:solidFill>
-              <a:srgbClr val="7030A0"/>
-            </a:solidFill>
-            <a:headEnd type="none" w="med" len="med"/>
-            <a:tailEnd type="arrow" w="med" len="med"/>
-          </a:ln>
-          <a:effectLst/>
-        </p:spPr>
-        <p:style>
-          <a:lnRef idx="1">
-            <a:schemeClr val="accent2"/>
-          </a:lnRef>
-          <a:fillRef idx="2">
-            <a:schemeClr val="accent2"/>
-          </a:fillRef>
-          <a:effectRef idx="1">
-            <a:schemeClr val="accent2"/>
-          </a:effectRef>
-          <a:fontRef idx="minor">
-            <a:schemeClr val="dk1"/>
-          </a:fontRef>
-        </p:style>
-      </p:cxnSp>
-      <p:sp>
-        <p:nvSpPr>
-          <p:cNvPr id="80" name="Rectangle 8"/>
-          <p:cNvSpPr/>
-          <p:nvPr/>
-        </p:nvSpPr>
-        <p:spPr>
-          <a:xfrm>
-            <a:off x="7255197" y="2304178"/>
-            <a:ext cx="708186" cy="285783"/>
-          </a:xfrm>
-          <a:prstGeom prst="rect">
-            <a:avLst/>
-          </a:prstGeom>
-          <a:ln w="19050">
-            <a:solidFill>
-              <a:srgbClr val="7030A0"/>
-            </a:solidFill>
-          </a:ln>
-          <a:effectLst/>
-        </p:spPr>
-        <p:style>
-          <a:lnRef idx="1">
-            <a:schemeClr val="accent4"/>
-          </a:lnRef>
-          <a:fillRef idx="2">
-            <a:schemeClr val="accent4"/>
-          </a:fillRef>
-          <a:effectRef idx="1">
-            <a:schemeClr val="accent4"/>
-          </a:effectRef>
-          <a:fontRef idx="minor">
-            <a:schemeClr val="dk1"/>
-          </a:fontRef>
-        </p:style>
-        <p:txBody>
-          <a:bodyPr rtlCol="0" anchor="ctr"/>
-          <a:lstStyle/>
-          <a:p>
-            <a:pPr algn="ctr"/>
-            <a:r>
-              <a:rPr lang="en-US" sz="1050" dirty="0">
-                <a:solidFill>
-                  <a:srgbClr val="7030A0"/>
-                </a:solidFill>
-              </a:rPr>
-              <a:t>Phone</a:t>
-            </a:r>
-            <a:endParaRPr lang="en-SG" sz="1050" dirty="0">
-              <a:solidFill>
-                <a:srgbClr val="7030A0"/>
-              </a:solidFill>
-            </a:endParaRPr>
-          </a:p>
-        </p:txBody>
-      </p:sp>
-      <p:cxnSp>
-        <p:nvCxnSpPr>
-          <p:cNvPr id="81" name="Elbow Connector 80"/>
-          <p:cNvCxnSpPr>
-            <a:stCxn id="78" idx="3"/>
-            <a:endCxn id="80" idx="1"/>
-          </p:cNvCxnSpPr>
-          <p:nvPr/>
-        </p:nvCxnSpPr>
-        <p:spPr>
-          <a:xfrm flipV="1">
-            <a:off x="6820795" y="2447070"/>
-            <a:ext cx="434402" cy="552305"/>
-          </a:xfrm>
-          <a:prstGeom prst="bentConnector3">
-            <a:avLst>
-              <a:gd name="adj1" fmla="val 50000"/>
-            </a:avLst>
-          </a:prstGeom>
-          <a:ln w="19050">
-            <a:solidFill>
-              <a:srgbClr val="7030A0"/>
-            </a:solidFill>
-            <a:headEnd type="none" w="med" len="med"/>
-            <a:tailEnd type="arrow" w="med" len="med"/>
-          </a:ln>
-          <a:effectLst/>
-        </p:spPr>
-        <p:style>
-          <a:lnRef idx="1">
-            <a:schemeClr val="accent2"/>
-          </a:lnRef>
-          <a:fillRef idx="2">
-            <a:schemeClr val="accent2"/>
-          </a:fillRef>
-          <a:effectRef idx="1">
-            <a:schemeClr val="accent2"/>
-          </a:effectRef>
-          <a:fontRef idx="minor">
-            <a:schemeClr val="dk1"/>
-          </a:fontRef>
-        </p:style>
-      </p:cxnSp>
-      <p:sp>
-        <p:nvSpPr>
-          <p:cNvPr id="83" name="Rectangle 8"/>
-          <p:cNvSpPr/>
-          <p:nvPr/>
-        </p:nvSpPr>
-        <p:spPr>
-          <a:xfrm>
-            <a:off x="7255197" y="2627156"/>
-            <a:ext cx="708186" cy="285783"/>
-          </a:xfrm>
-          <a:prstGeom prst="rect">
-            <a:avLst/>
-          </a:prstGeom>
-          <a:ln w="19050">
-            <a:solidFill>
-              <a:srgbClr val="7030A0"/>
-            </a:solidFill>
-          </a:ln>
-          <a:effectLst/>
-        </p:spPr>
-        <p:style>
-          <a:lnRef idx="1">
-            <a:schemeClr val="accent4"/>
-          </a:lnRef>
-          <a:fillRef idx="2">
-            <a:schemeClr val="accent4"/>
-          </a:fillRef>
-          <a:effectRef idx="1">
-            <a:schemeClr val="accent4"/>
-          </a:effectRef>
-          <a:fontRef idx="minor">
-            <a:schemeClr val="dk1"/>
-          </a:fontRef>
-        </p:style>
-        <p:txBody>
-          <a:bodyPr rtlCol="0" anchor="ctr"/>
-          <a:lstStyle/>
-          <a:p>
-            <a:pPr algn="ctr"/>
-            <a:r>
-              <a:rPr lang="en-US" sz="1050" dirty="0">
-                <a:solidFill>
-                  <a:srgbClr val="7030A0"/>
-                </a:solidFill>
-              </a:rPr>
-              <a:t>Email</a:t>
-            </a:r>
-            <a:endParaRPr lang="en-SG" sz="1050" dirty="0">
-              <a:solidFill>
-                <a:srgbClr val="7030A0"/>
-              </a:solidFill>
-            </a:endParaRPr>
-          </a:p>
-        </p:txBody>
-      </p:sp>
-      <p:cxnSp>
-        <p:nvCxnSpPr>
-          <p:cNvPr id="84" name="Elbow Connector 83"/>
-          <p:cNvCxnSpPr>
-            <a:stCxn id="78" idx="3"/>
-            <a:endCxn id="83" idx="1"/>
-          </p:cNvCxnSpPr>
-          <p:nvPr/>
-        </p:nvCxnSpPr>
-        <p:spPr>
-          <a:xfrm flipV="1">
-            <a:off x="6820795" y="2770048"/>
-            <a:ext cx="434402" cy="229327"/>
-          </a:xfrm>
-          <a:prstGeom prst="bentConnector3">
-            <a:avLst>
-              <a:gd name="adj1" fmla="val 50000"/>
-            </a:avLst>
-          </a:prstGeom>
-          <a:ln w="19050">
-            <a:solidFill>
-              <a:srgbClr val="7030A0"/>
-            </a:solidFill>
-            <a:headEnd type="none" w="med" len="med"/>
-            <a:tailEnd type="arrow" w="med" len="med"/>
-          </a:ln>
-          <a:effectLst/>
-        </p:spPr>
-        <p:style>
-          <a:lnRef idx="1">
-            <a:schemeClr val="accent2"/>
-          </a:lnRef>
-          <a:fillRef idx="2">
-            <a:schemeClr val="accent2"/>
-          </a:fillRef>
-          <a:effectRef idx="1">
-            <a:schemeClr val="accent2"/>
-          </a:effectRef>
-          <a:fontRef idx="minor">
-            <a:schemeClr val="dk1"/>
-          </a:fontRef>
-        </p:style>
-      </p:cxnSp>
-      <p:sp>
-        <p:nvSpPr>
-          <p:cNvPr id="85" name="Rectangle 8"/>
-          <p:cNvSpPr/>
-          <p:nvPr/>
-        </p:nvSpPr>
-        <p:spPr>
-          <a:xfrm>
-            <a:off x="7255197" y="2950133"/>
-            <a:ext cx="708186" cy="285783"/>
-          </a:xfrm>
-          <a:prstGeom prst="rect">
-            <a:avLst/>
-          </a:prstGeom>
-          <a:ln w="19050">
-            <a:solidFill>
-              <a:srgbClr val="7030A0"/>
-            </a:solidFill>
-          </a:ln>
-          <a:effectLst/>
-        </p:spPr>
-        <p:style>
-          <a:lnRef idx="1">
-            <a:schemeClr val="accent4"/>
-          </a:lnRef>
-          <a:fillRef idx="2">
-            <a:schemeClr val="accent4"/>
-          </a:fillRef>
-          <a:effectRef idx="1">
-            <a:schemeClr val="accent4"/>
-          </a:effectRef>
-          <a:fontRef idx="minor">
-            <a:schemeClr val="dk1"/>
-          </a:fontRef>
-        </p:style>
-        <p:txBody>
-          <a:bodyPr rtlCol="0" anchor="ctr"/>
-          <a:lstStyle/>
-          <a:p>
-            <a:pPr algn="ctr"/>
-            <a:r>
-              <a:rPr lang="en-US" sz="1050" dirty="0">
-                <a:solidFill>
-                  <a:srgbClr val="7030A0"/>
-                </a:solidFill>
-              </a:rPr>
-              <a:t>Address</a:t>
-            </a:r>
-            <a:endParaRPr lang="en-SG" sz="1050" dirty="0">
-              <a:solidFill>
-                <a:srgbClr val="7030A0"/>
-              </a:solidFill>
-            </a:endParaRPr>
-          </a:p>
-        </p:txBody>
-      </p:sp>
-      <p:cxnSp>
-        <p:nvCxnSpPr>
-          <p:cNvPr id="86" name="Elbow Connector 85"/>
-          <p:cNvCxnSpPr>
-            <a:stCxn id="78" idx="3"/>
-            <a:endCxn id="85" idx="1"/>
-          </p:cNvCxnSpPr>
-          <p:nvPr/>
-        </p:nvCxnSpPr>
-        <p:spPr>
-          <a:xfrm>
-            <a:off x="6820795" y="2999375"/>
-            <a:ext cx="434402" cy="93650"/>
-          </a:xfrm>
-          <a:prstGeom prst="bentConnector3">
-            <a:avLst>
-              <a:gd name="adj1" fmla="val 50000"/>
-            </a:avLst>
-          </a:prstGeom>
-          <a:ln w="19050">
-            <a:solidFill>
-              <a:srgbClr val="7030A0"/>
-            </a:solidFill>
-            <a:headEnd type="none" w="med" len="med"/>
-            <a:tailEnd type="arrow" w="med" len="med"/>
-          </a:ln>
-          <a:effectLst/>
-        </p:spPr>
-        <p:style>
-          <a:lnRef idx="1">
-            <a:schemeClr val="accent2"/>
-          </a:lnRef>
-          <a:fillRef idx="2">
-            <a:schemeClr val="accent2"/>
-          </a:fillRef>
-          <a:effectRef idx="1">
-            <a:schemeClr val="accent2"/>
-          </a:effectRef>
-          <a:fontRef idx="minor">
-            <a:schemeClr val="dk1"/>
-          </a:fontRef>
-        </p:style>
-      </p:cxnSp>
-      <p:cxnSp>
-        <p:nvCxnSpPr>
-          <p:cNvPr id="97" name="Elbow Connector 63"/>
-          <p:cNvCxnSpPr>
-            <a:stCxn id="99" idx="3"/>
-          </p:cNvCxnSpPr>
-          <p:nvPr/>
-        </p:nvCxnSpPr>
-        <p:spPr>
-          <a:xfrm rot="16200000" flipH="1">
-            <a:off x="2822121" y="2485431"/>
-            <a:ext cx="293825" cy="1"/>
-          </a:xfrm>
-          <a:prstGeom prst="bentConnector3">
-            <a:avLst>
-              <a:gd name="adj1" fmla="val 50000"/>
-            </a:avLst>
-          </a:prstGeom>
-          <a:ln w="19050">
-            <a:solidFill>
-              <a:srgbClr val="7030A0"/>
-            </a:solidFill>
-            <a:prstDash val="sysDot"/>
-            <a:headEnd type="none" w="med" len="med"/>
-            <a:tailEnd type="none" w="med" len="med"/>
-          </a:ln>
-          <a:effectLst/>
-        </p:spPr>
-        <p:style>
-          <a:lnRef idx="1">
-            <a:schemeClr val="accent2"/>
-          </a:lnRef>
-          <a:fillRef idx="2">
-            <a:schemeClr val="accent2"/>
-          </a:fillRef>
-          <a:effectRef idx="1">
-            <a:schemeClr val="accent2"/>
-          </a:effectRef>
-          <a:fontRef idx="minor">
-            <a:schemeClr val="dk1"/>
-          </a:fontRef>
-        </p:style>
-      </p:cxnSp>
-      <p:sp>
-        <p:nvSpPr>
-          <p:cNvPr id="99" name="Isosceles Triangle 102"/>
-          <p:cNvSpPr/>
-          <p:nvPr/>
-        </p:nvSpPr>
-        <p:spPr>
-          <a:xfrm rot="10800000" flipV="1">
-            <a:off x="2833781" y="2162997"/>
-            <a:ext cx="270504" cy="175523"/>
-          </a:xfrm>
-          <a:prstGeom prst="triangle">
-            <a:avLst/>
-          </a:prstGeom>
-          <a:ln w="19050">
-            <a:solidFill>
-              <a:srgbClr val="7030A0"/>
-            </a:solidFill>
-          </a:ln>
-          <a:effectLst/>
-        </p:spPr>
-        <p:style>
-          <a:lnRef idx="1">
-            <a:schemeClr val="accent4"/>
-          </a:lnRef>
-          <a:fillRef idx="2">
-            <a:schemeClr val="accent4"/>
-          </a:fillRef>
-          <a:effectRef idx="1">
-            <a:schemeClr val="accent4"/>
-          </a:effectRef>
-          <a:fontRef idx="minor">
-            <a:schemeClr val="dk1"/>
-          </a:fontRef>
-        </p:style>
-        <p:txBody>
-          <a:bodyPr rtlCol="0" anchor="ctr"/>
-          <a:lstStyle/>
-          <a:p>
-            <a:pPr algn="ctr"/>
-            <a:endParaRPr lang="en-SG" sz="1050" b="1">
-              <a:solidFill>
-                <a:srgbClr val="92D050"/>
-              </a:solidFill>
-            </a:endParaRPr>
-          </a:p>
-        </p:txBody>
-      </p:sp>
-      <p:sp>
-        <p:nvSpPr>
-          <p:cNvPr id="100" name="Rectangle 8"/>
-          <p:cNvSpPr/>
-          <p:nvPr/>
-        </p:nvSpPr>
-        <p:spPr>
-          <a:xfrm>
-            <a:off x="2203103" y="1806470"/>
-            <a:ext cx="1539926" cy="346760"/>
-          </a:xfrm>
-          <a:prstGeom prst="rect">
-            <a:avLst/>
-          </a:prstGeom>
-          <a:ln w="19050">
-            <a:solidFill>
-              <a:srgbClr val="7030A0"/>
-            </a:solidFill>
-          </a:ln>
-          <a:effectLst/>
-        </p:spPr>
-        <p:style>
-          <a:lnRef idx="1">
-            <a:schemeClr val="accent4"/>
-          </a:lnRef>
-          <a:fillRef idx="2">
-            <a:schemeClr val="accent4"/>
-          </a:fillRef>
-          <a:effectRef idx="1">
-            <a:schemeClr val="accent4"/>
-          </a:effectRef>
-          <a:fontRef idx="minor">
-            <a:schemeClr val="dk1"/>
-          </a:fontRef>
-        </p:style>
-        <p:txBody>
-          <a:bodyPr rtlCol="0" anchor="ctr"/>
-          <a:lstStyle/>
-          <a:p>
-            <a:pPr algn="ctr"/>
-            <a:r>
-              <a:rPr lang="en-US" sz="1050" dirty="0">
-                <a:solidFill>
-                  <a:srgbClr val="7030A0"/>
-                </a:solidFill>
-              </a:rPr>
-              <a:t>&lt;&lt;interface&gt;&gt;</a:t>
-            </a:r>
-            <a:br>
-              <a:rPr lang="en-US" sz="1050" dirty="0">
-                <a:solidFill>
-                  <a:srgbClr val="7030A0"/>
-                </a:solidFill>
-              </a:rPr>
-            </a:br>
-            <a:r>
-              <a:rPr lang="en-US" sz="1050" dirty="0">
-                <a:solidFill>
-                  <a:srgbClr val="7030A0"/>
-                </a:solidFill>
-              </a:rPr>
-              <a:t>ReadOnlyAddressBook</a:t>
-            </a:r>
-            <a:endParaRPr lang="en-SG" sz="1050" dirty="0">
-              <a:solidFill>
-                <a:srgbClr val="7030A0"/>
-              </a:solidFill>
-            </a:endParaRPr>
-          </a:p>
-        </p:txBody>
-      </p:sp>
-      <p:sp>
-        <p:nvSpPr>
-          <p:cNvPr id="114" name="TextBox 113"/>
-          <p:cNvSpPr txBox="1"/>
-          <p:nvPr/>
-        </p:nvSpPr>
-        <p:spPr>
-          <a:xfrm rot="16200000">
-            <a:off x="5952201" y="4834882"/>
-            <a:ext cx="804818" cy="261610"/>
-          </a:xfrm>
-          <a:prstGeom prst="rect">
-            <a:avLst/>
-          </a:prstGeom>
-          <a:noFill/>
-        </p:spPr>
-        <p:txBody>
-          <a:bodyPr wrap="square" rtlCol="0">
-            <a:spAutoFit/>
-          </a:bodyPr>
-          <a:lstStyle/>
-          <a:p>
-            <a:pPr algn="r"/>
-            <a:r>
-              <a:rPr lang="en-US" sz="1100" dirty="0">
-                <a:solidFill>
-                  <a:srgbClr val="7030A0"/>
-                </a:solidFill>
-              </a:rPr>
-              <a:t>filtered list</a:t>
-            </a:r>
-            <a:endParaRPr lang="en-SG" sz="1100" dirty="0">
-              <a:solidFill>
-                <a:srgbClr val="7030A0"/>
-              </a:solidFill>
-            </a:endParaRPr>
-          </a:p>
-        </p:txBody>
-      </p:sp>
-      <p:sp>
-        <p:nvSpPr>
-          <p:cNvPr id="122" name="Rectangle 8"/>
-          <p:cNvSpPr/>
-          <p:nvPr/>
-        </p:nvSpPr>
-        <p:spPr>
-          <a:xfrm>
-            <a:off x="1598928" y="5885513"/>
-            <a:ext cx="1066800" cy="346760"/>
-          </a:xfrm>
-          <a:prstGeom prst="rect">
-            <a:avLst/>
-          </a:prstGeom>
-          <a:ln w="19050">
-            <a:solidFill>
-              <a:srgbClr val="7030A0"/>
-            </a:solidFill>
-          </a:ln>
-          <a:effectLst/>
-        </p:spPr>
-        <p:style>
-          <a:lnRef idx="1">
-            <a:schemeClr val="accent4"/>
-          </a:lnRef>
-          <a:fillRef idx="2">
-            <a:schemeClr val="accent4"/>
-          </a:fillRef>
-          <a:effectRef idx="1">
-            <a:schemeClr val="accent4"/>
-          </a:effectRef>
-          <a:fontRef idx="minor">
-            <a:schemeClr val="dk1"/>
-          </a:fontRef>
-        </p:style>
-        <p:txBody>
-          <a:bodyPr rtlCol="0" anchor="ctr"/>
-          <a:lstStyle/>
-          <a:p>
-            <a:pPr algn="ctr"/>
-            <a:r>
-              <a:rPr lang="en-US" sz="1050" dirty="0">
-                <a:solidFill>
-                  <a:srgbClr val="7030A0"/>
-                </a:solidFill>
-              </a:rPr>
-              <a:t>&lt;&lt;interface&gt;&gt;</a:t>
-            </a:r>
-            <a:br>
-              <a:rPr lang="en-US" sz="1050" dirty="0">
-                <a:solidFill>
-                  <a:srgbClr val="7030A0"/>
-                </a:solidFill>
-              </a:rPr>
-            </a:br>
-            <a:r>
-              <a:rPr lang="en-US" sz="1050" dirty="0">
-                <a:solidFill>
-                  <a:srgbClr val="7030A0"/>
-                </a:solidFill>
-              </a:rPr>
-              <a:t>ObservableList</a:t>
-            </a:r>
-            <a:endParaRPr lang="en-SG" sz="1050" dirty="0">
-              <a:solidFill>
-                <a:srgbClr val="7030A0"/>
-              </a:solidFill>
-            </a:endParaRPr>
-          </a:p>
-        </p:txBody>
-      </p:sp>
-      <p:cxnSp>
-        <p:nvCxnSpPr>
-          <p:cNvPr id="124" name="Elbow Connector 122"/>
-          <p:cNvCxnSpPr>
-            <a:cxnSpLocks/>
-            <a:endCxn id="122" idx="1"/>
-          </p:cNvCxnSpPr>
-          <p:nvPr/>
-        </p:nvCxnSpPr>
-        <p:spPr>
-          <a:xfrm rot="16200000" flipH="1">
-            <a:off x="328639" y="4788603"/>
-            <a:ext cx="1986197" cy="554381"/>
-          </a:xfrm>
-          <a:prstGeom prst="bentConnector2">
-            <a:avLst/>
-          </a:prstGeom>
-          <a:ln w="19050">
-            <a:solidFill>
-              <a:srgbClr val="7030A0"/>
-            </a:solidFill>
-            <a:prstDash val="sysDot"/>
-            <a:headEnd type="none" w="med" len="med"/>
-            <a:tailEnd type="arrow" w="med" len="med"/>
-          </a:ln>
-          <a:effectLst/>
-        </p:spPr>
-        <p:style>
-          <a:lnRef idx="1">
-            <a:schemeClr val="accent2"/>
-          </a:lnRef>
-          <a:fillRef idx="2">
-            <a:schemeClr val="accent2"/>
-          </a:fillRef>
-          <a:effectRef idx="1">
-            <a:schemeClr val="accent2"/>
-          </a:effectRef>
-          <a:fontRef idx="minor">
-            <a:schemeClr val="dk1"/>
-          </a:fontRef>
-        </p:style>
-      </p:cxnSp>
-      <p:cxnSp>
-        <p:nvCxnSpPr>
-          <p:cNvPr id="50" name="Elbow Connector 49"/>
-          <p:cNvCxnSpPr>
-            <a:stCxn id="62" idx="0"/>
-            <a:endCxn id="57" idx="3"/>
-          </p:cNvCxnSpPr>
-          <p:nvPr/>
-        </p:nvCxnSpPr>
-        <p:spPr>
-          <a:xfrm rot="16200000" flipV="1">
-            <a:off x="5425040" y="2206007"/>
-            <a:ext cx="404117" cy="900000"/>
-          </a:xfrm>
-          <a:prstGeom prst="bentConnector2">
-            <a:avLst/>
-          </a:prstGeom>
-          <a:ln w="19050">
-            <a:solidFill>
-              <a:srgbClr val="7030A0"/>
-            </a:solidFill>
-            <a:headEnd type="none" w="med" len="med"/>
-            <a:tailEnd type="arrow" w="med" len="med"/>
-          </a:ln>
-          <a:effectLst/>
-        </p:spPr>
-        <p:style>
-          <a:lnRef idx="1">
-            <a:schemeClr val="accent2"/>
-          </a:lnRef>
-          <a:fillRef idx="2">
-            <a:schemeClr val="accent2"/>
-          </a:fillRef>
-          <a:effectRef idx="1">
-            <a:schemeClr val="accent2"/>
-          </a:effectRef>
-          <a:fontRef idx="minor">
-            <a:schemeClr val="dk1"/>
-          </a:fontRef>
-        </p:style>
-      </p:cxnSp>
-      <p:sp>
-        <p:nvSpPr>
-          <p:cNvPr id="11" name="TextBox 10"/>
-          <p:cNvSpPr txBox="1"/>
-          <p:nvPr/>
-        </p:nvSpPr>
-        <p:spPr>
-          <a:xfrm>
-            <a:off x="3867772" y="2209800"/>
-            <a:ext cx="189257" cy="178683"/>
-          </a:xfrm>
-          <a:prstGeom prst="rect">
-            <a:avLst/>
-          </a:prstGeom>
-          <a:noFill/>
-        </p:spPr>
-        <p:txBody>
-          <a:bodyPr wrap="square" lIns="0" tIns="0" rIns="0" bIns="0" rtlCol="0">
-            <a:noAutofit/>
-          </a:bodyPr>
-          <a:lstStyle/>
-          <a:p>
-            <a:pPr algn="ctr"/>
-            <a:r>
-              <a:rPr lang="en-US" sz="1100" dirty="0">
-                <a:solidFill>
-                  <a:srgbClr val="7030A0"/>
-                </a:solidFill>
-              </a:rPr>
-              <a:t>1</a:t>
-            </a:r>
-            <a:endParaRPr lang="en-SG" sz="1100" dirty="0">
-              <a:solidFill>
-                <a:srgbClr val="7030A0"/>
-              </a:solidFill>
-            </a:endParaRPr>
-          </a:p>
-        </p:txBody>
-      </p:sp>
-      <p:sp>
-        <p:nvSpPr>
-          <p:cNvPr id="54" name="TextBox 53"/>
-          <p:cNvSpPr txBox="1"/>
-          <p:nvPr/>
-        </p:nvSpPr>
-        <p:spPr>
-          <a:xfrm>
-            <a:off x="3867772" y="3058864"/>
-            <a:ext cx="189257" cy="178683"/>
-          </a:xfrm>
-          <a:prstGeom prst="rect">
-            <a:avLst/>
-          </a:prstGeom>
-          <a:noFill/>
-        </p:spPr>
-        <p:txBody>
-          <a:bodyPr wrap="square" lIns="0" tIns="0" rIns="0" bIns="0" rtlCol="0">
-            <a:noAutofit/>
-          </a:bodyPr>
-          <a:lstStyle/>
-          <a:p>
-            <a:pPr algn="ctr"/>
-            <a:r>
-              <a:rPr lang="en-US" sz="1100" dirty="0">
-                <a:solidFill>
-                  <a:srgbClr val="7030A0"/>
-                </a:solidFill>
-              </a:rPr>
-              <a:t>1</a:t>
-            </a:r>
-            <a:endParaRPr lang="en-SG" sz="1100" dirty="0">
-              <a:solidFill>
-                <a:srgbClr val="7030A0"/>
-              </a:solidFill>
-            </a:endParaRPr>
-          </a:p>
-        </p:txBody>
-      </p:sp>
-      <p:sp>
-        <p:nvSpPr>
-          <p:cNvPr id="56" name="TextBox 55"/>
-          <p:cNvSpPr txBox="1"/>
-          <p:nvPr/>
-        </p:nvSpPr>
-        <p:spPr>
-          <a:xfrm>
-            <a:off x="5232561" y="2495413"/>
-            <a:ext cx="189257" cy="178683"/>
-          </a:xfrm>
-          <a:prstGeom prst="rect">
-            <a:avLst/>
-          </a:prstGeom>
-          <a:noFill/>
-        </p:spPr>
-        <p:txBody>
-          <a:bodyPr wrap="square" lIns="0" tIns="0" rIns="0" bIns="0" rtlCol="0">
-            <a:noAutofit/>
-          </a:bodyPr>
-          <a:lstStyle/>
-          <a:p>
-            <a:pPr algn="ctr"/>
-            <a:r>
-              <a:rPr lang="en-US" sz="1100" dirty="0">
-                <a:solidFill>
-                  <a:srgbClr val="7030A0"/>
-                </a:solidFill>
-              </a:rPr>
-              <a:t>1</a:t>
-            </a:r>
-            <a:endParaRPr lang="en-SG" sz="1100" dirty="0">
-              <a:solidFill>
-                <a:srgbClr val="7030A0"/>
-              </a:solidFill>
-            </a:endParaRPr>
-          </a:p>
-        </p:txBody>
-      </p:sp>
-      <p:sp>
-        <p:nvSpPr>
-          <p:cNvPr id="60" name="TextBox 59"/>
-          <p:cNvSpPr txBox="1"/>
-          <p:nvPr/>
-        </p:nvSpPr>
-        <p:spPr>
-          <a:xfrm>
-            <a:off x="4705972" y="1802517"/>
-            <a:ext cx="189257" cy="178683"/>
-          </a:xfrm>
-          <a:prstGeom prst="rect">
-            <a:avLst/>
-          </a:prstGeom>
-          <a:noFill/>
-        </p:spPr>
-        <p:txBody>
-          <a:bodyPr wrap="square" lIns="0" tIns="0" rIns="0" bIns="0" rtlCol="0">
-            <a:noAutofit/>
-          </a:bodyPr>
-          <a:lstStyle/>
-          <a:p>
-            <a:pPr algn="ctr"/>
-            <a:r>
-              <a:rPr lang="en-US" sz="1100" dirty="0">
-                <a:solidFill>
-                  <a:srgbClr val="7030A0"/>
-                </a:solidFill>
-              </a:rPr>
-              <a:t>*</a:t>
-            </a:r>
-            <a:endParaRPr lang="en-SG" sz="1100" dirty="0">
-              <a:solidFill>
-                <a:srgbClr val="7030A0"/>
-              </a:solidFill>
-            </a:endParaRPr>
-          </a:p>
-        </p:txBody>
-      </p:sp>
-      <p:sp>
-        <p:nvSpPr>
-          <p:cNvPr id="61" name="TextBox 60"/>
-          <p:cNvSpPr txBox="1"/>
-          <p:nvPr/>
-        </p:nvSpPr>
-        <p:spPr>
-          <a:xfrm>
-            <a:off x="5678056" y="3048000"/>
-            <a:ext cx="189257" cy="178683"/>
-          </a:xfrm>
-          <a:prstGeom prst="rect">
-            <a:avLst/>
-          </a:prstGeom>
-          <a:noFill/>
-        </p:spPr>
-        <p:txBody>
-          <a:bodyPr wrap="square" lIns="0" tIns="0" rIns="0" bIns="0" rtlCol="0">
-            <a:noAutofit/>
-          </a:bodyPr>
-          <a:lstStyle/>
-          <a:p>
-            <a:pPr algn="ctr"/>
-            <a:r>
-              <a:rPr lang="en-US" sz="1100" dirty="0">
-                <a:solidFill>
-                  <a:srgbClr val="7030A0"/>
-                </a:solidFill>
-              </a:rPr>
-              <a:t>*</a:t>
-            </a:r>
-            <a:endParaRPr lang="en-SG" sz="1100" dirty="0">
-              <a:solidFill>
-                <a:srgbClr val="7030A0"/>
-              </a:solidFill>
-            </a:endParaRPr>
-          </a:p>
-        </p:txBody>
-      </p:sp>
-      <p:sp>
-        <p:nvSpPr>
-          <p:cNvPr id="65" name="TextBox 64"/>
-          <p:cNvSpPr txBox="1"/>
-          <p:nvPr/>
-        </p:nvSpPr>
-        <p:spPr>
-          <a:xfrm>
-            <a:off x="2230723" y="2564238"/>
-            <a:ext cx="189257" cy="178683"/>
-          </a:xfrm>
-          <a:prstGeom prst="rect">
-            <a:avLst/>
-          </a:prstGeom>
-          <a:noFill/>
-        </p:spPr>
-        <p:txBody>
-          <a:bodyPr wrap="square" lIns="0" tIns="0" rIns="0" bIns="0" rtlCol="0">
-            <a:noAutofit/>
-          </a:bodyPr>
-          <a:lstStyle/>
-          <a:p>
-            <a:pPr algn="ctr"/>
-            <a:r>
-              <a:rPr lang="en-US" sz="1100" dirty="0">
-                <a:solidFill>
-                  <a:srgbClr val="7030A0"/>
-                </a:solidFill>
-              </a:rPr>
-              <a:t>1</a:t>
-            </a:r>
-            <a:endParaRPr lang="en-SG" sz="1100" dirty="0">
-              <a:solidFill>
-                <a:srgbClr val="7030A0"/>
-              </a:solidFill>
-            </a:endParaRPr>
-          </a:p>
-        </p:txBody>
-      </p:sp>
-      <p:sp>
-        <p:nvSpPr>
-          <p:cNvPr id="66" name="TextBox 65"/>
-          <p:cNvSpPr txBox="1"/>
-          <p:nvPr/>
-        </p:nvSpPr>
-        <p:spPr>
-          <a:xfrm>
-            <a:off x="2209800" y="3097917"/>
-            <a:ext cx="189257" cy="178683"/>
-          </a:xfrm>
-          <a:prstGeom prst="rect">
-            <a:avLst/>
-          </a:prstGeom>
-          <a:noFill/>
-        </p:spPr>
-        <p:txBody>
-          <a:bodyPr wrap="square" lIns="0" tIns="0" rIns="0" bIns="0" rtlCol="0">
-            <a:noAutofit/>
-          </a:bodyPr>
-          <a:lstStyle/>
-          <a:p>
-            <a:pPr algn="ctr"/>
-            <a:r>
-              <a:rPr lang="en-US" sz="1100" dirty="0">
-                <a:solidFill>
-                  <a:srgbClr val="7030A0"/>
-                </a:solidFill>
-              </a:rPr>
-              <a:t>1</a:t>
-            </a:r>
-            <a:endParaRPr lang="en-SG" sz="1100" dirty="0">
-              <a:solidFill>
-                <a:srgbClr val="7030A0"/>
-              </a:solidFill>
-            </a:endParaRPr>
-          </a:p>
-        </p:txBody>
-      </p:sp>
-      <p:sp>
-        <p:nvSpPr>
-          <p:cNvPr id="70" name="TextBox 69"/>
-          <p:cNvSpPr txBox="1"/>
-          <p:nvPr/>
-        </p:nvSpPr>
-        <p:spPr>
-          <a:xfrm>
-            <a:off x="6363943" y="2667000"/>
-            <a:ext cx="189257" cy="178683"/>
-          </a:xfrm>
-          <a:prstGeom prst="rect">
-            <a:avLst/>
-          </a:prstGeom>
-          <a:noFill/>
-        </p:spPr>
-        <p:txBody>
-          <a:bodyPr wrap="square" lIns="0" tIns="0" rIns="0" bIns="0" rtlCol="0">
-            <a:noAutofit/>
-          </a:bodyPr>
-          <a:lstStyle/>
-          <a:p>
-            <a:pPr algn="ctr"/>
-            <a:r>
-              <a:rPr lang="en-US" sz="1100" dirty="0">
-                <a:solidFill>
-                  <a:srgbClr val="7030A0"/>
-                </a:solidFill>
-              </a:rPr>
-              <a:t>1</a:t>
-            </a:r>
-            <a:endParaRPr lang="en-SG" sz="1100" dirty="0">
-              <a:solidFill>
-                <a:srgbClr val="7030A0"/>
-              </a:solidFill>
-            </a:endParaRPr>
-          </a:p>
-        </p:txBody>
-      </p:sp>
-      <p:sp>
-        <p:nvSpPr>
-          <p:cNvPr id="127" name="Rectangle 8"/>
-          <p:cNvSpPr/>
-          <p:nvPr/>
-        </p:nvSpPr>
-        <p:spPr>
-          <a:xfrm>
-            <a:off x="5875815" y="3954536"/>
-            <a:ext cx="685800" cy="346760"/>
-          </a:xfrm>
-          <a:prstGeom prst="rect">
-            <a:avLst/>
-          </a:prstGeom>
-          <a:ln w="19050">
-            <a:solidFill>
-              <a:srgbClr val="7030A0"/>
-            </a:solidFill>
-          </a:ln>
-          <a:effectLst/>
-        </p:spPr>
-        <p:style>
-          <a:lnRef idx="1">
-            <a:schemeClr val="accent4"/>
-          </a:lnRef>
-          <a:fillRef idx="2">
-            <a:schemeClr val="accent4"/>
-          </a:fillRef>
-          <a:effectRef idx="1">
-            <a:schemeClr val="accent4"/>
-          </a:effectRef>
-          <a:fontRef idx="minor">
-            <a:schemeClr val="dk1"/>
-          </a:fontRef>
-        </p:style>
-        <p:txBody>
-          <a:bodyPr rtlCol="0" anchor="ctr"/>
-          <a:lstStyle/>
-          <a:p>
-            <a:pPr algn="ctr"/>
-            <a:r>
-              <a:rPr lang="en-US" sz="1050" dirty="0">
-                <a:solidFill>
-                  <a:srgbClr val="7030A0"/>
-                </a:solidFill>
-              </a:rPr>
-              <a:t>Task</a:t>
-            </a:r>
-            <a:endParaRPr lang="en-SG" sz="1050" dirty="0">
-              <a:solidFill>
-                <a:srgbClr val="7030A0"/>
-              </a:solidFill>
-            </a:endParaRPr>
-          </a:p>
-        </p:txBody>
-      </p:sp>
-      <p:sp>
-        <p:nvSpPr>
-          <p:cNvPr id="142" name="Rectangle 8"/>
-          <p:cNvSpPr/>
-          <p:nvPr/>
-        </p:nvSpPr>
-        <p:spPr>
-          <a:xfrm>
-            <a:off x="7232065" y="3920296"/>
-            <a:ext cx="1082150" cy="285783"/>
-          </a:xfrm>
-          <a:prstGeom prst="rect">
-            <a:avLst/>
-          </a:prstGeom>
-          <a:ln w="19050">
-            <a:solidFill>
-              <a:srgbClr val="7030A0"/>
-            </a:solidFill>
-          </a:ln>
-          <a:effectLst/>
-        </p:spPr>
-        <p:style>
-          <a:lnRef idx="1">
-            <a:schemeClr val="accent4"/>
-          </a:lnRef>
-          <a:fillRef idx="2">
-            <a:schemeClr val="accent4"/>
-          </a:fillRef>
-          <a:effectRef idx="1">
-            <a:schemeClr val="accent4"/>
-          </a:effectRef>
-          <a:fontRef idx="minor">
-            <a:schemeClr val="dk1"/>
-          </a:fontRef>
-        </p:style>
-        <p:txBody>
-          <a:bodyPr rtlCol="0" anchor="ctr"/>
-          <a:lstStyle/>
-          <a:p>
-            <a:pPr algn="ctr"/>
-            <a:r>
-              <a:rPr lang="en-US" sz="1050" dirty="0">
-                <a:solidFill>
-                  <a:srgbClr val="7030A0"/>
-                </a:solidFill>
-              </a:rPr>
-              <a:t>TaskName</a:t>
-            </a:r>
-            <a:endParaRPr lang="en-SG" sz="1050" dirty="0">
-              <a:solidFill>
-                <a:srgbClr val="7030A0"/>
-              </a:solidFill>
-            </a:endParaRPr>
-          </a:p>
-        </p:txBody>
-      </p:sp>
-      <p:sp>
-        <p:nvSpPr>
-          <p:cNvPr id="143" name="Flowchart: Decision 96"/>
-          <p:cNvSpPr/>
-          <p:nvPr/>
-        </p:nvSpPr>
-        <p:spPr>
-          <a:xfrm>
-            <a:off x="6561615" y="4072696"/>
-            <a:ext cx="236048" cy="173380"/>
-          </a:xfrm>
-          <a:prstGeom prst="flowChartDecision">
-            <a:avLst/>
-          </a:prstGeom>
-          <a:solidFill>
-            <a:srgbClr val="7030A0"/>
-          </a:solidFill>
-          <a:ln w="19050">
-            <a:solidFill>
-              <a:srgbClr val="7030A0"/>
-            </a:solidFill>
-          </a:ln>
-          <a:effectLst/>
-        </p:spPr>
-        <p:style>
-          <a:lnRef idx="1">
-            <a:schemeClr val="accent6"/>
-          </a:lnRef>
-          <a:fillRef idx="2">
-            <a:schemeClr val="accent6"/>
-          </a:fillRef>
-          <a:effectRef idx="1">
-            <a:schemeClr val="accent6"/>
-          </a:effectRef>
-          <a:fontRef idx="minor">
-            <a:schemeClr val="dk1"/>
-          </a:fontRef>
-        </p:style>
-        <p:txBody>
-          <a:bodyPr rtlCol="0" anchor="ctr"/>
-          <a:lstStyle/>
-          <a:p>
-            <a:pPr algn="ctr"/>
-            <a:endParaRPr lang="en-US" sz="1050"/>
-          </a:p>
-        </p:txBody>
-      </p:sp>
-      <p:cxnSp>
-        <p:nvCxnSpPr>
-          <p:cNvPr id="144" name="Elbow Connector 143"/>
-          <p:cNvCxnSpPr>
-            <a:stCxn id="143" idx="3"/>
-            <a:endCxn id="142" idx="1"/>
-          </p:cNvCxnSpPr>
-          <p:nvPr/>
-        </p:nvCxnSpPr>
-        <p:spPr>
-          <a:xfrm flipV="1">
-            <a:off x="6797663" y="4063188"/>
-            <a:ext cx="434402" cy="96198"/>
-          </a:xfrm>
-          <a:prstGeom prst="bentConnector3">
-            <a:avLst>
-              <a:gd name="adj1" fmla="val 50000"/>
-            </a:avLst>
-          </a:prstGeom>
-          <a:ln w="19050">
-            <a:solidFill>
-              <a:srgbClr val="7030A0"/>
-            </a:solidFill>
-            <a:headEnd type="none" w="med" len="med"/>
-            <a:tailEnd type="arrow" w="med" len="med"/>
-          </a:ln>
-          <a:effectLst/>
-        </p:spPr>
-        <p:style>
-          <a:lnRef idx="1">
-            <a:schemeClr val="accent2"/>
-          </a:lnRef>
-          <a:fillRef idx="2">
-            <a:schemeClr val="accent2"/>
-          </a:fillRef>
-          <a:effectRef idx="1">
-            <a:schemeClr val="accent2"/>
-          </a:effectRef>
-          <a:fontRef idx="minor">
-            <a:schemeClr val="dk1"/>
-          </a:fontRef>
-        </p:style>
-      </p:cxnSp>
-      <p:sp>
-        <p:nvSpPr>
-          <p:cNvPr id="145" name="Rectangle 8"/>
-          <p:cNvSpPr/>
-          <p:nvPr/>
-        </p:nvSpPr>
-        <p:spPr>
-          <a:xfrm>
-            <a:off x="7232065" y="4243274"/>
-            <a:ext cx="1082150" cy="285783"/>
-          </a:xfrm>
-          <a:prstGeom prst="rect">
-            <a:avLst/>
-          </a:prstGeom>
-          <a:ln w="19050">
-            <a:solidFill>
-              <a:srgbClr val="7030A0"/>
-            </a:solidFill>
-          </a:ln>
-          <a:effectLst/>
-        </p:spPr>
-        <p:style>
-          <a:lnRef idx="1">
-            <a:schemeClr val="accent4"/>
-          </a:lnRef>
-          <a:fillRef idx="2">
-            <a:schemeClr val="accent4"/>
-          </a:fillRef>
-          <a:effectRef idx="1">
-            <a:schemeClr val="accent4"/>
-          </a:effectRef>
-          <a:fontRef idx="minor">
-            <a:schemeClr val="dk1"/>
-          </a:fontRef>
-        </p:style>
-        <p:txBody>
-          <a:bodyPr rtlCol="0" anchor="ctr"/>
-          <a:lstStyle/>
-          <a:p>
-            <a:pPr algn="ctr"/>
-            <a:r>
-              <a:rPr lang="en-US" sz="1050" dirty="0">
-                <a:solidFill>
-                  <a:srgbClr val="7030A0"/>
-                </a:solidFill>
-              </a:rPr>
-              <a:t>TaskPriority</a:t>
-            </a:r>
-            <a:endParaRPr lang="en-SG" sz="1050" dirty="0">
-              <a:solidFill>
-                <a:srgbClr val="7030A0"/>
-              </a:solidFill>
-            </a:endParaRPr>
-          </a:p>
-        </p:txBody>
-      </p:sp>
-      <p:cxnSp>
-        <p:nvCxnSpPr>
-          <p:cNvPr id="146" name="Elbow Connector 145"/>
-          <p:cNvCxnSpPr>
-            <a:stCxn id="143" idx="3"/>
-            <a:endCxn id="145" idx="1"/>
-          </p:cNvCxnSpPr>
-          <p:nvPr/>
-        </p:nvCxnSpPr>
-        <p:spPr>
-          <a:xfrm>
-            <a:off x="6797663" y="4159386"/>
-            <a:ext cx="434402" cy="226780"/>
-          </a:xfrm>
-          <a:prstGeom prst="bentConnector3">
-            <a:avLst>
-              <a:gd name="adj1" fmla="val 50000"/>
-            </a:avLst>
-          </a:prstGeom>
-          <a:ln w="19050">
-            <a:solidFill>
-              <a:srgbClr val="7030A0"/>
-            </a:solidFill>
-            <a:headEnd type="none" w="med" len="med"/>
-            <a:tailEnd type="arrow" w="med" len="med"/>
-          </a:ln>
-          <a:effectLst/>
-        </p:spPr>
-        <p:style>
-          <a:lnRef idx="1">
-            <a:schemeClr val="accent2"/>
-          </a:lnRef>
-          <a:fillRef idx="2">
-            <a:schemeClr val="accent2"/>
-          </a:fillRef>
-          <a:effectRef idx="1">
-            <a:schemeClr val="accent2"/>
-          </a:effectRef>
-          <a:fontRef idx="minor">
-            <a:schemeClr val="dk1"/>
-          </a:fontRef>
-        </p:style>
-      </p:cxnSp>
-      <p:sp>
-        <p:nvSpPr>
-          <p:cNvPr id="147" name="Rectangle 8"/>
-          <p:cNvSpPr/>
-          <p:nvPr/>
-        </p:nvSpPr>
-        <p:spPr>
-          <a:xfrm>
-            <a:off x="7232065" y="4566252"/>
-            <a:ext cx="1082150" cy="285783"/>
-          </a:xfrm>
-          <a:prstGeom prst="rect">
-            <a:avLst/>
-          </a:prstGeom>
-          <a:ln w="19050">
-            <a:solidFill>
-              <a:srgbClr val="7030A0"/>
-            </a:solidFill>
-          </a:ln>
-          <a:effectLst/>
-        </p:spPr>
-        <p:style>
-          <a:lnRef idx="1">
-            <a:schemeClr val="accent4"/>
-          </a:lnRef>
-          <a:fillRef idx="2">
-            <a:schemeClr val="accent4"/>
-          </a:fillRef>
-          <a:effectRef idx="1">
-            <a:schemeClr val="accent4"/>
-          </a:effectRef>
-          <a:fontRef idx="minor">
-            <a:schemeClr val="dk1"/>
-          </a:fontRef>
-        </p:style>
-        <p:txBody>
-          <a:bodyPr rtlCol="0" anchor="ctr"/>
-          <a:lstStyle/>
-          <a:p>
-            <a:pPr algn="ctr"/>
-            <a:r>
-              <a:rPr lang="en-US" sz="1050" dirty="0">
-                <a:solidFill>
-                  <a:srgbClr val="7030A0"/>
-                </a:solidFill>
-              </a:rPr>
-              <a:t>TaskDescription</a:t>
-            </a:r>
-            <a:endParaRPr lang="en-SG" sz="1050" dirty="0">
-              <a:solidFill>
-                <a:srgbClr val="7030A0"/>
-              </a:solidFill>
-            </a:endParaRPr>
-          </a:p>
-        </p:txBody>
-      </p:sp>
-      <p:cxnSp>
-        <p:nvCxnSpPr>
-          <p:cNvPr id="148" name="Elbow Connector 147"/>
-          <p:cNvCxnSpPr>
-            <a:stCxn id="143" idx="3"/>
-            <a:endCxn id="147" idx="1"/>
-          </p:cNvCxnSpPr>
-          <p:nvPr/>
-        </p:nvCxnSpPr>
-        <p:spPr>
-          <a:xfrm>
-            <a:off x="6797663" y="4159386"/>
-            <a:ext cx="434402" cy="549758"/>
-          </a:xfrm>
-          <a:prstGeom prst="bentConnector3">
-            <a:avLst>
-              <a:gd name="adj1" fmla="val 50000"/>
-            </a:avLst>
-          </a:prstGeom>
-          <a:ln w="19050">
-            <a:solidFill>
-              <a:srgbClr val="7030A0"/>
-            </a:solidFill>
-            <a:headEnd type="none" w="med" len="med"/>
-            <a:tailEnd type="arrow" w="med" len="med"/>
-          </a:ln>
-          <a:effectLst/>
-        </p:spPr>
-        <p:style>
-          <a:lnRef idx="1">
-            <a:schemeClr val="accent2"/>
-          </a:lnRef>
-          <a:fillRef idx="2">
-            <a:schemeClr val="accent2"/>
-          </a:fillRef>
-          <a:effectRef idx="1">
-            <a:schemeClr val="accent2"/>
-          </a:effectRef>
-          <a:fontRef idx="minor">
-            <a:schemeClr val="dk1"/>
-          </a:fontRef>
-        </p:style>
-      </p:cxnSp>
-      <p:sp>
-        <p:nvSpPr>
-          <p:cNvPr id="149" name="Rectangle 8"/>
-          <p:cNvSpPr/>
-          <p:nvPr/>
-        </p:nvSpPr>
-        <p:spPr>
-          <a:xfrm>
-            <a:off x="7232065" y="4889229"/>
-            <a:ext cx="1082150" cy="285783"/>
-          </a:xfrm>
-          <a:prstGeom prst="rect">
-            <a:avLst/>
-          </a:prstGeom>
-          <a:ln w="19050">
-            <a:solidFill>
-              <a:srgbClr val="7030A0"/>
-            </a:solidFill>
-          </a:ln>
-          <a:effectLst/>
-        </p:spPr>
-        <p:style>
-          <a:lnRef idx="1">
-            <a:schemeClr val="accent4"/>
-          </a:lnRef>
-          <a:fillRef idx="2">
-            <a:schemeClr val="accent4"/>
-          </a:fillRef>
-          <a:effectRef idx="1">
-            <a:schemeClr val="accent4"/>
-          </a:effectRef>
-          <a:fontRef idx="minor">
-            <a:schemeClr val="dk1"/>
-          </a:fontRef>
-        </p:style>
-        <p:txBody>
-          <a:bodyPr rtlCol="0" anchor="ctr"/>
-          <a:lstStyle/>
-          <a:p>
-            <a:pPr algn="ctr"/>
-            <a:r>
-              <a:rPr lang="en-US" sz="1050" dirty="0">
-                <a:solidFill>
-                  <a:srgbClr val="7030A0"/>
-                </a:solidFill>
-              </a:rPr>
-              <a:t>TaskDueDate</a:t>
-            </a:r>
-            <a:endParaRPr lang="en-SG" sz="1050" dirty="0">
-              <a:solidFill>
-                <a:srgbClr val="7030A0"/>
-              </a:solidFill>
-            </a:endParaRPr>
-          </a:p>
-        </p:txBody>
-      </p:sp>
-      <p:cxnSp>
-        <p:nvCxnSpPr>
-          <p:cNvPr id="150" name="Elbow Connector 149"/>
-          <p:cNvCxnSpPr>
-            <a:stCxn id="143" idx="3"/>
-            <a:endCxn id="149" idx="1"/>
-          </p:cNvCxnSpPr>
-          <p:nvPr/>
-        </p:nvCxnSpPr>
-        <p:spPr>
-          <a:xfrm>
-            <a:off x="6797663" y="4159386"/>
-            <a:ext cx="434402" cy="872735"/>
-          </a:xfrm>
-          <a:prstGeom prst="bentConnector3">
-            <a:avLst>
-              <a:gd name="adj1" fmla="val 50000"/>
-            </a:avLst>
-          </a:prstGeom>
-          <a:ln w="19050">
-            <a:solidFill>
-              <a:srgbClr val="7030A0"/>
-            </a:solidFill>
-            <a:headEnd type="none" w="med" len="med"/>
-            <a:tailEnd type="arrow" w="med" len="med"/>
-          </a:ln>
-          <a:effectLst/>
-        </p:spPr>
-        <p:style>
-          <a:lnRef idx="1">
-            <a:schemeClr val="accent2"/>
-          </a:lnRef>
-          <a:fillRef idx="2">
-            <a:schemeClr val="accent2"/>
-          </a:fillRef>
-          <a:effectRef idx="1">
-            <a:schemeClr val="accent2"/>
-          </a:effectRef>
-          <a:fontRef idx="minor">
-            <a:schemeClr val="dk1"/>
-          </a:fontRef>
-        </p:style>
-      </p:cxnSp>
-      <p:sp>
-        <p:nvSpPr>
-          <p:cNvPr id="151" name="Flowchart: Decision 96"/>
-          <p:cNvSpPr/>
-          <p:nvPr/>
-        </p:nvSpPr>
-        <p:spPr>
-          <a:xfrm>
-            <a:off x="5190015" y="4051716"/>
-            <a:ext cx="236048" cy="173380"/>
-          </a:xfrm>
-          <a:prstGeom prst="flowChartDecision">
-            <a:avLst/>
-          </a:prstGeom>
-          <a:noFill/>
-          <a:ln w="19050">
-            <a:solidFill>
-              <a:srgbClr val="7030A0"/>
-            </a:solidFill>
-          </a:ln>
-          <a:effectLst/>
-        </p:spPr>
-        <p:style>
-          <a:lnRef idx="1">
-            <a:schemeClr val="accent6"/>
-          </a:lnRef>
-          <a:fillRef idx="2">
-            <a:schemeClr val="accent6"/>
-          </a:fillRef>
-          <a:effectRef idx="1">
-            <a:schemeClr val="accent6"/>
-          </a:effectRef>
-          <a:fontRef idx="minor">
-            <a:schemeClr val="dk1"/>
-          </a:fontRef>
-        </p:style>
-        <p:txBody>
-          <a:bodyPr rtlCol="0" anchor="ctr"/>
-          <a:lstStyle/>
-          <a:p>
-            <a:pPr algn="ctr"/>
-            <a:endParaRPr lang="en-US" sz="1050"/>
-          </a:p>
-        </p:txBody>
-      </p:sp>
-      <p:cxnSp>
-        <p:nvCxnSpPr>
-          <p:cNvPr id="152" name="Elbow Connector 151"/>
-          <p:cNvCxnSpPr/>
-          <p:nvPr/>
-        </p:nvCxnSpPr>
-        <p:spPr>
-          <a:xfrm>
-            <a:off x="5418615" y="4148896"/>
-            <a:ext cx="453600" cy="777"/>
-          </a:xfrm>
-          <a:prstGeom prst="bentConnector3">
-            <a:avLst/>
-          </a:prstGeom>
-          <a:ln w="19050">
-            <a:solidFill>
-              <a:srgbClr val="7030A0"/>
-            </a:solidFill>
-            <a:headEnd type="none" w="med" len="med"/>
-            <a:tailEnd type="arrow" w="med" len="med"/>
-          </a:ln>
-          <a:effectLst/>
-        </p:spPr>
-        <p:style>
-          <a:lnRef idx="1">
-            <a:schemeClr val="accent2"/>
-          </a:lnRef>
-          <a:fillRef idx="2">
-            <a:schemeClr val="accent2"/>
-          </a:fillRef>
-          <a:effectRef idx="1">
-            <a:schemeClr val="accent2"/>
-          </a:effectRef>
-          <a:fontRef idx="minor">
-            <a:schemeClr val="dk1"/>
-          </a:fontRef>
-        </p:style>
-      </p:cxnSp>
-      <p:sp>
-        <p:nvSpPr>
-          <p:cNvPr id="153" name="TextBox 152"/>
-          <p:cNvSpPr txBox="1"/>
-          <p:nvPr/>
-        </p:nvSpPr>
-        <p:spPr>
-          <a:xfrm>
-            <a:off x="5686558" y="4198813"/>
-            <a:ext cx="189257" cy="178683"/>
-          </a:xfrm>
-          <a:prstGeom prst="rect">
-            <a:avLst/>
-          </a:prstGeom>
-          <a:noFill/>
-        </p:spPr>
-        <p:txBody>
-          <a:bodyPr wrap="square" lIns="0" tIns="0" rIns="0" bIns="0" rtlCol="0">
-            <a:noAutofit/>
-          </a:bodyPr>
-          <a:lstStyle/>
-          <a:p>
-            <a:pPr algn="ctr"/>
-            <a:r>
-              <a:rPr lang="en-US" sz="1100" dirty="0">
-                <a:solidFill>
-                  <a:srgbClr val="7030A0"/>
-                </a:solidFill>
-              </a:rPr>
-              <a:t>*</a:t>
-            </a:r>
-            <a:endParaRPr lang="en-SG" sz="1100" dirty="0">
-              <a:solidFill>
-                <a:srgbClr val="7030A0"/>
-              </a:solidFill>
-            </a:endParaRPr>
-          </a:p>
-        </p:txBody>
-      </p:sp>
-      <p:cxnSp>
-        <p:nvCxnSpPr>
-          <p:cNvPr id="163" name="Straight Connector 162"/>
-          <p:cNvCxnSpPr/>
-          <p:nvPr/>
-        </p:nvCxnSpPr>
-        <p:spPr>
-          <a:xfrm>
-            <a:off x="1752600" y="1600200"/>
-            <a:ext cx="4579200" cy="0"/>
-          </a:xfrm>
-          <a:prstGeom prst="line">
-            <a:avLst/>
-          </a:prstGeom>
-          <a:ln w="19050">
-            <a:solidFill>
-              <a:srgbClr val="7030A0"/>
-            </a:solidFill>
-          </a:ln>
-        </p:spPr>
-        <p:style>
-          <a:lnRef idx="1">
-            <a:schemeClr val="accent1"/>
-          </a:lnRef>
-          <a:fillRef idx="0">
-            <a:schemeClr val="accent1"/>
-          </a:fillRef>
-          <a:effectRef idx="0">
-            <a:schemeClr val="accent1"/>
-          </a:effectRef>
-          <a:fontRef idx="minor">
-            <a:schemeClr val="tx1"/>
-          </a:fontRef>
-        </p:style>
-      </p:cxnSp>
-      <p:cxnSp>
-        <p:nvCxnSpPr>
-          <p:cNvPr id="172" name="Straight Connector 171"/>
-          <p:cNvCxnSpPr/>
-          <p:nvPr/>
-        </p:nvCxnSpPr>
-        <p:spPr>
-          <a:xfrm>
-            <a:off x="1761015" y="4529896"/>
-            <a:ext cx="0" cy="1152000"/>
-          </a:xfrm>
-          <a:prstGeom prst="line">
-            <a:avLst/>
-          </a:prstGeom>
-          <a:ln w="19050">
-            <a:solidFill>
-              <a:srgbClr val="7030A0"/>
-            </a:solidFill>
-          </a:ln>
-        </p:spPr>
-        <p:style>
-          <a:lnRef idx="1">
-            <a:schemeClr val="accent1"/>
-          </a:lnRef>
-          <a:fillRef idx="0">
-            <a:schemeClr val="accent1"/>
-          </a:fillRef>
-          <a:effectRef idx="0">
-            <a:schemeClr val="accent1"/>
-          </a:effectRef>
-          <a:fontRef idx="minor">
-            <a:schemeClr val="tx1"/>
-          </a:fontRef>
-        </p:style>
-      </p:cxnSp>
-      <p:cxnSp>
-        <p:nvCxnSpPr>
-          <p:cNvPr id="176" name="Straight Arrow Connector 175"/>
-          <p:cNvCxnSpPr/>
-          <p:nvPr/>
-        </p:nvCxnSpPr>
-        <p:spPr>
-          <a:xfrm flipV="1">
-            <a:off x="6256815" y="4301296"/>
-            <a:ext cx="0" cy="1368000"/>
-          </a:xfrm>
-          <a:prstGeom prst="straightConnector1">
-            <a:avLst/>
-          </a:prstGeom>
-          <a:ln w="19050">
-            <a:solidFill>
-              <a:srgbClr val="7030A0"/>
-            </a:solidFill>
-            <a:tailEnd type="arrow"/>
-          </a:ln>
-        </p:spPr>
-        <p:style>
-          <a:lnRef idx="1">
-            <a:schemeClr val="accent1"/>
-          </a:lnRef>
-          <a:fillRef idx="0">
-            <a:schemeClr val="accent1"/>
-          </a:fillRef>
-          <a:effectRef idx="0">
-            <a:schemeClr val="accent1"/>
-          </a:effectRef>
-          <a:fontRef idx="minor">
-            <a:schemeClr val="tx1"/>
-          </a:fontRef>
-        </p:style>
-      </p:cxnSp>
-      <p:sp>
-        <p:nvSpPr>
-          <p:cNvPr id="189" name="Rectangle 8"/>
-          <p:cNvSpPr/>
-          <p:nvPr/>
-        </p:nvSpPr>
-        <p:spPr>
-          <a:xfrm>
-            <a:off x="7247415" y="5215696"/>
-            <a:ext cx="1082150" cy="285783"/>
-          </a:xfrm>
-          <a:prstGeom prst="rect">
-            <a:avLst/>
-          </a:prstGeom>
-          <a:ln w="19050">
-            <a:solidFill>
-              <a:srgbClr val="7030A0"/>
-            </a:solidFill>
-          </a:ln>
-          <a:effectLst/>
-        </p:spPr>
-        <p:style>
-          <a:lnRef idx="1">
-            <a:schemeClr val="accent4"/>
-          </a:lnRef>
-          <a:fillRef idx="2">
-            <a:schemeClr val="accent4"/>
-          </a:fillRef>
-          <a:effectRef idx="1">
-            <a:schemeClr val="accent4"/>
-          </a:effectRef>
-          <a:fontRef idx="minor">
-            <a:schemeClr val="dk1"/>
-          </a:fontRef>
-        </p:style>
-        <p:txBody>
-          <a:bodyPr rtlCol="0" anchor="ctr"/>
-          <a:lstStyle/>
-          <a:p>
-            <a:pPr algn="ctr"/>
-            <a:r>
-              <a:rPr lang="en-US" sz="1050" dirty="0">
-                <a:solidFill>
-                  <a:srgbClr val="7030A0"/>
-                </a:solidFill>
-              </a:rPr>
-              <a:t>TaskStatus</a:t>
-            </a:r>
-            <a:endParaRPr lang="en-SG" sz="1050" dirty="0">
-              <a:solidFill>
-                <a:srgbClr val="7030A0"/>
-              </a:solidFill>
-            </a:endParaRPr>
-          </a:p>
-        </p:txBody>
-      </p:sp>
-      <p:cxnSp>
-        <p:nvCxnSpPr>
-          <p:cNvPr id="191" name="Elbow Connector 190"/>
-          <p:cNvCxnSpPr/>
-          <p:nvPr/>
-        </p:nvCxnSpPr>
-        <p:spPr>
-          <a:xfrm>
-            <a:off x="6790215" y="4148896"/>
-            <a:ext cx="434402" cy="1188000"/>
-          </a:xfrm>
-          <a:prstGeom prst="bentConnector3">
-            <a:avLst>
-              <a:gd name="adj1" fmla="val 50000"/>
-            </a:avLst>
-          </a:prstGeom>
-          <a:ln w="19050">
-            <a:solidFill>
-              <a:srgbClr val="7030A0"/>
-            </a:solidFill>
-            <a:headEnd type="none" w="med" len="med"/>
-            <a:tailEnd type="arrow" w="med" len="med"/>
-          </a:ln>
-          <a:effectLst/>
-        </p:spPr>
-        <p:style>
-          <a:lnRef idx="1">
-            <a:schemeClr val="accent2"/>
-          </a:lnRef>
-          <a:fillRef idx="2">
-            <a:schemeClr val="accent2"/>
-          </a:fillRef>
-          <a:effectRef idx="1">
-            <a:schemeClr val="accent2"/>
-          </a:effectRef>
-          <a:fontRef idx="minor">
-            <a:schemeClr val="dk1"/>
-          </a:fontRef>
-        </p:style>
-      </p:cxnSp>
-      <p:sp>
-        <p:nvSpPr>
-          <p:cNvPr id="192" name="Flowchart: Decision 96"/>
-          <p:cNvSpPr/>
-          <p:nvPr/>
-        </p:nvSpPr>
-        <p:spPr>
-          <a:xfrm rot="16200000">
-            <a:off x="4472881" y="4866031"/>
-            <a:ext cx="236048" cy="173380"/>
-          </a:xfrm>
-          <a:prstGeom prst="flowChartDecision">
-            <a:avLst/>
-          </a:prstGeom>
-          <a:noFill/>
-          <a:ln w="19050">
-            <a:solidFill>
-              <a:srgbClr val="7030A0"/>
-            </a:solidFill>
-          </a:ln>
-          <a:effectLst/>
-        </p:spPr>
-        <p:style>
-          <a:lnRef idx="1">
-            <a:schemeClr val="accent6"/>
-          </a:lnRef>
-          <a:fillRef idx="2">
-            <a:schemeClr val="accent6"/>
-          </a:fillRef>
-          <a:effectRef idx="1">
-            <a:schemeClr val="accent6"/>
-          </a:effectRef>
-          <a:fontRef idx="minor">
-            <a:schemeClr val="dk1"/>
-          </a:fontRef>
-        </p:style>
-        <p:txBody>
-          <a:bodyPr rtlCol="0" anchor="ctr"/>
-          <a:lstStyle/>
-          <a:p>
-            <a:pPr algn="ctr"/>
-            <a:endParaRPr lang="en-US" sz="1050"/>
-          </a:p>
-        </p:txBody>
-      </p:sp>
-      <p:cxnSp>
-        <p:nvCxnSpPr>
-          <p:cNvPr id="193" name="Elbow Connector 68"/>
-          <p:cNvCxnSpPr/>
-          <p:nvPr/>
-        </p:nvCxnSpPr>
-        <p:spPr>
-          <a:xfrm>
-            <a:off x="4588802" y="5063296"/>
-            <a:ext cx="372613" cy="54000"/>
-          </a:xfrm>
-          <a:prstGeom prst="bentConnector3">
-            <a:avLst>
-              <a:gd name="adj1" fmla="val -1066"/>
-            </a:avLst>
-          </a:prstGeom>
-          <a:ln w="19050">
-            <a:solidFill>
-              <a:srgbClr val="7030A0"/>
-            </a:solidFill>
-            <a:headEnd type="none" w="med" len="med"/>
-            <a:tailEnd type="arrow" w="med" len="med"/>
-          </a:ln>
-          <a:effectLst/>
-        </p:spPr>
-        <p:style>
-          <a:lnRef idx="1">
-            <a:schemeClr val="accent2"/>
-          </a:lnRef>
-          <a:fillRef idx="2">
-            <a:schemeClr val="accent2"/>
-          </a:fillRef>
-          <a:effectRef idx="1">
-            <a:schemeClr val="accent2"/>
-          </a:effectRef>
-          <a:fontRef idx="minor">
-            <a:schemeClr val="dk1"/>
-          </a:fontRef>
-        </p:style>
-      </p:cxnSp>
-      <p:sp>
-        <p:nvSpPr>
-          <p:cNvPr id="196" name="Rectangle 8"/>
-          <p:cNvSpPr/>
-          <p:nvPr/>
-        </p:nvSpPr>
-        <p:spPr>
-          <a:xfrm>
-            <a:off x="4961415" y="4945136"/>
-            <a:ext cx="940900" cy="346760"/>
-          </a:xfrm>
-          <a:prstGeom prst="rect">
-            <a:avLst/>
-          </a:prstGeom>
-          <a:ln w="19050">
-            <a:solidFill>
-              <a:srgbClr val="7030A0"/>
-            </a:solidFill>
-          </a:ln>
-          <a:effectLst/>
-        </p:spPr>
-        <p:style>
-          <a:lnRef idx="1">
-            <a:schemeClr val="accent4"/>
-          </a:lnRef>
-          <a:fillRef idx="2">
-            <a:schemeClr val="accent4"/>
-          </a:fillRef>
-          <a:effectRef idx="1">
-            <a:schemeClr val="accent4"/>
-          </a:effectRef>
-          <a:fontRef idx="minor">
-            <a:schemeClr val="dk1"/>
-          </a:fontRef>
-        </p:style>
-        <p:txBody>
-          <a:bodyPr rtlCol="0" anchor="ctr"/>
-          <a:lstStyle/>
-          <a:p>
-            <a:pPr algn="ctr"/>
-            <a:r>
-              <a:rPr lang="en-US" sz="1050" dirty="0">
-                <a:solidFill>
-                  <a:srgbClr val="7030A0"/>
-                </a:solidFill>
-              </a:rPr>
-              <a:t>TaskCategory</a:t>
-            </a:r>
-            <a:endParaRPr lang="en-SG" sz="1050" dirty="0">
-              <a:solidFill>
-                <a:srgbClr val="7030A0"/>
-              </a:solidFill>
-            </a:endParaRPr>
-          </a:p>
-        </p:txBody>
-      </p:sp>
-      <p:sp>
-        <p:nvSpPr>
-          <p:cNvPr id="197" name="TextBox 196"/>
-          <p:cNvSpPr txBox="1"/>
-          <p:nvPr/>
-        </p:nvSpPr>
-        <p:spPr>
-          <a:xfrm>
-            <a:off x="4772158" y="5189413"/>
-            <a:ext cx="189257" cy="178683"/>
-          </a:xfrm>
-          <a:prstGeom prst="rect">
-            <a:avLst/>
-          </a:prstGeom>
-          <a:noFill/>
-        </p:spPr>
-        <p:txBody>
-          <a:bodyPr wrap="square" lIns="0" tIns="0" rIns="0" bIns="0" rtlCol="0">
-            <a:noAutofit/>
-          </a:bodyPr>
-          <a:lstStyle/>
-          <a:p>
-            <a:pPr algn="ctr"/>
-            <a:r>
-              <a:rPr lang="en-US" sz="1100" dirty="0">
-                <a:solidFill>
-                  <a:srgbClr val="7030A0"/>
-                </a:solidFill>
-              </a:rPr>
-              <a:t>*</a:t>
-            </a:r>
-            <a:endParaRPr lang="en-SG" sz="1100" dirty="0">
-              <a:solidFill>
-                <a:srgbClr val="7030A0"/>
-              </a:solidFill>
-            </a:endParaRPr>
-          </a:p>
-        </p:txBody>
-      </p:sp>
-      <p:sp>
-        <p:nvSpPr>
-          <p:cNvPr id="198" name="TextBox 197"/>
-          <p:cNvSpPr txBox="1"/>
-          <p:nvPr/>
-        </p:nvSpPr>
-        <p:spPr>
-          <a:xfrm>
-            <a:off x="6296158" y="4301296"/>
-            <a:ext cx="189257" cy="178683"/>
-          </a:xfrm>
-          <a:prstGeom prst="rect">
-            <a:avLst/>
-          </a:prstGeom>
-          <a:noFill/>
-        </p:spPr>
-        <p:txBody>
-          <a:bodyPr wrap="square" lIns="0" tIns="0" rIns="0" bIns="0" rtlCol="0">
-            <a:noAutofit/>
-          </a:bodyPr>
-          <a:lstStyle/>
-          <a:p>
-            <a:pPr algn="ctr"/>
-            <a:r>
-              <a:rPr lang="en-US" sz="1100" dirty="0">
-                <a:solidFill>
-                  <a:srgbClr val="7030A0"/>
-                </a:solidFill>
-              </a:rPr>
-              <a:t>1</a:t>
-            </a:r>
-            <a:endParaRPr lang="en-SG" sz="1100" dirty="0">
-              <a:solidFill>
-                <a:srgbClr val="7030A0"/>
-              </a:solidFill>
-            </a:endParaRPr>
-          </a:p>
-        </p:txBody>
-      </p:sp>
-      <p:cxnSp>
-        <p:nvCxnSpPr>
-          <p:cNvPr id="204" name="Straight Arrow Connector 203"/>
-          <p:cNvCxnSpPr/>
-          <p:nvPr/>
-        </p:nvCxnSpPr>
-        <p:spPr>
-          <a:xfrm>
-            <a:off x="6324600" y="1600200"/>
-            <a:ext cx="0" cy="1260000"/>
-          </a:xfrm>
-          <a:prstGeom prst="straightConnector1">
-            <a:avLst/>
-          </a:prstGeom>
-          <a:ln w="19050">
-            <a:solidFill>
-              <a:srgbClr val="7030A0"/>
-            </a:solidFill>
-            <a:tailEnd type="arrow"/>
-          </a:ln>
-        </p:spPr>
-        <p:style>
-          <a:lnRef idx="1">
-            <a:schemeClr val="accent1"/>
-          </a:lnRef>
-          <a:fillRef idx="0">
-            <a:schemeClr val="accent1"/>
-          </a:fillRef>
-          <a:effectRef idx="0">
-            <a:schemeClr val="accent1"/>
-          </a:effectRef>
-          <a:fontRef idx="minor">
-            <a:schemeClr val="tx1"/>
-          </a:fontRef>
-        </p:style>
-      </p:cxnSp>
-      <p:sp>
-        <p:nvSpPr>
-          <p:cNvPr id="205" name="TextBox 204"/>
-          <p:cNvSpPr txBox="1"/>
-          <p:nvPr/>
-        </p:nvSpPr>
-        <p:spPr>
-          <a:xfrm rot="16200000">
-            <a:off x="6052996" y="2100404"/>
-            <a:ext cx="804818" cy="261610"/>
-          </a:xfrm>
-          <a:prstGeom prst="rect">
-            <a:avLst/>
-          </a:prstGeom>
-          <a:noFill/>
-        </p:spPr>
-        <p:txBody>
-          <a:bodyPr wrap="square" rtlCol="0">
-            <a:spAutoFit/>
-          </a:bodyPr>
-          <a:lstStyle/>
-          <a:p>
-            <a:pPr algn="r"/>
-            <a:r>
-              <a:rPr lang="en-US" sz="1100" dirty="0">
-                <a:solidFill>
-                  <a:srgbClr val="7030A0"/>
-                </a:solidFill>
-              </a:rPr>
-              <a:t>filtered list</a:t>
-            </a:r>
-            <a:endParaRPr lang="en-SG" sz="1100" dirty="0">
-              <a:solidFill>
-                <a:srgbClr val="7030A0"/>
-              </a:solidFill>
-            </a:endParaRPr>
-          </a:p>
-        </p:txBody>
-      </p:sp>
-      <p:cxnSp>
-        <p:nvCxnSpPr>
-          <p:cNvPr id="96" name="Straight Arrow Connector 95"/>
-          <p:cNvCxnSpPr>
-            <a:stCxn id="98" idx="3"/>
-          </p:cNvCxnSpPr>
-          <p:nvPr/>
-        </p:nvCxnSpPr>
-        <p:spPr>
-          <a:xfrm>
-            <a:off x="2199170" y="4351232"/>
-            <a:ext cx="220810" cy="5284"/>
-          </a:xfrm>
-          <a:prstGeom prst="straightConnector1">
-            <a:avLst/>
-          </a:prstGeom>
-          <a:ln w="19050">
-            <a:solidFill>
-              <a:srgbClr val="7030A0"/>
-            </a:solidFill>
-            <a:headEnd type="none" w="med" len="med"/>
-            <a:tailEnd type="arrow" w="med" len="med"/>
-          </a:ln>
-          <a:effectLst/>
-        </p:spPr>
-        <p:style>
-          <a:lnRef idx="1">
-            <a:schemeClr val="accent2"/>
-          </a:lnRef>
-          <a:fillRef idx="2">
-            <a:schemeClr val="accent2"/>
-          </a:fillRef>
-          <a:effectRef idx="1">
-            <a:schemeClr val="accent2"/>
-          </a:effectRef>
-          <a:fontRef idx="minor">
-            <a:schemeClr val="dk1"/>
-          </a:fontRef>
-        </p:style>
-      </p:cxnSp>
-      <p:sp>
-        <p:nvSpPr>
-          <p:cNvPr id="98" name="Flowchart: Decision 96"/>
-          <p:cNvSpPr/>
-          <p:nvPr/>
-        </p:nvSpPr>
-        <p:spPr>
-          <a:xfrm>
-            <a:off x="1963122" y="4264542"/>
-            <a:ext cx="236048" cy="173380"/>
-          </a:xfrm>
-          <a:prstGeom prst="flowChartDecision">
-            <a:avLst/>
-          </a:prstGeom>
-          <a:noFill/>
-          <a:ln w="19050">
-            <a:solidFill>
-              <a:srgbClr val="7030A0"/>
-            </a:solidFill>
-          </a:ln>
-          <a:effectLst/>
-        </p:spPr>
-        <p:style>
-          <a:lnRef idx="1">
-            <a:schemeClr val="accent6"/>
-          </a:lnRef>
-          <a:fillRef idx="2">
-            <a:schemeClr val="accent6"/>
-          </a:fillRef>
-          <a:effectRef idx="1">
-            <a:schemeClr val="accent6"/>
-          </a:effectRef>
-          <a:fontRef idx="minor">
-            <a:schemeClr val="dk1"/>
-          </a:fontRef>
-        </p:style>
-        <p:txBody>
-          <a:bodyPr rtlCol="0" anchor="ctr"/>
-          <a:lstStyle/>
-          <a:p>
-            <a:pPr algn="ctr"/>
-            <a:endParaRPr lang="en-US" sz="1050"/>
-          </a:p>
-        </p:txBody>
-      </p:sp>
-      <p:sp>
-        <p:nvSpPr>
-          <p:cNvPr id="101" name="TextBox 100"/>
-          <p:cNvSpPr txBox="1"/>
-          <p:nvPr/>
-        </p:nvSpPr>
-        <p:spPr>
-          <a:xfrm>
-            <a:off x="2209800" y="4122613"/>
-            <a:ext cx="189257" cy="178683"/>
-          </a:xfrm>
-          <a:prstGeom prst="rect">
-            <a:avLst/>
-          </a:prstGeom>
-          <a:noFill/>
-        </p:spPr>
-        <p:txBody>
-          <a:bodyPr wrap="square" lIns="0" tIns="0" rIns="0" bIns="0" rtlCol="0">
-            <a:noAutofit/>
-          </a:bodyPr>
-          <a:lstStyle/>
-          <a:p>
-            <a:pPr algn="ctr"/>
-            <a:r>
-              <a:rPr lang="en-US" sz="1100" dirty="0">
-                <a:solidFill>
-                  <a:srgbClr val="7030A0"/>
-                </a:solidFill>
-              </a:rPr>
-              <a:t>1</a:t>
-            </a:r>
-            <a:endParaRPr lang="en-SG" sz="1100" dirty="0">
-              <a:solidFill>
-                <a:srgbClr val="7030A0"/>
-              </a:solidFill>
-            </a:endParaRPr>
-          </a:p>
-        </p:txBody>
-      </p:sp>
-      <p:sp>
-        <p:nvSpPr>
-          <p:cNvPr id="102" name="Rectangle 8"/>
-          <p:cNvSpPr/>
-          <p:nvPr/>
-        </p:nvSpPr>
-        <p:spPr>
-          <a:xfrm>
-            <a:off x="2419980" y="4183136"/>
-            <a:ext cx="1093635" cy="346760"/>
-          </a:xfrm>
-          <a:prstGeom prst="rect">
-            <a:avLst/>
-          </a:prstGeom>
-          <a:ln w="19050">
-            <a:solidFill>
-              <a:srgbClr val="7030A0"/>
-            </a:solidFill>
-          </a:ln>
-          <a:effectLst/>
-        </p:spPr>
-        <p:style>
-          <a:lnRef idx="1">
-            <a:schemeClr val="accent4"/>
-          </a:lnRef>
-          <a:fillRef idx="2">
-            <a:schemeClr val="accent4"/>
-          </a:fillRef>
-          <a:effectRef idx="1">
-            <a:schemeClr val="accent4"/>
-          </a:effectRef>
-          <a:fontRef idx="minor">
-            <a:schemeClr val="dk1"/>
-          </a:fontRef>
-        </p:style>
-        <p:txBody>
-          <a:bodyPr rtlCol="0" anchor="ctr"/>
-          <a:lstStyle/>
-          <a:p>
-            <a:pPr algn="ctr"/>
-            <a:r>
-              <a:rPr lang="en-US" sz="1050" dirty="0">
-                <a:solidFill>
-                  <a:srgbClr val="7030A0"/>
-                </a:solidFill>
-              </a:rPr>
-              <a:t>TaskBook</a:t>
-            </a:r>
-            <a:endParaRPr lang="en-SG" sz="1050" dirty="0">
-              <a:solidFill>
-                <a:srgbClr val="7030A0"/>
-              </a:solidFill>
-            </a:endParaRPr>
-          </a:p>
-        </p:txBody>
-      </p:sp>
-      <p:sp>
-        <p:nvSpPr>
-          <p:cNvPr id="115" name="Rectangle 8"/>
-          <p:cNvSpPr/>
-          <p:nvPr/>
-        </p:nvSpPr>
-        <p:spPr>
-          <a:xfrm>
-            <a:off x="4033046" y="4478760"/>
-            <a:ext cx="1537969" cy="346760"/>
-          </a:xfrm>
-          <a:prstGeom prst="rect">
-            <a:avLst/>
-          </a:prstGeom>
-          <a:ln w="19050">
-            <a:solidFill>
-              <a:srgbClr val="7030A0"/>
-            </a:solidFill>
-          </a:ln>
-          <a:effectLst/>
-        </p:spPr>
-        <p:style>
-          <a:lnRef idx="1">
-            <a:schemeClr val="accent4"/>
-          </a:lnRef>
-          <a:fillRef idx="2">
-            <a:schemeClr val="accent4"/>
-          </a:fillRef>
-          <a:effectRef idx="1">
-            <a:schemeClr val="accent4"/>
-          </a:effectRef>
-          <a:fontRef idx="minor">
-            <a:schemeClr val="dk1"/>
-          </a:fontRef>
-        </p:style>
-        <p:txBody>
-          <a:bodyPr rtlCol="0" anchor="ctr"/>
-          <a:lstStyle/>
-          <a:p>
-            <a:pPr algn="ctr"/>
-            <a:r>
-              <a:rPr lang="en-US" sz="1050" dirty="0">
-                <a:solidFill>
-                  <a:srgbClr val="7030A0"/>
-                </a:solidFill>
-              </a:rPr>
-              <a:t>UniqueTaskCategoryList</a:t>
-            </a:r>
-            <a:endParaRPr lang="en-SG" sz="1050" dirty="0">
-              <a:solidFill>
-                <a:srgbClr val="7030A0"/>
-              </a:solidFill>
-            </a:endParaRPr>
-          </a:p>
-        </p:txBody>
-      </p:sp>
-      <p:sp>
-        <p:nvSpPr>
-          <p:cNvPr id="116" name="Flowchart: Decision 96"/>
-          <p:cNvSpPr/>
-          <p:nvPr/>
-        </p:nvSpPr>
-        <p:spPr>
-          <a:xfrm>
-            <a:off x="3530332" y="4305380"/>
-            <a:ext cx="236048" cy="173380"/>
-          </a:xfrm>
-          <a:prstGeom prst="flowChartDecision">
-            <a:avLst/>
-          </a:prstGeom>
-          <a:solidFill>
-            <a:srgbClr val="7030A0"/>
-          </a:solidFill>
-          <a:ln w="19050">
-            <a:solidFill>
-              <a:srgbClr val="7030A0"/>
-            </a:solidFill>
-          </a:ln>
-          <a:effectLst/>
-        </p:spPr>
-        <p:style>
-          <a:lnRef idx="1">
-            <a:schemeClr val="accent6"/>
-          </a:lnRef>
-          <a:fillRef idx="2">
-            <a:schemeClr val="accent6"/>
-          </a:fillRef>
-          <a:effectRef idx="1">
-            <a:schemeClr val="accent6"/>
-          </a:effectRef>
-          <a:fontRef idx="minor">
-            <a:schemeClr val="dk1"/>
-          </a:fontRef>
-        </p:style>
-        <p:txBody>
-          <a:bodyPr rtlCol="0" anchor="ctr"/>
-          <a:lstStyle/>
-          <a:p>
-            <a:pPr algn="ctr"/>
-            <a:endParaRPr lang="en-US" sz="1050"/>
-          </a:p>
-        </p:txBody>
-      </p:sp>
-      <p:cxnSp>
-        <p:nvCxnSpPr>
-          <p:cNvPr id="117" name="Elbow Connector 116"/>
-          <p:cNvCxnSpPr>
-            <a:stCxn id="116" idx="3"/>
-            <a:endCxn id="115" idx="1"/>
-          </p:cNvCxnSpPr>
-          <p:nvPr/>
-        </p:nvCxnSpPr>
-        <p:spPr>
-          <a:xfrm>
-            <a:off x="3766380" y="4392070"/>
-            <a:ext cx="266666" cy="260070"/>
-          </a:xfrm>
-          <a:prstGeom prst="bentConnector3">
-            <a:avLst>
-              <a:gd name="adj1" fmla="val 50000"/>
-            </a:avLst>
-          </a:prstGeom>
-          <a:ln w="19050">
-            <a:solidFill>
-              <a:srgbClr val="7030A0"/>
-            </a:solidFill>
-            <a:headEnd type="none" w="med" len="med"/>
-            <a:tailEnd type="arrow" w="med" len="med"/>
-          </a:ln>
-          <a:effectLst/>
-        </p:spPr>
-        <p:style>
-          <a:lnRef idx="1">
-            <a:schemeClr val="accent2"/>
-          </a:lnRef>
-          <a:fillRef idx="2">
-            <a:schemeClr val="accent2"/>
-          </a:fillRef>
-          <a:effectRef idx="1">
-            <a:schemeClr val="accent2"/>
-          </a:effectRef>
-          <a:fontRef idx="minor">
-            <a:schemeClr val="dk1"/>
-          </a:fontRef>
-        </p:style>
-      </p:cxnSp>
-      <p:sp>
-        <p:nvSpPr>
-          <p:cNvPr id="121" name="Rectangle 8"/>
-          <p:cNvSpPr/>
-          <p:nvPr/>
-        </p:nvSpPr>
-        <p:spPr>
-          <a:xfrm>
-            <a:off x="4023357" y="3954536"/>
-            <a:ext cx="1156969" cy="346760"/>
-          </a:xfrm>
-          <a:prstGeom prst="rect">
-            <a:avLst/>
-          </a:prstGeom>
-          <a:ln w="19050">
-            <a:solidFill>
-              <a:srgbClr val="7030A0"/>
-            </a:solidFill>
-          </a:ln>
-          <a:effectLst/>
-        </p:spPr>
-        <p:style>
-          <a:lnRef idx="1">
-            <a:schemeClr val="accent4"/>
-          </a:lnRef>
-          <a:fillRef idx="2">
-            <a:schemeClr val="accent4"/>
-          </a:fillRef>
-          <a:effectRef idx="1">
-            <a:schemeClr val="accent4"/>
-          </a:effectRef>
-          <a:fontRef idx="minor">
-            <a:schemeClr val="dk1"/>
-          </a:fontRef>
-        </p:style>
-        <p:txBody>
-          <a:bodyPr rtlCol="0" anchor="ctr"/>
-          <a:lstStyle/>
-          <a:p>
-            <a:pPr algn="ctr"/>
-            <a:r>
-              <a:rPr lang="en-US" sz="1050" dirty="0">
-                <a:solidFill>
-                  <a:srgbClr val="7030A0"/>
-                </a:solidFill>
-              </a:rPr>
-              <a:t>UniqueTaskList</a:t>
-            </a:r>
-            <a:endParaRPr lang="en-SG" sz="1050" dirty="0">
-              <a:solidFill>
-                <a:srgbClr val="7030A0"/>
-              </a:solidFill>
-            </a:endParaRPr>
-          </a:p>
-        </p:txBody>
-      </p:sp>
-      <p:cxnSp>
-        <p:nvCxnSpPr>
-          <p:cNvPr id="123" name="Elbow Connector 122"/>
-          <p:cNvCxnSpPr>
-            <a:stCxn id="116" idx="3"/>
-            <a:endCxn id="121" idx="1"/>
-          </p:cNvCxnSpPr>
-          <p:nvPr/>
-        </p:nvCxnSpPr>
-        <p:spPr>
-          <a:xfrm flipV="1">
-            <a:off x="3766380" y="4127916"/>
-            <a:ext cx="256977" cy="264154"/>
-          </a:xfrm>
-          <a:prstGeom prst="bentConnector3">
-            <a:avLst>
-              <a:gd name="adj1" fmla="val 50000"/>
-            </a:avLst>
-          </a:prstGeom>
-          <a:ln w="19050">
-            <a:solidFill>
-              <a:srgbClr val="7030A0"/>
-            </a:solidFill>
-            <a:headEnd type="none" w="med" len="med"/>
-            <a:tailEnd type="arrow" w="med" len="med"/>
-          </a:ln>
-          <a:effectLst/>
-        </p:spPr>
-        <p:style>
-          <a:lnRef idx="1">
-            <a:schemeClr val="accent2"/>
-          </a:lnRef>
-          <a:fillRef idx="2">
-            <a:schemeClr val="accent2"/>
-          </a:fillRef>
-          <a:effectRef idx="1">
-            <a:schemeClr val="accent2"/>
-          </a:effectRef>
-          <a:fontRef idx="minor">
-            <a:schemeClr val="dk1"/>
-          </a:fontRef>
-        </p:style>
-      </p:cxnSp>
-      <p:sp>
-        <p:nvSpPr>
-          <p:cNvPr id="125" name="TextBox 124"/>
-          <p:cNvSpPr txBox="1"/>
-          <p:nvPr/>
-        </p:nvSpPr>
-        <p:spPr>
-          <a:xfrm>
-            <a:off x="3871001" y="3894013"/>
-            <a:ext cx="189257" cy="178683"/>
-          </a:xfrm>
-          <a:prstGeom prst="rect">
-            <a:avLst/>
-          </a:prstGeom>
-          <a:noFill/>
-        </p:spPr>
-        <p:txBody>
-          <a:bodyPr wrap="square" lIns="0" tIns="0" rIns="0" bIns="0" rtlCol="0">
-            <a:noAutofit/>
-          </a:bodyPr>
-          <a:lstStyle/>
-          <a:p>
-            <a:pPr algn="ctr"/>
-            <a:r>
-              <a:rPr lang="en-US" sz="1100" dirty="0">
-                <a:solidFill>
-                  <a:srgbClr val="7030A0"/>
-                </a:solidFill>
-              </a:rPr>
-              <a:t>1</a:t>
-            </a:r>
-            <a:endParaRPr lang="en-SG" sz="1100" dirty="0">
-              <a:solidFill>
-                <a:srgbClr val="7030A0"/>
-              </a:solidFill>
-            </a:endParaRPr>
-          </a:p>
-        </p:txBody>
-      </p:sp>
-      <p:sp>
-        <p:nvSpPr>
-          <p:cNvPr id="126" name="TextBox 125"/>
-          <p:cNvSpPr txBox="1"/>
-          <p:nvPr/>
-        </p:nvSpPr>
-        <p:spPr>
-          <a:xfrm>
-            <a:off x="3871001" y="4690253"/>
-            <a:ext cx="189257" cy="178683"/>
-          </a:xfrm>
-          <a:prstGeom prst="rect">
-            <a:avLst/>
-          </a:prstGeom>
-          <a:noFill/>
-        </p:spPr>
-        <p:txBody>
-          <a:bodyPr wrap="square" lIns="0" tIns="0" rIns="0" bIns="0" rtlCol="0">
-            <a:noAutofit/>
-          </a:bodyPr>
-          <a:lstStyle/>
-          <a:p>
-            <a:pPr algn="ctr"/>
-            <a:r>
-              <a:rPr lang="en-US" sz="1100" dirty="0">
-                <a:solidFill>
-                  <a:srgbClr val="7030A0"/>
-                </a:solidFill>
-              </a:rPr>
-              <a:t>1</a:t>
-            </a:r>
-            <a:endParaRPr lang="en-SG" sz="1100" dirty="0">
-              <a:solidFill>
-                <a:srgbClr val="7030A0"/>
-              </a:solidFill>
-            </a:endParaRPr>
-          </a:p>
-        </p:txBody>
-      </p:sp>
-      <p:sp>
-        <p:nvSpPr>
-          <p:cNvPr id="140" name="Isosceles Triangle 102"/>
-          <p:cNvSpPr/>
-          <p:nvPr/>
-        </p:nvSpPr>
-        <p:spPr>
-          <a:xfrm flipV="1">
-            <a:off x="2827815" y="4834696"/>
-            <a:ext cx="270504" cy="175523"/>
-          </a:xfrm>
-          <a:prstGeom prst="triangle">
-            <a:avLst/>
-          </a:prstGeom>
-          <a:ln w="19050">
-            <a:solidFill>
-              <a:srgbClr val="7030A0"/>
-            </a:solidFill>
-          </a:ln>
-          <a:effectLst/>
-        </p:spPr>
-        <p:style>
-          <a:lnRef idx="1">
-            <a:schemeClr val="accent4"/>
-          </a:lnRef>
-          <a:fillRef idx="2">
-            <a:schemeClr val="accent4"/>
-          </a:fillRef>
-          <a:effectRef idx="1">
-            <a:schemeClr val="accent4"/>
-          </a:effectRef>
-          <a:fontRef idx="minor">
-            <a:schemeClr val="dk1"/>
-          </a:fontRef>
-        </p:style>
-        <p:txBody>
-          <a:bodyPr rtlCol="0" anchor="ctr"/>
-          <a:lstStyle/>
-          <a:p>
-            <a:pPr algn="ctr"/>
-            <a:endParaRPr lang="en-SG" sz="1050" b="1">
-              <a:solidFill>
-                <a:srgbClr val="92D050"/>
-              </a:solidFill>
-            </a:endParaRPr>
-          </a:p>
-        </p:txBody>
-      </p:sp>
-      <p:cxnSp>
-        <p:nvCxnSpPr>
-          <p:cNvPr id="156" name="Elbow Connector 63"/>
-          <p:cNvCxnSpPr/>
-          <p:nvPr/>
-        </p:nvCxnSpPr>
-        <p:spPr>
-          <a:xfrm rot="16200000" flipH="1">
-            <a:off x="2799007" y="4687783"/>
-            <a:ext cx="293825" cy="1"/>
-          </a:xfrm>
-          <a:prstGeom prst="bentConnector3">
-            <a:avLst>
-              <a:gd name="adj1" fmla="val 50000"/>
-            </a:avLst>
-          </a:prstGeom>
-          <a:ln w="19050">
-            <a:solidFill>
-              <a:srgbClr val="7030A0"/>
-            </a:solidFill>
-            <a:prstDash val="sysDot"/>
-            <a:headEnd type="none" w="med" len="med"/>
-            <a:tailEnd type="none" w="med" len="med"/>
-          </a:ln>
-          <a:effectLst/>
-        </p:spPr>
-        <p:style>
-          <a:lnRef idx="1">
-            <a:schemeClr val="accent2"/>
-          </a:lnRef>
-          <a:fillRef idx="2">
-            <a:schemeClr val="accent2"/>
-          </a:fillRef>
-          <a:effectRef idx="1">
-            <a:schemeClr val="accent2"/>
-          </a:effectRef>
-          <a:fontRef idx="minor">
-            <a:schemeClr val="dk1"/>
-          </a:fontRef>
-        </p:style>
-      </p:cxnSp>
-      <p:sp>
-        <p:nvSpPr>
-          <p:cNvPr id="157" name="Rectangle 8"/>
-          <p:cNvSpPr/>
-          <p:nvPr/>
-        </p:nvSpPr>
-        <p:spPr>
-          <a:xfrm>
-            <a:off x="2218215" y="5021336"/>
-            <a:ext cx="1539926" cy="346760"/>
-          </a:xfrm>
-          <a:prstGeom prst="rect">
-            <a:avLst/>
-          </a:prstGeom>
-          <a:ln w="19050">
-            <a:solidFill>
-              <a:srgbClr val="7030A0"/>
-            </a:solidFill>
-          </a:ln>
-          <a:effectLst/>
-        </p:spPr>
-        <p:style>
-          <a:lnRef idx="1">
-            <a:schemeClr val="accent4"/>
-          </a:lnRef>
-          <a:fillRef idx="2">
-            <a:schemeClr val="accent4"/>
-          </a:fillRef>
-          <a:effectRef idx="1">
-            <a:schemeClr val="accent4"/>
-          </a:effectRef>
-          <a:fontRef idx="minor">
-            <a:schemeClr val="dk1"/>
-          </a:fontRef>
-        </p:style>
-        <p:txBody>
-          <a:bodyPr rtlCol="0" anchor="ctr"/>
-          <a:lstStyle/>
-          <a:p>
-            <a:pPr algn="ctr"/>
-            <a:r>
-              <a:rPr lang="en-US" sz="1050" dirty="0">
-                <a:solidFill>
-                  <a:srgbClr val="7030A0"/>
-                </a:solidFill>
-              </a:rPr>
-              <a:t>&lt;&lt;interface&gt;&gt;</a:t>
-            </a:r>
-            <a:br>
-              <a:rPr lang="en-US" sz="1050" dirty="0">
-                <a:solidFill>
-                  <a:srgbClr val="7030A0"/>
-                </a:solidFill>
-              </a:rPr>
-            </a:br>
-            <a:r>
-              <a:rPr lang="en-US" sz="1050" dirty="0">
-                <a:solidFill>
-                  <a:srgbClr val="7030A0"/>
-                </a:solidFill>
-              </a:rPr>
-              <a:t>ReadOnlyTaskBook</a:t>
-            </a:r>
-            <a:endParaRPr lang="en-SG" sz="1050" dirty="0">
-              <a:solidFill>
-                <a:srgbClr val="7030A0"/>
-              </a:solidFill>
-            </a:endParaRPr>
-          </a:p>
-        </p:txBody>
-      </p:sp>
-      <p:cxnSp>
-        <p:nvCxnSpPr>
-          <p:cNvPr id="158" name="Straight Connector 157"/>
-          <p:cNvCxnSpPr/>
-          <p:nvPr/>
-        </p:nvCxnSpPr>
-        <p:spPr>
-          <a:xfrm>
-            <a:off x="1756815" y="5672896"/>
-            <a:ext cx="4507200" cy="0"/>
-          </a:xfrm>
-          <a:prstGeom prst="line">
-            <a:avLst/>
-          </a:prstGeom>
-          <a:ln w="19050">
-            <a:solidFill>
-              <a:srgbClr val="7030A0"/>
-            </a:solidFill>
-          </a:ln>
-        </p:spPr>
-        <p:style>
-          <a:lnRef idx="1">
-            <a:schemeClr val="accent1"/>
-          </a:lnRef>
-          <a:fillRef idx="0">
-            <a:schemeClr val="accent1"/>
-          </a:fillRef>
-          <a:effectRef idx="0">
-            <a:schemeClr val="accent1"/>
-          </a:effectRef>
-          <a:fontRef idx="minor">
-            <a:schemeClr val="tx1"/>
-          </a:fontRef>
-        </p:style>
-      </p:cxnSp>
-      <p:cxnSp>
-        <p:nvCxnSpPr>
-          <p:cNvPr id="159" name="Straight Connector 158"/>
-          <p:cNvCxnSpPr/>
-          <p:nvPr/>
-        </p:nvCxnSpPr>
-        <p:spPr>
-          <a:xfrm>
-            <a:off x="1752600" y="1600200"/>
-            <a:ext cx="0" cy="882000"/>
-          </a:xfrm>
-          <a:prstGeom prst="line">
-            <a:avLst/>
-          </a:prstGeom>
-          <a:ln w="19050">
-            <a:solidFill>
-              <a:srgbClr val="7030A0"/>
-            </a:solidFill>
-          </a:ln>
-        </p:spPr>
-        <p:style>
-          <a:lnRef idx="1">
-            <a:schemeClr val="accent1"/>
-          </a:lnRef>
-          <a:fillRef idx="0">
-            <a:schemeClr val="accent1"/>
-          </a:fillRef>
-          <a:effectRef idx="0">
-            <a:schemeClr val="accent1"/>
-          </a:effectRef>
-          <a:fontRef idx="minor">
-            <a:schemeClr val="tx1"/>
-          </a:fontRef>
-        </p:style>
-      </p:cxnSp>
-      <p:cxnSp>
-        <p:nvCxnSpPr>
-          <p:cNvPr id="161" name="Straight Connector 160"/>
-          <p:cNvCxnSpPr/>
-          <p:nvPr/>
-        </p:nvCxnSpPr>
-        <p:spPr>
-          <a:xfrm>
-            <a:off x="6028215" y="4301296"/>
-            <a:ext cx="0" cy="378000"/>
-          </a:xfrm>
-          <a:prstGeom prst="line">
-            <a:avLst/>
-          </a:prstGeom>
-          <a:ln w="19050">
-            <a:solidFill>
-              <a:srgbClr val="7030A0"/>
-            </a:solidFill>
-          </a:ln>
-        </p:spPr>
-        <p:style>
-          <a:lnRef idx="1">
-            <a:schemeClr val="accent1"/>
-          </a:lnRef>
-          <a:fillRef idx="0">
-            <a:schemeClr val="accent1"/>
-          </a:fillRef>
-          <a:effectRef idx="0">
-            <a:schemeClr val="accent1"/>
-          </a:effectRef>
-          <a:fontRef idx="minor">
-            <a:schemeClr val="tx1"/>
-          </a:fontRef>
-        </p:style>
-      </p:cxnSp>
-      <p:cxnSp>
-        <p:nvCxnSpPr>
-          <p:cNvPr id="165" name="Straight Arrow Connector 164"/>
-          <p:cNvCxnSpPr/>
-          <p:nvPr/>
-        </p:nvCxnSpPr>
-        <p:spPr>
-          <a:xfrm flipH="1">
-            <a:off x="5571015" y="4682296"/>
-            <a:ext cx="460800" cy="0"/>
-          </a:xfrm>
-          <a:prstGeom prst="straightConnector1">
-            <a:avLst/>
-          </a:prstGeom>
-          <a:ln w="19050">
-            <a:solidFill>
-              <a:srgbClr val="7030A0"/>
-            </a:solidFill>
-            <a:headEnd type="none" w="med" len="med"/>
-            <a:tailEnd type="arrow" w="med" len="med"/>
-          </a:ln>
-          <a:effectLst/>
-        </p:spPr>
-        <p:style>
-          <a:lnRef idx="1">
-            <a:schemeClr val="accent2"/>
-          </a:lnRef>
-          <a:fillRef idx="2">
-            <a:schemeClr val="accent2"/>
-          </a:fillRef>
-          <a:effectRef idx="1">
-            <a:schemeClr val="accent2"/>
-          </a:effectRef>
-          <a:fontRef idx="minor">
-            <a:schemeClr val="dk1"/>
-          </a:fontRef>
-        </p:style>
-      </p:cxnSp>
-      <p:sp>
-        <p:nvSpPr>
-          <p:cNvPr id="167" name="TextBox 166"/>
-          <p:cNvSpPr txBox="1"/>
-          <p:nvPr/>
-        </p:nvSpPr>
-        <p:spPr>
-          <a:xfrm>
-            <a:off x="5571015" y="4427413"/>
-            <a:ext cx="189257" cy="178683"/>
-          </a:xfrm>
-          <a:prstGeom prst="rect">
-            <a:avLst/>
-          </a:prstGeom>
-          <a:noFill/>
-        </p:spPr>
-        <p:txBody>
-          <a:bodyPr wrap="square" lIns="0" tIns="0" rIns="0" bIns="0" rtlCol="0">
-            <a:noAutofit/>
-          </a:bodyPr>
-          <a:lstStyle/>
-          <a:p>
-            <a:pPr algn="ctr"/>
-            <a:r>
-              <a:rPr lang="en-US" sz="1100" dirty="0">
-                <a:solidFill>
-                  <a:srgbClr val="7030A0"/>
-                </a:solidFill>
-              </a:rPr>
-              <a:t>1</a:t>
-            </a:r>
-            <a:endParaRPr lang="en-SG" sz="1100" dirty="0">
-              <a:solidFill>
-                <a:srgbClr val="7030A0"/>
-              </a:solidFill>
-            </a:endParaRPr>
-          </a:p>
-        </p:txBody>
-      </p:sp>
-    </p:spTree>
-    <p:extLst>
-      <p:ext uri="{BB962C8B-B14F-4D97-AF65-F5344CB8AC3E}">
-        <p14:creationId xmlns:p14="http://schemas.microsoft.com/office/powerpoint/2010/main" val="2396968029"/>
-      </p:ext>
-    </p:extLst>
-  </p:cSld>
-  <p:clrMapOvr>
-    <a:masterClrMapping/>
-  </p:clrMapOvr>
-</p:sld>
-</file>
-
-<file path=ppt/slides/slide2.xml><?xml version="1.0" encoding="utf-8"?>
 <p:sld xmlns:a="http://schemas.openxmlformats.org/drawingml/2006/main" xmlns:r="http://schemas.openxmlformats.org/officeDocument/2006/relationships" xmlns:p="http://schemas.openxmlformats.org/presentationml/2006/main">
   <p:cSld>
     <p:spTree>
